--- a/Apresentação Trabalho.pptx
+++ b/Apresentação Trabalho.pptx
@@ -6,12 +6,15 @@
   </p:sldMasterIdLst>
   <p:sldIdLst>
     <p:sldId id="256" r:id="rId2"/>
-    <p:sldId id="258" r:id="rId3"/>
-    <p:sldId id="259" r:id="rId4"/>
-    <p:sldId id="260" r:id="rId5"/>
-    <p:sldId id="261" r:id="rId6"/>
-    <p:sldId id="262" r:id="rId7"/>
-    <p:sldId id="263" r:id="rId8"/>
+    <p:sldId id="264" r:id="rId3"/>
+    <p:sldId id="265" r:id="rId4"/>
+    <p:sldId id="266" r:id="rId5"/>
+    <p:sldId id="258" r:id="rId6"/>
+    <p:sldId id="259" r:id="rId7"/>
+    <p:sldId id="261" r:id="rId8"/>
+    <p:sldId id="260" r:id="rId9"/>
+    <p:sldId id="262" r:id="rId10"/>
+    <p:sldId id="263" r:id="rId11"/>
   </p:sldIdLst>
   <p:sldSz cx="12192000" cy="6858000"/>
   <p:notesSz cx="6858000" cy="9144000"/>
@@ -438,7 +441,7 @@
             <a:round/>
             <a:extLst>
               <a:ext uri="{C807C97D-BFC1-408E-A445-0C87EB9F89A2}">
-                <ask:lineSketchStyleProps xmlns:ask="http://schemas.microsoft.com/office/drawing/2018/sketchyshapes" sd="1219033472">
+                <ask:lineSketchStyleProps xmlns="" xmlns:ask="http://schemas.microsoft.com/office/drawing/2018/sketchyshapes" sd="1219033472">
                   <a:prstGeom prst="rect">
                     <a:avLst/>
                   </a:prstGeom>
@@ -613,7 +616,7 @@
           <a:p>
             <a:fld id="{72345051-2045-45DA-935E-2E3CA1A69ADC}" type="datetimeFigureOut">
               <a:rPr lang="en-US" smtClean="0"/>
-              <a:t>10/17/2022</a:t>
+              <a:t>10/18/2022</a:t>
             </a:fld>
             <a:endParaRPr lang="en-US"/>
           </a:p>
@@ -854,7 +857,7 @@
           <a:p>
             <a:fld id="{72345051-2045-45DA-935E-2E3CA1A69ADC}" type="datetimeFigureOut">
               <a:rPr lang="en-US" smtClean="0"/>
-              <a:t>10/17/2022</a:t>
+              <a:t>10/18/2022</a:t>
             </a:fld>
             <a:endParaRPr lang="en-US"/>
           </a:p>
@@ -1277,7 +1280,7 @@
                 <a16:creationId xmlns:a16="http://schemas.microsoft.com/office/drawing/2014/main" id="{AD35AE2F-5E3A-49D9-8DE1-8A333BA4088E}"/>
               </a:ext>
               <a:ext uri="{C183D7F6-B498-43B3-948B-1728B52AA6E4}">
-                <adec:decorative xmlns:adec="http://schemas.microsoft.com/office/drawing/2017/decorative" val="1"/>
+                <adec:decorative xmlns="" xmlns:adec="http://schemas.microsoft.com/office/drawing/2017/decorative" val="1"/>
               </a:ext>
             </a:extLst>
           </p:cNvPr>
@@ -1446,7 +1449,7 @@
               </a:lnSpc>
             </a:pPr>
             <a:r>
-              <a:rPr lang="de-DE" sz="3200">
+              <a:rPr lang="de-DE" sz="3200" dirty="0">
                 <a:latin typeface="Batang"/>
                 <a:ea typeface="Batang"/>
                 <a:cs typeface="Calibri"/>
@@ -1461,7 +1464,7 @@
               </a:lnSpc>
             </a:pPr>
             <a:r>
-              <a:rPr lang="de-DE" sz="3200">
+              <a:rPr lang="de-DE" sz="3200" dirty="0">
                 <a:latin typeface="Batang"/>
                 <a:ea typeface="Batang"/>
                 <a:cs typeface="Calibri"/>
@@ -1479,7 +1482,7 @@
                 <a16:creationId xmlns:a16="http://schemas.microsoft.com/office/drawing/2014/main" id="{04D8AD8F-EF7F-481F-B99A-B8513897050A}"/>
               </a:ext>
               <a:ext uri="{C183D7F6-B498-43B3-948B-1728B52AA6E4}">
-                <adec:decorative xmlns:adec="http://schemas.microsoft.com/office/drawing/2017/decorative" val="1"/>
+                <adec:decorative xmlns="" xmlns:adec="http://schemas.microsoft.com/office/drawing/2017/decorative" val="1"/>
               </a:ext>
             </a:extLst>
           </p:cNvPr>
@@ -1777,7 +1780,7 @@
             <a:round/>
             <a:extLst>
               <a:ext uri="{C807C97D-BFC1-408E-A445-0C87EB9F89A2}">
-                <ask:lineSketchStyleProps xmlns:ask="http://schemas.microsoft.com/office/drawing/2018/sketchyshapes" sd="1219033472">
+                <ask:lineSketchStyleProps xmlns="" xmlns:ask="http://schemas.microsoft.com/office/drawing/2018/sketchyshapes" sd="1219033472">
                   <a:prstGeom prst="rect">
                     <a:avLst/>
                   </a:prstGeom>
@@ -1822,7 +1825,7 @@
                 <a16:creationId xmlns:a16="http://schemas.microsoft.com/office/drawing/2014/main" id="{79EB4626-023C-436D-9F57-9EB46080909D}"/>
               </a:ext>
               <a:ext uri="{C183D7F6-B498-43B3-948B-1728B52AA6E4}">
-                <adec:decorative xmlns:adec="http://schemas.microsoft.com/office/drawing/2017/decorative" val="1"/>
+                <adec:decorative xmlns="" xmlns:adec="http://schemas.microsoft.com/office/drawing/2017/decorative" val="1"/>
               </a:ext>
             </a:extLst>
           </p:cNvPr>
@@ -2312,7 +2315,7 @@
             <a:round/>
             <a:extLst>
               <a:ext uri="{C807C97D-BFC1-408E-A445-0C87EB9F89A2}">
-                <ask:lineSketchStyleProps xmlns:ask="http://schemas.microsoft.com/office/drawing/2018/sketchyshapes" sd="1219033472">
+                <ask:lineSketchStyleProps xmlns="" xmlns:ask="http://schemas.microsoft.com/office/drawing/2018/sketchyshapes" sd="1219033472">
                   <a:prstGeom prst="roundRect">
                     <a:avLst/>
                   </a:prstGeom>
@@ -2363,7 +2366,7 @@
         </p:nvSpPr>
         <p:spPr>
           <a:xfrm>
-            <a:off x="5335918" y="4688936"/>
+            <a:off x="5403970" y="4378406"/>
             <a:ext cx="5479690" cy="1200329"/>
           </a:xfrm>
           <a:prstGeom prst="rect">
@@ -2403,6 +2406,1130 @@
   <p:clrMapOvr>
     <a:overrideClrMapping bg1="dk1" tx1="lt1" bg2="dk2" tx2="lt2" accent1="accent1" accent2="accent2" accent3="accent3" accent4="accent4" accent5="accent5" accent6="accent6" hlink="hlink" folHlink="folHlink"/>
   </p:clrMapOvr>
+  <mc:AlternateContent xmlns:mc="http://schemas.openxmlformats.org/markup-compatibility/2006" xmlns:p14="http://schemas.microsoft.com/office/powerpoint/2010/main">
+    <mc:Choice Requires="p14">
+      <p:transition spd="slow" p14:dur="2000"/>
+    </mc:Choice>
+    <mc:Fallback xmlns="">
+      <p:transition spd="slow"/>
+    </mc:Fallback>
+  </mc:AlternateContent>
+  <p:timing>
+    <p:tnLst>
+      <p:par>
+        <p:cTn id="1" dur="indefinite" restart="never" nodeType="tmRoot"/>
+      </p:par>
+    </p:tnLst>
+  </p:timing>
+</p:sld>
+</file>
+
+<file path=ppt/slides/slide10.xml><?xml version="1.0" encoding="utf-8"?>
+<p:sld xmlns:a="http://schemas.openxmlformats.org/drawingml/2006/main" xmlns:r="http://schemas.openxmlformats.org/officeDocument/2006/relationships" xmlns:p="http://schemas.openxmlformats.org/presentationml/2006/main" show="0">
+  <p:cSld>
+    <p:bg>
+      <p:bgPr>
+        <a:solidFill>
+          <a:schemeClr val="bg1"/>
+        </a:solidFill>
+        <a:effectLst/>
+      </p:bgPr>
+    </p:bg>
+    <p:spTree>
+      <p:nvGrpSpPr>
+        <p:cNvPr id="1" name=""/>
+        <p:cNvGrpSpPr/>
+        <p:nvPr/>
+      </p:nvGrpSpPr>
+      <p:grpSpPr>
+        <a:xfrm>
+          <a:off x="0" y="0"/>
+          <a:ext cx="0" cy="0"/>
+          <a:chOff x="0" y="0"/>
+          <a:chExt cx="0" cy="0"/>
+        </a:xfrm>
+      </p:grpSpPr>
+      <p:sp useBgFill="1">
+        <p:nvSpPr>
+          <p:cNvPr id="36" name="Rectangle 27">
+            <a:extLst>
+              <a:ext uri="{FF2B5EF4-FFF2-40B4-BE49-F238E27FC236}">
+                <a16:creationId xmlns:a16="http://schemas.microsoft.com/office/drawing/2014/main" id="{AD35AE2F-5E3A-49D9-8DE1-8A333BA4088E}"/>
+              </a:ext>
+              <a:ext uri="{C183D7F6-B498-43B3-948B-1728B52AA6E4}">
+                <adec:decorative xmlns="" xmlns:adec="http://schemas.microsoft.com/office/drawing/2017/decorative" val="1"/>
+              </a:ext>
+            </a:extLst>
+          </p:cNvPr>
+          <p:cNvSpPr>
+            <a:spLocks noGrp="1" noRot="1" noChangeAspect="1" noMove="1" noResize="1" noEditPoints="1" noAdjustHandles="1" noChangeArrowheads="1" noChangeShapeType="1" noTextEdit="1"/>
+          </p:cNvSpPr>
+          <p:nvPr>
+            <p:extLst>
+              <p:ext uri="{386F3935-93C4-4BCD-93E2-E3B085C9AB24}">
+                <p16:designElem xmlns:p16="http://schemas.microsoft.com/office/powerpoint/2015/main" val="1"/>
+              </p:ext>
+            </p:extLst>
+          </p:nvPr>
+        </p:nvSpPr>
+        <p:spPr>
+          <a:xfrm>
+            <a:off x="0" y="0"/>
+            <a:ext cx="12188952" cy="6858000"/>
+          </a:xfrm>
+          <a:prstGeom prst="rect">
+            <a:avLst/>
+          </a:prstGeom>
+          <a:ln>
+            <a:noFill/>
+          </a:ln>
+        </p:spPr>
+        <p:style>
+          <a:lnRef idx="2">
+            <a:schemeClr val="accent1">
+              <a:shade val="50000"/>
+            </a:schemeClr>
+          </a:lnRef>
+          <a:fillRef idx="1">
+            <a:schemeClr val="accent1"/>
+          </a:fillRef>
+          <a:effectRef idx="0">
+            <a:schemeClr val="accent1"/>
+          </a:effectRef>
+          <a:fontRef idx="minor">
+            <a:schemeClr val="lt1"/>
+          </a:fontRef>
+        </p:style>
+        <p:txBody>
+          <a:bodyPr rtlCol="0" anchor="ctr"/>
+          <a:lstStyle/>
+          <a:p>
+            <a:pPr algn="ctr"/>
+            <a:endParaRPr lang="en-US"/>
+          </a:p>
+        </p:txBody>
+      </p:sp>
+      <p:pic>
+        <p:nvPicPr>
+          <p:cNvPr id="4" name="Imagem 4" descr="Mesa de madeira com flor&#10;&#10;Descrição gerada automaticamente">
+            <a:extLst>
+              <a:ext uri="{FF2B5EF4-FFF2-40B4-BE49-F238E27FC236}">
+                <a16:creationId xmlns:a16="http://schemas.microsoft.com/office/drawing/2014/main" id="{BCDDDE5C-8875-8181-46D1-327F47B007FC}"/>
+              </a:ext>
+            </a:extLst>
+          </p:cNvPr>
+          <p:cNvPicPr>
+            <a:picLocks noChangeAspect="1"/>
+          </p:cNvPicPr>
+          <p:nvPr/>
+        </p:nvPicPr>
+        <p:blipFill rotWithShape="1">
+          <a:blip r:embed="rId2">
+            <a:alphaModFix amt="50000"/>
+          </a:blip>
+          <a:srcRect r="-1" b="15391"/>
+          <a:stretch/>
+        </p:blipFill>
+        <p:spPr>
+          <a:xfrm>
+            <a:off x="-71867" y="10"/>
+            <a:ext cx="12188931" cy="6857990"/>
+          </a:xfrm>
+          <a:prstGeom prst="rect">
+            <a:avLst/>
+          </a:prstGeom>
+        </p:spPr>
+      </p:pic>
+      <p:sp>
+        <p:nvSpPr>
+          <p:cNvPr id="2" name="Título 1"/>
+          <p:cNvSpPr>
+            <a:spLocks noGrp="1"/>
+          </p:cNvSpPr>
+          <p:nvPr>
+            <p:ph type="ctrTitle"/>
+          </p:nvPr>
+        </p:nvSpPr>
+        <p:spPr>
+          <a:xfrm>
+            <a:off x="1524000" y="1122363"/>
+            <a:ext cx="9719094" cy="2660674"/>
+          </a:xfrm>
+        </p:spPr>
+        <p:txBody>
+          <a:bodyPr>
+            <a:normAutofit/>
+          </a:bodyPr>
+          <a:lstStyle/>
+          <a:p>
+            <a:pPr algn="ctr"/>
+            <a:r>
+              <a:rPr lang="de-DE" b="1" dirty="0">
+                <a:latin typeface="Calibri"/>
+                <a:cs typeface="Calibri Light"/>
+              </a:rPr>
+              <a:t>FIM :-)</a:t>
+            </a:r>
+            <a:endParaRPr lang="pt-BR" dirty="0"/>
+          </a:p>
+        </p:txBody>
+      </p:sp>
+      <p:sp>
+        <p:nvSpPr>
+          <p:cNvPr id="37" name="Rectangle 6">
+            <a:extLst>
+              <a:ext uri="{FF2B5EF4-FFF2-40B4-BE49-F238E27FC236}">
+                <a16:creationId xmlns:a16="http://schemas.microsoft.com/office/drawing/2014/main" id="{04D8AD8F-EF7F-481F-B99A-B8513897050A}"/>
+              </a:ext>
+              <a:ext uri="{C183D7F6-B498-43B3-948B-1728B52AA6E4}">
+                <adec:decorative xmlns="" xmlns:adec="http://schemas.microsoft.com/office/drawing/2017/decorative" val="1"/>
+              </a:ext>
+            </a:extLst>
+          </p:cNvPr>
+          <p:cNvSpPr>
+            <a:spLocks noGrp="1" noRot="1" noChangeAspect="1" noMove="1" noResize="1" noEditPoints="1" noAdjustHandles="1" noChangeArrowheads="1" noChangeShapeType="1" noTextEdit="1"/>
+          </p:cNvSpPr>
+          <p:nvPr>
+            <p:extLst>
+              <p:ext uri="{386F3935-93C4-4BCD-93E2-E3B085C9AB24}">
+                <p16:designElem xmlns:p16="http://schemas.microsoft.com/office/powerpoint/2015/main" val="1"/>
+              </p:ext>
+            </p:extLst>
+          </p:nvPr>
+        </p:nvSpPr>
+        <p:spPr>
+          <a:xfrm>
+            <a:off x="3974206" y="4419423"/>
+            <a:ext cx="4243589" cy="27432"/>
+          </a:xfrm>
+          <a:custGeom>
+            <a:avLst/>
+            <a:gdLst>
+              <a:gd name="connsiteX0" fmla="*/ 0 w 4243589"/>
+              <a:gd name="connsiteY0" fmla="*/ 0 h 27432"/>
+              <a:gd name="connsiteX1" fmla="*/ 563791 w 4243589"/>
+              <a:gd name="connsiteY1" fmla="*/ 0 h 27432"/>
+              <a:gd name="connsiteX2" fmla="*/ 1042710 w 4243589"/>
+              <a:gd name="connsiteY2" fmla="*/ 0 h 27432"/>
+              <a:gd name="connsiteX3" fmla="*/ 1564066 w 4243589"/>
+              <a:gd name="connsiteY3" fmla="*/ 0 h 27432"/>
+              <a:gd name="connsiteX4" fmla="*/ 2212729 w 4243589"/>
+              <a:gd name="connsiteY4" fmla="*/ 0 h 27432"/>
+              <a:gd name="connsiteX5" fmla="*/ 2776520 w 4243589"/>
+              <a:gd name="connsiteY5" fmla="*/ 0 h 27432"/>
+              <a:gd name="connsiteX6" fmla="*/ 3297875 w 4243589"/>
+              <a:gd name="connsiteY6" fmla="*/ 0 h 27432"/>
+              <a:gd name="connsiteX7" fmla="*/ 4243589 w 4243589"/>
+              <a:gd name="connsiteY7" fmla="*/ 0 h 27432"/>
+              <a:gd name="connsiteX8" fmla="*/ 4243589 w 4243589"/>
+              <a:gd name="connsiteY8" fmla="*/ 27432 h 27432"/>
+              <a:gd name="connsiteX9" fmla="*/ 3637362 w 4243589"/>
+              <a:gd name="connsiteY9" fmla="*/ 27432 h 27432"/>
+              <a:gd name="connsiteX10" fmla="*/ 3116007 w 4243589"/>
+              <a:gd name="connsiteY10" fmla="*/ 27432 h 27432"/>
+              <a:gd name="connsiteX11" fmla="*/ 2424908 w 4243589"/>
+              <a:gd name="connsiteY11" fmla="*/ 27432 h 27432"/>
+              <a:gd name="connsiteX12" fmla="*/ 1861117 w 4243589"/>
+              <a:gd name="connsiteY12" fmla="*/ 27432 h 27432"/>
+              <a:gd name="connsiteX13" fmla="*/ 1382198 w 4243589"/>
+              <a:gd name="connsiteY13" fmla="*/ 27432 h 27432"/>
+              <a:gd name="connsiteX14" fmla="*/ 733535 w 4243589"/>
+              <a:gd name="connsiteY14" fmla="*/ 27432 h 27432"/>
+              <a:gd name="connsiteX15" fmla="*/ 0 w 4243589"/>
+              <a:gd name="connsiteY15" fmla="*/ 27432 h 27432"/>
+              <a:gd name="connsiteX16" fmla="*/ 0 w 4243589"/>
+              <a:gd name="connsiteY16" fmla="*/ 0 h 27432"/>
+            </a:gdLst>
+            <a:ahLst/>
+            <a:cxnLst>
+              <a:cxn ang="0">
+                <a:pos x="connsiteX0" y="connsiteY0"/>
+              </a:cxn>
+              <a:cxn ang="0">
+                <a:pos x="connsiteX1" y="connsiteY1"/>
+              </a:cxn>
+              <a:cxn ang="0">
+                <a:pos x="connsiteX2" y="connsiteY2"/>
+              </a:cxn>
+              <a:cxn ang="0">
+                <a:pos x="connsiteX3" y="connsiteY3"/>
+              </a:cxn>
+              <a:cxn ang="0">
+                <a:pos x="connsiteX4" y="connsiteY4"/>
+              </a:cxn>
+              <a:cxn ang="0">
+                <a:pos x="connsiteX5" y="connsiteY5"/>
+              </a:cxn>
+              <a:cxn ang="0">
+                <a:pos x="connsiteX6" y="connsiteY6"/>
+              </a:cxn>
+              <a:cxn ang="0">
+                <a:pos x="connsiteX7" y="connsiteY7"/>
+              </a:cxn>
+              <a:cxn ang="0">
+                <a:pos x="connsiteX8" y="connsiteY8"/>
+              </a:cxn>
+              <a:cxn ang="0">
+                <a:pos x="connsiteX9" y="connsiteY9"/>
+              </a:cxn>
+              <a:cxn ang="0">
+                <a:pos x="connsiteX10" y="connsiteY10"/>
+              </a:cxn>
+              <a:cxn ang="0">
+                <a:pos x="connsiteX11" y="connsiteY11"/>
+              </a:cxn>
+              <a:cxn ang="0">
+                <a:pos x="connsiteX12" y="connsiteY12"/>
+              </a:cxn>
+              <a:cxn ang="0">
+                <a:pos x="connsiteX13" y="connsiteY13"/>
+              </a:cxn>
+              <a:cxn ang="0">
+                <a:pos x="connsiteX14" y="connsiteY14"/>
+              </a:cxn>
+              <a:cxn ang="0">
+                <a:pos x="connsiteX15" y="connsiteY15"/>
+              </a:cxn>
+              <a:cxn ang="0">
+                <a:pos x="connsiteX16" y="connsiteY16"/>
+              </a:cxn>
+            </a:cxnLst>
+            <a:rect l="l" t="t" r="r" b="b"/>
+            <a:pathLst>
+              <a:path w="4243589" h="27432" fill="none" extrusionOk="0">
+                <a:moveTo>
+                  <a:pt x="0" y="0"/>
+                </a:moveTo>
+                <a:cubicBezTo>
+                  <a:pt x="157351" y="-15653"/>
+                  <a:pt x="378877" y="-5828"/>
+                  <a:pt x="563791" y="0"/>
+                </a:cubicBezTo>
+                <a:cubicBezTo>
+                  <a:pt x="748705" y="5828"/>
+                  <a:pt x="905659" y="-5525"/>
+                  <a:pt x="1042710" y="0"/>
+                </a:cubicBezTo>
+                <a:cubicBezTo>
+                  <a:pt x="1179761" y="5525"/>
+                  <a:pt x="1356845" y="-21288"/>
+                  <a:pt x="1564066" y="0"/>
+                </a:cubicBezTo>
+                <a:cubicBezTo>
+                  <a:pt x="1771287" y="21288"/>
+                  <a:pt x="1912099" y="25135"/>
+                  <a:pt x="2212729" y="0"/>
+                </a:cubicBezTo>
+                <a:cubicBezTo>
+                  <a:pt x="2513359" y="-25135"/>
+                  <a:pt x="2514918" y="-27119"/>
+                  <a:pt x="2776520" y="0"/>
+                </a:cubicBezTo>
+                <a:cubicBezTo>
+                  <a:pt x="3038122" y="27119"/>
+                  <a:pt x="3178771" y="18116"/>
+                  <a:pt x="3297875" y="0"/>
+                </a:cubicBezTo>
+                <a:cubicBezTo>
+                  <a:pt x="3416980" y="-18116"/>
+                  <a:pt x="4012240" y="-40869"/>
+                  <a:pt x="4243589" y="0"/>
+                </a:cubicBezTo>
+                <a:cubicBezTo>
+                  <a:pt x="4242616" y="8304"/>
+                  <a:pt x="4243111" y="21512"/>
+                  <a:pt x="4243589" y="27432"/>
+                </a:cubicBezTo>
+                <a:cubicBezTo>
+                  <a:pt x="4112949" y="6289"/>
+                  <a:pt x="3928037" y="10975"/>
+                  <a:pt x="3637362" y="27432"/>
+                </a:cubicBezTo>
+                <a:cubicBezTo>
+                  <a:pt x="3346687" y="43889"/>
+                  <a:pt x="3254446" y="35813"/>
+                  <a:pt x="3116007" y="27432"/>
+                </a:cubicBezTo>
+                <a:cubicBezTo>
+                  <a:pt x="2977569" y="19051"/>
+                  <a:pt x="2620228" y="38017"/>
+                  <a:pt x="2424908" y="27432"/>
+                </a:cubicBezTo>
+                <a:cubicBezTo>
+                  <a:pt x="2229588" y="16847"/>
+                  <a:pt x="2088287" y="5290"/>
+                  <a:pt x="1861117" y="27432"/>
+                </a:cubicBezTo>
+                <a:cubicBezTo>
+                  <a:pt x="1633947" y="49574"/>
+                  <a:pt x="1502447" y="8273"/>
+                  <a:pt x="1382198" y="27432"/>
+                </a:cubicBezTo>
+                <a:cubicBezTo>
+                  <a:pt x="1261949" y="46591"/>
+                  <a:pt x="1045440" y="37497"/>
+                  <a:pt x="733535" y="27432"/>
+                </a:cubicBezTo>
+                <a:cubicBezTo>
+                  <a:pt x="421630" y="17367"/>
+                  <a:pt x="341257" y="-9215"/>
+                  <a:pt x="0" y="27432"/>
+                </a:cubicBezTo>
+                <a:cubicBezTo>
+                  <a:pt x="-1048" y="14992"/>
+                  <a:pt x="-1120" y="7447"/>
+                  <a:pt x="0" y="0"/>
+                </a:cubicBezTo>
+                <a:close/>
+              </a:path>
+              <a:path w="4243589" h="27432" stroke="0" extrusionOk="0">
+                <a:moveTo>
+                  <a:pt x="0" y="0"/>
+                </a:moveTo>
+                <a:cubicBezTo>
+                  <a:pt x="128164" y="17204"/>
+                  <a:pt x="312653" y="1129"/>
+                  <a:pt x="563791" y="0"/>
+                </a:cubicBezTo>
+                <a:cubicBezTo>
+                  <a:pt x="814929" y="-1129"/>
+                  <a:pt x="837271" y="8503"/>
+                  <a:pt x="1042710" y="0"/>
+                </a:cubicBezTo>
+                <a:cubicBezTo>
+                  <a:pt x="1248149" y="-8503"/>
+                  <a:pt x="1588432" y="-28862"/>
+                  <a:pt x="1733809" y="0"/>
+                </a:cubicBezTo>
+                <a:cubicBezTo>
+                  <a:pt x="1879186" y="28862"/>
+                  <a:pt x="2052815" y="5974"/>
+                  <a:pt x="2297600" y="0"/>
+                </a:cubicBezTo>
+                <a:cubicBezTo>
+                  <a:pt x="2542385" y="-5974"/>
+                  <a:pt x="2699960" y="-23550"/>
+                  <a:pt x="2861391" y="0"/>
+                </a:cubicBezTo>
+                <a:cubicBezTo>
+                  <a:pt x="3022822" y="23550"/>
+                  <a:pt x="3390411" y="25272"/>
+                  <a:pt x="3552490" y="0"/>
+                </a:cubicBezTo>
+                <a:cubicBezTo>
+                  <a:pt x="3714569" y="-25272"/>
+                  <a:pt x="3950585" y="-31327"/>
+                  <a:pt x="4243589" y="0"/>
+                </a:cubicBezTo>
+                <a:cubicBezTo>
+                  <a:pt x="4244074" y="9333"/>
+                  <a:pt x="4244867" y="19699"/>
+                  <a:pt x="4243589" y="27432"/>
+                </a:cubicBezTo>
+                <a:cubicBezTo>
+                  <a:pt x="4130424" y="7904"/>
+                  <a:pt x="3932803" y="51393"/>
+                  <a:pt x="3722234" y="27432"/>
+                </a:cubicBezTo>
+                <a:cubicBezTo>
+                  <a:pt x="3511665" y="3471"/>
+                  <a:pt x="3269903" y="55138"/>
+                  <a:pt x="3116007" y="27432"/>
+                </a:cubicBezTo>
+                <a:cubicBezTo>
+                  <a:pt x="2962111" y="-274"/>
+                  <a:pt x="2744280" y="32368"/>
+                  <a:pt x="2509780" y="27432"/>
+                </a:cubicBezTo>
+                <a:cubicBezTo>
+                  <a:pt x="2275280" y="22496"/>
+                  <a:pt x="2066059" y="52808"/>
+                  <a:pt x="1945989" y="27432"/>
+                </a:cubicBezTo>
+                <a:cubicBezTo>
+                  <a:pt x="1825919" y="2056"/>
+                  <a:pt x="1407329" y="21760"/>
+                  <a:pt x="1254890" y="27432"/>
+                </a:cubicBezTo>
+                <a:cubicBezTo>
+                  <a:pt x="1102451" y="33104"/>
+                  <a:pt x="837950" y="40817"/>
+                  <a:pt x="563791" y="27432"/>
+                </a:cubicBezTo>
+                <a:cubicBezTo>
+                  <a:pt x="289632" y="14047"/>
+                  <a:pt x="132768" y="16249"/>
+                  <a:pt x="0" y="27432"/>
+                </a:cubicBezTo>
+                <a:cubicBezTo>
+                  <a:pt x="211" y="18145"/>
+                  <a:pt x="120" y="6480"/>
+                  <a:pt x="0" y="0"/>
+                </a:cubicBezTo>
+                <a:close/>
+              </a:path>
+            </a:pathLst>
+          </a:custGeom>
+          <a:solidFill>
+            <a:schemeClr val="tx1"/>
+          </a:solidFill>
+          <a:ln w="38100" cap="rnd">
+            <a:solidFill>
+              <a:schemeClr val="tx1"/>
+            </a:solidFill>
+            <a:round/>
+            <a:extLst>
+              <a:ext uri="{C807C97D-BFC1-408E-A445-0C87EB9F89A2}">
+                <ask:lineSketchStyleProps xmlns="" xmlns:ask="http://schemas.microsoft.com/office/drawing/2018/sketchyshapes" sd="1219033472">
+                  <a:prstGeom prst="rect">
+                    <a:avLst/>
+                  </a:prstGeom>
+                  <ask:type>
+                    <ask:lineSketchFreehand/>
+                  </ask:type>
+                </ask:lineSketchStyleProps>
+              </a:ext>
+            </a:extLst>
+          </a:ln>
+        </p:spPr>
+        <p:style>
+          <a:lnRef idx="2">
+            <a:schemeClr val="accent1">
+              <a:shade val="50000"/>
+            </a:schemeClr>
+          </a:lnRef>
+          <a:fillRef idx="1">
+            <a:schemeClr val="accent1"/>
+          </a:fillRef>
+          <a:effectRef idx="0">
+            <a:schemeClr val="accent1"/>
+          </a:effectRef>
+          <a:fontRef idx="minor">
+            <a:schemeClr val="lt1"/>
+          </a:fontRef>
+        </p:style>
+        <p:txBody>
+          <a:bodyPr rtlCol="0" anchor="ctr"/>
+          <a:lstStyle/>
+          <a:p>
+            <a:pPr algn="ctr"/>
+            <a:endParaRPr lang="en-US"/>
+          </a:p>
+        </p:txBody>
+      </p:sp>
+      <p:sp>
+        <p:nvSpPr>
+          <p:cNvPr id="38" name="Rectangle 6">
+            <a:extLst>
+              <a:ext uri="{FF2B5EF4-FFF2-40B4-BE49-F238E27FC236}">
+                <a16:creationId xmlns:a16="http://schemas.microsoft.com/office/drawing/2014/main" id="{79EB4626-023C-436D-9F57-9EB46080909D}"/>
+              </a:ext>
+              <a:ext uri="{C183D7F6-B498-43B3-948B-1728B52AA6E4}">
+                <adec:decorative xmlns="" xmlns:adec="http://schemas.microsoft.com/office/drawing/2017/decorative" val="1"/>
+              </a:ext>
+            </a:extLst>
+          </p:cNvPr>
+          <p:cNvSpPr>
+            <a:spLocks noGrp="1" noRot="1" noChangeAspect="1" noMove="1" noResize="1" noEditPoints="1" noAdjustHandles="1" noChangeArrowheads="1" noChangeShapeType="1" noTextEdit="1"/>
+          </p:cNvSpPr>
+          <p:nvPr>
+            <p:extLst>
+              <p:ext uri="{386F3935-93C4-4BCD-93E2-E3B085C9AB24}">
+                <p16:designElem xmlns:p16="http://schemas.microsoft.com/office/powerpoint/2015/main" val="1"/>
+              </p:ext>
+            </p:extLst>
+          </p:nvPr>
+        </p:nvSpPr>
+        <p:spPr>
+          <a:xfrm flipV="1">
+            <a:off x="838200" y="720953"/>
+            <a:ext cx="10515600" cy="5416094"/>
+          </a:xfrm>
+          <a:custGeom>
+            <a:avLst/>
+            <a:gdLst>
+              <a:gd name="connsiteX0" fmla="*/ 0 w 10515600"/>
+              <a:gd name="connsiteY0" fmla="*/ 902700 h 5416094"/>
+              <a:gd name="connsiteX1" fmla="*/ 902700 w 10515600"/>
+              <a:gd name="connsiteY1" fmla="*/ 0 h 5416094"/>
+              <a:gd name="connsiteX2" fmla="*/ 1746919 w 10515600"/>
+              <a:gd name="connsiteY2" fmla="*/ 0 h 5416094"/>
+              <a:gd name="connsiteX3" fmla="*/ 2329833 w 10515600"/>
+              <a:gd name="connsiteY3" fmla="*/ 0 h 5416094"/>
+              <a:gd name="connsiteX4" fmla="*/ 2825644 w 10515600"/>
+              <a:gd name="connsiteY4" fmla="*/ 0 h 5416094"/>
+              <a:gd name="connsiteX5" fmla="*/ 3582762 w 10515600"/>
+              <a:gd name="connsiteY5" fmla="*/ 0 h 5416094"/>
+              <a:gd name="connsiteX6" fmla="*/ 4165675 w 10515600"/>
+              <a:gd name="connsiteY6" fmla="*/ 0 h 5416094"/>
+              <a:gd name="connsiteX7" fmla="*/ 5009894 w 10515600"/>
+              <a:gd name="connsiteY7" fmla="*/ 0 h 5416094"/>
+              <a:gd name="connsiteX8" fmla="*/ 5505706 w 10515600"/>
+              <a:gd name="connsiteY8" fmla="*/ 0 h 5416094"/>
+              <a:gd name="connsiteX9" fmla="*/ 6349925 w 10515600"/>
+              <a:gd name="connsiteY9" fmla="*/ 0 h 5416094"/>
+              <a:gd name="connsiteX10" fmla="*/ 6758634 w 10515600"/>
+              <a:gd name="connsiteY10" fmla="*/ 0 h 5416094"/>
+              <a:gd name="connsiteX11" fmla="*/ 7428650 w 10515600"/>
+              <a:gd name="connsiteY11" fmla="*/ 0 h 5416094"/>
+              <a:gd name="connsiteX12" fmla="*/ 8098665 w 10515600"/>
+              <a:gd name="connsiteY12" fmla="*/ 0 h 5416094"/>
+              <a:gd name="connsiteX13" fmla="*/ 8681579 w 10515600"/>
+              <a:gd name="connsiteY13" fmla="*/ 0 h 5416094"/>
+              <a:gd name="connsiteX14" fmla="*/ 9612900 w 10515600"/>
+              <a:gd name="connsiteY14" fmla="*/ 0 h 5416094"/>
+              <a:gd name="connsiteX15" fmla="*/ 10515600 w 10515600"/>
+              <a:gd name="connsiteY15" fmla="*/ 902700 h 5416094"/>
+              <a:gd name="connsiteX16" fmla="*/ 10515600 w 10515600"/>
+              <a:gd name="connsiteY16" fmla="*/ 1504482 h 5416094"/>
+              <a:gd name="connsiteX17" fmla="*/ 10515600 w 10515600"/>
+              <a:gd name="connsiteY17" fmla="*/ 2178479 h 5416094"/>
+              <a:gd name="connsiteX18" fmla="*/ 10515600 w 10515600"/>
+              <a:gd name="connsiteY18" fmla="*/ 2780261 h 5416094"/>
+              <a:gd name="connsiteX19" fmla="*/ 10515600 w 10515600"/>
+              <a:gd name="connsiteY19" fmla="*/ 3273722 h 5416094"/>
+              <a:gd name="connsiteX20" fmla="*/ 10515600 w 10515600"/>
+              <a:gd name="connsiteY20" fmla="*/ 3803291 h 5416094"/>
+              <a:gd name="connsiteX21" fmla="*/ 10515600 w 10515600"/>
+              <a:gd name="connsiteY21" fmla="*/ 4513394 h 5416094"/>
+              <a:gd name="connsiteX22" fmla="*/ 9612900 w 10515600"/>
+              <a:gd name="connsiteY22" fmla="*/ 5416094 h 5416094"/>
+              <a:gd name="connsiteX23" fmla="*/ 9117089 w 10515600"/>
+              <a:gd name="connsiteY23" fmla="*/ 5416094 h 5416094"/>
+              <a:gd name="connsiteX24" fmla="*/ 8708379 w 10515600"/>
+              <a:gd name="connsiteY24" fmla="*/ 5416094 h 5416094"/>
+              <a:gd name="connsiteX25" fmla="*/ 8299670 w 10515600"/>
+              <a:gd name="connsiteY25" fmla="*/ 5416094 h 5416094"/>
+              <a:gd name="connsiteX26" fmla="*/ 7629654 w 10515600"/>
+              <a:gd name="connsiteY26" fmla="*/ 5416094 h 5416094"/>
+              <a:gd name="connsiteX27" fmla="*/ 7133843 w 10515600"/>
+              <a:gd name="connsiteY27" fmla="*/ 5416094 h 5416094"/>
+              <a:gd name="connsiteX28" fmla="*/ 6376726 w 10515600"/>
+              <a:gd name="connsiteY28" fmla="*/ 5416094 h 5416094"/>
+              <a:gd name="connsiteX29" fmla="*/ 5880914 w 10515600"/>
+              <a:gd name="connsiteY29" fmla="*/ 5416094 h 5416094"/>
+              <a:gd name="connsiteX30" fmla="*/ 5123797 w 10515600"/>
+              <a:gd name="connsiteY30" fmla="*/ 5416094 h 5416094"/>
+              <a:gd name="connsiteX31" fmla="*/ 4715088 w 10515600"/>
+              <a:gd name="connsiteY31" fmla="*/ 5416094 h 5416094"/>
+              <a:gd name="connsiteX32" fmla="*/ 3957970 w 10515600"/>
+              <a:gd name="connsiteY32" fmla="*/ 5416094 h 5416094"/>
+              <a:gd name="connsiteX33" fmla="*/ 3462159 w 10515600"/>
+              <a:gd name="connsiteY33" fmla="*/ 5416094 h 5416094"/>
+              <a:gd name="connsiteX34" fmla="*/ 3053449 w 10515600"/>
+              <a:gd name="connsiteY34" fmla="*/ 5416094 h 5416094"/>
+              <a:gd name="connsiteX35" fmla="*/ 2557638 w 10515600"/>
+              <a:gd name="connsiteY35" fmla="*/ 5416094 h 5416094"/>
+              <a:gd name="connsiteX36" fmla="*/ 1800521 w 10515600"/>
+              <a:gd name="connsiteY36" fmla="*/ 5416094 h 5416094"/>
+              <a:gd name="connsiteX37" fmla="*/ 902700 w 10515600"/>
+              <a:gd name="connsiteY37" fmla="*/ 5416094 h 5416094"/>
+              <a:gd name="connsiteX38" fmla="*/ 0 w 10515600"/>
+              <a:gd name="connsiteY38" fmla="*/ 4513394 h 5416094"/>
+              <a:gd name="connsiteX39" fmla="*/ 0 w 10515600"/>
+              <a:gd name="connsiteY39" fmla="*/ 3911612 h 5416094"/>
+              <a:gd name="connsiteX40" fmla="*/ 0 w 10515600"/>
+              <a:gd name="connsiteY40" fmla="*/ 3309829 h 5416094"/>
+              <a:gd name="connsiteX41" fmla="*/ 0 w 10515600"/>
+              <a:gd name="connsiteY41" fmla="*/ 2780261 h 5416094"/>
+              <a:gd name="connsiteX42" fmla="*/ 0 w 10515600"/>
+              <a:gd name="connsiteY42" fmla="*/ 2106265 h 5416094"/>
+              <a:gd name="connsiteX43" fmla="*/ 0 w 10515600"/>
+              <a:gd name="connsiteY43" fmla="*/ 1504482 h 5416094"/>
+              <a:gd name="connsiteX44" fmla="*/ 0 w 10515600"/>
+              <a:gd name="connsiteY44" fmla="*/ 902700 h 5416094"/>
+            </a:gdLst>
+            <a:ahLst/>
+            <a:cxnLst>
+              <a:cxn ang="0">
+                <a:pos x="connsiteX0" y="connsiteY0"/>
+              </a:cxn>
+              <a:cxn ang="0">
+                <a:pos x="connsiteX1" y="connsiteY1"/>
+              </a:cxn>
+              <a:cxn ang="0">
+                <a:pos x="connsiteX2" y="connsiteY2"/>
+              </a:cxn>
+              <a:cxn ang="0">
+                <a:pos x="connsiteX3" y="connsiteY3"/>
+              </a:cxn>
+              <a:cxn ang="0">
+                <a:pos x="connsiteX4" y="connsiteY4"/>
+              </a:cxn>
+              <a:cxn ang="0">
+                <a:pos x="connsiteX5" y="connsiteY5"/>
+              </a:cxn>
+              <a:cxn ang="0">
+                <a:pos x="connsiteX6" y="connsiteY6"/>
+              </a:cxn>
+              <a:cxn ang="0">
+                <a:pos x="connsiteX7" y="connsiteY7"/>
+              </a:cxn>
+              <a:cxn ang="0">
+                <a:pos x="connsiteX8" y="connsiteY8"/>
+              </a:cxn>
+              <a:cxn ang="0">
+                <a:pos x="connsiteX9" y="connsiteY9"/>
+              </a:cxn>
+              <a:cxn ang="0">
+                <a:pos x="connsiteX10" y="connsiteY10"/>
+              </a:cxn>
+              <a:cxn ang="0">
+                <a:pos x="connsiteX11" y="connsiteY11"/>
+              </a:cxn>
+              <a:cxn ang="0">
+                <a:pos x="connsiteX12" y="connsiteY12"/>
+              </a:cxn>
+              <a:cxn ang="0">
+                <a:pos x="connsiteX13" y="connsiteY13"/>
+              </a:cxn>
+              <a:cxn ang="0">
+                <a:pos x="connsiteX14" y="connsiteY14"/>
+              </a:cxn>
+              <a:cxn ang="0">
+                <a:pos x="connsiteX15" y="connsiteY15"/>
+              </a:cxn>
+              <a:cxn ang="0">
+                <a:pos x="connsiteX16" y="connsiteY16"/>
+              </a:cxn>
+              <a:cxn ang="0">
+                <a:pos x="connsiteX17" y="connsiteY17"/>
+              </a:cxn>
+              <a:cxn ang="0">
+                <a:pos x="connsiteX18" y="connsiteY18"/>
+              </a:cxn>
+              <a:cxn ang="0">
+                <a:pos x="connsiteX19" y="connsiteY19"/>
+              </a:cxn>
+              <a:cxn ang="0">
+                <a:pos x="connsiteX20" y="connsiteY20"/>
+              </a:cxn>
+              <a:cxn ang="0">
+                <a:pos x="connsiteX21" y="connsiteY21"/>
+              </a:cxn>
+              <a:cxn ang="0">
+                <a:pos x="connsiteX22" y="connsiteY22"/>
+              </a:cxn>
+              <a:cxn ang="0">
+                <a:pos x="connsiteX23" y="connsiteY23"/>
+              </a:cxn>
+              <a:cxn ang="0">
+                <a:pos x="connsiteX24" y="connsiteY24"/>
+              </a:cxn>
+              <a:cxn ang="0">
+                <a:pos x="connsiteX25" y="connsiteY25"/>
+              </a:cxn>
+              <a:cxn ang="0">
+                <a:pos x="connsiteX26" y="connsiteY26"/>
+              </a:cxn>
+              <a:cxn ang="0">
+                <a:pos x="connsiteX27" y="connsiteY27"/>
+              </a:cxn>
+              <a:cxn ang="0">
+                <a:pos x="connsiteX28" y="connsiteY28"/>
+              </a:cxn>
+              <a:cxn ang="0">
+                <a:pos x="connsiteX29" y="connsiteY29"/>
+              </a:cxn>
+              <a:cxn ang="0">
+                <a:pos x="connsiteX30" y="connsiteY30"/>
+              </a:cxn>
+              <a:cxn ang="0">
+                <a:pos x="connsiteX31" y="connsiteY31"/>
+              </a:cxn>
+              <a:cxn ang="0">
+                <a:pos x="connsiteX32" y="connsiteY32"/>
+              </a:cxn>
+              <a:cxn ang="0">
+                <a:pos x="connsiteX33" y="connsiteY33"/>
+              </a:cxn>
+              <a:cxn ang="0">
+                <a:pos x="connsiteX34" y="connsiteY34"/>
+              </a:cxn>
+              <a:cxn ang="0">
+                <a:pos x="connsiteX35" y="connsiteY35"/>
+              </a:cxn>
+              <a:cxn ang="0">
+                <a:pos x="connsiteX36" y="connsiteY36"/>
+              </a:cxn>
+              <a:cxn ang="0">
+                <a:pos x="connsiteX37" y="connsiteY37"/>
+              </a:cxn>
+              <a:cxn ang="0">
+                <a:pos x="connsiteX38" y="connsiteY38"/>
+              </a:cxn>
+              <a:cxn ang="0">
+                <a:pos x="connsiteX39" y="connsiteY39"/>
+              </a:cxn>
+              <a:cxn ang="0">
+                <a:pos x="connsiteX40" y="connsiteY40"/>
+              </a:cxn>
+              <a:cxn ang="0">
+                <a:pos x="connsiteX41" y="connsiteY41"/>
+              </a:cxn>
+              <a:cxn ang="0">
+                <a:pos x="connsiteX42" y="connsiteY42"/>
+              </a:cxn>
+              <a:cxn ang="0">
+                <a:pos x="connsiteX43" y="connsiteY43"/>
+              </a:cxn>
+              <a:cxn ang="0">
+                <a:pos x="connsiteX44" y="connsiteY44"/>
+              </a:cxn>
+            </a:cxnLst>
+            <a:rect l="l" t="t" r="r" b="b"/>
+            <a:pathLst>
+              <a:path w="10515600" h="5416094" extrusionOk="0">
+                <a:moveTo>
+                  <a:pt x="0" y="902700"/>
+                </a:moveTo>
+                <a:cubicBezTo>
+                  <a:pt x="-57306" y="368805"/>
+                  <a:pt x="305054" y="37193"/>
+                  <a:pt x="902700" y="0"/>
+                </a:cubicBezTo>
+                <a:cubicBezTo>
+                  <a:pt x="1280419" y="-35006"/>
+                  <a:pt x="1407743" y="-35339"/>
+                  <a:pt x="1746919" y="0"/>
+                </a:cubicBezTo>
+                <a:cubicBezTo>
+                  <a:pt x="2086095" y="35339"/>
+                  <a:pt x="2146539" y="-12333"/>
+                  <a:pt x="2329833" y="0"/>
+                </a:cubicBezTo>
+                <a:cubicBezTo>
+                  <a:pt x="2513127" y="12333"/>
+                  <a:pt x="2706706" y="12952"/>
+                  <a:pt x="2825644" y="0"/>
+                </a:cubicBezTo>
+                <a:cubicBezTo>
+                  <a:pt x="2944582" y="-12952"/>
+                  <a:pt x="3420817" y="-27100"/>
+                  <a:pt x="3582762" y="0"/>
+                </a:cubicBezTo>
+                <a:cubicBezTo>
+                  <a:pt x="3744707" y="27100"/>
+                  <a:pt x="4023584" y="-9167"/>
+                  <a:pt x="4165675" y="0"/>
+                </a:cubicBezTo>
+                <a:cubicBezTo>
+                  <a:pt x="4307766" y="9167"/>
+                  <a:pt x="4770188" y="27031"/>
+                  <a:pt x="5009894" y="0"/>
+                </a:cubicBezTo>
+                <a:cubicBezTo>
+                  <a:pt x="5249600" y="-27031"/>
+                  <a:pt x="5349881" y="-194"/>
+                  <a:pt x="5505706" y="0"/>
+                </a:cubicBezTo>
+                <a:cubicBezTo>
+                  <a:pt x="5661531" y="194"/>
+                  <a:pt x="6129254" y="-29363"/>
+                  <a:pt x="6349925" y="0"/>
+                </a:cubicBezTo>
+                <a:cubicBezTo>
+                  <a:pt x="6570596" y="29363"/>
+                  <a:pt x="6581199" y="-14617"/>
+                  <a:pt x="6758634" y="0"/>
+                </a:cubicBezTo>
+                <a:cubicBezTo>
+                  <a:pt x="6936069" y="14617"/>
+                  <a:pt x="7246491" y="25675"/>
+                  <a:pt x="7428650" y="0"/>
+                </a:cubicBezTo>
+                <a:cubicBezTo>
+                  <a:pt x="7610809" y="-25675"/>
+                  <a:pt x="7825190" y="-17078"/>
+                  <a:pt x="8098665" y="0"/>
+                </a:cubicBezTo>
+                <a:cubicBezTo>
+                  <a:pt x="8372141" y="17078"/>
+                  <a:pt x="8559625" y="-21568"/>
+                  <a:pt x="8681579" y="0"/>
+                </a:cubicBezTo>
+                <a:cubicBezTo>
+                  <a:pt x="8803533" y="21568"/>
+                  <a:pt x="9307226" y="-46066"/>
+                  <a:pt x="9612900" y="0"/>
+                </a:cubicBezTo>
+                <a:cubicBezTo>
+                  <a:pt x="10119954" y="-10560"/>
+                  <a:pt x="10418674" y="366684"/>
+                  <a:pt x="10515600" y="902700"/>
+                </a:cubicBezTo>
+                <a:cubicBezTo>
+                  <a:pt x="10494548" y="1140809"/>
+                  <a:pt x="10524881" y="1252168"/>
+                  <a:pt x="10515600" y="1504482"/>
+                </a:cubicBezTo>
+                <a:cubicBezTo>
+                  <a:pt x="10506319" y="1756796"/>
+                  <a:pt x="10494309" y="1995078"/>
+                  <a:pt x="10515600" y="2178479"/>
+                </a:cubicBezTo>
+                <a:cubicBezTo>
+                  <a:pt x="10536891" y="2361880"/>
+                  <a:pt x="10522845" y="2487483"/>
+                  <a:pt x="10515600" y="2780261"/>
+                </a:cubicBezTo>
+                <a:cubicBezTo>
+                  <a:pt x="10508355" y="3073039"/>
+                  <a:pt x="10533694" y="3138252"/>
+                  <a:pt x="10515600" y="3273722"/>
+                </a:cubicBezTo>
+                <a:cubicBezTo>
+                  <a:pt x="10497506" y="3409192"/>
+                  <a:pt x="10514952" y="3569910"/>
+                  <a:pt x="10515600" y="3803291"/>
+                </a:cubicBezTo>
+                <a:cubicBezTo>
+                  <a:pt x="10516248" y="4036672"/>
+                  <a:pt x="10499126" y="4317688"/>
+                  <a:pt x="10515600" y="4513394"/>
+                </a:cubicBezTo>
+                <a:cubicBezTo>
+                  <a:pt x="10585499" y="4997151"/>
+                  <a:pt x="10115437" y="5453981"/>
+                  <a:pt x="9612900" y="5416094"/>
+                </a:cubicBezTo>
+                <a:cubicBezTo>
+                  <a:pt x="9473271" y="5418358"/>
+                  <a:pt x="9316384" y="5423764"/>
+                  <a:pt x="9117089" y="5416094"/>
+                </a:cubicBezTo>
+                <a:cubicBezTo>
+                  <a:pt x="8917794" y="5408424"/>
+                  <a:pt x="8902141" y="5433256"/>
+                  <a:pt x="8708379" y="5416094"/>
+                </a:cubicBezTo>
+                <a:cubicBezTo>
+                  <a:pt x="8514617" y="5398933"/>
+                  <a:pt x="8454700" y="5422387"/>
+                  <a:pt x="8299670" y="5416094"/>
+                </a:cubicBezTo>
+                <a:cubicBezTo>
+                  <a:pt x="8144640" y="5409801"/>
+                  <a:pt x="7907022" y="5398388"/>
+                  <a:pt x="7629654" y="5416094"/>
+                </a:cubicBezTo>
+                <a:cubicBezTo>
+                  <a:pt x="7352286" y="5433800"/>
+                  <a:pt x="7244777" y="5409877"/>
+                  <a:pt x="7133843" y="5416094"/>
+                </a:cubicBezTo>
+                <a:cubicBezTo>
+                  <a:pt x="7022909" y="5422311"/>
+                  <a:pt x="6748865" y="5379753"/>
+                  <a:pt x="6376726" y="5416094"/>
+                </a:cubicBezTo>
+                <a:cubicBezTo>
+                  <a:pt x="6004587" y="5452435"/>
+                  <a:pt x="5991442" y="5438860"/>
+                  <a:pt x="5880914" y="5416094"/>
+                </a:cubicBezTo>
+                <a:cubicBezTo>
+                  <a:pt x="5770386" y="5393328"/>
+                  <a:pt x="5294303" y="5440618"/>
+                  <a:pt x="5123797" y="5416094"/>
+                </a:cubicBezTo>
+                <a:cubicBezTo>
+                  <a:pt x="4953291" y="5391570"/>
+                  <a:pt x="4828705" y="5430421"/>
+                  <a:pt x="4715088" y="5416094"/>
+                </a:cubicBezTo>
+                <a:cubicBezTo>
+                  <a:pt x="4601471" y="5401767"/>
+                  <a:pt x="4227806" y="5381491"/>
+                  <a:pt x="3957970" y="5416094"/>
+                </a:cubicBezTo>
+                <a:cubicBezTo>
+                  <a:pt x="3688134" y="5450697"/>
+                  <a:pt x="3670638" y="5425309"/>
+                  <a:pt x="3462159" y="5416094"/>
+                </a:cubicBezTo>
+                <a:cubicBezTo>
+                  <a:pt x="3253680" y="5406879"/>
+                  <a:pt x="3167443" y="5432031"/>
+                  <a:pt x="3053449" y="5416094"/>
+                </a:cubicBezTo>
+                <a:cubicBezTo>
+                  <a:pt x="2939455" y="5400158"/>
+                  <a:pt x="2701485" y="5433995"/>
+                  <a:pt x="2557638" y="5416094"/>
+                </a:cubicBezTo>
+                <a:cubicBezTo>
+                  <a:pt x="2413791" y="5398193"/>
+                  <a:pt x="2168647" y="5424510"/>
+                  <a:pt x="1800521" y="5416094"/>
+                </a:cubicBezTo>
+                <a:cubicBezTo>
+                  <a:pt x="1432395" y="5407678"/>
+                  <a:pt x="1261364" y="5454497"/>
+                  <a:pt x="902700" y="5416094"/>
+                </a:cubicBezTo>
+                <a:cubicBezTo>
+                  <a:pt x="519468" y="5419760"/>
+                  <a:pt x="63003" y="5077223"/>
+                  <a:pt x="0" y="4513394"/>
+                </a:cubicBezTo>
+                <a:cubicBezTo>
+                  <a:pt x="-20265" y="4243495"/>
+                  <a:pt x="27650" y="4053844"/>
+                  <a:pt x="0" y="3911612"/>
+                </a:cubicBezTo>
+                <a:cubicBezTo>
+                  <a:pt x="-27650" y="3769380"/>
+                  <a:pt x="24988" y="3469350"/>
+                  <a:pt x="0" y="3309829"/>
+                </a:cubicBezTo>
+                <a:cubicBezTo>
+                  <a:pt x="-24988" y="3150308"/>
+                  <a:pt x="-16973" y="2933511"/>
+                  <a:pt x="0" y="2780261"/>
+                </a:cubicBezTo>
+                <a:cubicBezTo>
+                  <a:pt x="16973" y="2627011"/>
+                  <a:pt x="-11552" y="2315258"/>
+                  <a:pt x="0" y="2106265"/>
+                </a:cubicBezTo>
+                <a:cubicBezTo>
+                  <a:pt x="11552" y="1897272"/>
+                  <a:pt x="-9167" y="1726905"/>
+                  <a:pt x="0" y="1504482"/>
+                </a:cubicBezTo>
+                <a:cubicBezTo>
+                  <a:pt x="9167" y="1282059"/>
+                  <a:pt x="10972" y="1160784"/>
+                  <a:pt x="0" y="902700"/>
+                </a:cubicBezTo>
+                <a:close/>
+              </a:path>
+            </a:pathLst>
+          </a:custGeom>
+          <a:noFill/>
+          <a:ln w="60325" cap="rnd">
+            <a:solidFill>
+              <a:schemeClr val="tx1"/>
+            </a:solidFill>
+            <a:round/>
+            <a:extLst>
+              <a:ext uri="{C807C97D-BFC1-408E-A445-0C87EB9F89A2}">
+                <ask:lineSketchStyleProps xmlns="" xmlns:ask="http://schemas.microsoft.com/office/drawing/2018/sketchyshapes" sd="1219033472">
+                  <a:prstGeom prst="roundRect">
+                    <a:avLst/>
+                  </a:prstGeom>
+                  <ask:type>
+                    <ask:lineSketchFreehand/>
+                  </ask:type>
+                </ask:lineSketchStyleProps>
+              </a:ext>
+            </a:extLst>
+          </a:ln>
+        </p:spPr>
+        <p:style>
+          <a:lnRef idx="2">
+            <a:schemeClr val="accent1">
+              <a:shade val="50000"/>
+            </a:schemeClr>
+          </a:lnRef>
+          <a:fillRef idx="1">
+            <a:schemeClr val="accent1"/>
+          </a:fillRef>
+          <a:effectRef idx="0">
+            <a:schemeClr val="accent1"/>
+          </a:effectRef>
+          <a:fontRef idx="minor">
+            <a:schemeClr val="lt1"/>
+          </a:fontRef>
+        </p:style>
+        <p:txBody>
+          <a:bodyPr rtlCol="0" anchor="ctr"/>
+          <a:lstStyle/>
+          <a:p>
+            <a:pPr algn="ctr"/>
+            <a:endParaRPr lang="en-US"/>
+          </a:p>
+        </p:txBody>
+      </p:sp>
+      <p:pic>
+        <p:nvPicPr>
+          <p:cNvPr id="3" name="Imagem 2"/>
+          <p:cNvPicPr>
+            <a:picLocks noChangeAspect="1"/>
+          </p:cNvPicPr>
+          <p:nvPr/>
+        </p:nvPicPr>
+        <p:blipFill>
+          <a:blip r:embed="rId3">
+            <a:extLst>
+              <a:ext uri="{28A0092B-C50C-407E-A947-70E740481C1C}">
+                <a14:useLocalDpi xmlns:a14="http://schemas.microsoft.com/office/drawing/2010/main" val="0"/>
+              </a:ext>
+            </a:extLst>
+          </a:blip>
+          <a:stretch>
+            <a:fillRect/>
+          </a:stretch>
+        </p:blipFill>
+        <p:spPr>
+          <a:xfrm rot="17571695">
+            <a:off x="866540" y="3238043"/>
+            <a:ext cx="3079326" cy="3170662"/>
+          </a:xfrm>
+          <a:prstGeom prst="rect">
+            <a:avLst/>
+          </a:prstGeom>
+        </p:spPr>
+      </p:pic>
+      <p:pic>
+        <p:nvPicPr>
+          <p:cNvPr id="6" name="Imagem 5"/>
+          <p:cNvPicPr>
+            <a:picLocks noChangeAspect="1"/>
+          </p:cNvPicPr>
+          <p:nvPr/>
+        </p:nvPicPr>
+        <p:blipFill>
+          <a:blip r:embed="rId4">
+            <a:extLst>
+              <a:ext uri="{28A0092B-C50C-407E-A947-70E740481C1C}">
+                <a14:useLocalDpi xmlns:a14="http://schemas.microsoft.com/office/drawing/2010/main" val="0"/>
+              </a:ext>
+            </a:extLst>
+          </a:blip>
+          <a:stretch>
+            <a:fillRect/>
+          </a:stretch>
+        </p:blipFill>
+        <p:spPr>
+          <a:xfrm>
+            <a:off x="8217795" y="963660"/>
+            <a:ext cx="3819797" cy="3929561"/>
+          </a:xfrm>
+          <a:prstGeom prst="rect">
+            <a:avLst/>
+          </a:prstGeom>
+        </p:spPr>
+      </p:pic>
+    </p:spTree>
+    <p:extLst>
+      <p:ext uri="{BB962C8B-B14F-4D97-AF65-F5344CB8AC3E}">
+        <p14:creationId xmlns:p14="http://schemas.microsoft.com/office/powerpoint/2010/main" val="3608592324"/>
+      </p:ext>
+    </p:extLst>
+  </p:cSld>
+  <p:clrMapOvr>
+    <a:overrideClrMapping bg1="dk1" tx1="lt1" bg2="dk2" tx2="lt2" accent1="accent1" accent2="accent2" accent3="accent3" accent4="accent4" accent5="accent5" accent6="accent6" hlink="hlink" folHlink="folHlink"/>
+  </p:clrMapOvr>
+  <mc:AlternateContent xmlns:mc="http://schemas.openxmlformats.org/markup-compatibility/2006" xmlns:p14="http://schemas.microsoft.com/office/powerpoint/2010/main">
+    <mc:Choice Requires="p14">
+      <p:transition spd="slow" p14:dur="2000"/>
+    </mc:Choice>
+    <mc:Fallback xmlns="">
+      <p:transition spd="slow"/>
+    </mc:Fallback>
+  </mc:AlternateContent>
 </p:sld>
 </file>
 
@@ -2439,7 +3566,4051 @@
                 <a16:creationId xmlns:a16="http://schemas.microsoft.com/office/drawing/2014/main" id="{AD35AE2F-5E3A-49D9-8DE1-8A333BA4088E}"/>
               </a:ext>
               <a:ext uri="{C183D7F6-B498-43B3-948B-1728B52AA6E4}">
-                <adec:decorative xmlns:adec="http://schemas.microsoft.com/office/drawing/2017/decorative" val="1"/>
+                <adec:decorative xmlns="" xmlns:adec="http://schemas.microsoft.com/office/drawing/2017/decorative" val="1"/>
+              </a:ext>
+            </a:extLst>
+          </p:cNvPr>
+          <p:cNvSpPr>
+            <a:spLocks noGrp="1" noRot="1" noChangeAspect="1" noMove="1" noResize="1" noEditPoints="1" noAdjustHandles="1" noChangeArrowheads="1" noChangeShapeType="1" noTextEdit="1"/>
+          </p:cNvSpPr>
+          <p:nvPr>
+            <p:extLst>
+              <p:ext uri="{386F3935-93C4-4BCD-93E2-E3B085C9AB24}">
+                <p16:designElem xmlns:p16="http://schemas.microsoft.com/office/powerpoint/2015/main" val="1"/>
+              </p:ext>
+            </p:extLst>
+          </p:nvPr>
+        </p:nvSpPr>
+        <p:spPr>
+          <a:xfrm>
+            <a:off x="0" y="0"/>
+            <a:ext cx="12188952" cy="6858000"/>
+          </a:xfrm>
+          <a:prstGeom prst="rect">
+            <a:avLst/>
+          </a:prstGeom>
+          <a:ln>
+            <a:noFill/>
+          </a:ln>
+        </p:spPr>
+        <p:style>
+          <a:lnRef idx="2">
+            <a:schemeClr val="accent1">
+              <a:shade val="50000"/>
+            </a:schemeClr>
+          </a:lnRef>
+          <a:fillRef idx="1">
+            <a:schemeClr val="accent1"/>
+          </a:fillRef>
+          <a:effectRef idx="0">
+            <a:schemeClr val="accent1"/>
+          </a:effectRef>
+          <a:fontRef idx="minor">
+            <a:schemeClr val="lt1"/>
+          </a:fontRef>
+        </p:style>
+        <p:txBody>
+          <a:bodyPr rtlCol="0" anchor="ctr"/>
+          <a:lstStyle/>
+          <a:p>
+            <a:pPr algn="ctr"/>
+            <a:endParaRPr lang="en-US"/>
+          </a:p>
+        </p:txBody>
+      </p:sp>
+      <p:pic>
+        <p:nvPicPr>
+          <p:cNvPr id="4" name="Imagem 4" descr="Mesa de madeira com flor&#10;&#10;Descrição gerada automaticamente">
+            <a:extLst>
+              <a:ext uri="{FF2B5EF4-FFF2-40B4-BE49-F238E27FC236}">
+                <a16:creationId xmlns:a16="http://schemas.microsoft.com/office/drawing/2014/main" id="{BCDDDE5C-8875-8181-46D1-327F47B007FC}"/>
+              </a:ext>
+            </a:extLst>
+          </p:cNvPr>
+          <p:cNvPicPr>
+            <a:picLocks noChangeAspect="1"/>
+          </p:cNvPicPr>
+          <p:nvPr/>
+        </p:nvPicPr>
+        <p:blipFill rotWithShape="1">
+          <a:blip r:embed="rId2">
+            <a:alphaModFix amt="50000"/>
+          </a:blip>
+          <a:srcRect r="-1" b="15391"/>
+          <a:stretch/>
+        </p:blipFill>
+        <p:spPr>
+          <a:xfrm>
+            <a:off x="-71867" y="10"/>
+            <a:ext cx="12188931" cy="6857990"/>
+          </a:xfrm>
+          <a:prstGeom prst="rect">
+            <a:avLst/>
+          </a:prstGeom>
+        </p:spPr>
+      </p:pic>
+      <p:sp>
+        <p:nvSpPr>
+          <p:cNvPr id="2" name="Título 1"/>
+          <p:cNvSpPr>
+            <a:spLocks noGrp="1"/>
+          </p:cNvSpPr>
+          <p:nvPr>
+            <p:ph type="ctrTitle"/>
+          </p:nvPr>
+        </p:nvSpPr>
+        <p:spPr>
+          <a:xfrm>
+            <a:off x="1524000" y="1122363"/>
+            <a:ext cx="9359660" cy="2588787"/>
+          </a:xfrm>
+        </p:spPr>
+        <p:txBody>
+          <a:bodyPr>
+            <a:normAutofit fontScale="90000"/>
+          </a:bodyPr>
+          <a:lstStyle/>
+          <a:p>
+            <a:pPr algn="ctr"/>
+            <a:r>
+              <a:rPr lang="de-DE" b="1" dirty="0" err="1">
+                <a:latin typeface="Calibri"/>
+                <a:cs typeface="Calibri"/>
+              </a:rPr>
+              <a:t>BitBar</a:t>
+            </a:r>
+            <a:r>
+              <a:rPr lang="de-DE" b="1" dirty="0">
+                <a:latin typeface="Calibri"/>
+                <a:cs typeface="Calibri"/>
+              </a:rPr>
+              <a:t> - </a:t>
+            </a:r>
+            <a:r>
+              <a:rPr lang="de-DE" b="1" dirty="0" err="1">
+                <a:latin typeface="Calibri"/>
+                <a:cs typeface="Calibri"/>
+              </a:rPr>
+              <a:t>Restaurante</a:t>
+            </a:r>
+            <a:endParaRPr lang="de-DE" dirty="0" err="1">
+              <a:ea typeface="+mj-lt"/>
+              <a:cs typeface="Calibri"/>
+            </a:endParaRPr>
+          </a:p>
+          <a:p>
+            <a:pPr algn="ctr"/>
+            <a:endParaRPr lang="de-DE" b="1" dirty="0">
+              <a:latin typeface="Calibri"/>
+              <a:cs typeface="Calibri Light"/>
+            </a:endParaRPr>
+          </a:p>
+        </p:txBody>
+      </p:sp>
+      <p:sp>
+        <p:nvSpPr>
+          <p:cNvPr id="3" name="Subtítulo 2"/>
+          <p:cNvSpPr>
+            <a:spLocks noGrp="1"/>
+          </p:cNvSpPr>
+          <p:nvPr>
+            <p:ph type="subTitle" idx="1"/>
+          </p:nvPr>
+        </p:nvSpPr>
+        <p:spPr>
+          <a:xfrm>
+            <a:off x="1667774" y="2629734"/>
+            <a:ext cx="9144000" cy="1225296"/>
+          </a:xfrm>
+        </p:spPr>
+        <p:txBody>
+          <a:bodyPr vert="horz" lIns="91440" tIns="45720" rIns="91440" bIns="45720" rtlCol="0">
+            <a:normAutofit/>
+          </a:bodyPr>
+          <a:lstStyle/>
+          <a:p>
+            <a:pPr>
+              <a:lnSpc>
+                <a:spcPct val="100000"/>
+              </a:lnSpc>
+            </a:pPr>
+            <a:r>
+              <a:rPr lang="de-DE" sz="4000" dirty="0" smtClean="0">
+                <a:latin typeface="Batang"/>
+                <a:ea typeface="Batang"/>
+                <a:cs typeface="Calibri"/>
+              </a:rPr>
+              <a:t>Motivos:</a:t>
+            </a:r>
+            <a:endParaRPr lang="de-DE" sz="4000" dirty="0">
+              <a:latin typeface="Batang"/>
+              <a:ea typeface="Batang"/>
+              <a:cs typeface="Calibri"/>
+            </a:endParaRPr>
+          </a:p>
+        </p:txBody>
+      </p:sp>
+      <p:sp>
+        <p:nvSpPr>
+          <p:cNvPr id="37" name="Rectangle 6">
+            <a:extLst>
+              <a:ext uri="{FF2B5EF4-FFF2-40B4-BE49-F238E27FC236}">
+                <a16:creationId xmlns:a16="http://schemas.microsoft.com/office/drawing/2014/main" id="{04D8AD8F-EF7F-481F-B99A-B8513897050A}"/>
+              </a:ext>
+              <a:ext uri="{C183D7F6-B498-43B3-948B-1728B52AA6E4}">
+                <adec:decorative xmlns="" xmlns:adec="http://schemas.microsoft.com/office/drawing/2017/decorative" val="1"/>
+              </a:ext>
+            </a:extLst>
+          </p:cNvPr>
+          <p:cNvSpPr>
+            <a:spLocks noGrp="1" noRot="1" noChangeAspect="1" noMove="1" noResize="1" noEditPoints="1" noAdjustHandles="1" noChangeArrowheads="1" noChangeShapeType="1" noTextEdit="1"/>
+          </p:cNvSpPr>
+          <p:nvPr>
+            <p:extLst>
+              <p:ext uri="{386F3935-93C4-4BCD-93E2-E3B085C9AB24}">
+                <p16:designElem xmlns:p16="http://schemas.microsoft.com/office/powerpoint/2015/main" val="1"/>
+              </p:ext>
+            </p:extLst>
+          </p:nvPr>
+        </p:nvSpPr>
+        <p:spPr>
+          <a:xfrm>
+            <a:off x="3974206" y="4419423"/>
+            <a:ext cx="4243589" cy="27432"/>
+          </a:xfrm>
+          <a:custGeom>
+            <a:avLst/>
+            <a:gdLst>
+              <a:gd name="connsiteX0" fmla="*/ 0 w 4243589"/>
+              <a:gd name="connsiteY0" fmla="*/ 0 h 27432"/>
+              <a:gd name="connsiteX1" fmla="*/ 563791 w 4243589"/>
+              <a:gd name="connsiteY1" fmla="*/ 0 h 27432"/>
+              <a:gd name="connsiteX2" fmla="*/ 1042710 w 4243589"/>
+              <a:gd name="connsiteY2" fmla="*/ 0 h 27432"/>
+              <a:gd name="connsiteX3" fmla="*/ 1564066 w 4243589"/>
+              <a:gd name="connsiteY3" fmla="*/ 0 h 27432"/>
+              <a:gd name="connsiteX4" fmla="*/ 2212729 w 4243589"/>
+              <a:gd name="connsiteY4" fmla="*/ 0 h 27432"/>
+              <a:gd name="connsiteX5" fmla="*/ 2776520 w 4243589"/>
+              <a:gd name="connsiteY5" fmla="*/ 0 h 27432"/>
+              <a:gd name="connsiteX6" fmla="*/ 3297875 w 4243589"/>
+              <a:gd name="connsiteY6" fmla="*/ 0 h 27432"/>
+              <a:gd name="connsiteX7" fmla="*/ 4243589 w 4243589"/>
+              <a:gd name="connsiteY7" fmla="*/ 0 h 27432"/>
+              <a:gd name="connsiteX8" fmla="*/ 4243589 w 4243589"/>
+              <a:gd name="connsiteY8" fmla="*/ 27432 h 27432"/>
+              <a:gd name="connsiteX9" fmla="*/ 3637362 w 4243589"/>
+              <a:gd name="connsiteY9" fmla="*/ 27432 h 27432"/>
+              <a:gd name="connsiteX10" fmla="*/ 3116007 w 4243589"/>
+              <a:gd name="connsiteY10" fmla="*/ 27432 h 27432"/>
+              <a:gd name="connsiteX11" fmla="*/ 2424908 w 4243589"/>
+              <a:gd name="connsiteY11" fmla="*/ 27432 h 27432"/>
+              <a:gd name="connsiteX12" fmla="*/ 1861117 w 4243589"/>
+              <a:gd name="connsiteY12" fmla="*/ 27432 h 27432"/>
+              <a:gd name="connsiteX13" fmla="*/ 1382198 w 4243589"/>
+              <a:gd name="connsiteY13" fmla="*/ 27432 h 27432"/>
+              <a:gd name="connsiteX14" fmla="*/ 733535 w 4243589"/>
+              <a:gd name="connsiteY14" fmla="*/ 27432 h 27432"/>
+              <a:gd name="connsiteX15" fmla="*/ 0 w 4243589"/>
+              <a:gd name="connsiteY15" fmla="*/ 27432 h 27432"/>
+              <a:gd name="connsiteX16" fmla="*/ 0 w 4243589"/>
+              <a:gd name="connsiteY16" fmla="*/ 0 h 27432"/>
+            </a:gdLst>
+            <a:ahLst/>
+            <a:cxnLst>
+              <a:cxn ang="0">
+                <a:pos x="connsiteX0" y="connsiteY0"/>
+              </a:cxn>
+              <a:cxn ang="0">
+                <a:pos x="connsiteX1" y="connsiteY1"/>
+              </a:cxn>
+              <a:cxn ang="0">
+                <a:pos x="connsiteX2" y="connsiteY2"/>
+              </a:cxn>
+              <a:cxn ang="0">
+                <a:pos x="connsiteX3" y="connsiteY3"/>
+              </a:cxn>
+              <a:cxn ang="0">
+                <a:pos x="connsiteX4" y="connsiteY4"/>
+              </a:cxn>
+              <a:cxn ang="0">
+                <a:pos x="connsiteX5" y="connsiteY5"/>
+              </a:cxn>
+              <a:cxn ang="0">
+                <a:pos x="connsiteX6" y="connsiteY6"/>
+              </a:cxn>
+              <a:cxn ang="0">
+                <a:pos x="connsiteX7" y="connsiteY7"/>
+              </a:cxn>
+              <a:cxn ang="0">
+                <a:pos x="connsiteX8" y="connsiteY8"/>
+              </a:cxn>
+              <a:cxn ang="0">
+                <a:pos x="connsiteX9" y="connsiteY9"/>
+              </a:cxn>
+              <a:cxn ang="0">
+                <a:pos x="connsiteX10" y="connsiteY10"/>
+              </a:cxn>
+              <a:cxn ang="0">
+                <a:pos x="connsiteX11" y="connsiteY11"/>
+              </a:cxn>
+              <a:cxn ang="0">
+                <a:pos x="connsiteX12" y="connsiteY12"/>
+              </a:cxn>
+              <a:cxn ang="0">
+                <a:pos x="connsiteX13" y="connsiteY13"/>
+              </a:cxn>
+              <a:cxn ang="0">
+                <a:pos x="connsiteX14" y="connsiteY14"/>
+              </a:cxn>
+              <a:cxn ang="0">
+                <a:pos x="connsiteX15" y="connsiteY15"/>
+              </a:cxn>
+              <a:cxn ang="0">
+                <a:pos x="connsiteX16" y="connsiteY16"/>
+              </a:cxn>
+            </a:cxnLst>
+            <a:rect l="l" t="t" r="r" b="b"/>
+            <a:pathLst>
+              <a:path w="4243589" h="27432" fill="none" extrusionOk="0">
+                <a:moveTo>
+                  <a:pt x="0" y="0"/>
+                </a:moveTo>
+                <a:cubicBezTo>
+                  <a:pt x="157351" y="-15653"/>
+                  <a:pt x="378877" y="-5828"/>
+                  <a:pt x="563791" y="0"/>
+                </a:cubicBezTo>
+                <a:cubicBezTo>
+                  <a:pt x="748705" y="5828"/>
+                  <a:pt x="905659" y="-5525"/>
+                  <a:pt x="1042710" y="0"/>
+                </a:cubicBezTo>
+                <a:cubicBezTo>
+                  <a:pt x="1179761" y="5525"/>
+                  <a:pt x="1356845" y="-21288"/>
+                  <a:pt x="1564066" y="0"/>
+                </a:cubicBezTo>
+                <a:cubicBezTo>
+                  <a:pt x="1771287" y="21288"/>
+                  <a:pt x="1912099" y="25135"/>
+                  <a:pt x="2212729" y="0"/>
+                </a:cubicBezTo>
+                <a:cubicBezTo>
+                  <a:pt x="2513359" y="-25135"/>
+                  <a:pt x="2514918" y="-27119"/>
+                  <a:pt x="2776520" y="0"/>
+                </a:cubicBezTo>
+                <a:cubicBezTo>
+                  <a:pt x="3038122" y="27119"/>
+                  <a:pt x="3178771" y="18116"/>
+                  <a:pt x="3297875" y="0"/>
+                </a:cubicBezTo>
+                <a:cubicBezTo>
+                  <a:pt x="3416980" y="-18116"/>
+                  <a:pt x="4012240" y="-40869"/>
+                  <a:pt x="4243589" y="0"/>
+                </a:cubicBezTo>
+                <a:cubicBezTo>
+                  <a:pt x="4242616" y="8304"/>
+                  <a:pt x="4243111" y="21512"/>
+                  <a:pt x="4243589" y="27432"/>
+                </a:cubicBezTo>
+                <a:cubicBezTo>
+                  <a:pt x="4112949" y="6289"/>
+                  <a:pt x="3928037" y="10975"/>
+                  <a:pt x="3637362" y="27432"/>
+                </a:cubicBezTo>
+                <a:cubicBezTo>
+                  <a:pt x="3346687" y="43889"/>
+                  <a:pt x="3254446" y="35813"/>
+                  <a:pt x="3116007" y="27432"/>
+                </a:cubicBezTo>
+                <a:cubicBezTo>
+                  <a:pt x="2977569" y="19051"/>
+                  <a:pt x="2620228" y="38017"/>
+                  <a:pt x="2424908" y="27432"/>
+                </a:cubicBezTo>
+                <a:cubicBezTo>
+                  <a:pt x="2229588" y="16847"/>
+                  <a:pt x="2088287" y="5290"/>
+                  <a:pt x="1861117" y="27432"/>
+                </a:cubicBezTo>
+                <a:cubicBezTo>
+                  <a:pt x="1633947" y="49574"/>
+                  <a:pt x="1502447" y="8273"/>
+                  <a:pt x="1382198" y="27432"/>
+                </a:cubicBezTo>
+                <a:cubicBezTo>
+                  <a:pt x="1261949" y="46591"/>
+                  <a:pt x="1045440" y="37497"/>
+                  <a:pt x="733535" y="27432"/>
+                </a:cubicBezTo>
+                <a:cubicBezTo>
+                  <a:pt x="421630" y="17367"/>
+                  <a:pt x="341257" y="-9215"/>
+                  <a:pt x="0" y="27432"/>
+                </a:cubicBezTo>
+                <a:cubicBezTo>
+                  <a:pt x="-1048" y="14992"/>
+                  <a:pt x="-1120" y="7447"/>
+                  <a:pt x="0" y="0"/>
+                </a:cubicBezTo>
+                <a:close/>
+              </a:path>
+              <a:path w="4243589" h="27432" stroke="0" extrusionOk="0">
+                <a:moveTo>
+                  <a:pt x="0" y="0"/>
+                </a:moveTo>
+                <a:cubicBezTo>
+                  <a:pt x="128164" y="17204"/>
+                  <a:pt x="312653" y="1129"/>
+                  <a:pt x="563791" y="0"/>
+                </a:cubicBezTo>
+                <a:cubicBezTo>
+                  <a:pt x="814929" y="-1129"/>
+                  <a:pt x="837271" y="8503"/>
+                  <a:pt x="1042710" y="0"/>
+                </a:cubicBezTo>
+                <a:cubicBezTo>
+                  <a:pt x="1248149" y="-8503"/>
+                  <a:pt x="1588432" y="-28862"/>
+                  <a:pt x="1733809" y="0"/>
+                </a:cubicBezTo>
+                <a:cubicBezTo>
+                  <a:pt x="1879186" y="28862"/>
+                  <a:pt x="2052815" y="5974"/>
+                  <a:pt x="2297600" y="0"/>
+                </a:cubicBezTo>
+                <a:cubicBezTo>
+                  <a:pt x="2542385" y="-5974"/>
+                  <a:pt x="2699960" y="-23550"/>
+                  <a:pt x="2861391" y="0"/>
+                </a:cubicBezTo>
+                <a:cubicBezTo>
+                  <a:pt x="3022822" y="23550"/>
+                  <a:pt x="3390411" y="25272"/>
+                  <a:pt x="3552490" y="0"/>
+                </a:cubicBezTo>
+                <a:cubicBezTo>
+                  <a:pt x="3714569" y="-25272"/>
+                  <a:pt x="3950585" y="-31327"/>
+                  <a:pt x="4243589" y="0"/>
+                </a:cubicBezTo>
+                <a:cubicBezTo>
+                  <a:pt x="4244074" y="9333"/>
+                  <a:pt x="4244867" y="19699"/>
+                  <a:pt x="4243589" y="27432"/>
+                </a:cubicBezTo>
+                <a:cubicBezTo>
+                  <a:pt x="4130424" y="7904"/>
+                  <a:pt x="3932803" y="51393"/>
+                  <a:pt x="3722234" y="27432"/>
+                </a:cubicBezTo>
+                <a:cubicBezTo>
+                  <a:pt x="3511665" y="3471"/>
+                  <a:pt x="3269903" y="55138"/>
+                  <a:pt x="3116007" y="27432"/>
+                </a:cubicBezTo>
+                <a:cubicBezTo>
+                  <a:pt x="2962111" y="-274"/>
+                  <a:pt x="2744280" y="32368"/>
+                  <a:pt x="2509780" y="27432"/>
+                </a:cubicBezTo>
+                <a:cubicBezTo>
+                  <a:pt x="2275280" y="22496"/>
+                  <a:pt x="2066059" y="52808"/>
+                  <a:pt x="1945989" y="27432"/>
+                </a:cubicBezTo>
+                <a:cubicBezTo>
+                  <a:pt x="1825919" y="2056"/>
+                  <a:pt x="1407329" y="21760"/>
+                  <a:pt x="1254890" y="27432"/>
+                </a:cubicBezTo>
+                <a:cubicBezTo>
+                  <a:pt x="1102451" y="33104"/>
+                  <a:pt x="837950" y="40817"/>
+                  <a:pt x="563791" y="27432"/>
+                </a:cubicBezTo>
+                <a:cubicBezTo>
+                  <a:pt x="289632" y="14047"/>
+                  <a:pt x="132768" y="16249"/>
+                  <a:pt x="0" y="27432"/>
+                </a:cubicBezTo>
+                <a:cubicBezTo>
+                  <a:pt x="211" y="18145"/>
+                  <a:pt x="120" y="6480"/>
+                  <a:pt x="0" y="0"/>
+                </a:cubicBezTo>
+                <a:close/>
+              </a:path>
+            </a:pathLst>
+          </a:custGeom>
+          <a:solidFill>
+            <a:schemeClr val="tx1"/>
+          </a:solidFill>
+          <a:ln w="38100" cap="rnd">
+            <a:solidFill>
+              <a:schemeClr val="tx1"/>
+            </a:solidFill>
+            <a:round/>
+            <a:extLst>
+              <a:ext uri="{C807C97D-BFC1-408E-A445-0C87EB9F89A2}">
+                <ask:lineSketchStyleProps xmlns="" xmlns:ask="http://schemas.microsoft.com/office/drawing/2018/sketchyshapes" sd="1219033472">
+                  <a:prstGeom prst="rect">
+                    <a:avLst/>
+                  </a:prstGeom>
+                  <ask:type>
+                    <ask:lineSketchFreehand/>
+                  </ask:type>
+                </ask:lineSketchStyleProps>
+              </a:ext>
+            </a:extLst>
+          </a:ln>
+        </p:spPr>
+        <p:style>
+          <a:lnRef idx="2">
+            <a:schemeClr val="accent1">
+              <a:shade val="50000"/>
+            </a:schemeClr>
+          </a:lnRef>
+          <a:fillRef idx="1">
+            <a:schemeClr val="accent1"/>
+          </a:fillRef>
+          <a:effectRef idx="0">
+            <a:schemeClr val="accent1"/>
+          </a:effectRef>
+          <a:fontRef idx="minor">
+            <a:schemeClr val="lt1"/>
+          </a:fontRef>
+        </p:style>
+        <p:txBody>
+          <a:bodyPr rtlCol="0" anchor="ctr"/>
+          <a:lstStyle/>
+          <a:p>
+            <a:pPr algn="ctr"/>
+            <a:endParaRPr lang="en-US"/>
+          </a:p>
+        </p:txBody>
+      </p:sp>
+      <p:sp>
+        <p:nvSpPr>
+          <p:cNvPr id="38" name="Rectangle 6">
+            <a:extLst>
+              <a:ext uri="{FF2B5EF4-FFF2-40B4-BE49-F238E27FC236}">
+                <a16:creationId xmlns:a16="http://schemas.microsoft.com/office/drawing/2014/main" id="{79EB4626-023C-436D-9F57-9EB46080909D}"/>
+              </a:ext>
+              <a:ext uri="{C183D7F6-B498-43B3-948B-1728B52AA6E4}">
+                <adec:decorative xmlns="" xmlns:adec="http://schemas.microsoft.com/office/drawing/2017/decorative" val="1"/>
+              </a:ext>
+            </a:extLst>
+          </p:cNvPr>
+          <p:cNvSpPr>
+            <a:spLocks noGrp="1" noRot="1" noChangeAspect="1" noMove="1" noResize="1" noEditPoints="1" noAdjustHandles="1" noChangeArrowheads="1" noChangeShapeType="1" noTextEdit="1"/>
+          </p:cNvSpPr>
+          <p:nvPr>
+            <p:extLst>
+              <p:ext uri="{386F3935-93C4-4BCD-93E2-E3B085C9AB24}">
+                <p16:designElem xmlns:p16="http://schemas.microsoft.com/office/powerpoint/2015/main" val="1"/>
+              </p:ext>
+            </p:extLst>
+          </p:nvPr>
+        </p:nvSpPr>
+        <p:spPr>
+          <a:xfrm flipV="1">
+            <a:off x="838200" y="720953"/>
+            <a:ext cx="10515600" cy="5416094"/>
+          </a:xfrm>
+          <a:custGeom>
+            <a:avLst/>
+            <a:gdLst>
+              <a:gd name="connsiteX0" fmla="*/ 0 w 10515600"/>
+              <a:gd name="connsiteY0" fmla="*/ 902700 h 5416094"/>
+              <a:gd name="connsiteX1" fmla="*/ 902700 w 10515600"/>
+              <a:gd name="connsiteY1" fmla="*/ 0 h 5416094"/>
+              <a:gd name="connsiteX2" fmla="*/ 1746919 w 10515600"/>
+              <a:gd name="connsiteY2" fmla="*/ 0 h 5416094"/>
+              <a:gd name="connsiteX3" fmla="*/ 2329833 w 10515600"/>
+              <a:gd name="connsiteY3" fmla="*/ 0 h 5416094"/>
+              <a:gd name="connsiteX4" fmla="*/ 2825644 w 10515600"/>
+              <a:gd name="connsiteY4" fmla="*/ 0 h 5416094"/>
+              <a:gd name="connsiteX5" fmla="*/ 3582762 w 10515600"/>
+              <a:gd name="connsiteY5" fmla="*/ 0 h 5416094"/>
+              <a:gd name="connsiteX6" fmla="*/ 4165675 w 10515600"/>
+              <a:gd name="connsiteY6" fmla="*/ 0 h 5416094"/>
+              <a:gd name="connsiteX7" fmla="*/ 5009894 w 10515600"/>
+              <a:gd name="connsiteY7" fmla="*/ 0 h 5416094"/>
+              <a:gd name="connsiteX8" fmla="*/ 5505706 w 10515600"/>
+              <a:gd name="connsiteY8" fmla="*/ 0 h 5416094"/>
+              <a:gd name="connsiteX9" fmla="*/ 6349925 w 10515600"/>
+              <a:gd name="connsiteY9" fmla="*/ 0 h 5416094"/>
+              <a:gd name="connsiteX10" fmla="*/ 6758634 w 10515600"/>
+              <a:gd name="connsiteY10" fmla="*/ 0 h 5416094"/>
+              <a:gd name="connsiteX11" fmla="*/ 7428650 w 10515600"/>
+              <a:gd name="connsiteY11" fmla="*/ 0 h 5416094"/>
+              <a:gd name="connsiteX12" fmla="*/ 8098665 w 10515600"/>
+              <a:gd name="connsiteY12" fmla="*/ 0 h 5416094"/>
+              <a:gd name="connsiteX13" fmla="*/ 8681579 w 10515600"/>
+              <a:gd name="connsiteY13" fmla="*/ 0 h 5416094"/>
+              <a:gd name="connsiteX14" fmla="*/ 9612900 w 10515600"/>
+              <a:gd name="connsiteY14" fmla="*/ 0 h 5416094"/>
+              <a:gd name="connsiteX15" fmla="*/ 10515600 w 10515600"/>
+              <a:gd name="connsiteY15" fmla="*/ 902700 h 5416094"/>
+              <a:gd name="connsiteX16" fmla="*/ 10515600 w 10515600"/>
+              <a:gd name="connsiteY16" fmla="*/ 1504482 h 5416094"/>
+              <a:gd name="connsiteX17" fmla="*/ 10515600 w 10515600"/>
+              <a:gd name="connsiteY17" fmla="*/ 2178479 h 5416094"/>
+              <a:gd name="connsiteX18" fmla="*/ 10515600 w 10515600"/>
+              <a:gd name="connsiteY18" fmla="*/ 2780261 h 5416094"/>
+              <a:gd name="connsiteX19" fmla="*/ 10515600 w 10515600"/>
+              <a:gd name="connsiteY19" fmla="*/ 3273722 h 5416094"/>
+              <a:gd name="connsiteX20" fmla="*/ 10515600 w 10515600"/>
+              <a:gd name="connsiteY20" fmla="*/ 3803291 h 5416094"/>
+              <a:gd name="connsiteX21" fmla="*/ 10515600 w 10515600"/>
+              <a:gd name="connsiteY21" fmla="*/ 4513394 h 5416094"/>
+              <a:gd name="connsiteX22" fmla="*/ 9612900 w 10515600"/>
+              <a:gd name="connsiteY22" fmla="*/ 5416094 h 5416094"/>
+              <a:gd name="connsiteX23" fmla="*/ 9117089 w 10515600"/>
+              <a:gd name="connsiteY23" fmla="*/ 5416094 h 5416094"/>
+              <a:gd name="connsiteX24" fmla="*/ 8708379 w 10515600"/>
+              <a:gd name="connsiteY24" fmla="*/ 5416094 h 5416094"/>
+              <a:gd name="connsiteX25" fmla="*/ 8299670 w 10515600"/>
+              <a:gd name="connsiteY25" fmla="*/ 5416094 h 5416094"/>
+              <a:gd name="connsiteX26" fmla="*/ 7629654 w 10515600"/>
+              <a:gd name="connsiteY26" fmla="*/ 5416094 h 5416094"/>
+              <a:gd name="connsiteX27" fmla="*/ 7133843 w 10515600"/>
+              <a:gd name="connsiteY27" fmla="*/ 5416094 h 5416094"/>
+              <a:gd name="connsiteX28" fmla="*/ 6376726 w 10515600"/>
+              <a:gd name="connsiteY28" fmla="*/ 5416094 h 5416094"/>
+              <a:gd name="connsiteX29" fmla="*/ 5880914 w 10515600"/>
+              <a:gd name="connsiteY29" fmla="*/ 5416094 h 5416094"/>
+              <a:gd name="connsiteX30" fmla="*/ 5123797 w 10515600"/>
+              <a:gd name="connsiteY30" fmla="*/ 5416094 h 5416094"/>
+              <a:gd name="connsiteX31" fmla="*/ 4715088 w 10515600"/>
+              <a:gd name="connsiteY31" fmla="*/ 5416094 h 5416094"/>
+              <a:gd name="connsiteX32" fmla="*/ 3957970 w 10515600"/>
+              <a:gd name="connsiteY32" fmla="*/ 5416094 h 5416094"/>
+              <a:gd name="connsiteX33" fmla="*/ 3462159 w 10515600"/>
+              <a:gd name="connsiteY33" fmla="*/ 5416094 h 5416094"/>
+              <a:gd name="connsiteX34" fmla="*/ 3053449 w 10515600"/>
+              <a:gd name="connsiteY34" fmla="*/ 5416094 h 5416094"/>
+              <a:gd name="connsiteX35" fmla="*/ 2557638 w 10515600"/>
+              <a:gd name="connsiteY35" fmla="*/ 5416094 h 5416094"/>
+              <a:gd name="connsiteX36" fmla="*/ 1800521 w 10515600"/>
+              <a:gd name="connsiteY36" fmla="*/ 5416094 h 5416094"/>
+              <a:gd name="connsiteX37" fmla="*/ 902700 w 10515600"/>
+              <a:gd name="connsiteY37" fmla="*/ 5416094 h 5416094"/>
+              <a:gd name="connsiteX38" fmla="*/ 0 w 10515600"/>
+              <a:gd name="connsiteY38" fmla="*/ 4513394 h 5416094"/>
+              <a:gd name="connsiteX39" fmla="*/ 0 w 10515600"/>
+              <a:gd name="connsiteY39" fmla="*/ 3911612 h 5416094"/>
+              <a:gd name="connsiteX40" fmla="*/ 0 w 10515600"/>
+              <a:gd name="connsiteY40" fmla="*/ 3309829 h 5416094"/>
+              <a:gd name="connsiteX41" fmla="*/ 0 w 10515600"/>
+              <a:gd name="connsiteY41" fmla="*/ 2780261 h 5416094"/>
+              <a:gd name="connsiteX42" fmla="*/ 0 w 10515600"/>
+              <a:gd name="connsiteY42" fmla="*/ 2106265 h 5416094"/>
+              <a:gd name="connsiteX43" fmla="*/ 0 w 10515600"/>
+              <a:gd name="connsiteY43" fmla="*/ 1504482 h 5416094"/>
+              <a:gd name="connsiteX44" fmla="*/ 0 w 10515600"/>
+              <a:gd name="connsiteY44" fmla="*/ 902700 h 5416094"/>
+            </a:gdLst>
+            <a:ahLst/>
+            <a:cxnLst>
+              <a:cxn ang="0">
+                <a:pos x="connsiteX0" y="connsiteY0"/>
+              </a:cxn>
+              <a:cxn ang="0">
+                <a:pos x="connsiteX1" y="connsiteY1"/>
+              </a:cxn>
+              <a:cxn ang="0">
+                <a:pos x="connsiteX2" y="connsiteY2"/>
+              </a:cxn>
+              <a:cxn ang="0">
+                <a:pos x="connsiteX3" y="connsiteY3"/>
+              </a:cxn>
+              <a:cxn ang="0">
+                <a:pos x="connsiteX4" y="connsiteY4"/>
+              </a:cxn>
+              <a:cxn ang="0">
+                <a:pos x="connsiteX5" y="connsiteY5"/>
+              </a:cxn>
+              <a:cxn ang="0">
+                <a:pos x="connsiteX6" y="connsiteY6"/>
+              </a:cxn>
+              <a:cxn ang="0">
+                <a:pos x="connsiteX7" y="connsiteY7"/>
+              </a:cxn>
+              <a:cxn ang="0">
+                <a:pos x="connsiteX8" y="connsiteY8"/>
+              </a:cxn>
+              <a:cxn ang="0">
+                <a:pos x="connsiteX9" y="connsiteY9"/>
+              </a:cxn>
+              <a:cxn ang="0">
+                <a:pos x="connsiteX10" y="connsiteY10"/>
+              </a:cxn>
+              <a:cxn ang="0">
+                <a:pos x="connsiteX11" y="connsiteY11"/>
+              </a:cxn>
+              <a:cxn ang="0">
+                <a:pos x="connsiteX12" y="connsiteY12"/>
+              </a:cxn>
+              <a:cxn ang="0">
+                <a:pos x="connsiteX13" y="connsiteY13"/>
+              </a:cxn>
+              <a:cxn ang="0">
+                <a:pos x="connsiteX14" y="connsiteY14"/>
+              </a:cxn>
+              <a:cxn ang="0">
+                <a:pos x="connsiteX15" y="connsiteY15"/>
+              </a:cxn>
+              <a:cxn ang="0">
+                <a:pos x="connsiteX16" y="connsiteY16"/>
+              </a:cxn>
+              <a:cxn ang="0">
+                <a:pos x="connsiteX17" y="connsiteY17"/>
+              </a:cxn>
+              <a:cxn ang="0">
+                <a:pos x="connsiteX18" y="connsiteY18"/>
+              </a:cxn>
+              <a:cxn ang="0">
+                <a:pos x="connsiteX19" y="connsiteY19"/>
+              </a:cxn>
+              <a:cxn ang="0">
+                <a:pos x="connsiteX20" y="connsiteY20"/>
+              </a:cxn>
+              <a:cxn ang="0">
+                <a:pos x="connsiteX21" y="connsiteY21"/>
+              </a:cxn>
+              <a:cxn ang="0">
+                <a:pos x="connsiteX22" y="connsiteY22"/>
+              </a:cxn>
+              <a:cxn ang="0">
+                <a:pos x="connsiteX23" y="connsiteY23"/>
+              </a:cxn>
+              <a:cxn ang="0">
+                <a:pos x="connsiteX24" y="connsiteY24"/>
+              </a:cxn>
+              <a:cxn ang="0">
+                <a:pos x="connsiteX25" y="connsiteY25"/>
+              </a:cxn>
+              <a:cxn ang="0">
+                <a:pos x="connsiteX26" y="connsiteY26"/>
+              </a:cxn>
+              <a:cxn ang="0">
+                <a:pos x="connsiteX27" y="connsiteY27"/>
+              </a:cxn>
+              <a:cxn ang="0">
+                <a:pos x="connsiteX28" y="connsiteY28"/>
+              </a:cxn>
+              <a:cxn ang="0">
+                <a:pos x="connsiteX29" y="connsiteY29"/>
+              </a:cxn>
+              <a:cxn ang="0">
+                <a:pos x="connsiteX30" y="connsiteY30"/>
+              </a:cxn>
+              <a:cxn ang="0">
+                <a:pos x="connsiteX31" y="connsiteY31"/>
+              </a:cxn>
+              <a:cxn ang="0">
+                <a:pos x="connsiteX32" y="connsiteY32"/>
+              </a:cxn>
+              <a:cxn ang="0">
+                <a:pos x="connsiteX33" y="connsiteY33"/>
+              </a:cxn>
+              <a:cxn ang="0">
+                <a:pos x="connsiteX34" y="connsiteY34"/>
+              </a:cxn>
+              <a:cxn ang="0">
+                <a:pos x="connsiteX35" y="connsiteY35"/>
+              </a:cxn>
+              <a:cxn ang="0">
+                <a:pos x="connsiteX36" y="connsiteY36"/>
+              </a:cxn>
+              <a:cxn ang="0">
+                <a:pos x="connsiteX37" y="connsiteY37"/>
+              </a:cxn>
+              <a:cxn ang="0">
+                <a:pos x="connsiteX38" y="connsiteY38"/>
+              </a:cxn>
+              <a:cxn ang="0">
+                <a:pos x="connsiteX39" y="connsiteY39"/>
+              </a:cxn>
+              <a:cxn ang="0">
+                <a:pos x="connsiteX40" y="connsiteY40"/>
+              </a:cxn>
+              <a:cxn ang="0">
+                <a:pos x="connsiteX41" y="connsiteY41"/>
+              </a:cxn>
+              <a:cxn ang="0">
+                <a:pos x="connsiteX42" y="connsiteY42"/>
+              </a:cxn>
+              <a:cxn ang="0">
+                <a:pos x="connsiteX43" y="connsiteY43"/>
+              </a:cxn>
+              <a:cxn ang="0">
+                <a:pos x="connsiteX44" y="connsiteY44"/>
+              </a:cxn>
+            </a:cxnLst>
+            <a:rect l="l" t="t" r="r" b="b"/>
+            <a:pathLst>
+              <a:path w="10515600" h="5416094" extrusionOk="0">
+                <a:moveTo>
+                  <a:pt x="0" y="902700"/>
+                </a:moveTo>
+                <a:cubicBezTo>
+                  <a:pt x="-57306" y="368805"/>
+                  <a:pt x="305054" y="37193"/>
+                  <a:pt x="902700" y="0"/>
+                </a:cubicBezTo>
+                <a:cubicBezTo>
+                  <a:pt x="1280419" y="-35006"/>
+                  <a:pt x="1407743" y="-35339"/>
+                  <a:pt x="1746919" y="0"/>
+                </a:cubicBezTo>
+                <a:cubicBezTo>
+                  <a:pt x="2086095" y="35339"/>
+                  <a:pt x="2146539" y="-12333"/>
+                  <a:pt x="2329833" y="0"/>
+                </a:cubicBezTo>
+                <a:cubicBezTo>
+                  <a:pt x="2513127" y="12333"/>
+                  <a:pt x="2706706" y="12952"/>
+                  <a:pt x="2825644" y="0"/>
+                </a:cubicBezTo>
+                <a:cubicBezTo>
+                  <a:pt x="2944582" y="-12952"/>
+                  <a:pt x="3420817" y="-27100"/>
+                  <a:pt x="3582762" y="0"/>
+                </a:cubicBezTo>
+                <a:cubicBezTo>
+                  <a:pt x="3744707" y="27100"/>
+                  <a:pt x="4023584" y="-9167"/>
+                  <a:pt x="4165675" y="0"/>
+                </a:cubicBezTo>
+                <a:cubicBezTo>
+                  <a:pt x="4307766" y="9167"/>
+                  <a:pt x="4770188" y="27031"/>
+                  <a:pt x="5009894" y="0"/>
+                </a:cubicBezTo>
+                <a:cubicBezTo>
+                  <a:pt x="5249600" y="-27031"/>
+                  <a:pt x="5349881" y="-194"/>
+                  <a:pt x="5505706" y="0"/>
+                </a:cubicBezTo>
+                <a:cubicBezTo>
+                  <a:pt x="5661531" y="194"/>
+                  <a:pt x="6129254" y="-29363"/>
+                  <a:pt x="6349925" y="0"/>
+                </a:cubicBezTo>
+                <a:cubicBezTo>
+                  <a:pt x="6570596" y="29363"/>
+                  <a:pt x="6581199" y="-14617"/>
+                  <a:pt x="6758634" y="0"/>
+                </a:cubicBezTo>
+                <a:cubicBezTo>
+                  <a:pt x="6936069" y="14617"/>
+                  <a:pt x="7246491" y="25675"/>
+                  <a:pt x="7428650" y="0"/>
+                </a:cubicBezTo>
+                <a:cubicBezTo>
+                  <a:pt x="7610809" y="-25675"/>
+                  <a:pt x="7825190" y="-17078"/>
+                  <a:pt x="8098665" y="0"/>
+                </a:cubicBezTo>
+                <a:cubicBezTo>
+                  <a:pt x="8372141" y="17078"/>
+                  <a:pt x="8559625" y="-21568"/>
+                  <a:pt x="8681579" y="0"/>
+                </a:cubicBezTo>
+                <a:cubicBezTo>
+                  <a:pt x="8803533" y="21568"/>
+                  <a:pt x="9307226" y="-46066"/>
+                  <a:pt x="9612900" y="0"/>
+                </a:cubicBezTo>
+                <a:cubicBezTo>
+                  <a:pt x="10119954" y="-10560"/>
+                  <a:pt x="10418674" y="366684"/>
+                  <a:pt x="10515600" y="902700"/>
+                </a:cubicBezTo>
+                <a:cubicBezTo>
+                  <a:pt x="10494548" y="1140809"/>
+                  <a:pt x="10524881" y="1252168"/>
+                  <a:pt x="10515600" y="1504482"/>
+                </a:cubicBezTo>
+                <a:cubicBezTo>
+                  <a:pt x="10506319" y="1756796"/>
+                  <a:pt x="10494309" y="1995078"/>
+                  <a:pt x="10515600" y="2178479"/>
+                </a:cubicBezTo>
+                <a:cubicBezTo>
+                  <a:pt x="10536891" y="2361880"/>
+                  <a:pt x="10522845" y="2487483"/>
+                  <a:pt x="10515600" y="2780261"/>
+                </a:cubicBezTo>
+                <a:cubicBezTo>
+                  <a:pt x="10508355" y="3073039"/>
+                  <a:pt x="10533694" y="3138252"/>
+                  <a:pt x="10515600" y="3273722"/>
+                </a:cubicBezTo>
+                <a:cubicBezTo>
+                  <a:pt x="10497506" y="3409192"/>
+                  <a:pt x="10514952" y="3569910"/>
+                  <a:pt x="10515600" y="3803291"/>
+                </a:cubicBezTo>
+                <a:cubicBezTo>
+                  <a:pt x="10516248" y="4036672"/>
+                  <a:pt x="10499126" y="4317688"/>
+                  <a:pt x="10515600" y="4513394"/>
+                </a:cubicBezTo>
+                <a:cubicBezTo>
+                  <a:pt x="10585499" y="4997151"/>
+                  <a:pt x="10115437" y="5453981"/>
+                  <a:pt x="9612900" y="5416094"/>
+                </a:cubicBezTo>
+                <a:cubicBezTo>
+                  <a:pt x="9473271" y="5418358"/>
+                  <a:pt x="9316384" y="5423764"/>
+                  <a:pt x="9117089" y="5416094"/>
+                </a:cubicBezTo>
+                <a:cubicBezTo>
+                  <a:pt x="8917794" y="5408424"/>
+                  <a:pt x="8902141" y="5433256"/>
+                  <a:pt x="8708379" y="5416094"/>
+                </a:cubicBezTo>
+                <a:cubicBezTo>
+                  <a:pt x="8514617" y="5398933"/>
+                  <a:pt x="8454700" y="5422387"/>
+                  <a:pt x="8299670" y="5416094"/>
+                </a:cubicBezTo>
+                <a:cubicBezTo>
+                  <a:pt x="8144640" y="5409801"/>
+                  <a:pt x="7907022" y="5398388"/>
+                  <a:pt x="7629654" y="5416094"/>
+                </a:cubicBezTo>
+                <a:cubicBezTo>
+                  <a:pt x="7352286" y="5433800"/>
+                  <a:pt x="7244777" y="5409877"/>
+                  <a:pt x="7133843" y="5416094"/>
+                </a:cubicBezTo>
+                <a:cubicBezTo>
+                  <a:pt x="7022909" y="5422311"/>
+                  <a:pt x="6748865" y="5379753"/>
+                  <a:pt x="6376726" y="5416094"/>
+                </a:cubicBezTo>
+                <a:cubicBezTo>
+                  <a:pt x="6004587" y="5452435"/>
+                  <a:pt x="5991442" y="5438860"/>
+                  <a:pt x="5880914" y="5416094"/>
+                </a:cubicBezTo>
+                <a:cubicBezTo>
+                  <a:pt x="5770386" y="5393328"/>
+                  <a:pt x="5294303" y="5440618"/>
+                  <a:pt x="5123797" y="5416094"/>
+                </a:cubicBezTo>
+                <a:cubicBezTo>
+                  <a:pt x="4953291" y="5391570"/>
+                  <a:pt x="4828705" y="5430421"/>
+                  <a:pt x="4715088" y="5416094"/>
+                </a:cubicBezTo>
+                <a:cubicBezTo>
+                  <a:pt x="4601471" y="5401767"/>
+                  <a:pt x="4227806" y="5381491"/>
+                  <a:pt x="3957970" y="5416094"/>
+                </a:cubicBezTo>
+                <a:cubicBezTo>
+                  <a:pt x="3688134" y="5450697"/>
+                  <a:pt x="3670638" y="5425309"/>
+                  <a:pt x="3462159" y="5416094"/>
+                </a:cubicBezTo>
+                <a:cubicBezTo>
+                  <a:pt x="3253680" y="5406879"/>
+                  <a:pt x="3167443" y="5432031"/>
+                  <a:pt x="3053449" y="5416094"/>
+                </a:cubicBezTo>
+                <a:cubicBezTo>
+                  <a:pt x="2939455" y="5400158"/>
+                  <a:pt x="2701485" y="5433995"/>
+                  <a:pt x="2557638" y="5416094"/>
+                </a:cubicBezTo>
+                <a:cubicBezTo>
+                  <a:pt x="2413791" y="5398193"/>
+                  <a:pt x="2168647" y="5424510"/>
+                  <a:pt x="1800521" y="5416094"/>
+                </a:cubicBezTo>
+                <a:cubicBezTo>
+                  <a:pt x="1432395" y="5407678"/>
+                  <a:pt x="1261364" y="5454497"/>
+                  <a:pt x="902700" y="5416094"/>
+                </a:cubicBezTo>
+                <a:cubicBezTo>
+                  <a:pt x="519468" y="5419760"/>
+                  <a:pt x="63003" y="5077223"/>
+                  <a:pt x="0" y="4513394"/>
+                </a:cubicBezTo>
+                <a:cubicBezTo>
+                  <a:pt x="-20265" y="4243495"/>
+                  <a:pt x="27650" y="4053844"/>
+                  <a:pt x="0" y="3911612"/>
+                </a:cubicBezTo>
+                <a:cubicBezTo>
+                  <a:pt x="-27650" y="3769380"/>
+                  <a:pt x="24988" y="3469350"/>
+                  <a:pt x="0" y="3309829"/>
+                </a:cubicBezTo>
+                <a:cubicBezTo>
+                  <a:pt x="-24988" y="3150308"/>
+                  <a:pt x="-16973" y="2933511"/>
+                  <a:pt x="0" y="2780261"/>
+                </a:cubicBezTo>
+                <a:cubicBezTo>
+                  <a:pt x="16973" y="2627011"/>
+                  <a:pt x="-11552" y="2315258"/>
+                  <a:pt x="0" y="2106265"/>
+                </a:cubicBezTo>
+                <a:cubicBezTo>
+                  <a:pt x="11552" y="1897272"/>
+                  <a:pt x="-9167" y="1726905"/>
+                  <a:pt x="0" y="1504482"/>
+                </a:cubicBezTo>
+                <a:cubicBezTo>
+                  <a:pt x="9167" y="1282059"/>
+                  <a:pt x="10972" y="1160784"/>
+                  <a:pt x="0" y="902700"/>
+                </a:cubicBezTo>
+                <a:close/>
+              </a:path>
+            </a:pathLst>
+          </a:custGeom>
+          <a:noFill/>
+          <a:ln w="60325" cap="rnd">
+            <a:solidFill>
+              <a:schemeClr val="tx1"/>
+            </a:solidFill>
+            <a:round/>
+            <a:extLst>
+              <a:ext uri="{C807C97D-BFC1-408E-A445-0C87EB9F89A2}">
+                <ask:lineSketchStyleProps xmlns="" xmlns:ask="http://schemas.microsoft.com/office/drawing/2018/sketchyshapes" sd="1219033472">
+                  <a:prstGeom prst="roundRect">
+                    <a:avLst/>
+                  </a:prstGeom>
+                  <ask:type>
+                    <ask:lineSketchFreehand/>
+                  </ask:type>
+                </ask:lineSketchStyleProps>
+              </a:ext>
+            </a:extLst>
+          </a:ln>
+        </p:spPr>
+        <p:style>
+          <a:lnRef idx="2">
+            <a:schemeClr val="accent1">
+              <a:shade val="50000"/>
+            </a:schemeClr>
+          </a:lnRef>
+          <a:fillRef idx="1">
+            <a:schemeClr val="accent1"/>
+          </a:fillRef>
+          <a:effectRef idx="0">
+            <a:schemeClr val="accent1"/>
+          </a:effectRef>
+          <a:fontRef idx="minor">
+            <a:schemeClr val="lt1"/>
+          </a:fontRef>
+        </p:style>
+        <p:txBody>
+          <a:bodyPr rtlCol="0" anchor="ctr"/>
+          <a:lstStyle/>
+          <a:p>
+            <a:pPr algn="ctr"/>
+            <a:endParaRPr lang="en-US"/>
+          </a:p>
+        </p:txBody>
+      </p:sp>
+      <p:sp>
+        <p:nvSpPr>
+          <p:cNvPr id="5" name="CaixaDeTexto 4">
+            <a:extLst>
+              <a:ext uri="{FF2B5EF4-FFF2-40B4-BE49-F238E27FC236}">
+                <a16:creationId xmlns:a16="http://schemas.microsoft.com/office/drawing/2014/main" id="{1BDAA285-D6C5-4638-4C32-DD05AD8BE19D}"/>
+              </a:ext>
+            </a:extLst>
+          </p:cNvPr>
+          <p:cNvSpPr txBox="1"/>
+          <p:nvPr/>
+        </p:nvSpPr>
+        <p:spPr>
+          <a:xfrm>
+            <a:off x="1147477" y="3242382"/>
+            <a:ext cx="9664297" cy="3539430"/>
+          </a:xfrm>
+          <a:prstGeom prst="rect">
+            <a:avLst/>
+          </a:prstGeom>
+          <a:noFill/>
+        </p:spPr>
+        <p:txBody>
+          <a:bodyPr rot="0" spcFirstLastPara="0" vertOverflow="overflow" horzOverflow="overflow" vert="horz" wrap="square" lIns="91440" tIns="45720" rIns="91440" bIns="45720" numCol="1" spcCol="0" rtlCol="0" fromWordArt="0" anchor="t" anchorCtr="0" forceAA="0" compatLnSpc="1">
+            <a:prstTxWarp prst="textNoShape">
+              <a:avLst/>
+            </a:prstTxWarp>
+            <a:spAutoFit/>
+          </a:bodyPr>
+          <a:lstStyle/>
+          <a:p>
+            <a:pPr marL="571500" indent="-571500">
+              <a:buFont typeface="Arial" panose="020B0604020202020204" pitchFamily="34" charset="0"/>
+              <a:buChar char="•"/>
+            </a:pPr>
+            <a:r>
+              <a:rPr lang="pt-BR" sz="3200" dirty="0" smtClean="0">
+                <a:solidFill>
+                  <a:srgbClr val="92D050"/>
+                </a:solidFill>
+              </a:rPr>
+              <a:t>Convívio ;</a:t>
+            </a:r>
+          </a:p>
+          <a:p>
+            <a:pPr marL="571500" indent="-571500">
+              <a:buFont typeface="Arial" panose="020B0604020202020204" pitchFamily="34" charset="0"/>
+              <a:buChar char="•"/>
+            </a:pPr>
+            <a:r>
+              <a:rPr lang="pt-BR" sz="3200" dirty="0" smtClean="0">
+                <a:solidFill>
+                  <a:srgbClr val="92D050"/>
+                </a:solidFill>
+              </a:rPr>
+              <a:t>Mercado ‘infinito’ ;</a:t>
+            </a:r>
+          </a:p>
+          <a:p>
+            <a:pPr marL="571500" indent="-571500">
+              <a:buFont typeface="Arial" panose="020B0604020202020204" pitchFamily="34" charset="0"/>
+              <a:buChar char="•"/>
+            </a:pPr>
+            <a:r>
+              <a:rPr lang="pt-BR" sz="3200" dirty="0" smtClean="0">
+                <a:solidFill>
+                  <a:srgbClr val="92D050"/>
+                </a:solidFill>
+              </a:rPr>
+              <a:t>Serve para qualquer restaurante, abrangente;</a:t>
+            </a:r>
+          </a:p>
+          <a:p>
+            <a:pPr marL="571500" indent="-571500">
+              <a:buFont typeface="Arial" panose="020B0604020202020204" pitchFamily="34" charset="0"/>
+              <a:buChar char="•"/>
+            </a:pPr>
+            <a:r>
+              <a:rPr lang="pt-BR" sz="3200" dirty="0" smtClean="0">
+                <a:solidFill>
+                  <a:srgbClr val="92D050"/>
+                </a:solidFill>
+              </a:rPr>
+              <a:t>Finanças – Possível Gráfico </a:t>
+            </a:r>
+            <a:r>
+              <a:rPr lang="pt-BR" sz="3200" dirty="0" smtClean="0">
+                <a:solidFill>
+                  <a:srgbClr val="92D050"/>
+                </a:solidFill>
+              </a:rPr>
+              <a:t>estatísticas ;</a:t>
+            </a:r>
+          </a:p>
+          <a:p>
+            <a:pPr marL="571500" indent="-571500">
+              <a:buFont typeface="Arial" panose="020B0604020202020204" pitchFamily="34" charset="0"/>
+              <a:buChar char="•"/>
+            </a:pPr>
+            <a:r>
+              <a:rPr lang="pt-BR" sz="3200" dirty="0" smtClean="0">
+                <a:solidFill>
+                  <a:srgbClr val="92D050"/>
+                </a:solidFill>
+              </a:rPr>
+              <a:t>Possíveis atualizações ;</a:t>
+            </a:r>
+            <a:endParaRPr lang="pt-BR" sz="3200" dirty="0" smtClean="0">
+              <a:solidFill>
+                <a:srgbClr val="92D050"/>
+              </a:solidFill>
+            </a:endParaRPr>
+          </a:p>
+          <a:p>
+            <a:pPr marL="571500" indent="-571500">
+              <a:buFont typeface="Arial" panose="020B0604020202020204" pitchFamily="34" charset="0"/>
+              <a:buChar char="•"/>
+            </a:pPr>
+            <a:endParaRPr lang="pt-BR" sz="3200" dirty="0" smtClean="0">
+              <a:solidFill>
+                <a:schemeClr val="accent3"/>
+              </a:solidFill>
+            </a:endParaRPr>
+          </a:p>
+          <a:p>
+            <a:pPr marL="571500" indent="-571500">
+              <a:buFont typeface="Arial" panose="020B0604020202020204" pitchFamily="34" charset="0"/>
+              <a:buChar char="•"/>
+            </a:pPr>
+            <a:endParaRPr lang="pt-BR" sz="3200" dirty="0" smtClean="0"/>
+          </a:p>
+        </p:txBody>
+      </p:sp>
+    </p:spTree>
+    <p:extLst>
+      <p:ext uri="{BB962C8B-B14F-4D97-AF65-F5344CB8AC3E}">
+        <p14:creationId xmlns:p14="http://schemas.microsoft.com/office/powerpoint/2010/main" val="2765095608"/>
+      </p:ext>
+    </p:extLst>
+  </p:cSld>
+  <p:clrMapOvr>
+    <a:overrideClrMapping bg1="dk1" tx1="lt1" bg2="dk2" tx2="lt2" accent1="accent1" accent2="accent2" accent3="accent3" accent4="accent4" accent5="accent5" accent6="accent6" hlink="hlink" folHlink="folHlink"/>
+  </p:clrMapOvr>
+  <mc:AlternateContent xmlns:mc="http://schemas.openxmlformats.org/markup-compatibility/2006" xmlns:p14="http://schemas.microsoft.com/office/powerpoint/2010/main">
+    <mc:Choice Requires="p14">
+      <p:transition spd="slow" p14:dur="2000"/>
+    </mc:Choice>
+    <mc:Fallback xmlns="">
+      <p:transition spd="slow"/>
+    </mc:Fallback>
+  </mc:AlternateContent>
+  <p:timing>
+    <p:tnLst>
+      <p:par>
+        <p:cTn id="1" dur="indefinite" restart="never" nodeType="tmRoot"/>
+      </p:par>
+    </p:tnLst>
+  </p:timing>
+</p:sld>
+</file>
+
+<file path=ppt/slides/slide3.xml><?xml version="1.0" encoding="utf-8"?>
+<p:sld xmlns:a="http://schemas.openxmlformats.org/drawingml/2006/main" xmlns:r="http://schemas.openxmlformats.org/officeDocument/2006/relationships" xmlns:p="http://schemas.openxmlformats.org/presentationml/2006/main" show="0">
+  <p:cSld>
+    <p:bg>
+      <p:bgPr>
+        <a:solidFill>
+          <a:schemeClr val="bg1"/>
+        </a:solidFill>
+        <a:effectLst/>
+      </p:bgPr>
+    </p:bg>
+    <p:spTree>
+      <p:nvGrpSpPr>
+        <p:cNvPr id="1" name=""/>
+        <p:cNvGrpSpPr/>
+        <p:nvPr/>
+      </p:nvGrpSpPr>
+      <p:grpSpPr>
+        <a:xfrm>
+          <a:off x="0" y="0"/>
+          <a:ext cx="0" cy="0"/>
+          <a:chOff x="0" y="0"/>
+          <a:chExt cx="0" cy="0"/>
+        </a:xfrm>
+      </p:grpSpPr>
+      <p:sp useBgFill="1">
+        <p:nvSpPr>
+          <p:cNvPr id="36" name="Rectangle 27">
+            <a:extLst>
+              <a:ext uri="{FF2B5EF4-FFF2-40B4-BE49-F238E27FC236}">
+                <a16:creationId xmlns:a16="http://schemas.microsoft.com/office/drawing/2014/main" id="{AD35AE2F-5E3A-49D9-8DE1-8A333BA4088E}"/>
+              </a:ext>
+              <a:ext uri="{C183D7F6-B498-43B3-948B-1728B52AA6E4}">
+                <adec:decorative xmlns="" xmlns:adec="http://schemas.microsoft.com/office/drawing/2017/decorative" val="1"/>
+              </a:ext>
+            </a:extLst>
+          </p:cNvPr>
+          <p:cNvSpPr>
+            <a:spLocks noGrp="1" noRot="1" noChangeAspect="1" noMove="1" noResize="1" noEditPoints="1" noAdjustHandles="1" noChangeArrowheads="1" noChangeShapeType="1" noTextEdit="1"/>
+          </p:cNvSpPr>
+          <p:nvPr>
+            <p:extLst>
+              <p:ext uri="{386F3935-93C4-4BCD-93E2-E3B085C9AB24}">
+                <p16:designElem xmlns:p16="http://schemas.microsoft.com/office/powerpoint/2015/main" val="1"/>
+              </p:ext>
+            </p:extLst>
+          </p:nvPr>
+        </p:nvSpPr>
+        <p:spPr>
+          <a:xfrm>
+            <a:off x="0" y="0"/>
+            <a:ext cx="12188952" cy="6858000"/>
+          </a:xfrm>
+          <a:prstGeom prst="rect">
+            <a:avLst/>
+          </a:prstGeom>
+          <a:ln>
+            <a:noFill/>
+          </a:ln>
+        </p:spPr>
+        <p:style>
+          <a:lnRef idx="2">
+            <a:schemeClr val="accent1">
+              <a:shade val="50000"/>
+            </a:schemeClr>
+          </a:lnRef>
+          <a:fillRef idx="1">
+            <a:schemeClr val="accent1"/>
+          </a:fillRef>
+          <a:effectRef idx="0">
+            <a:schemeClr val="accent1"/>
+          </a:effectRef>
+          <a:fontRef idx="minor">
+            <a:schemeClr val="lt1"/>
+          </a:fontRef>
+        </p:style>
+        <p:txBody>
+          <a:bodyPr rtlCol="0" anchor="ctr"/>
+          <a:lstStyle/>
+          <a:p>
+            <a:pPr algn="ctr"/>
+            <a:endParaRPr lang="en-US"/>
+          </a:p>
+        </p:txBody>
+      </p:sp>
+      <p:pic>
+        <p:nvPicPr>
+          <p:cNvPr id="4" name="Imagem 4" descr="Mesa de madeira com flor&#10;&#10;Descrição gerada automaticamente">
+            <a:extLst>
+              <a:ext uri="{FF2B5EF4-FFF2-40B4-BE49-F238E27FC236}">
+                <a16:creationId xmlns:a16="http://schemas.microsoft.com/office/drawing/2014/main" id="{BCDDDE5C-8875-8181-46D1-327F47B007FC}"/>
+              </a:ext>
+            </a:extLst>
+          </p:cNvPr>
+          <p:cNvPicPr>
+            <a:picLocks noChangeAspect="1"/>
+          </p:cNvPicPr>
+          <p:nvPr/>
+        </p:nvPicPr>
+        <p:blipFill rotWithShape="1">
+          <a:blip r:embed="rId2">
+            <a:alphaModFix amt="50000"/>
+          </a:blip>
+          <a:srcRect r="-1" b="15391"/>
+          <a:stretch/>
+        </p:blipFill>
+        <p:spPr>
+          <a:xfrm>
+            <a:off x="-71867" y="10"/>
+            <a:ext cx="12188931" cy="6857990"/>
+          </a:xfrm>
+          <a:prstGeom prst="rect">
+            <a:avLst/>
+          </a:prstGeom>
+        </p:spPr>
+      </p:pic>
+      <p:sp>
+        <p:nvSpPr>
+          <p:cNvPr id="2" name="Título 1"/>
+          <p:cNvSpPr>
+            <a:spLocks noGrp="1"/>
+          </p:cNvSpPr>
+          <p:nvPr>
+            <p:ph type="ctrTitle"/>
+          </p:nvPr>
+        </p:nvSpPr>
+        <p:spPr>
+          <a:xfrm>
+            <a:off x="1524000" y="1122363"/>
+            <a:ext cx="9359660" cy="2104931"/>
+          </a:xfrm>
+        </p:spPr>
+        <p:txBody>
+          <a:bodyPr>
+            <a:normAutofit fontScale="90000"/>
+          </a:bodyPr>
+          <a:lstStyle/>
+          <a:p>
+            <a:pPr algn="ctr"/>
+            <a:r>
+              <a:rPr lang="de-DE" b="1" dirty="0">
+                <a:latin typeface="Calibri"/>
+                <a:cs typeface="Calibri"/>
+              </a:rPr>
+              <a:t>BitBar - </a:t>
+            </a:r>
+            <a:r>
+              <a:rPr lang="de-DE" b="1" dirty="0" smtClean="0">
+                <a:latin typeface="Calibri"/>
+                <a:cs typeface="Calibri"/>
+              </a:rPr>
+              <a:t>Restaurante</a:t>
+            </a:r>
+          </a:p>
+          <a:p>
+            <a:pPr algn="ctr"/>
+            <a:endParaRPr lang="de-DE" b="1" dirty="0">
+              <a:latin typeface="Calibri"/>
+              <a:cs typeface="Calibri Light"/>
+            </a:endParaRPr>
+          </a:p>
+        </p:txBody>
+      </p:sp>
+      <p:sp>
+        <p:nvSpPr>
+          <p:cNvPr id="3" name="Subtítulo 2"/>
+          <p:cNvSpPr>
+            <a:spLocks noGrp="1"/>
+          </p:cNvSpPr>
+          <p:nvPr>
+            <p:ph type="subTitle" idx="1"/>
+          </p:nvPr>
+        </p:nvSpPr>
+        <p:spPr>
+          <a:xfrm>
+            <a:off x="1748286" y="3095767"/>
+            <a:ext cx="9144000" cy="2702176"/>
+          </a:xfrm>
+        </p:spPr>
+        <p:txBody>
+          <a:bodyPr vert="horz" lIns="91440" tIns="45720" rIns="91440" bIns="45720" rtlCol="0">
+            <a:normAutofit/>
+          </a:bodyPr>
+          <a:lstStyle/>
+          <a:p>
+            <a:pPr marL="571500" indent="-571500">
+              <a:lnSpc>
+                <a:spcPct val="100000"/>
+              </a:lnSpc>
+              <a:buFont typeface="Arial" panose="020B0604020202020204" pitchFamily="34" charset="0"/>
+              <a:buChar char="•"/>
+            </a:pPr>
+            <a:r>
+              <a:rPr lang="de-DE" sz="3600" dirty="0" smtClean="0">
+                <a:solidFill>
+                  <a:srgbClr val="92D050"/>
+                </a:solidFill>
+                <a:latin typeface="Batang"/>
+                <a:ea typeface="Batang"/>
+                <a:cs typeface="Calibri"/>
+              </a:rPr>
+              <a:t>Criar elementos do 0 html </a:t>
+            </a:r>
+            <a:r>
+              <a:rPr lang="de-DE" sz="3600" dirty="0" smtClean="0">
+                <a:solidFill>
+                  <a:srgbClr val="92D050"/>
+                </a:solidFill>
+                <a:latin typeface="Batang"/>
+                <a:ea typeface="Batang"/>
+                <a:cs typeface="Calibri"/>
+              </a:rPr>
+              <a:t>no JS</a:t>
+            </a:r>
+            <a:r>
+              <a:rPr lang="de-DE" sz="3600" dirty="0" smtClean="0">
+                <a:solidFill>
+                  <a:srgbClr val="92D050"/>
+                </a:solidFill>
+                <a:latin typeface="Batang"/>
+                <a:ea typeface="Batang"/>
+                <a:cs typeface="Calibri"/>
+              </a:rPr>
+              <a:t>;</a:t>
+            </a:r>
+          </a:p>
+          <a:p>
+            <a:pPr marL="571500" indent="-571500">
+              <a:lnSpc>
+                <a:spcPct val="100000"/>
+              </a:lnSpc>
+              <a:buFont typeface="Arial" panose="020B0604020202020204" pitchFamily="34" charset="0"/>
+              <a:buChar char="•"/>
+            </a:pPr>
+            <a:r>
+              <a:rPr lang="de-DE" sz="3600" dirty="0" smtClean="0">
+                <a:solidFill>
+                  <a:srgbClr val="92D050"/>
+                </a:solidFill>
+                <a:latin typeface="Batang"/>
+                <a:ea typeface="Batang"/>
+                <a:cs typeface="Calibri"/>
+              </a:rPr>
+              <a:t>Comentar código;</a:t>
+            </a:r>
+          </a:p>
+          <a:p>
+            <a:pPr marL="571500" indent="-571500">
+              <a:lnSpc>
+                <a:spcPct val="100000"/>
+              </a:lnSpc>
+              <a:buFont typeface="Arial" panose="020B0604020202020204" pitchFamily="34" charset="0"/>
+              <a:buChar char="•"/>
+            </a:pPr>
+            <a:r>
+              <a:rPr lang="de-DE" sz="3600" dirty="0" smtClean="0">
+                <a:solidFill>
+                  <a:srgbClr val="92D050"/>
+                </a:solidFill>
+                <a:latin typeface="Batang"/>
+                <a:ea typeface="Batang"/>
+                <a:cs typeface="Calibri"/>
+              </a:rPr>
+              <a:t>Tentar organizar tudo em um arquivo;</a:t>
+            </a:r>
+          </a:p>
+          <a:p>
+            <a:pPr marL="571500" indent="-571500">
+              <a:lnSpc>
+                <a:spcPct val="100000"/>
+              </a:lnSpc>
+              <a:buFont typeface="Arial" panose="020B0604020202020204" pitchFamily="34" charset="0"/>
+              <a:buChar char="•"/>
+            </a:pPr>
+            <a:r>
+              <a:rPr lang="de-DE" sz="3600" dirty="0" smtClean="0">
+                <a:solidFill>
+                  <a:srgbClr val="92D050"/>
+                </a:solidFill>
+                <a:latin typeface="Batang"/>
+                <a:ea typeface="Batang"/>
+                <a:cs typeface="Calibri"/>
+              </a:rPr>
+              <a:t>Testes – Apagar tudo quando atualizar ;</a:t>
+            </a:r>
+          </a:p>
+          <a:p>
+            <a:pPr>
+              <a:lnSpc>
+                <a:spcPct val="100000"/>
+              </a:lnSpc>
+            </a:pPr>
+            <a:endParaRPr lang="de-DE" sz="4000" dirty="0" smtClean="0">
+              <a:latin typeface="Batang"/>
+              <a:ea typeface="Batang"/>
+              <a:cs typeface="Calibri"/>
+            </a:endParaRPr>
+          </a:p>
+        </p:txBody>
+      </p:sp>
+      <p:sp>
+        <p:nvSpPr>
+          <p:cNvPr id="37" name="Rectangle 6">
+            <a:extLst>
+              <a:ext uri="{FF2B5EF4-FFF2-40B4-BE49-F238E27FC236}">
+                <a16:creationId xmlns:a16="http://schemas.microsoft.com/office/drawing/2014/main" id="{04D8AD8F-EF7F-481F-B99A-B8513897050A}"/>
+              </a:ext>
+              <a:ext uri="{C183D7F6-B498-43B3-948B-1728B52AA6E4}">
+                <adec:decorative xmlns="" xmlns:adec="http://schemas.microsoft.com/office/drawing/2017/decorative" val="1"/>
+              </a:ext>
+            </a:extLst>
+          </p:cNvPr>
+          <p:cNvSpPr>
+            <a:spLocks noGrp="1" noRot="1" noChangeAspect="1" noMove="1" noResize="1" noEditPoints="1" noAdjustHandles="1" noChangeArrowheads="1" noChangeShapeType="1" noTextEdit="1"/>
+          </p:cNvSpPr>
+          <p:nvPr>
+            <p:extLst>
+              <p:ext uri="{386F3935-93C4-4BCD-93E2-E3B085C9AB24}">
+                <p16:designElem xmlns:p16="http://schemas.microsoft.com/office/powerpoint/2015/main" val="1"/>
+              </p:ext>
+            </p:extLst>
+          </p:nvPr>
+        </p:nvSpPr>
+        <p:spPr>
+          <a:xfrm>
+            <a:off x="3974206" y="4419423"/>
+            <a:ext cx="4243589" cy="27432"/>
+          </a:xfrm>
+          <a:custGeom>
+            <a:avLst/>
+            <a:gdLst>
+              <a:gd name="connsiteX0" fmla="*/ 0 w 4243589"/>
+              <a:gd name="connsiteY0" fmla="*/ 0 h 27432"/>
+              <a:gd name="connsiteX1" fmla="*/ 563791 w 4243589"/>
+              <a:gd name="connsiteY1" fmla="*/ 0 h 27432"/>
+              <a:gd name="connsiteX2" fmla="*/ 1042710 w 4243589"/>
+              <a:gd name="connsiteY2" fmla="*/ 0 h 27432"/>
+              <a:gd name="connsiteX3" fmla="*/ 1564066 w 4243589"/>
+              <a:gd name="connsiteY3" fmla="*/ 0 h 27432"/>
+              <a:gd name="connsiteX4" fmla="*/ 2212729 w 4243589"/>
+              <a:gd name="connsiteY4" fmla="*/ 0 h 27432"/>
+              <a:gd name="connsiteX5" fmla="*/ 2776520 w 4243589"/>
+              <a:gd name="connsiteY5" fmla="*/ 0 h 27432"/>
+              <a:gd name="connsiteX6" fmla="*/ 3297875 w 4243589"/>
+              <a:gd name="connsiteY6" fmla="*/ 0 h 27432"/>
+              <a:gd name="connsiteX7" fmla="*/ 4243589 w 4243589"/>
+              <a:gd name="connsiteY7" fmla="*/ 0 h 27432"/>
+              <a:gd name="connsiteX8" fmla="*/ 4243589 w 4243589"/>
+              <a:gd name="connsiteY8" fmla="*/ 27432 h 27432"/>
+              <a:gd name="connsiteX9" fmla="*/ 3637362 w 4243589"/>
+              <a:gd name="connsiteY9" fmla="*/ 27432 h 27432"/>
+              <a:gd name="connsiteX10" fmla="*/ 3116007 w 4243589"/>
+              <a:gd name="connsiteY10" fmla="*/ 27432 h 27432"/>
+              <a:gd name="connsiteX11" fmla="*/ 2424908 w 4243589"/>
+              <a:gd name="connsiteY11" fmla="*/ 27432 h 27432"/>
+              <a:gd name="connsiteX12" fmla="*/ 1861117 w 4243589"/>
+              <a:gd name="connsiteY12" fmla="*/ 27432 h 27432"/>
+              <a:gd name="connsiteX13" fmla="*/ 1382198 w 4243589"/>
+              <a:gd name="connsiteY13" fmla="*/ 27432 h 27432"/>
+              <a:gd name="connsiteX14" fmla="*/ 733535 w 4243589"/>
+              <a:gd name="connsiteY14" fmla="*/ 27432 h 27432"/>
+              <a:gd name="connsiteX15" fmla="*/ 0 w 4243589"/>
+              <a:gd name="connsiteY15" fmla="*/ 27432 h 27432"/>
+              <a:gd name="connsiteX16" fmla="*/ 0 w 4243589"/>
+              <a:gd name="connsiteY16" fmla="*/ 0 h 27432"/>
+            </a:gdLst>
+            <a:ahLst/>
+            <a:cxnLst>
+              <a:cxn ang="0">
+                <a:pos x="connsiteX0" y="connsiteY0"/>
+              </a:cxn>
+              <a:cxn ang="0">
+                <a:pos x="connsiteX1" y="connsiteY1"/>
+              </a:cxn>
+              <a:cxn ang="0">
+                <a:pos x="connsiteX2" y="connsiteY2"/>
+              </a:cxn>
+              <a:cxn ang="0">
+                <a:pos x="connsiteX3" y="connsiteY3"/>
+              </a:cxn>
+              <a:cxn ang="0">
+                <a:pos x="connsiteX4" y="connsiteY4"/>
+              </a:cxn>
+              <a:cxn ang="0">
+                <a:pos x="connsiteX5" y="connsiteY5"/>
+              </a:cxn>
+              <a:cxn ang="0">
+                <a:pos x="connsiteX6" y="connsiteY6"/>
+              </a:cxn>
+              <a:cxn ang="0">
+                <a:pos x="connsiteX7" y="connsiteY7"/>
+              </a:cxn>
+              <a:cxn ang="0">
+                <a:pos x="connsiteX8" y="connsiteY8"/>
+              </a:cxn>
+              <a:cxn ang="0">
+                <a:pos x="connsiteX9" y="connsiteY9"/>
+              </a:cxn>
+              <a:cxn ang="0">
+                <a:pos x="connsiteX10" y="connsiteY10"/>
+              </a:cxn>
+              <a:cxn ang="0">
+                <a:pos x="connsiteX11" y="connsiteY11"/>
+              </a:cxn>
+              <a:cxn ang="0">
+                <a:pos x="connsiteX12" y="connsiteY12"/>
+              </a:cxn>
+              <a:cxn ang="0">
+                <a:pos x="connsiteX13" y="connsiteY13"/>
+              </a:cxn>
+              <a:cxn ang="0">
+                <a:pos x="connsiteX14" y="connsiteY14"/>
+              </a:cxn>
+              <a:cxn ang="0">
+                <a:pos x="connsiteX15" y="connsiteY15"/>
+              </a:cxn>
+              <a:cxn ang="0">
+                <a:pos x="connsiteX16" y="connsiteY16"/>
+              </a:cxn>
+            </a:cxnLst>
+            <a:rect l="l" t="t" r="r" b="b"/>
+            <a:pathLst>
+              <a:path w="4243589" h="27432" fill="none" extrusionOk="0">
+                <a:moveTo>
+                  <a:pt x="0" y="0"/>
+                </a:moveTo>
+                <a:cubicBezTo>
+                  <a:pt x="157351" y="-15653"/>
+                  <a:pt x="378877" y="-5828"/>
+                  <a:pt x="563791" y="0"/>
+                </a:cubicBezTo>
+                <a:cubicBezTo>
+                  <a:pt x="748705" y="5828"/>
+                  <a:pt x="905659" y="-5525"/>
+                  <a:pt x="1042710" y="0"/>
+                </a:cubicBezTo>
+                <a:cubicBezTo>
+                  <a:pt x="1179761" y="5525"/>
+                  <a:pt x="1356845" y="-21288"/>
+                  <a:pt x="1564066" y="0"/>
+                </a:cubicBezTo>
+                <a:cubicBezTo>
+                  <a:pt x="1771287" y="21288"/>
+                  <a:pt x="1912099" y="25135"/>
+                  <a:pt x="2212729" y="0"/>
+                </a:cubicBezTo>
+                <a:cubicBezTo>
+                  <a:pt x="2513359" y="-25135"/>
+                  <a:pt x="2514918" y="-27119"/>
+                  <a:pt x="2776520" y="0"/>
+                </a:cubicBezTo>
+                <a:cubicBezTo>
+                  <a:pt x="3038122" y="27119"/>
+                  <a:pt x="3178771" y="18116"/>
+                  <a:pt x="3297875" y="0"/>
+                </a:cubicBezTo>
+                <a:cubicBezTo>
+                  <a:pt x="3416980" y="-18116"/>
+                  <a:pt x="4012240" y="-40869"/>
+                  <a:pt x="4243589" y="0"/>
+                </a:cubicBezTo>
+                <a:cubicBezTo>
+                  <a:pt x="4242616" y="8304"/>
+                  <a:pt x="4243111" y="21512"/>
+                  <a:pt x="4243589" y="27432"/>
+                </a:cubicBezTo>
+                <a:cubicBezTo>
+                  <a:pt x="4112949" y="6289"/>
+                  <a:pt x="3928037" y="10975"/>
+                  <a:pt x="3637362" y="27432"/>
+                </a:cubicBezTo>
+                <a:cubicBezTo>
+                  <a:pt x="3346687" y="43889"/>
+                  <a:pt x="3254446" y="35813"/>
+                  <a:pt x="3116007" y="27432"/>
+                </a:cubicBezTo>
+                <a:cubicBezTo>
+                  <a:pt x="2977569" y="19051"/>
+                  <a:pt x="2620228" y="38017"/>
+                  <a:pt x="2424908" y="27432"/>
+                </a:cubicBezTo>
+                <a:cubicBezTo>
+                  <a:pt x="2229588" y="16847"/>
+                  <a:pt x="2088287" y="5290"/>
+                  <a:pt x="1861117" y="27432"/>
+                </a:cubicBezTo>
+                <a:cubicBezTo>
+                  <a:pt x="1633947" y="49574"/>
+                  <a:pt x="1502447" y="8273"/>
+                  <a:pt x="1382198" y="27432"/>
+                </a:cubicBezTo>
+                <a:cubicBezTo>
+                  <a:pt x="1261949" y="46591"/>
+                  <a:pt x="1045440" y="37497"/>
+                  <a:pt x="733535" y="27432"/>
+                </a:cubicBezTo>
+                <a:cubicBezTo>
+                  <a:pt x="421630" y="17367"/>
+                  <a:pt x="341257" y="-9215"/>
+                  <a:pt x="0" y="27432"/>
+                </a:cubicBezTo>
+                <a:cubicBezTo>
+                  <a:pt x="-1048" y="14992"/>
+                  <a:pt x="-1120" y="7447"/>
+                  <a:pt x="0" y="0"/>
+                </a:cubicBezTo>
+                <a:close/>
+              </a:path>
+              <a:path w="4243589" h="27432" stroke="0" extrusionOk="0">
+                <a:moveTo>
+                  <a:pt x="0" y="0"/>
+                </a:moveTo>
+                <a:cubicBezTo>
+                  <a:pt x="128164" y="17204"/>
+                  <a:pt x="312653" y="1129"/>
+                  <a:pt x="563791" y="0"/>
+                </a:cubicBezTo>
+                <a:cubicBezTo>
+                  <a:pt x="814929" y="-1129"/>
+                  <a:pt x="837271" y="8503"/>
+                  <a:pt x="1042710" y="0"/>
+                </a:cubicBezTo>
+                <a:cubicBezTo>
+                  <a:pt x="1248149" y="-8503"/>
+                  <a:pt x="1588432" y="-28862"/>
+                  <a:pt x="1733809" y="0"/>
+                </a:cubicBezTo>
+                <a:cubicBezTo>
+                  <a:pt x="1879186" y="28862"/>
+                  <a:pt x="2052815" y="5974"/>
+                  <a:pt x="2297600" y="0"/>
+                </a:cubicBezTo>
+                <a:cubicBezTo>
+                  <a:pt x="2542385" y="-5974"/>
+                  <a:pt x="2699960" y="-23550"/>
+                  <a:pt x="2861391" y="0"/>
+                </a:cubicBezTo>
+                <a:cubicBezTo>
+                  <a:pt x="3022822" y="23550"/>
+                  <a:pt x="3390411" y="25272"/>
+                  <a:pt x="3552490" y="0"/>
+                </a:cubicBezTo>
+                <a:cubicBezTo>
+                  <a:pt x="3714569" y="-25272"/>
+                  <a:pt x="3950585" y="-31327"/>
+                  <a:pt x="4243589" y="0"/>
+                </a:cubicBezTo>
+                <a:cubicBezTo>
+                  <a:pt x="4244074" y="9333"/>
+                  <a:pt x="4244867" y="19699"/>
+                  <a:pt x="4243589" y="27432"/>
+                </a:cubicBezTo>
+                <a:cubicBezTo>
+                  <a:pt x="4130424" y="7904"/>
+                  <a:pt x="3932803" y="51393"/>
+                  <a:pt x="3722234" y="27432"/>
+                </a:cubicBezTo>
+                <a:cubicBezTo>
+                  <a:pt x="3511665" y="3471"/>
+                  <a:pt x="3269903" y="55138"/>
+                  <a:pt x="3116007" y="27432"/>
+                </a:cubicBezTo>
+                <a:cubicBezTo>
+                  <a:pt x="2962111" y="-274"/>
+                  <a:pt x="2744280" y="32368"/>
+                  <a:pt x="2509780" y="27432"/>
+                </a:cubicBezTo>
+                <a:cubicBezTo>
+                  <a:pt x="2275280" y="22496"/>
+                  <a:pt x="2066059" y="52808"/>
+                  <a:pt x="1945989" y="27432"/>
+                </a:cubicBezTo>
+                <a:cubicBezTo>
+                  <a:pt x="1825919" y="2056"/>
+                  <a:pt x="1407329" y="21760"/>
+                  <a:pt x="1254890" y="27432"/>
+                </a:cubicBezTo>
+                <a:cubicBezTo>
+                  <a:pt x="1102451" y="33104"/>
+                  <a:pt x="837950" y="40817"/>
+                  <a:pt x="563791" y="27432"/>
+                </a:cubicBezTo>
+                <a:cubicBezTo>
+                  <a:pt x="289632" y="14047"/>
+                  <a:pt x="132768" y="16249"/>
+                  <a:pt x="0" y="27432"/>
+                </a:cubicBezTo>
+                <a:cubicBezTo>
+                  <a:pt x="211" y="18145"/>
+                  <a:pt x="120" y="6480"/>
+                  <a:pt x="0" y="0"/>
+                </a:cubicBezTo>
+                <a:close/>
+              </a:path>
+            </a:pathLst>
+          </a:custGeom>
+          <a:solidFill>
+            <a:schemeClr val="tx1"/>
+          </a:solidFill>
+          <a:ln w="38100" cap="rnd">
+            <a:solidFill>
+              <a:schemeClr val="tx1"/>
+            </a:solidFill>
+            <a:round/>
+            <a:extLst>
+              <a:ext uri="{C807C97D-BFC1-408E-A445-0C87EB9F89A2}">
+                <ask:lineSketchStyleProps xmlns="" xmlns:ask="http://schemas.microsoft.com/office/drawing/2018/sketchyshapes" sd="1219033472">
+                  <a:prstGeom prst="rect">
+                    <a:avLst/>
+                  </a:prstGeom>
+                  <ask:type>
+                    <ask:lineSketchFreehand/>
+                  </ask:type>
+                </ask:lineSketchStyleProps>
+              </a:ext>
+            </a:extLst>
+          </a:ln>
+        </p:spPr>
+        <p:style>
+          <a:lnRef idx="2">
+            <a:schemeClr val="accent1">
+              <a:shade val="50000"/>
+            </a:schemeClr>
+          </a:lnRef>
+          <a:fillRef idx="1">
+            <a:schemeClr val="accent1"/>
+          </a:fillRef>
+          <a:effectRef idx="0">
+            <a:schemeClr val="accent1"/>
+          </a:effectRef>
+          <a:fontRef idx="minor">
+            <a:schemeClr val="lt1"/>
+          </a:fontRef>
+        </p:style>
+        <p:txBody>
+          <a:bodyPr rtlCol="0" anchor="ctr"/>
+          <a:lstStyle/>
+          <a:p>
+            <a:pPr algn="ctr"/>
+            <a:endParaRPr lang="en-US"/>
+          </a:p>
+        </p:txBody>
+      </p:sp>
+      <p:sp>
+        <p:nvSpPr>
+          <p:cNvPr id="38" name="Rectangle 6">
+            <a:extLst>
+              <a:ext uri="{FF2B5EF4-FFF2-40B4-BE49-F238E27FC236}">
+                <a16:creationId xmlns:a16="http://schemas.microsoft.com/office/drawing/2014/main" id="{79EB4626-023C-436D-9F57-9EB46080909D}"/>
+              </a:ext>
+              <a:ext uri="{C183D7F6-B498-43B3-948B-1728B52AA6E4}">
+                <adec:decorative xmlns="" xmlns:adec="http://schemas.microsoft.com/office/drawing/2017/decorative" val="1"/>
+              </a:ext>
+            </a:extLst>
+          </p:cNvPr>
+          <p:cNvSpPr>
+            <a:spLocks noGrp="1" noRot="1" noChangeAspect="1" noMove="1" noResize="1" noEditPoints="1" noAdjustHandles="1" noChangeArrowheads="1" noChangeShapeType="1" noTextEdit="1"/>
+          </p:cNvSpPr>
+          <p:nvPr>
+            <p:extLst>
+              <p:ext uri="{386F3935-93C4-4BCD-93E2-E3B085C9AB24}">
+                <p16:designElem xmlns:p16="http://schemas.microsoft.com/office/powerpoint/2015/main" val="1"/>
+              </p:ext>
+            </p:extLst>
+          </p:nvPr>
+        </p:nvSpPr>
+        <p:spPr>
+          <a:xfrm flipV="1">
+            <a:off x="838200" y="720953"/>
+            <a:ext cx="10515600" cy="5416094"/>
+          </a:xfrm>
+          <a:custGeom>
+            <a:avLst/>
+            <a:gdLst>
+              <a:gd name="connsiteX0" fmla="*/ 0 w 10515600"/>
+              <a:gd name="connsiteY0" fmla="*/ 902700 h 5416094"/>
+              <a:gd name="connsiteX1" fmla="*/ 902700 w 10515600"/>
+              <a:gd name="connsiteY1" fmla="*/ 0 h 5416094"/>
+              <a:gd name="connsiteX2" fmla="*/ 1746919 w 10515600"/>
+              <a:gd name="connsiteY2" fmla="*/ 0 h 5416094"/>
+              <a:gd name="connsiteX3" fmla="*/ 2329833 w 10515600"/>
+              <a:gd name="connsiteY3" fmla="*/ 0 h 5416094"/>
+              <a:gd name="connsiteX4" fmla="*/ 2825644 w 10515600"/>
+              <a:gd name="connsiteY4" fmla="*/ 0 h 5416094"/>
+              <a:gd name="connsiteX5" fmla="*/ 3582762 w 10515600"/>
+              <a:gd name="connsiteY5" fmla="*/ 0 h 5416094"/>
+              <a:gd name="connsiteX6" fmla="*/ 4165675 w 10515600"/>
+              <a:gd name="connsiteY6" fmla="*/ 0 h 5416094"/>
+              <a:gd name="connsiteX7" fmla="*/ 5009894 w 10515600"/>
+              <a:gd name="connsiteY7" fmla="*/ 0 h 5416094"/>
+              <a:gd name="connsiteX8" fmla="*/ 5505706 w 10515600"/>
+              <a:gd name="connsiteY8" fmla="*/ 0 h 5416094"/>
+              <a:gd name="connsiteX9" fmla="*/ 6349925 w 10515600"/>
+              <a:gd name="connsiteY9" fmla="*/ 0 h 5416094"/>
+              <a:gd name="connsiteX10" fmla="*/ 6758634 w 10515600"/>
+              <a:gd name="connsiteY10" fmla="*/ 0 h 5416094"/>
+              <a:gd name="connsiteX11" fmla="*/ 7428650 w 10515600"/>
+              <a:gd name="connsiteY11" fmla="*/ 0 h 5416094"/>
+              <a:gd name="connsiteX12" fmla="*/ 8098665 w 10515600"/>
+              <a:gd name="connsiteY12" fmla="*/ 0 h 5416094"/>
+              <a:gd name="connsiteX13" fmla="*/ 8681579 w 10515600"/>
+              <a:gd name="connsiteY13" fmla="*/ 0 h 5416094"/>
+              <a:gd name="connsiteX14" fmla="*/ 9612900 w 10515600"/>
+              <a:gd name="connsiteY14" fmla="*/ 0 h 5416094"/>
+              <a:gd name="connsiteX15" fmla="*/ 10515600 w 10515600"/>
+              <a:gd name="connsiteY15" fmla="*/ 902700 h 5416094"/>
+              <a:gd name="connsiteX16" fmla="*/ 10515600 w 10515600"/>
+              <a:gd name="connsiteY16" fmla="*/ 1504482 h 5416094"/>
+              <a:gd name="connsiteX17" fmla="*/ 10515600 w 10515600"/>
+              <a:gd name="connsiteY17" fmla="*/ 2178479 h 5416094"/>
+              <a:gd name="connsiteX18" fmla="*/ 10515600 w 10515600"/>
+              <a:gd name="connsiteY18" fmla="*/ 2780261 h 5416094"/>
+              <a:gd name="connsiteX19" fmla="*/ 10515600 w 10515600"/>
+              <a:gd name="connsiteY19" fmla="*/ 3273722 h 5416094"/>
+              <a:gd name="connsiteX20" fmla="*/ 10515600 w 10515600"/>
+              <a:gd name="connsiteY20" fmla="*/ 3803291 h 5416094"/>
+              <a:gd name="connsiteX21" fmla="*/ 10515600 w 10515600"/>
+              <a:gd name="connsiteY21" fmla="*/ 4513394 h 5416094"/>
+              <a:gd name="connsiteX22" fmla="*/ 9612900 w 10515600"/>
+              <a:gd name="connsiteY22" fmla="*/ 5416094 h 5416094"/>
+              <a:gd name="connsiteX23" fmla="*/ 9117089 w 10515600"/>
+              <a:gd name="connsiteY23" fmla="*/ 5416094 h 5416094"/>
+              <a:gd name="connsiteX24" fmla="*/ 8708379 w 10515600"/>
+              <a:gd name="connsiteY24" fmla="*/ 5416094 h 5416094"/>
+              <a:gd name="connsiteX25" fmla="*/ 8299670 w 10515600"/>
+              <a:gd name="connsiteY25" fmla="*/ 5416094 h 5416094"/>
+              <a:gd name="connsiteX26" fmla="*/ 7629654 w 10515600"/>
+              <a:gd name="connsiteY26" fmla="*/ 5416094 h 5416094"/>
+              <a:gd name="connsiteX27" fmla="*/ 7133843 w 10515600"/>
+              <a:gd name="connsiteY27" fmla="*/ 5416094 h 5416094"/>
+              <a:gd name="connsiteX28" fmla="*/ 6376726 w 10515600"/>
+              <a:gd name="connsiteY28" fmla="*/ 5416094 h 5416094"/>
+              <a:gd name="connsiteX29" fmla="*/ 5880914 w 10515600"/>
+              <a:gd name="connsiteY29" fmla="*/ 5416094 h 5416094"/>
+              <a:gd name="connsiteX30" fmla="*/ 5123797 w 10515600"/>
+              <a:gd name="connsiteY30" fmla="*/ 5416094 h 5416094"/>
+              <a:gd name="connsiteX31" fmla="*/ 4715088 w 10515600"/>
+              <a:gd name="connsiteY31" fmla="*/ 5416094 h 5416094"/>
+              <a:gd name="connsiteX32" fmla="*/ 3957970 w 10515600"/>
+              <a:gd name="connsiteY32" fmla="*/ 5416094 h 5416094"/>
+              <a:gd name="connsiteX33" fmla="*/ 3462159 w 10515600"/>
+              <a:gd name="connsiteY33" fmla="*/ 5416094 h 5416094"/>
+              <a:gd name="connsiteX34" fmla="*/ 3053449 w 10515600"/>
+              <a:gd name="connsiteY34" fmla="*/ 5416094 h 5416094"/>
+              <a:gd name="connsiteX35" fmla="*/ 2557638 w 10515600"/>
+              <a:gd name="connsiteY35" fmla="*/ 5416094 h 5416094"/>
+              <a:gd name="connsiteX36" fmla="*/ 1800521 w 10515600"/>
+              <a:gd name="connsiteY36" fmla="*/ 5416094 h 5416094"/>
+              <a:gd name="connsiteX37" fmla="*/ 902700 w 10515600"/>
+              <a:gd name="connsiteY37" fmla="*/ 5416094 h 5416094"/>
+              <a:gd name="connsiteX38" fmla="*/ 0 w 10515600"/>
+              <a:gd name="connsiteY38" fmla="*/ 4513394 h 5416094"/>
+              <a:gd name="connsiteX39" fmla="*/ 0 w 10515600"/>
+              <a:gd name="connsiteY39" fmla="*/ 3911612 h 5416094"/>
+              <a:gd name="connsiteX40" fmla="*/ 0 w 10515600"/>
+              <a:gd name="connsiteY40" fmla="*/ 3309829 h 5416094"/>
+              <a:gd name="connsiteX41" fmla="*/ 0 w 10515600"/>
+              <a:gd name="connsiteY41" fmla="*/ 2780261 h 5416094"/>
+              <a:gd name="connsiteX42" fmla="*/ 0 w 10515600"/>
+              <a:gd name="connsiteY42" fmla="*/ 2106265 h 5416094"/>
+              <a:gd name="connsiteX43" fmla="*/ 0 w 10515600"/>
+              <a:gd name="connsiteY43" fmla="*/ 1504482 h 5416094"/>
+              <a:gd name="connsiteX44" fmla="*/ 0 w 10515600"/>
+              <a:gd name="connsiteY44" fmla="*/ 902700 h 5416094"/>
+            </a:gdLst>
+            <a:ahLst/>
+            <a:cxnLst>
+              <a:cxn ang="0">
+                <a:pos x="connsiteX0" y="connsiteY0"/>
+              </a:cxn>
+              <a:cxn ang="0">
+                <a:pos x="connsiteX1" y="connsiteY1"/>
+              </a:cxn>
+              <a:cxn ang="0">
+                <a:pos x="connsiteX2" y="connsiteY2"/>
+              </a:cxn>
+              <a:cxn ang="0">
+                <a:pos x="connsiteX3" y="connsiteY3"/>
+              </a:cxn>
+              <a:cxn ang="0">
+                <a:pos x="connsiteX4" y="connsiteY4"/>
+              </a:cxn>
+              <a:cxn ang="0">
+                <a:pos x="connsiteX5" y="connsiteY5"/>
+              </a:cxn>
+              <a:cxn ang="0">
+                <a:pos x="connsiteX6" y="connsiteY6"/>
+              </a:cxn>
+              <a:cxn ang="0">
+                <a:pos x="connsiteX7" y="connsiteY7"/>
+              </a:cxn>
+              <a:cxn ang="0">
+                <a:pos x="connsiteX8" y="connsiteY8"/>
+              </a:cxn>
+              <a:cxn ang="0">
+                <a:pos x="connsiteX9" y="connsiteY9"/>
+              </a:cxn>
+              <a:cxn ang="0">
+                <a:pos x="connsiteX10" y="connsiteY10"/>
+              </a:cxn>
+              <a:cxn ang="0">
+                <a:pos x="connsiteX11" y="connsiteY11"/>
+              </a:cxn>
+              <a:cxn ang="0">
+                <a:pos x="connsiteX12" y="connsiteY12"/>
+              </a:cxn>
+              <a:cxn ang="0">
+                <a:pos x="connsiteX13" y="connsiteY13"/>
+              </a:cxn>
+              <a:cxn ang="0">
+                <a:pos x="connsiteX14" y="connsiteY14"/>
+              </a:cxn>
+              <a:cxn ang="0">
+                <a:pos x="connsiteX15" y="connsiteY15"/>
+              </a:cxn>
+              <a:cxn ang="0">
+                <a:pos x="connsiteX16" y="connsiteY16"/>
+              </a:cxn>
+              <a:cxn ang="0">
+                <a:pos x="connsiteX17" y="connsiteY17"/>
+              </a:cxn>
+              <a:cxn ang="0">
+                <a:pos x="connsiteX18" y="connsiteY18"/>
+              </a:cxn>
+              <a:cxn ang="0">
+                <a:pos x="connsiteX19" y="connsiteY19"/>
+              </a:cxn>
+              <a:cxn ang="0">
+                <a:pos x="connsiteX20" y="connsiteY20"/>
+              </a:cxn>
+              <a:cxn ang="0">
+                <a:pos x="connsiteX21" y="connsiteY21"/>
+              </a:cxn>
+              <a:cxn ang="0">
+                <a:pos x="connsiteX22" y="connsiteY22"/>
+              </a:cxn>
+              <a:cxn ang="0">
+                <a:pos x="connsiteX23" y="connsiteY23"/>
+              </a:cxn>
+              <a:cxn ang="0">
+                <a:pos x="connsiteX24" y="connsiteY24"/>
+              </a:cxn>
+              <a:cxn ang="0">
+                <a:pos x="connsiteX25" y="connsiteY25"/>
+              </a:cxn>
+              <a:cxn ang="0">
+                <a:pos x="connsiteX26" y="connsiteY26"/>
+              </a:cxn>
+              <a:cxn ang="0">
+                <a:pos x="connsiteX27" y="connsiteY27"/>
+              </a:cxn>
+              <a:cxn ang="0">
+                <a:pos x="connsiteX28" y="connsiteY28"/>
+              </a:cxn>
+              <a:cxn ang="0">
+                <a:pos x="connsiteX29" y="connsiteY29"/>
+              </a:cxn>
+              <a:cxn ang="0">
+                <a:pos x="connsiteX30" y="connsiteY30"/>
+              </a:cxn>
+              <a:cxn ang="0">
+                <a:pos x="connsiteX31" y="connsiteY31"/>
+              </a:cxn>
+              <a:cxn ang="0">
+                <a:pos x="connsiteX32" y="connsiteY32"/>
+              </a:cxn>
+              <a:cxn ang="0">
+                <a:pos x="connsiteX33" y="connsiteY33"/>
+              </a:cxn>
+              <a:cxn ang="0">
+                <a:pos x="connsiteX34" y="connsiteY34"/>
+              </a:cxn>
+              <a:cxn ang="0">
+                <a:pos x="connsiteX35" y="connsiteY35"/>
+              </a:cxn>
+              <a:cxn ang="0">
+                <a:pos x="connsiteX36" y="connsiteY36"/>
+              </a:cxn>
+              <a:cxn ang="0">
+                <a:pos x="connsiteX37" y="connsiteY37"/>
+              </a:cxn>
+              <a:cxn ang="0">
+                <a:pos x="connsiteX38" y="connsiteY38"/>
+              </a:cxn>
+              <a:cxn ang="0">
+                <a:pos x="connsiteX39" y="connsiteY39"/>
+              </a:cxn>
+              <a:cxn ang="0">
+                <a:pos x="connsiteX40" y="connsiteY40"/>
+              </a:cxn>
+              <a:cxn ang="0">
+                <a:pos x="connsiteX41" y="connsiteY41"/>
+              </a:cxn>
+              <a:cxn ang="0">
+                <a:pos x="connsiteX42" y="connsiteY42"/>
+              </a:cxn>
+              <a:cxn ang="0">
+                <a:pos x="connsiteX43" y="connsiteY43"/>
+              </a:cxn>
+              <a:cxn ang="0">
+                <a:pos x="connsiteX44" y="connsiteY44"/>
+              </a:cxn>
+            </a:cxnLst>
+            <a:rect l="l" t="t" r="r" b="b"/>
+            <a:pathLst>
+              <a:path w="10515600" h="5416094" extrusionOk="0">
+                <a:moveTo>
+                  <a:pt x="0" y="902700"/>
+                </a:moveTo>
+                <a:cubicBezTo>
+                  <a:pt x="-57306" y="368805"/>
+                  <a:pt x="305054" y="37193"/>
+                  <a:pt x="902700" y="0"/>
+                </a:cubicBezTo>
+                <a:cubicBezTo>
+                  <a:pt x="1280419" y="-35006"/>
+                  <a:pt x="1407743" y="-35339"/>
+                  <a:pt x="1746919" y="0"/>
+                </a:cubicBezTo>
+                <a:cubicBezTo>
+                  <a:pt x="2086095" y="35339"/>
+                  <a:pt x="2146539" y="-12333"/>
+                  <a:pt x="2329833" y="0"/>
+                </a:cubicBezTo>
+                <a:cubicBezTo>
+                  <a:pt x="2513127" y="12333"/>
+                  <a:pt x="2706706" y="12952"/>
+                  <a:pt x="2825644" y="0"/>
+                </a:cubicBezTo>
+                <a:cubicBezTo>
+                  <a:pt x="2944582" y="-12952"/>
+                  <a:pt x="3420817" y="-27100"/>
+                  <a:pt x="3582762" y="0"/>
+                </a:cubicBezTo>
+                <a:cubicBezTo>
+                  <a:pt x="3744707" y="27100"/>
+                  <a:pt x="4023584" y="-9167"/>
+                  <a:pt x="4165675" y="0"/>
+                </a:cubicBezTo>
+                <a:cubicBezTo>
+                  <a:pt x="4307766" y="9167"/>
+                  <a:pt x="4770188" y="27031"/>
+                  <a:pt x="5009894" y="0"/>
+                </a:cubicBezTo>
+                <a:cubicBezTo>
+                  <a:pt x="5249600" y="-27031"/>
+                  <a:pt x="5349881" y="-194"/>
+                  <a:pt x="5505706" y="0"/>
+                </a:cubicBezTo>
+                <a:cubicBezTo>
+                  <a:pt x="5661531" y="194"/>
+                  <a:pt x="6129254" y="-29363"/>
+                  <a:pt x="6349925" y="0"/>
+                </a:cubicBezTo>
+                <a:cubicBezTo>
+                  <a:pt x="6570596" y="29363"/>
+                  <a:pt x="6581199" y="-14617"/>
+                  <a:pt x="6758634" y="0"/>
+                </a:cubicBezTo>
+                <a:cubicBezTo>
+                  <a:pt x="6936069" y="14617"/>
+                  <a:pt x="7246491" y="25675"/>
+                  <a:pt x="7428650" y="0"/>
+                </a:cubicBezTo>
+                <a:cubicBezTo>
+                  <a:pt x="7610809" y="-25675"/>
+                  <a:pt x="7825190" y="-17078"/>
+                  <a:pt x="8098665" y="0"/>
+                </a:cubicBezTo>
+                <a:cubicBezTo>
+                  <a:pt x="8372141" y="17078"/>
+                  <a:pt x="8559625" y="-21568"/>
+                  <a:pt x="8681579" y="0"/>
+                </a:cubicBezTo>
+                <a:cubicBezTo>
+                  <a:pt x="8803533" y="21568"/>
+                  <a:pt x="9307226" y="-46066"/>
+                  <a:pt x="9612900" y="0"/>
+                </a:cubicBezTo>
+                <a:cubicBezTo>
+                  <a:pt x="10119954" y="-10560"/>
+                  <a:pt x="10418674" y="366684"/>
+                  <a:pt x="10515600" y="902700"/>
+                </a:cubicBezTo>
+                <a:cubicBezTo>
+                  <a:pt x="10494548" y="1140809"/>
+                  <a:pt x="10524881" y="1252168"/>
+                  <a:pt x="10515600" y="1504482"/>
+                </a:cubicBezTo>
+                <a:cubicBezTo>
+                  <a:pt x="10506319" y="1756796"/>
+                  <a:pt x="10494309" y="1995078"/>
+                  <a:pt x="10515600" y="2178479"/>
+                </a:cubicBezTo>
+                <a:cubicBezTo>
+                  <a:pt x="10536891" y="2361880"/>
+                  <a:pt x="10522845" y="2487483"/>
+                  <a:pt x="10515600" y="2780261"/>
+                </a:cubicBezTo>
+                <a:cubicBezTo>
+                  <a:pt x="10508355" y="3073039"/>
+                  <a:pt x="10533694" y="3138252"/>
+                  <a:pt x="10515600" y="3273722"/>
+                </a:cubicBezTo>
+                <a:cubicBezTo>
+                  <a:pt x="10497506" y="3409192"/>
+                  <a:pt x="10514952" y="3569910"/>
+                  <a:pt x="10515600" y="3803291"/>
+                </a:cubicBezTo>
+                <a:cubicBezTo>
+                  <a:pt x="10516248" y="4036672"/>
+                  <a:pt x="10499126" y="4317688"/>
+                  <a:pt x="10515600" y="4513394"/>
+                </a:cubicBezTo>
+                <a:cubicBezTo>
+                  <a:pt x="10585499" y="4997151"/>
+                  <a:pt x="10115437" y="5453981"/>
+                  <a:pt x="9612900" y="5416094"/>
+                </a:cubicBezTo>
+                <a:cubicBezTo>
+                  <a:pt x="9473271" y="5418358"/>
+                  <a:pt x="9316384" y="5423764"/>
+                  <a:pt x="9117089" y="5416094"/>
+                </a:cubicBezTo>
+                <a:cubicBezTo>
+                  <a:pt x="8917794" y="5408424"/>
+                  <a:pt x="8902141" y="5433256"/>
+                  <a:pt x="8708379" y="5416094"/>
+                </a:cubicBezTo>
+                <a:cubicBezTo>
+                  <a:pt x="8514617" y="5398933"/>
+                  <a:pt x="8454700" y="5422387"/>
+                  <a:pt x="8299670" y="5416094"/>
+                </a:cubicBezTo>
+                <a:cubicBezTo>
+                  <a:pt x="8144640" y="5409801"/>
+                  <a:pt x="7907022" y="5398388"/>
+                  <a:pt x="7629654" y="5416094"/>
+                </a:cubicBezTo>
+                <a:cubicBezTo>
+                  <a:pt x="7352286" y="5433800"/>
+                  <a:pt x="7244777" y="5409877"/>
+                  <a:pt x="7133843" y="5416094"/>
+                </a:cubicBezTo>
+                <a:cubicBezTo>
+                  <a:pt x="7022909" y="5422311"/>
+                  <a:pt x="6748865" y="5379753"/>
+                  <a:pt x="6376726" y="5416094"/>
+                </a:cubicBezTo>
+                <a:cubicBezTo>
+                  <a:pt x="6004587" y="5452435"/>
+                  <a:pt x="5991442" y="5438860"/>
+                  <a:pt x="5880914" y="5416094"/>
+                </a:cubicBezTo>
+                <a:cubicBezTo>
+                  <a:pt x="5770386" y="5393328"/>
+                  <a:pt x="5294303" y="5440618"/>
+                  <a:pt x="5123797" y="5416094"/>
+                </a:cubicBezTo>
+                <a:cubicBezTo>
+                  <a:pt x="4953291" y="5391570"/>
+                  <a:pt x="4828705" y="5430421"/>
+                  <a:pt x="4715088" y="5416094"/>
+                </a:cubicBezTo>
+                <a:cubicBezTo>
+                  <a:pt x="4601471" y="5401767"/>
+                  <a:pt x="4227806" y="5381491"/>
+                  <a:pt x="3957970" y="5416094"/>
+                </a:cubicBezTo>
+                <a:cubicBezTo>
+                  <a:pt x="3688134" y="5450697"/>
+                  <a:pt x="3670638" y="5425309"/>
+                  <a:pt x="3462159" y="5416094"/>
+                </a:cubicBezTo>
+                <a:cubicBezTo>
+                  <a:pt x="3253680" y="5406879"/>
+                  <a:pt x="3167443" y="5432031"/>
+                  <a:pt x="3053449" y="5416094"/>
+                </a:cubicBezTo>
+                <a:cubicBezTo>
+                  <a:pt x="2939455" y="5400158"/>
+                  <a:pt x="2701485" y="5433995"/>
+                  <a:pt x="2557638" y="5416094"/>
+                </a:cubicBezTo>
+                <a:cubicBezTo>
+                  <a:pt x="2413791" y="5398193"/>
+                  <a:pt x="2168647" y="5424510"/>
+                  <a:pt x="1800521" y="5416094"/>
+                </a:cubicBezTo>
+                <a:cubicBezTo>
+                  <a:pt x="1432395" y="5407678"/>
+                  <a:pt x="1261364" y="5454497"/>
+                  <a:pt x="902700" y="5416094"/>
+                </a:cubicBezTo>
+                <a:cubicBezTo>
+                  <a:pt x="519468" y="5419760"/>
+                  <a:pt x="63003" y="5077223"/>
+                  <a:pt x="0" y="4513394"/>
+                </a:cubicBezTo>
+                <a:cubicBezTo>
+                  <a:pt x="-20265" y="4243495"/>
+                  <a:pt x="27650" y="4053844"/>
+                  <a:pt x="0" y="3911612"/>
+                </a:cubicBezTo>
+                <a:cubicBezTo>
+                  <a:pt x="-27650" y="3769380"/>
+                  <a:pt x="24988" y="3469350"/>
+                  <a:pt x="0" y="3309829"/>
+                </a:cubicBezTo>
+                <a:cubicBezTo>
+                  <a:pt x="-24988" y="3150308"/>
+                  <a:pt x="-16973" y="2933511"/>
+                  <a:pt x="0" y="2780261"/>
+                </a:cubicBezTo>
+                <a:cubicBezTo>
+                  <a:pt x="16973" y="2627011"/>
+                  <a:pt x="-11552" y="2315258"/>
+                  <a:pt x="0" y="2106265"/>
+                </a:cubicBezTo>
+                <a:cubicBezTo>
+                  <a:pt x="11552" y="1897272"/>
+                  <a:pt x="-9167" y="1726905"/>
+                  <a:pt x="0" y="1504482"/>
+                </a:cubicBezTo>
+                <a:cubicBezTo>
+                  <a:pt x="9167" y="1282059"/>
+                  <a:pt x="10972" y="1160784"/>
+                  <a:pt x="0" y="902700"/>
+                </a:cubicBezTo>
+                <a:close/>
+              </a:path>
+            </a:pathLst>
+          </a:custGeom>
+          <a:noFill/>
+          <a:ln w="60325" cap="rnd">
+            <a:solidFill>
+              <a:schemeClr val="tx1"/>
+            </a:solidFill>
+            <a:round/>
+            <a:extLst>
+              <a:ext uri="{C807C97D-BFC1-408E-A445-0C87EB9F89A2}">
+                <ask:lineSketchStyleProps xmlns="" xmlns:ask="http://schemas.microsoft.com/office/drawing/2018/sketchyshapes" sd="1219033472">
+                  <a:prstGeom prst="roundRect">
+                    <a:avLst/>
+                  </a:prstGeom>
+                  <ask:type>
+                    <ask:lineSketchFreehand/>
+                  </ask:type>
+                </ask:lineSketchStyleProps>
+              </a:ext>
+            </a:extLst>
+          </a:ln>
+        </p:spPr>
+        <p:style>
+          <a:lnRef idx="2">
+            <a:schemeClr val="accent1">
+              <a:shade val="50000"/>
+            </a:schemeClr>
+          </a:lnRef>
+          <a:fillRef idx="1">
+            <a:schemeClr val="accent1"/>
+          </a:fillRef>
+          <a:effectRef idx="0">
+            <a:schemeClr val="accent1"/>
+          </a:effectRef>
+          <a:fontRef idx="minor">
+            <a:schemeClr val="lt1"/>
+          </a:fontRef>
+        </p:style>
+        <p:txBody>
+          <a:bodyPr rtlCol="0" anchor="ctr"/>
+          <a:lstStyle/>
+          <a:p>
+            <a:pPr algn="ctr"/>
+            <a:endParaRPr lang="en-US"/>
+          </a:p>
+        </p:txBody>
+      </p:sp>
+      <p:sp>
+        <p:nvSpPr>
+          <p:cNvPr id="9" name="Subtítulo 2"/>
+          <p:cNvSpPr txBox="1">
+            <a:spLocks/>
+          </p:cNvSpPr>
+          <p:nvPr/>
+        </p:nvSpPr>
+        <p:spPr>
+          <a:xfrm>
+            <a:off x="1739660" y="1965335"/>
+            <a:ext cx="9144000" cy="1068736"/>
+          </a:xfrm>
+          <a:prstGeom prst="rect">
+            <a:avLst/>
+          </a:prstGeom>
+        </p:spPr>
+        <p:txBody>
+          <a:bodyPr vert="horz" lIns="91440" tIns="45720" rIns="91440" bIns="45720" rtlCol="0">
+            <a:normAutofit/>
+          </a:bodyPr>
+          <a:lstStyle>
+            <a:lvl1pPr marL="0" indent="0" algn="l" defTabSz="914400" rtl="0" eaLnBrk="1" latinLnBrk="0" hangingPunct="1">
+              <a:lnSpc>
+                <a:spcPct val="110000"/>
+              </a:lnSpc>
+              <a:spcBef>
+                <a:spcPts val="1000"/>
+              </a:spcBef>
+              <a:buFont typeface="Arial" panose="020B0604020202020204" pitchFamily="34" charset="0"/>
+              <a:buNone/>
+              <a:defRPr sz="2800" kern="1200">
+                <a:solidFill>
+                  <a:schemeClr val="tx1"/>
+                </a:solidFill>
+                <a:latin typeface="+mn-lt"/>
+                <a:ea typeface="+mn-ea"/>
+                <a:cs typeface="+mn-cs"/>
+              </a:defRPr>
+            </a:lvl1pPr>
+            <a:lvl2pPr marL="457200" indent="0" algn="ctr" defTabSz="914400" rtl="0" eaLnBrk="1" latinLnBrk="0" hangingPunct="1">
+              <a:lnSpc>
+                <a:spcPct val="110000"/>
+              </a:lnSpc>
+              <a:spcBef>
+                <a:spcPts val="500"/>
+              </a:spcBef>
+              <a:buFont typeface="Arial" panose="020B0604020202020204" pitchFamily="34" charset="0"/>
+              <a:buNone/>
+              <a:defRPr sz="2000" kern="1200">
+                <a:solidFill>
+                  <a:schemeClr val="tx1"/>
+                </a:solidFill>
+                <a:latin typeface="+mn-lt"/>
+                <a:ea typeface="+mn-ea"/>
+                <a:cs typeface="+mn-cs"/>
+              </a:defRPr>
+            </a:lvl2pPr>
+            <a:lvl3pPr marL="914400" indent="0" algn="ctr" defTabSz="914400" rtl="0" eaLnBrk="1" latinLnBrk="0" hangingPunct="1">
+              <a:lnSpc>
+                <a:spcPct val="110000"/>
+              </a:lnSpc>
+              <a:spcBef>
+                <a:spcPts val="500"/>
+              </a:spcBef>
+              <a:buFont typeface="Arial" panose="020B0604020202020204" pitchFamily="34" charset="0"/>
+              <a:buNone/>
+              <a:defRPr sz="1800" kern="1200">
+                <a:solidFill>
+                  <a:schemeClr val="tx1"/>
+                </a:solidFill>
+                <a:latin typeface="+mn-lt"/>
+                <a:ea typeface="+mn-ea"/>
+                <a:cs typeface="+mn-cs"/>
+              </a:defRPr>
+            </a:lvl3pPr>
+            <a:lvl4pPr marL="1371600" indent="0" algn="ctr" defTabSz="914400" rtl="0" eaLnBrk="1" latinLnBrk="0" hangingPunct="1">
+              <a:lnSpc>
+                <a:spcPct val="110000"/>
+              </a:lnSpc>
+              <a:spcBef>
+                <a:spcPts val="500"/>
+              </a:spcBef>
+              <a:buFont typeface="Arial" panose="020B0604020202020204" pitchFamily="34" charset="0"/>
+              <a:buNone/>
+              <a:defRPr sz="1600" kern="1200">
+                <a:solidFill>
+                  <a:schemeClr val="tx1"/>
+                </a:solidFill>
+                <a:latin typeface="+mn-lt"/>
+                <a:ea typeface="+mn-ea"/>
+                <a:cs typeface="+mn-cs"/>
+              </a:defRPr>
+            </a:lvl4pPr>
+            <a:lvl5pPr marL="1828800" indent="0" algn="ctr" defTabSz="914400" rtl="0" eaLnBrk="1" latinLnBrk="0" hangingPunct="1">
+              <a:lnSpc>
+                <a:spcPct val="110000"/>
+              </a:lnSpc>
+              <a:spcBef>
+                <a:spcPts val="500"/>
+              </a:spcBef>
+              <a:buFont typeface="Arial" panose="020B0604020202020204" pitchFamily="34" charset="0"/>
+              <a:buNone/>
+              <a:defRPr sz="1600" kern="1200">
+                <a:solidFill>
+                  <a:schemeClr val="tx1"/>
+                </a:solidFill>
+                <a:latin typeface="+mn-lt"/>
+                <a:ea typeface="+mn-ea"/>
+                <a:cs typeface="+mn-cs"/>
+              </a:defRPr>
+            </a:lvl5pPr>
+            <a:lvl6pPr marL="2286000" indent="0" algn="ctr" defTabSz="914400" rtl="0" eaLnBrk="1" latinLnBrk="0" hangingPunct="1">
+              <a:lnSpc>
+                <a:spcPct val="90000"/>
+              </a:lnSpc>
+              <a:spcBef>
+                <a:spcPts val="500"/>
+              </a:spcBef>
+              <a:buFont typeface="Arial" panose="020B0604020202020204" pitchFamily="34" charset="0"/>
+              <a:buNone/>
+              <a:defRPr sz="1600" kern="1200">
+                <a:solidFill>
+                  <a:schemeClr val="tx1"/>
+                </a:solidFill>
+                <a:latin typeface="+mn-lt"/>
+                <a:ea typeface="+mn-ea"/>
+                <a:cs typeface="+mn-cs"/>
+              </a:defRPr>
+            </a:lvl6pPr>
+            <a:lvl7pPr marL="2743200" indent="0" algn="ctr" defTabSz="914400" rtl="0" eaLnBrk="1" latinLnBrk="0" hangingPunct="1">
+              <a:lnSpc>
+                <a:spcPct val="90000"/>
+              </a:lnSpc>
+              <a:spcBef>
+                <a:spcPts val="500"/>
+              </a:spcBef>
+              <a:buFont typeface="Arial" panose="020B0604020202020204" pitchFamily="34" charset="0"/>
+              <a:buNone/>
+              <a:defRPr sz="1600" kern="1200">
+                <a:solidFill>
+                  <a:schemeClr val="tx1"/>
+                </a:solidFill>
+                <a:latin typeface="+mn-lt"/>
+                <a:ea typeface="+mn-ea"/>
+                <a:cs typeface="+mn-cs"/>
+              </a:defRPr>
+            </a:lvl7pPr>
+            <a:lvl8pPr marL="3200400" indent="0" algn="ctr" defTabSz="914400" rtl="0" eaLnBrk="1" latinLnBrk="0" hangingPunct="1">
+              <a:lnSpc>
+                <a:spcPct val="90000"/>
+              </a:lnSpc>
+              <a:spcBef>
+                <a:spcPts val="500"/>
+              </a:spcBef>
+              <a:buFont typeface="Arial" panose="020B0604020202020204" pitchFamily="34" charset="0"/>
+              <a:buNone/>
+              <a:defRPr sz="1600" kern="1200">
+                <a:solidFill>
+                  <a:schemeClr val="tx1"/>
+                </a:solidFill>
+                <a:latin typeface="+mn-lt"/>
+                <a:ea typeface="+mn-ea"/>
+                <a:cs typeface="+mn-cs"/>
+              </a:defRPr>
+            </a:lvl8pPr>
+            <a:lvl9pPr marL="3657600" indent="0" algn="ctr" defTabSz="914400" rtl="0" eaLnBrk="1" latinLnBrk="0" hangingPunct="1">
+              <a:lnSpc>
+                <a:spcPct val="90000"/>
+              </a:lnSpc>
+              <a:spcBef>
+                <a:spcPts val="500"/>
+              </a:spcBef>
+              <a:buFont typeface="Arial" panose="020B0604020202020204" pitchFamily="34" charset="0"/>
+              <a:buNone/>
+              <a:defRPr sz="1600" kern="1200">
+                <a:solidFill>
+                  <a:schemeClr val="tx1"/>
+                </a:solidFill>
+                <a:latin typeface="+mn-lt"/>
+                <a:ea typeface="+mn-ea"/>
+                <a:cs typeface="+mn-cs"/>
+              </a:defRPr>
+            </a:lvl9pPr>
+          </a:lstStyle>
+          <a:p>
+            <a:pPr>
+              <a:lnSpc>
+                <a:spcPct val="100000"/>
+              </a:lnSpc>
+            </a:pPr>
+            <a:r>
+              <a:rPr lang="de-DE" sz="4000" dirty="0" smtClean="0">
+                <a:latin typeface="Batang"/>
+                <a:ea typeface="Batang"/>
+                <a:cs typeface="Calibri"/>
+              </a:rPr>
+              <a:t>Dificuldades:</a:t>
+            </a:r>
+          </a:p>
+        </p:txBody>
+      </p:sp>
+    </p:spTree>
+    <p:extLst>
+      <p:ext uri="{BB962C8B-B14F-4D97-AF65-F5344CB8AC3E}">
+        <p14:creationId xmlns:p14="http://schemas.microsoft.com/office/powerpoint/2010/main" val="3225777371"/>
+      </p:ext>
+    </p:extLst>
+  </p:cSld>
+  <p:clrMapOvr>
+    <a:overrideClrMapping bg1="dk1" tx1="lt1" bg2="dk2" tx2="lt2" accent1="accent1" accent2="accent2" accent3="accent3" accent4="accent4" accent5="accent5" accent6="accent6" hlink="hlink" folHlink="folHlink"/>
+  </p:clrMapOvr>
+  <mc:AlternateContent xmlns:mc="http://schemas.openxmlformats.org/markup-compatibility/2006" xmlns:p14="http://schemas.microsoft.com/office/powerpoint/2010/main">
+    <mc:Choice Requires="p14">
+      <p:transition spd="slow" p14:dur="2000"/>
+    </mc:Choice>
+    <mc:Fallback xmlns="">
+      <p:transition spd="slow"/>
+    </mc:Fallback>
+  </mc:AlternateContent>
+  <p:timing>
+    <p:tnLst>
+      <p:par>
+        <p:cTn id="1" dur="indefinite" restart="never" nodeType="tmRoot"/>
+      </p:par>
+    </p:tnLst>
+  </p:timing>
+</p:sld>
+</file>
+
+<file path=ppt/slides/slide4.xml><?xml version="1.0" encoding="utf-8"?>
+<p:sld xmlns:a="http://schemas.openxmlformats.org/drawingml/2006/main" xmlns:r="http://schemas.openxmlformats.org/officeDocument/2006/relationships" xmlns:p="http://schemas.openxmlformats.org/presentationml/2006/main" show="0">
+  <p:cSld>
+    <p:bg>
+      <p:bgPr>
+        <a:solidFill>
+          <a:schemeClr val="bg1"/>
+        </a:solidFill>
+        <a:effectLst/>
+      </p:bgPr>
+    </p:bg>
+    <p:spTree>
+      <p:nvGrpSpPr>
+        <p:cNvPr id="1" name=""/>
+        <p:cNvGrpSpPr/>
+        <p:nvPr/>
+      </p:nvGrpSpPr>
+      <p:grpSpPr>
+        <a:xfrm>
+          <a:off x="0" y="0"/>
+          <a:ext cx="0" cy="0"/>
+          <a:chOff x="0" y="0"/>
+          <a:chExt cx="0" cy="0"/>
+        </a:xfrm>
+      </p:grpSpPr>
+      <p:sp useBgFill="1">
+        <p:nvSpPr>
+          <p:cNvPr id="36" name="Rectangle 27">
+            <a:extLst>
+              <a:ext uri="{FF2B5EF4-FFF2-40B4-BE49-F238E27FC236}">
+                <a16:creationId xmlns:a16="http://schemas.microsoft.com/office/drawing/2014/main" id="{AD35AE2F-5E3A-49D9-8DE1-8A333BA4088E}"/>
+              </a:ext>
+              <a:ext uri="{C183D7F6-B498-43B3-948B-1728B52AA6E4}">
+                <adec:decorative xmlns="" xmlns:adec="http://schemas.microsoft.com/office/drawing/2017/decorative" val="1"/>
+              </a:ext>
+            </a:extLst>
+          </p:cNvPr>
+          <p:cNvSpPr>
+            <a:spLocks noGrp="1" noRot="1" noChangeAspect="1" noMove="1" noResize="1" noEditPoints="1" noAdjustHandles="1" noChangeArrowheads="1" noChangeShapeType="1" noTextEdit="1"/>
+          </p:cNvSpPr>
+          <p:nvPr>
+            <p:extLst>
+              <p:ext uri="{386F3935-93C4-4BCD-93E2-E3B085C9AB24}">
+                <p16:designElem xmlns:p16="http://schemas.microsoft.com/office/powerpoint/2015/main" val="1"/>
+              </p:ext>
+            </p:extLst>
+          </p:nvPr>
+        </p:nvSpPr>
+        <p:spPr>
+          <a:xfrm>
+            <a:off x="0" y="0"/>
+            <a:ext cx="12188952" cy="6858000"/>
+          </a:xfrm>
+          <a:prstGeom prst="rect">
+            <a:avLst/>
+          </a:prstGeom>
+          <a:ln>
+            <a:noFill/>
+          </a:ln>
+        </p:spPr>
+        <p:style>
+          <a:lnRef idx="2">
+            <a:schemeClr val="accent1">
+              <a:shade val="50000"/>
+            </a:schemeClr>
+          </a:lnRef>
+          <a:fillRef idx="1">
+            <a:schemeClr val="accent1"/>
+          </a:fillRef>
+          <a:effectRef idx="0">
+            <a:schemeClr val="accent1"/>
+          </a:effectRef>
+          <a:fontRef idx="minor">
+            <a:schemeClr val="lt1"/>
+          </a:fontRef>
+        </p:style>
+        <p:txBody>
+          <a:bodyPr rtlCol="0" anchor="ctr"/>
+          <a:lstStyle/>
+          <a:p>
+            <a:pPr algn="ctr"/>
+            <a:endParaRPr lang="en-US"/>
+          </a:p>
+        </p:txBody>
+      </p:sp>
+      <p:pic>
+        <p:nvPicPr>
+          <p:cNvPr id="4" name="Imagem 4" descr="Mesa de madeira com flor&#10;&#10;Descrição gerada automaticamente">
+            <a:extLst>
+              <a:ext uri="{FF2B5EF4-FFF2-40B4-BE49-F238E27FC236}">
+                <a16:creationId xmlns:a16="http://schemas.microsoft.com/office/drawing/2014/main" id="{BCDDDE5C-8875-8181-46D1-327F47B007FC}"/>
+              </a:ext>
+            </a:extLst>
+          </p:cNvPr>
+          <p:cNvPicPr>
+            <a:picLocks noChangeAspect="1"/>
+          </p:cNvPicPr>
+          <p:nvPr/>
+        </p:nvPicPr>
+        <p:blipFill rotWithShape="1">
+          <a:blip r:embed="rId2">
+            <a:alphaModFix amt="50000"/>
+          </a:blip>
+          <a:srcRect r="-1" b="15391"/>
+          <a:stretch/>
+        </p:blipFill>
+        <p:spPr>
+          <a:xfrm>
+            <a:off x="-71867" y="10"/>
+            <a:ext cx="12188931" cy="6857990"/>
+          </a:xfrm>
+          <a:prstGeom prst="rect">
+            <a:avLst/>
+          </a:prstGeom>
+        </p:spPr>
+      </p:pic>
+      <p:sp>
+        <p:nvSpPr>
+          <p:cNvPr id="2" name="Título 1"/>
+          <p:cNvSpPr>
+            <a:spLocks noGrp="1"/>
+          </p:cNvSpPr>
+          <p:nvPr>
+            <p:ph type="ctrTitle"/>
+          </p:nvPr>
+        </p:nvSpPr>
+        <p:spPr>
+          <a:xfrm>
+            <a:off x="1524000" y="1122363"/>
+            <a:ext cx="9359660" cy="2104931"/>
+          </a:xfrm>
+        </p:spPr>
+        <p:txBody>
+          <a:bodyPr>
+            <a:normAutofit fontScale="90000"/>
+          </a:bodyPr>
+          <a:lstStyle/>
+          <a:p>
+            <a:pPr algn="ctr"/>
+            <a:r>
+              <a:rPr lang="de-DE" b="1" dirty="0">
+                <a:latin typeface="Calibri"/>
+                <a:cs typeface="Calibri"/>
+              </a:rPr>
+              <a:t>BitBar - </a:t>
+            </a:r>
+            <a:r>
+              <a:rPr lang="de-DE" b="1" dirty="0" smtClean="0">
+                <a:latin typeface="Calibri"/>
+                <a:cs typeface="Calibri"/>
+              </a:rPr>
+              <a:t>Restaurante</a:t>
+            </a:r>
+          </a:p>
+          <a:p>
+            <a:pPr algn="ctr"/>
+            <a:endParaRPr lang="de-DE" b="1" dirty="0">
+              <a:latin typeface="Calibri"/>
+              <a:cs typeface="Calibri Light"/>
+            </a:endParaRPr>
+          </a:p>
+        </p:txBody>
+      </p:sp>
+      <p:sp>
+        <p:nvSpPr>
+          <p:cNvPr id="3" name="Subtítulo 2"/>
+          <p:cNvSpPr>
+            <a:spLocks noGrp="1"/>
+          </p:cNvSpPr>
+          <p:nvPr>
+            <p:ph type="subTitle" idx="1"/>
+          </p:nvPr>
+        </p:nvSpPr>
+        <p:spPr>
+          <a:xfrm>
+            <a:off x="1775604" y="2656557"/>
+            <a:ext cx="9144000" cy="3480490"/>
+          </a:xfrm>
+        </p:spPr>
+        <p:txBody>
+          <a:bodyPr vert="horz" lIns="91440" tIns="45720" rIns="91440" bIns="45720" rtlCol="0">
+            <a:normAutofit fontScale="92500"/>
+          </a:bodyPr>
+          <a:lstStyle/>
+          <a:p>
+            <a:pPr>
+              <a:lnSpc>
+                <a:spcPct val="100000"/>
+              </a:lnSpc>
+            </a:pPr>
+            <a:r>
+              <a:rPr lang="de-DE" sz="4800" dirty="0">
+                <a:solidFill>
+                  <a:srgbClr val="92D050"/>
+                </a:solidFill>
+              </a:rPr>
+              <a:t>Sair pedido na impressora </a:t>
+            </a:r>
+            <a:r>
+              <a:rPr lang="de-DE" sz="4800" dirty="0" smtClean="0">
+                <a:solidFill>
+                  <a:srgbClr val="92D050"/>
+                </a:solidFill>
+              </a:rPr>
+              <a:t>;</a:t>
+            </a:r>
+          </a:p>
+          <a:p>
+            <a:pPr>
+              <a:lnSpc>
+                <a:spcPct val="100000"/>
+              </a:lnSpc>
+            </a:pPr>
+            <a:r>
+              <a:rPr lang="de-DE" sz="4800" dirty="0" smtClean="0">
+                <a:solidFill>
+                  <a:srgbClr val="92D050"/>
+                </a:solidFill>
+              </a:rPr>
+              <a:t>Adicionar produto na mesa ;</a:t>
+            </a:r>
+            <a:endParaRPr lang="de-DE" sz="4800" dirty="0">
+              <a:solidFill>
+                <a:srgbClr val="92D050"/>
+              </a:solidFill>
+            </a:endParaRPr>
+          </a:p>
+          <a:p>
+            <a:pPr>
+              <a:lnSpc>
+                <a:spcPct val="100000"/>
+              </a:lnSpc>
+            </a:pPr>
+            <a:r>
+              <a:rPr lang="de-DE" sz="4800" dirty="0">
+                <a:solidFill>
+                  <a:srgbClr val="92D050"/>
+                </a:solidFill>
+              </a:rPr>
+              <a:t>Fechamento de conta </a:t>
+            </a:r>
+            <a:r>
+              <a:rPr lang="de-DE" sz="4800" dirty="0" smtClean="0">
+                <a:solidFill>
+                  <a:srgbClr val="92D050"/>
+                </a:solidFill>
+              </a:rPr>
+              <a:t>; Taxa 10%</a:t>
+            </a:r>
+            <a:endParaRPr lang="de-DE" sz="4800" dirty="0">
+              <a:solidFill>
+                <a:srgbClr val="92D050"/>
+              </a:solidFill>
+            </a:endParaRPr>
+          </a:p>
+          <a:p>
+            <a:pPr>
+              <a:lnSpc>
+                <a:spcPct val="100000"/>
+              </a:lnSpc>
+            </a:pPr>
+            <a:r>
+              <a:rPr lang="de-DE" sz="4800" dirty="0">
+                <a:solidFill>
+                  <a:srgbClr val="92D050"/>
+                </a:solidFill>
+              </a:rPr>
+              <a:t>Controle Financeiro ;</a:t>
+            </a:r>
+          </a:p>
+        </p:txBody>
+      </p:sp>
+      <p:sp>
+        <p:nvSpPr>
+          <p:cNvPr id="37" name="Rectangle 6">
+            <a:extLst>
+              <a:ext uri="{FF2B5EF4-FFF2-40B4-BE49-F238E27FC236}">
+                <a16:creationId xmlns:a16="http://schemas.microsoft.com/office/drawing/2014/main" id="{04D8AD8F-EF7F-481F-B99A-B8513897050A}"/>
+              </a:ext>
+              <a:ext uri="{C183D7F6-B498-43B3-948B-1728B52AA6E4}">
+                <adec:decorative xmlns="" xmlns:adec="http://schemas.microsoft.com/office/drawing/2017/decorative" val="1"/>
+              </a:ext>
+            </a:extLst>
+          </p:cNvPr>
+          <p:cNvSpPr>
+            <a:spLocks noGrp="1" noRot="1" noChangeAspect="1" noMove="1" noResize="1" noEditPoints="1" noAdjustHandles="1" noChangeArrowheads="1" noChangeShapeType="1" noTextEdit="1"/>
+          </p:cNvSpPr>
+          <p:nvPr>
+            <p:extLst>
+              <p:ext uri="{386F3935-93C4-4BCD-93E2-E3B085C9AB24}">
+                <p16:designElem xmlns:p16="http://schemas.microsoft.com/office/powerpoint/2015/main" val="1"/>
+              </p:ext>
+            </p:extLst>
+          </p:nvPr>
+        </p:nvSpPr>
+        <p:spPr>
+          <a:xfrm>
+            <a:off x="3974206" y="4419423"/>
+            <a:ext cx="4243589" cy="27432"/>
+          </a:xfrm>
+          <a:custGeom>
+            <a:avLst/>
+            <a:gdLst>
+              <a:gd name="connsiteX0" fmla="*/ 0 w 4243589"/>
+              <a:gd name="connsiteY0" fmla="*/ 0 h 27432"/>
+              <a:gd name="connsiteX1" fmla="*/ 563791 w 4243589"/>
+              <a:gd name="connsiteY1" fmla="*/ 0 h 27432"/>
+              <a:gd name="connsiteX2" fmla="*/ 1042710 w 4243589"/>
+              <a:gd name="connsiteY2" fmla="*/ 0 h 27432"/>
+              <a:gd name="connsiteX3" fmla="*/ 1564066 w 4243589"/>
+              <a:gd name="connsiteY3" fmla="*/ 0 h 27432"/>
+              <a:gd name="connsiteX4" fmla="*/ 2212729 w 4243589"/>
+              <a:gd name="connsiteY4" fmla="*/ 0 h 27432"/>
+              <a:gd name="connsiteX5" fmla="*/ 2776520 w 4243589"/>
+              <a:gd name="connsiteY5" fmla="*/ 0 h 27432"/>
+              <a:gd name="connsiteX6" fmla="*/ 3297875 w 4243589"/>
+              <a:gd name="connsiteY6" fmla="*/ 0 h 27432"/>
+              <a:gd name="connsiteX7" fmla="*/ 4243589 w 4243589"/>
+              <a:gd name="connsiteY7" fmla="*/ 0 h 27432"/>
+              <a:gd name="connsiteX8" fmla="*/ 4243589 w 4243589"/>
+              <a:gd name="connsiteY8" fmla="*/ 27432 h 27432"/>
+              <a:gd name="connsiteX9" fmla="*/ 3637362 w 4243589"/>
+              <a:gd name="connsiteY9" fmla="*/ 27432 h 27432"/>
+              <a:gd name="connsiteX10" fmla="*/ 3116007 w 4243589"/>
+              <a:gd name="connsiteY10" fmla="*/ 27432 h 27432"/>
+              <a:gd name="connsiteX11" fmla="*/ 2424908 w 4243589"/>
+              <a:gd name="connsiteY11" fmla="*/ 27432 h 27432"/>
+              <a:gd name="connsiteX12" fmla="*/ 1861117 w 4243589"/>
+              <a:gd name="connsiteY12" fmla="*/ 27432 h 27432"/>
+              <a:gd name="connsiteX13" fmla="*/ 1382198 w 4243589"/>
+              <a:gd name="connsiteY13" fmla="*/ 27432 h 27432"/>
+              <a:gd name="connsiteX14" fmla="*/ 733535 w 4243589"/>
+              <a:gd name="connsiteY14" fmla="*/ 27432 h 27432"/>
+              <a:gd name="connsiteX15" fmla="*/ 0 w 4243589"/>
+              <a:gd name="connsiteY15" fmla="*/ 27432 h 27432"/>
+              <a:gd name="connsiteX16" fmla="*/ 0 w 4243589"/>
+              <a:gd name="connsiteY16" fmla="*/ 0 h 27432"/>
+            </a:gdLst>
+            <a:ahLst/>
+            <a:cxnLst>
+              <a:cxn ang="0">
+                <a:pos x="connsiteX0" y="connsiteY0"/>
+              </a:cxn>
+              <a:cxn ang="0">
+                <a:pos x="connsiteX1" y="connsiteY1"/>
+              </a:cxn>
+              <a:cxn ang="0">
+                <a:pos x="connsiteX2" y="connsiteY2"/>
+              </a:cxn>
+              <a:cxn ang="0">
+                <a:pos x="connsiteX3" y="connsiteY3"/>
+              </a:cxn>
+              <a:cxn ang="0">
+                <a:pos x="connsiteX4" y="connsiteY4"/>
+              </a:cxn>
+              <a:cxn ang="0">
+                <a:pos x="connsiteX5" y="connsiteY5"/>
+              </a:cxn>
+              <a:cxn ang="0">
+                <a:pos x="connsiteX6" y="connsiteY6"/>
+              </a:cxn>
+              <a:cxn ang="0">
+                <a:pos x="connsiteX7" y="connsiteY7"/>
+              </a:cxn>
+              <a:cxn ang="0">
+                <a:pos x="connsiteX8" y="connsiteY8"/>
+              </a:cxn>
+              <a:cxn ang="0">
+                <a:pos x="connsiteX9" y="connsiteY9"/>
+              </a:cxn>
+              <a:cxn ang="0">
+                <a:pos x="connsiteX10" y="connsiteY10"/>
+              </a:cxn>
+              <a:cxn ang="0">
+                <a:pos x="connsiteX11" y="connsiteY11"/>
+              </a:cxn>
+              <a:cxn ang="0">
+                <a:pos x="connsiteX12" y="connsiteY12"/>
+              </a:cxn>
+              <a:cxn ang="0">
+                <a:pos x="connsiteX13" y="connsiteY13"/>
+              </a:cxn>
+              <a:cxn ang="0">
+                <a:pos x="connsiteX14" y="connsiteY14"/>
+              </a:cxn>
+              <a:cxn ang="0">
+                <a:pos x="connsiteX15" y="connsiteY15"/>
+              </a:cxn>
+              <a:cxn ang="0">
+                <a:pos x="connsiteX16" y="connsiteY16"/>
+              </a:cxn>
+            </a:cxnLst>
+            <a:rect l="l" t="t" r="r" b="b"/>
+            <a:pathLst>
+              <a:path w="4243589" h="27432" fill="none" extrusionOk="0">
+                <a:moveTo>
+                  <a:pt x="0" y="0"/>
+                </a:moveTo>
+                <a:cubicBezTo>
+                  <a:pt x="157351" y="-15653"/>
+                  <a:pt x="378877" y="-5828"/>
+                  <a:pt x="563791" y="0"/>
+                </a:cubicBezTo>
+                <a:cubicBezTo>
+                  <a:pt x="748705" y="5828"/>
+                  <a:pt x="905659" y="-5525"/>
+                  <a:pt x="1042710" y="0"/>
+                </a:cubicBezTo>
+                <a:cubicBezTo>
+                  <a:pt x="1179761" y="5525"/>
+                  <a:pt x="1356845" y="-21288"/>
+                  <a:pt x="1564066" y="0"/>
+                </a:cubicBezTo>
+                <a:cubicBezTo>
+                  <a:pt x="1771287" y="21288"/>
+                  <a:pt x="1912099" y="25135"/>
+                  <a:pt x="2212729" y="0"/>
+                </a:cubicBezTo>
+                <a:cubicBezTo>
+                  <a:pt x="2513359" y="-25135"/>
+                  <a:pt x="2514918" y="-27119"/>
+                  <a:pt x="2776520" y="0"/>
+                </a:cubicBezTo>
+                <a:cubicBezTo>
+                  <a:pt x="3038122" y="27119"/>
+                  <a:pt x="3178771" y="18116"/>
+                  <a:pt x="3297875" y="0"/>
+                </a:cubicBezTo>
+                <a:cubicBezTo>
+                  <a:pt x="3416980" y="-18116"/>
+                  <a:pt x="4012240" y="-40869"/>
+                  <a:pt x="4243589" y="0"/>
+                </a:cubicBezTo>
+                <a:cubicBezTo>
+                  <a:pt x="4242616" y="8304"/>
+                  <a:pt x="4243111" y="21512"/>
+                  <a:pt x="4243589" y="27432"/>
+                </a:cubicBezTo>
+                <a:cubicBezTo>
+                  <a:pt x="4112949" y="6289"/>
+                  <a:pt x="3928037" y="10975"/>
+                  <a:pt x="3637362" y="27432"/>
+                </a:cubicBezTo>
+                <a:cubicBezTo>
+                  <a:pt x="3346687" y="43889"/>
+                  <a:pt x="3254446" y="35813"/>
+                  <a:pt x="3116007" y="27432"/>
+                </a:cubicBezTo>
+                <a:cubicBezTo>
+                  <a:pt x="2977569" y="19051"/>
+                  <a:pt x="2620228" y="38017"/>
+                  <a:pt x="2424908" y="27432"/>
+                </a:cubicBezTo>
+                <a:cubicBezTo>
+                  <a:pt x="2229588" y="16847"/>
+                  <a:pt x="2088287" y="5290"/>
+                  <a:pt x="1861117" y="27432"/>
+                </a:cubicBezTo>
+                <a:cubicBezTo>
+                  <a:pt x="1633947" y="49574"/>
+                  <a:pt x="1502447" y="8273"/>
+                  <a:pt x="1382198" y="27432"/>
+                </a:cubicBezTo>
+                <a:cubicBezTo>
+                  <a:pt x="1261949" y="46591"/>
+                  <a:pt x="1045440" y="37497"/>
+                  <a:pt x="733535" y="27432"/>
+                </a:cubicBezTo>
+                <a:cubicBezTo>
+                  <a:pt x="421630" y="17367"/>
+                  <a:pt x="341257" y="-9215"/>
+                  <a:pt x="0" y="27432"/>
+                </a:cubicBezTo>
+                <a:cubicBezTo>
+                  <a:pt x="-1048" y="14992"/>
+                  <a:pt x="-1120" y="7447"/>
+                  <a:pt x="0" y="0"/>
+                </a:cubicBezTo>
+                <a:close/>
+              </a:path>
+              <a:path w="4243589" h="27432" stroke="0" extrusionOk="0">
+                <a:moveTo>
+                  <a:pt x="0" y="0"/>
+                </a:moveTo>
+                <a:cubicBezTo>
+                  <a:pt x="128164" y="17204"/>
+                  <a:pt x="312653" y="1129"/>
+                  <a:pt x="563791" y="0"/>
+                </a:cubicBezTo>
+                <a:cubicBezTo>
+                  <a:pt x="814929" y="-1129"/>
+                  <a:pt x="837271" y="8503"/>
+                  <a:pt x="1042710" y="0"/>
+                </a:cubicBezTo>
+                <a:cubicBezTo>
+                  <a:pt x="1248149" y="-8503"/>
+                  <a:pt x="1588432" y="-28862"/>
+                  <a:pt x="1733809" y="0"/>
+                </a:cubicBezTo>
+                <a:cubicBezTo>
+                  <a:pt x="1879186" y="28862"/>
+                  <a:pt x="2052815" y="5974"/>
+                  <a:pt x="2297600" y="0"/>
+                </a:cubicBezTo>
+                <a:cubicBezTo>
+                  <a:pt x="2542385" y="-5974"/>
+                  <a:pt x="2699960" y="-23550"/>
+                  <a:pt x="2861391" y="0"/>
+                </a:cubicBezTo>
+                <a:cubicBezTo>
+                  <a:pt x="3022822" y="23550"/>
+                  <a:pt x="3390411" y="25272"/>
+                  <a:pt x="3552490" y="0"/>
+                </a:cubicBezTo>
+                <a:cubicBezTo>
+                  <a:pt x="3714569" y="-25272"/>
+                  <a:pt x="3950585" y="-31327"/>
+                  <a:pt x="4243589" y="0"/>
+                </a:cubicBezTo>
+                <a:cubicBezTo>
+                  <a:pt x="4244074" y="9333"/>
+                  <a:pt x="4244867" y="19699"/>
+                  <a:pt x="4243589" y="27432"/>
+                </a:cubicBezTo>
+                <a:cubicBezTo>
+                  <a:pt x="4130424" y="7904"/>
+                  <a:pt x="3932803" y="51393"/>
+                  <a:pt x="3722234" y="27432"/>
+                </a:cubicBezTo>
+                <a:cubicBezTo>
+                  <a:pt x="3511665" y="3471"/>
+                  <a:pt x="3269903" y="55138"/>
+                  <a:pt x="3116007" y="27432"/>
+                </a:cubicBezTo>
+                <a:cubicBezTo>
+                  <a:pt x="2962111" y="-274"/>
+                  <a:pt x="2744280" y="32368"/>
+                  <a:pt x="2509780" y="27432"/>
+                </a:cubicBezTo>
+                <a:cubicBezTo>
+                  <a:pt x="2275280" y="22496"/>
+                  <a:pt x="2066059" y="52808"/>
+                  <a:pt x="1945989" y="27432"/>
+                </a:cubicBezTo>
+                <a:cubicBezTo>
+                  <a:pt x="1825919" y="2056"/>
+                  <a:pt x="1407329" y="21760"/>
+                  <a:pt x="1254890" y="27432"/>
+                </a:cubicBezTo>
+                <a:cubicBezTo>
+                  <a:pt x="1102451" y="33104"/>
+                  <a:pt x="837950" y="40817"/>
+                  <a:pt x="563791" y="27432"/>
+                </a:cubicBezTo>
+                <a:cubicBezTo>
+                  <a:pt x="289632" y="14047"/>
+                  <a:pt x="132768" y="16249"/>
+                  <a:pt x="0" y="27432"/>
+                </a:cubicBezTo>
+                <a:cubicBezTo>
+                  <a:pt x="211" y="18145"/>
+                  <a:pt x="120" y="6480"/>
+                  <a:pt x="0" y="0"/>
+                </a:cubicBezTo>
+                <a:close/>
+              </a:path>
+            </a:pathLst>
+          </a:custGeom>
+          <a:solidFill>
+            <a:schemeClr val="tx1"/>
+          </a:solidFill>
+          <a:ln w="38100" cap="rnd">
+            <a:solidFill>
+              <a:schemeClr val="tx1"/>
+            </a:solidFill>
+            <a:round/>
+            <a:extLst>
+              <a:ext uri="{C807C97D-BFC1-408E-A445-0C87EB9F89A2}">
+                <ask:lineSketchStyleProps xmlns="" xmlns:ask="http://schemas.microsoft.com/office/drawing/2018/sketchyshapes" sd="1219033472">
+                  <a:prstGeom prst="rect">
+                    <a:avLst/>
+                  </a:prstGeom>
+                  <ask:type>
+                    <ask:lineSketchFreehand/>
+                  </ask:type>
+                </ask:lineSketchStyleProps>
+              </a:ext>
+            </a:extLst>
+          </a:ln>
+        </p:spPr>
+        <p:style>
+          <a:lnRef idx="2">
+            <a:schemeClr val="accent1">
+              <a:shade val="50000"/>
+            </a:schemeClr>
+          </a:lnRef>
+          <a:fillRef idx="1">
+            <a:schemeClr val="accent1"/>
+          </a:fillRef>
+          <a:effectRef idx="0">
+            <a:schemeClr val="accent1"/>
+          </a:effectRef>
+          <a:fontRef idx="minor">
+            <a:schemeClr val="lt1"/>
+          </a:fontRef>
+        </p:style>
+        <p:txBody>
+          <a:bodyPr rtlCol="0" anchor="ctr"/>
+          <a:lstStyle/>
+          <a:p>
+            <a:pPr algn="ctr"/>
+            <a:endParaRPr lang="en-US"/>
+          </a:p>
+        </p:txBody>
+      </p:sp>
+      <p:sp>
+        <p:nvSpPr>
+          <p:cNvPr id="38" name="Rectangle 6">
+            <a:extLst>
+              <a:ext uri="{FF2B5EF4-FFF2-40B4-BE49-F238E27FC236}">
+                <a16:creationId xmlns:a16="http://schemas.microsoft.com/office/drawing/2014/main" id="{79EB4626-023C-436D-9F57-9EB46080909D}"/>
+              </a:ext>
+              <a:ext uri="{C183D7F6-B498-43B3-948B-1728B52AA6E4}">
+                <adec:decorative xmlns="" xmlns:adec="http://schemas.microsoft.com/office/drawing/2017/decorative" val="1"/>
+              </a:ext>
+            </a:extLst>
+          </p:cNvPr>
+          <p:cNvSpPr>
+            <a:spLocks noGrp="1" noRot="1" noChangeAspect="1" noMove="1" noResize="1" noEditPoints="1" noAdjustHandles="1" noChangeArrowheads="1" noChangeShapeType="1" noTextEdit="1"/>
+          </p:cNvSpPr>
+          <p:nvPr>
+            <p:extLst>
+              <p:ext uri="{386F3935-93C4-4BCD-93E2-E3B085C9AB24}">
+                <p16:designElem xmlns:p16="http://schemas.microsoft.com/office/powerpoint/2015/main" val="1"/>
+              </p:ext>
+            </p:extLst>
+          </p:nvPr>
+        </p:nvSpPr>
+        <p:spPr>
+          <a:xfrm flipV="1">
+            <a:off x="838200" y="720953"/>
+            <a:ext cx="10515600" cy="5416094"/>
+          </a:xfrm>
+          <a:custGeom>
+            <a:avLst/>
+            <a:gdLst>
+              <a:gd name="connsiteX0" fmla="*/ 0 w 10515600"/>
+              <a:gd name="connsiteY0" fmla="*/ 902700 h 5416094"/>
+              <a:gd name="connsiteX1" fmla="*/ 902700 w 10515600"/>
+              <a:gd name="connsiteY1" fmla="*/ 0 h 5416094"/>
+              <a:gd name="connsiteX2" fmla="*/ 1746919 w 10515600"/>
+              <a:gd name="connsiteY2" fmla="*/ 0 h 5416094"/>
+              <a:gd name="connsiteX3" fmla="*/ 2329833 w 10515600"/>
+              <a:gd name="connsiteY3" fmla="*/ 0 h 5416094"/>
+              <a:gd name="connsiteX4" fmla="*/ 2825644 w 10515600"/>
+              <a:gd name="connsiteY4" fmla="*/ 0 h 5416094"/>
+              <a:gd name="connsiteX5" fmla="*/ 3582762 w 10515600"/>
+              <a:gd name="connsiteY5" fmla="*/ 0 h 5416094"/>
+              <a:gd name="connsiteX6" fmla="*/ 4165675 w 10515600"/>
+              <a:gd name="connsiteY6" fmla="*/ 0 h 5416094"/>
+              <a:gd name="connsiteX7" fmla="*/ 5009894 w 10515600"/>
+              <a:gd name="connsiteY7" fmla="*/ 0 h 5416094"/>
+              <a:gd name="connsiteX8" fmla="*/ 5505706 w 10515600"/>
+              <a:gd name="connsiteY8" fmla="*/ 0 h 5416094"/>
+              <a:gd name="connsiteX9" fmla="*/ 6349925 w 10515600"/>
+              <a:gd name="connsiteY9" fmla="*/ 0 h 5416094"/>
+              <a:gd name="connsiteX10" fmla="*/ 6758634 w 10515600"/>
+              <a:gd name="connsiteY10" fmla="*/ 0 h 5416094"/>
+              <a:gd name="connsiteX11" fmla="*/ 7428650 w 10515600"/>
+              <a:gd name="connsiteY11" fmla="*/ 0 h 5416094"/>
+              <a:gd name="connsiteX12" fmla="*/ 8098665 w 10515600"/>
+              <a:gd name="connsiteY12" fmla="*/ 0 h 5416094"/>
+              <a:gd name="connsiteX13" fmla="*/ 8681579 w 10515600"/>
+              <a:gd name="connsiteY13" fmla="*/ 0 h 5416094"/>
+              <a:gd name="connsiteX14" fmla="*/ 9612900 w 10515600"/>
+              <a:gd name="connsiteY14" fmla="*/ 0 h 5416094"/>
+              <a:gd name="connsiteX15" fmla="*/ 10515600 w 10515600"/>
+              <a:gd name="connsiteY15" fmla="*/ 902700 h 5416094"/>
+              <a:gd name="connsiteX16" fmla="*/ 10515600 w 10515600"/>
+              <a:gd name="connsiteY16" fmla="*/ 1504482 h 5416094"/>
+              <a:gd name="connsiteX17" fmla="*/ 10515600 w 10515600"/>
+              <a:gd name="connsiteY17" fmla="*/ 2178479 h 5416094"/>
+              <a:gd name="connsiteX18" fmla="*/ 10515600 w 10515600"/>
+              <a:gd name="connsiteY18" fmla="*/ 2780261 h 5416094"/>
+              <a:gd name="connsiteX19" fmla="*/ 10515600 w 10515600"/>
+              <a:gd name="connsiteY19" fmla="*/ 3273722 h 5416094"/>
+              <a:gd name="connsiteX20" fmla="*/ 10515600 w 10515600"/>
+              <a:gd name="connsiteY20" fmla="*/ 3803291 h 5416094"/>
+              <a:gd name="connsiteX21" fmla="*/ 10515600 w 10515600"/>
+              <a:gd name="connsiteY21" fmla="*/ 4513394 h 5416094"/>
+              <a:gd name="connsiteX22" fmla="*/ 9612900 w 10515600"/>
+              <a:gd name="connsiteY22" fmla="*/ 5416094 h 5416094"/>
+              <a:gd name="connsiteX23" fmla="*/ 9117089 w 10515600"/>
+              <a:gd name="connsiteY23" fmla="*/ 5416094 h 5416094"/>
+              <a:gd name="connsiteX24" fmla="*/ 8708379 w 10515600"/>
+              <a:gd name="connsiteY24" fmla="*/ 5416094 h 5416094"/>
+              <a:gd name="connsiteX25" fmla="*/ 8299670 w 10515600"/>
+              <a:gd name="connsiteY25" fmla="*/ 5416094 h 5416094"/>
+              <a:gd name="connsiteX26" fmla="*/ 7629654 w 10515600"/>
+              <a:gd name="connsiteY26" fmla="*/ 5416094 h 5416094"/>
+              <a:gd name="connsiteX27" fmla="*/ 7133843 w 10515600"/>
+              <a:gd name="connsiteY27" fmla="*/ 5416094 h 5416094"/>
+              <a:gd name="connsiteX28" fmla="*/ 6376726 w 10515600"/>
+              <a:gd name="connsiteY28" fmla="*/ 5416094 h 5416094"/>
+              <a:gd name="connsiteX29" fmla="*/ 5880914 w 10515600"/>
+              <a:gd name="connsiteY29" fmla="*/ 5416094 h 5416094"/>
+              <a:gd name="connsiteX30" fmla="*/ 5123797 w 10515600"/>
+              <a:gd name="connsiteY30" fmla="*/ 5416094 h 5416094"/>
+              <a:gd name="connsiteX31" fmla="*/ 4715088 w 10515600"/>
+              <a:gd name="connsiteY31" fmla="*/ 5416094 h 5416094"/>
+              <a:gd name="connsiteX32" fmla="*/ 3957970 w 10515600"/>
+              <a:gd name="connsiteY32" fmla="*/ 5416094 h 5416094"/>
+              <a:gd name="connsiteX33" fmla="*/ 3462159 w 10515600"/>
+              <a:gd name="connsiteY33" fmla="*/ 5416094 h 5416094"/>
+              <a:gd name="connsiteX34" fmla="*/ 3053449 w 10515600"/>
+              <a:gd name="connsiteY34" fmla="*/ 5416094 h 5416094"/>
+              <a:gd name="connsiteX35" fmla="*/ 2557638 w 10515600"/>
+              <a:gd name="connsiteY35" fmla="*/ 5416094 h 5416094"/>
+              <a:gd name="connsiteX36" fmla="*/ 1800521 w 10515600"/>
+              <a:gd name="connsiteY36" fmla="*/ 5416094 h 5416094"/>
+              <a:gd name="connsiteX37" fmla="*/ 902700 w 10515600"/>
+              <a:gd name="connsiteY37" fmla="*/ 5416094 h 5416094"/>
+              <a:gd name="connsiteX38" fmla="*/ 0 w 10515600"/>
+              <a:gd name="connsiteY38" fmla="*/ 4513394 h 5416094"/>
+              <a:gd name="connsiteX39" fmla="*/ 0 w 10515600"/>
+              <a:gd name="connsiteY39" fmla="*/ 3911612 h 5416094"/>
+              <a:gd name="connsiteX40" fmla="*/ 0 w 10515600"/>
+              <a:gd name="connsiteY40" fmla="*/ 3309829 h 5416094"/>
+              <a:gd name="connsiteX41" fmla="*/ 0 w 10515600"/>
+              <a:gd name="connsiteY41" fmla="*/ 2780261 h 5416094"/>
+              <a:gd name="connsiteX42" fmla="*/ 0 w 10515600"/>
+              <a:gd name="connsiteY42" fmla="*/ 2106265 h 5416094"/>
+              <a:gd name="connsiteX43" fmla="*/ 0 w 10515600"/>
+              <a:gd name="connsiteY43" fmla="*/ 1504482 h 5416094"/>
+              <a:gd name="connsiteX44" fmla="*/ 0 w 10515600"/>
+              <a:gd name="connsiteY44" fmla="*/ 902700 h 5416094"/>
+            </a:gdLst>
+            <a:ahLst/>
+            <a:cxnLst>
+              <a:cxn ang="0">
+                <a:pos x="connsiteX0" y="connsiteY0"/>
+              </a:cxn>
+              <a:cxn ang="0">
+                <a:pos x="connsiteX1" y="connsiteY1"/>
+              </a:cxn>
+              <a:cxn ang="0">
+                <a:pos x="connsiteX2" y="connsiteY2"/>
+              </a:cxn>
+              <a:cxn ang="0">
+                <a:pos x="connsiteX3" y="connsiteY3"/>
+              </a:cxn>
+              <a:cxn ang="0">
+                <a:pos x="connsiteX4" y="connsiteY4"/>
+              </a:cxn>
+              <a:cxn ang="0">
+                <a:pos x="connsiteX5" y="connsiteY5"/>
+              </a:cxn>
+              <a:cxn ang="0">
+                <a:pos x="connsiteX6" y="connsiteY6"/>
+              </a:cxn>
+              <a:cxn ang="0">
+                <a:pos x="connsiteX7" y="connsiteY7"/>
+              </a:cxn>
+              <a:cxn ang="0">
+                <a:pos x="connsiteX8" y="connsiteY8"/>
+              </a:cxn>
+              <a:cxn ang="0">
+                <a:pos x="connsiteX9" y="connsiteY9"/>
+              </a:cxn>
+              <a:cxn ang="0">
+                <a:pos x="connsiteX10" y="connsiteY10"/>
+              </a:cxn>
+              <a:cxn ang="0">
+                <a:pos x="connsiteX11" y="connsiteY11"/>
+              </a:cxn>
+              <a:cxn ang="0">
+                <a:pos x="connsiteX12" y="connsiteY12"/>
+              </a:cxn>
+              <a:cxn ang="0">
+                <a:pos x="connsiteX13" y="connsiteY13"/>
+              </a:cxn>
+              <a:cxn ang="0">
+                <a:pos x="connsiteX14" y="connsiteY14"/>
+              </a:cxn>
+              <a:cxn ang="0">
+                <a:pos x="connsiteX15" y="connsiteY15"/>
+              </a:cxn>
+              <a:cxn ang="0">
+                <a:pos x="connsiteX16" y="connsiteY16"/>
+              </a:cxn>
+              <a:cxn ang="0">
+                <a:pos x="connsiteX17" y="connsiteY17"/>
+              </a:cxn>
+              <a:cxn ang="0">
+                <a:pos x="connsiteX18" y="connsiteY18"/>
+              </a:cxn>
+              <a:cxn ang="0">
+                <a:pos x="connsiteX19" y="connsiteY19"/>
+              </a:cxn>
+              <a:cxn ang="0">
+                <a:pos x="connsiteX20" y="connsiteY20"/>
+              </a:cxn>
+              <a:cxn ang="0">
+                <a:pos x="connsiteX21" y="connsiteY21"/>
+              </a:cxn>
+              <a:cxn ang="0">
+                <a:pos x="connsiteX22" y="connsiteY22"/>
+              </a:cxn>
+              <a:cxn ang="0">
+                <a:pos x="connsiteX23" y="connsiteY23"/>
+              </a:cxn>
+              <a:cxn ang="0">
+                <a:pos x="connsiteX24" y="connsiteY24"/>
+              </a:cxn>
+              <a:cxn ang="0">
+                <a:pos x="connsiteX25" y="connsiteY25"/>
+              </a:cxn>
+              <a:cxn ang="0">
+                <a:pos x="connsiteX26" y="connsiteY26"/>
+              </a:cxn>
+              <a:cxn ang="0">
+                <a:pos x="connsiteX27" y="connsiteY27"/>
+              </a:cxn>
+              <a:cxn ang="0">
+                <a:pos x="connsiteX28" y="connsiteY28"/>
+              </a:cxn>
+              <a:cxn ang="0">
+                <a:pos x="connsiteX29" y="connsiteY29"/>
+              </a:cxn>
+              <a:cxn ang="0">
+                <a:pos x="connsiteX30" y="connsiteY30"/>
+              </a:cxn>
+              <a:cxn ang="0">
+                <a:pos x="connsiteX31" y="connsiteY31"/>
+              </a:cxn>
+              <a:cxn ang="0">
+                <a:pos x="connsiteX32" y="connsiteY32"/>
+              </a:cxn>
+              <a:cxn ang="0">
+                <a:pos x="connsiteX33" y="connsiteY33"/>
+              </a:cxn>
+              <a:cxn ang="0">
+                <a:pos x="connsiteX34" y="connsiteY34"/>
+              </a:cxn>
+              <a:cxn ang="0">
+                <a:pos x="connsiteX35" y="connsiteY35"/>
+              </a:cxn>
+              <a:cxn ang="0">
+                <a:pos x="connsiteX36" y="connsiteY36"/>
+              </a:cxn>
+              <a:cxn ang="0">
+                <a:pos x="connsiteX37" y="connsiteY37"/>
+              </a:cxn>
+              <a:cxn ang="0">
+                <a:pos x="connsiteX38" y="connsiteY38"/>
+              </a:cxn>
+              <a:cxn ang="0">
+                <a:pos x="connsiteX39" y="connsiteY39"/>
+              </a:cxn>
+              <a:cxn ang="0">
+                <a:pos x="connsiteX40" y="connsiteY40"/>
+              </a:cxn>
+              <a:cxn ang="0">
+                <a:pos x="connsiteX41" y="connsiteY41"/>
+              </a:cxn>
+              <a:cxn ang="0">
+                <a:pos x="connsiteX42" y="connsiteY42"/>
+              </a:cxn>
+              <a:cxn ang="0">
+                <a:pos x="connsiteX43" y="connsiteY43"/>
+              </a:cxn>
+              <a:cxn ang="0">
+                <a:pos x="connsiteX44" y="connsiteY44"/>
+              </a:cxn>
+            </a:cxnLst>
+            <a:rect l="l" t="t" r="r" b="b"/>
+            <a:pathLst>
+              <a:path w="10515600" h="5416094" extrusionOk="0">
+                <a:moveTo>
+                  <a:pt x="0" y="902700"/>
+                </a:moveTo>
+                <a:cubicBezTo>
+                  <a:pt x="-57306" y="368805"/>
+                  <a:pt x="305054" y="37193"/>
+                  <a:pt x="902700" y="0"/>
+                </a:cubicBezTo>
+                <a:cubicBezTo>
+                  <a:pt x="1280419" y="-35006"/>
+                  <a:pt x="1407743" y="-35339"/>
+                  <a:pt x="1746919" y="0"/>
+                </a:cubicBezTo>
+                <a:cubicBezTo>
+                  <a:pt x="2086095" y="35339"/>
+                  <a:pt x="2146539" y="-12333"/>
+                  <a:pt x="2329833" y="0"/>
+                </a:cubicBezTo>
+                <a:cubicBezTo>
+                  <a:pt x="2513127" y="12333"/>
+                  <a:pt x="2706706" y="12952"/>
+                  <a:pt x="2825644" y="0"/>
+                </a:cubicBezTo>
+                <a:cubicBezTo>
+                  <a:pt x="2944582" y="-12952"/>
+                  <a:pt x="3420817" y="-27100"/>
+                  <a:pt x="3582762" y="0"/>
+                </a:cubicBezTo>
+                <a:cubicBezTo>
+                  <a:pt x="3744707" y="27100"/>
+                  <a:pt x="4023584" y="-9167"/>
+                  <a:pt x="4165675" y="0"/>
+                </a:cubicBezTo>
+                <a:cubicBezTo>
+                  <a:pt x="4307766" y="9167"/>
+                  <a:pt x="4770188" y="27031"/>
+                  <a:pt x="5009894" y="0"/>
+                </a:cubicBezTo>
+                <a:cubicBezTo>
+                  <a:pt x="5249600" y="-27031"/>
+                  <a:pt x="5349881" y="-194"/>
+                  <a:pt x="5505706" y="0"/>
+                </a:cubicBezTo>
+                <a:cubicBezTo>
+                  <a:pt x="5661531" y="194"/>
+                  <a:pt x="6129254" y="-29363"/>
+                  <a:pt x="6349925" y="0"/>
+                </a:cubicBezTo>
+                <a:cubicBezTo>
+                  <a:pt x="6570596" y="29363"/>
+                  <a:pt x="6581199" y="-14617"/>
+                  <a:pt x="6758634" y="0"/>
+                </a:cubicBezTo>
+                <a:cubicBezTo>
+                  <a:pt x="6936069" y="14617"/>
+                  <a:pt x="7246491" y="25675"/>
+                  <a:pt x="7428650" y="0"/>
+                </a:cubicBezTo>
+                <a:cubicBezTo>
+                  <a:pt x="7610809" y="-25675"/>
+                  <a:pt x="7825190" y="-17078"/>
+                  <a:pt x="8098665" y="0"/>
+                </a:cubicBezTo>
+                <a:cubicBezTo>
+                  <a:pt x="8372141" y="17078"/>
+                  <a:pt x="8559625" y="-21568"/>
+                  <a:pt x="8681579" y="0"/>
+                </a:cubicBezTo>
+                <a:cubicBezTo>
+                  <a:pt x="8803533" y="21568"/>
+                  <a:pt x="9307226" y="-46066"/>
+                  <a:pt x="9612900" y="0"/>
+                </a:cubicBezTo>
+                <a:cubicBezTo>
+                  <a:pt x="10119954" y="-10560"/>
+                  <a:pt x="10418674" y="366684"/>
+                  <a:pt x="10515600" y="902700"/>
+                </a:cubicBezTo>
+                <a:cubicBezTo>
+                  <a:pt x="10494548" y="1140809"/>
+                  <a:pt x="10524881" y="1252168"/>
+                  <a:pt x="10515600" y="1504482"/>
+                </a:cubicBezTo>
+                <a:cubicBezTo>
+                  <a:pt x="10506319" y="1756796"/>
+                  <a:pt x="10494309" y="1995078"/>
+                  <a:pt x="10515600" y="2178479"/>
+                </a:cubicBezTo>
+                <a:cubicBezTo>
+                  <a:pt x="10536891" y="2361880"/>
+                  <a:pt x="10522845" y="2487483"/>
+                  <a:pt x="10515600" y="2780261"/>
+                </a:cubicBezTo>
+                <a:cubicBezTo>
+                  <a:pt x="10508355" y="3073039"/>
+                  <a:pt x="10533694" y="3138252"/>
+                  <a:pt x="10515600" y="3273722"/>
+                </a:cubicBezTo>
+                <a:cubicBezTo>
+                  <a:pt x="10497506" y="3409192"/>
+                  <a:pt x="10514952" y="3569910"/>
+                  <a:pt x="10515600" y="3803291"/>
+                </a:cubicBezTo>
+                <a:cubicBezTo>
+                  <a:pt x="10516248" y="4036672"/>
+                  <a:pt x="10499126" y="4317688"/>
+                  <a:pt x="10515600" y="4513394"/>
+                </a:cubicBezTo>
+                <a:cubicBezTo>
+                  <a:pt x="10585499" y="4997151"/>
+                  <a:pt x="10115437" y="5453981"/>
+                  <a:pt x="9612900" y="5416094"/>
+                </a:cubicBezTo>
+                <a:cubicBezTo>
+                  <a:pt x="9473271" y="5418358"/>
+                  <a:pt x="9316384" y="5423764"/>
+                  <a:pt x="9117089" y="5416094"/>
+                </a:cubicBezTo>
+                <a:cubicBezTo>
+                  <a:pt x="8917794" y="5408424"/>
+                  <a:pt x="8902141" y="5433256"/>
+                  <a:pt x="8708379" y="5416094"/>
+                </a:cubicBezTo>
+                <a:cubicBezTo>
+                  <a:pt x="8514617" y="5398933"/>
+                  <a:pt x="8454700" y="5422387"/>
+                  <a:pt x="8299670" y="5416094"/>
+                </a:cubicBezTo>
+                <a:cubicBezTo>
+                  <a:pt x="8144640" y="5409801"/>
+                  <a:pt x="7907022" y="5398388"/>
+                  <a:pt x="7629654" y="5416094"/>
+                </a:cubicBezTo>
+                <a:cubicBezTo>
+                  <a:pt x="7352286" y="5433800"/>
+                  <a:pt x="7244777" y="5409877"/>
+                  <a:pt x="7133843" y="5416094"/>
+                </a:cubicBezTo>
+                <a:cubicBezTo>
+                  <a:pt x="7022909" y="5422311"/>
+                  <a:pt x="6748865" y="5379753"/>
+                  <a:pt x="6376726" y="5416094"/>
+                </a:cubicBezTo>
+                <a:cubicBezTo>
+                  <a:pt x="6004587" y="5452435"/>
+                  <a:pt x="5991442" y="5438860"/>
+                  <a:pt x="5880914" y="5416094"/>
+                </a:cubicBezTo>
+                <a:cubicBezTo>
+                  <a:pt x="5770386" y="5393328"/>
+                  <a:pt x="5294303" y="5440618"/>
+                  <a:pt x="5123797" y="5416094"/>
+                </a:cubicBezTo>
+                <a:cubicBezTo>
+                  <a:pt x="4953291" y="5391570"/>
+                  <a:pt x="4828705" y="5430421"/>
+                  <a:pt x="4715088" y="5416094"/>
+                </a:cubicBezTo>
+                <a:cubicBezTo>
+                  <a:pt x="4601471" y="5401767"/>
+                  <a:pt x="4227806" y="5381491"/>
+                  <a:pt x="3957970" y="5416094"/>
+                </a:cubicBezTo>
+                <a:cubicBezTo>
+                  <a:pt x="3688134" y="5450697"/>
+                  <a:pt x="3670638" y="5425309"/>
+                  <a:pt x="3462159" y="5416094"/>
+                </a:cubicBezTo>
+                <a:cubicBezTo>
+                  <a:pt x="3253680" y="5406879"/>
+                  <a:pt x="3167443" y="5432031"/>
+                  <a:pt x="3053449" y="5416094"/>
+                </a:cubicBezTo>
+                <a:cubicBezTo>
+                  <a:pt x="2939455" y="5400158"/>
+                  <a:pt x="2701485" y="5433995"/>
+                  <a:pt x="2557638" y="5416094"/>
+                </a:cubicBezTo>
+                <a:cubicBezTo>
+                  <a:pt x="2413791" y="5398193"/>
+                  <a:pt x="2168647" y="5424510"/>
+                  <a:pt x="1800521" y="5416094"/>
+                </a:cubicBezTo>
+                <a:cubicBezTo>
+                  <a:pt x="1432395" y="5407678"/>
+                  <a:pt x="1261364" y="5454497"/>
+                  <a:pt x="902700" y="5416094"/>
+                </a:cubicBezTo>
+                <a:cubicBezTo>
+                  <a:pt x="519468" y="5419760"/>
+                  <a:pt x="63003" y="5077223"/>
+                  <a:pt x="0" y="4513394"/>
+                </a:cubicBezTo>
+                <a:cubicBezTo>
+                  <a:pt x="-20265" y="4243495"/>
+                  <a:pt x="27650" y="4053844"/>
+                  <a:pt x="0" y="3911612"/>
+                </a:cubicBezTo>
+                <a:cubicBezTo>
+                  <a:pt x="-27650" y="3769380"/>
+                  <a:pt x="24988" y="3469350"/>
+                  <a:pt x="0" y="3309829"/>
+                </a:cubicBezTo>
+                <a:cubicBezTo>
+                  <a:pt x="-24988" y="3150308"/>
+                  <a:pt x="-16973" y="2933511"/>
+                  <a:pt x="0" y="2780261"/>
+                </a:cubicBezTo>
+                <a:cubicBezTo>
+                  <a:pt x="16973" y="2627011"/>
+                  <a:pt x="-11552" y="2315258"/>
+                  <a:pt x="0" y="2106265"/>
+                </a:cubicBezTo>
+                <a:cubicBezTo>
+                  <a:pt x="11552" y="1897272"/>
+                  <a:pt x="-9167" y="1726905"/>
+                  <a:pt x="0" y="1504482"/>
+                </a:cubicBezTo>
+                <a:cubicBezTo>
+                  <a:pt x="9167" y="1282059"/>
+                  <a:pt x="10972" y="1160784"/>
+                  <a:pt x="0" y="902700"/>
+                </a:cubicBezTo>
+                <a:close/>
+              </a:path>
+            </a:pathLst>
+          </a:custGeom>
+          <a:noFill/>
+          <a:ln w="60325" cap="rnd">
+            <a:solidFill>
+              <a:schemeClr val="tx1"/>
+            </a:solidFill>
+            <a:round/>
+            <a:extLst>
+              <a:ext uri="{C807C97D-BFC1-408E-A445-0C87EB9F89A2}">
+                <ask:lineSketchStyleProps xmlns="" xmlns:ask="http://schemas.microsoft.com/office/drawing/2018/sketchyshapes" sd="1219033472">
+                  <a:prstGeom prst="roundRect">
+                    <a:avLst/>
+                  </a:prstGeom>
+                  <ask:type>
+                    <ask:lineSketchFreehand/>
+                  </ask:type>
+                </ask:lineSketchStyleProps>
+              </a:ext>
+            </a:extLst>
+          </a:ln>
+        </p:spPr>
+        <p:style>
+          <a:lnRef idx="2">
+            <a:schemeClr val="accent1">
+              <a:shade val="50000"/>
+            </a:schemeClr>
+          </a:lnRef>
+          <a:fillRef idx="1">
+            <a:schemeClr val="accent1"/>
+          </a:fillRef>
+          <a:effectRef idx="0">
+            <a:schemeClr val="accent1"/>
+          </a:effectRef>
+          <a:fontRef idx="minor">
+            <a:schemeClr val="lt1"/>
+          </a:fontRef>
+        </p:style>
+        <p:txBody>
+          <a:bodyPr rtlCol="0" anchor="ctr"/>
+          <a:lstStyle/>
+          <a:p>
+            <a:pPr algn="ctr"/>
+            <a:endParaRPr lang="en-US"/>
+          </a:p>
+        </p:txBody>
+      </p:sp>
+      <p:sp>
+        <p:nvSpPr>
+          <p:cNvPr id="9" name="Subtítulo 2"/>
+          <p:cNvSpPr txBox="1">
+            <a:spLocks/>
+          </p:cNvSpPr>
+          <p:nvPr/>
+        </p:nvSpPr>
+        <p:spPr>
+          <a:xfrm>
+            <a:off x="1739660" y="1965335"/>
+            <a:ext cx="9144000" cy="1068736"/>
+          </a:xfrm>
+          <a:prstGeom prst="rect">
+            <a:avLst/>
+          </a:prstGeom>
+        </p:spPr>
+        <p:txBody>
+          <a:bodyPr vert="horz" lIns="91440" tIns="45720" rIns="91440" bIns="45720" rtlCol="0">
+            <a:normAutofit/>
+          </a:bodyPr>
+          <a:lstStyle>
+            <a:lvl1pPr marL="0" indent="0" algn="l" defTabSz="914400" rtl="0" eaLnBrk="1" latinLnBrk="0" hangingPunct="1">
+              <a:lnSpc>
+                <a:spcPct val="110000"/>
+              </a:lnSpc>
+              <a:spcBef>
+                <a:spcPts val="1000"/>
+              </a:spcBef>
+              <a:buFont typeface="Arial" panose="020B0604020202020204" pitchFamily="34" charset="0"/>
+              <a:buNone/>
+              <a:defRPr sz="2800" kern="1200">
+                <a:solidFill>
+                  <a:schemeClr val="tx1"/>
+                </a:solidFill>
+                <a:latin typeface="+mn-lt"/>
+                <a:ea typeface="+mn-ea"/>
+                <a:cs typeface="+mn-cs"/>
+              </a:defRPr>
+            </a:lvl1pPr>
+            <a:lvl2pPr marL="457200" indent="0" algn="ctr" defTabSz="914400" rtl="0" eaLnBrk="1" latinLnBrk="0" hangingPunct="1">
+              <a:lnSpc>
+                <a:spcPct val="110000"/>
+              </a:lnSpc>
+              <a:spcBef>
+                <a:spcPts val="500"/>
+              </a:spcBef>
+              <a:buFont typeface="Arial" panose="020B0604020202020204" pitchFamily="34" charset="0"/>
+              <a:buNone/>
+              <a:defRPr sz="2000" kern="1200">
+                <a:solidFill>
+                  <a:schemeClr val="tx1"/>
+                </a:solidFill>
+                <a:latin typeface="+mn-lt"/>
+                <a:ea typeface="+mn-ea"/>
+                <a:cs typeface="+mn-cs"/>
+              </a:defRPr>
+            </a:lvl2pPr>
+            <a:lvl3pPr marL="914400" indent="0" algn="ctr" defTabSz="914400" rtl="0" eaLnBrk="1" latinLnBrk="0" hangingPunct="1">
+              <a:lnSpc>
+                <a:spcPct val="110000"/>
+              </a:lnSpc>
+              <a:spcBef>
+                <a:spcPts val="500"/>
+              </a:spcBef>
+              <a:buFont typeface="Arial" panose="020B0604020202020204" pitchFamily="34" charset="0"/>
+              <a:buNone/>
+              <a:defRPr sz="1800" kern="1200">
+                <a:solidFill>
+                  <a:schemeClr val="tx1"/>
+                </a:solidFill>
+                <a:latin typeface="+mn-lt"/>
+                <a:ea typeface="+mn-ea"/>
+                <a:cs typeface="+mn-cs"/>
+              </a:defRPr>
+            </a:lvl3pPr>
+            <a:lvl4pPr marL="1371600" indent="0" algn="ctr" defTabSz="914400" rtl="0" eaLnBrk="1" latinLnBrk="0" hangingPunct="1">
+              <a:lnSpc>
+                <a:spcPct val="110000"/>
+              </a:lnSpc>
+              <a:spcBef>
+                <a:spcPts val="500"/>
+              </a:spcBef>
+              <a:buFont typeface="Arial" panose="020B0604020202020204" pitchFamily="34" charset="0"/>
+              <a:buNone/>
+              <a:defRPr sz="1600" kern="1200">
+                <a:solidFill>
+                  <a:schemeClr val="tx1"/>
+                </a:solidFill>
+                <a:latin typeface="+mn-lt"/>
+                <a:ea typeface="+mn-ea"/>
+                <a:cs typeface="+mn-cs"/>
+              </a:defRPr>
+            </a:lvl4pPr>
+            <a:lvl5pPr marL="1828800" indent="0" algn="ctr" defTabSz="914400" rtl="0" eaLnBrk="1" latinLnBrk="0" hangingPunct="1">
+              <a:lnSpc>
+                <a:spcPct val="110000"/>
+              </a:lnSpc>
+              <a:spcBef>
+                <a:spcPts val="500"/>
+              </a:spcBef>
+              <a:buFont typeface="Arial" panose="020B0604020202020204" pitchFamily="34" charset="0"/>
+              <a:buNone/>
+              <a:defRPr sz="1600" kern="1200">
+                <a:solidFill>
+                  <a:schemeClr val="tx1"/>
+                </a:solidFill>
+                <a:latin typeface="+mn-lt"/>
+                <a:ea typeface="+mn-ea"/>
+                <a:cs typeface="+mn-cs"/>
+              </a:defRPr>
+            </a:lvl5pPr>
+            <a:lvl6pPr marL="2286000" indent="0" algn="ctr" defTabSz="914400" rtl="0" eaLnBrk="1" latinLnBrk="0" hangingPunct="1">
+              <a:lnSpc>
+                <a:spcPct val="90000"/>
+              </a:lnSpc>
+              <a:spcBef>
+                <a:spcPts val="500"/>
+              </a:spcBef>
+              <a:buFont typeface="Arial" panose="020B0604020202020204" pitchFamily="34" charset="0"/>
+              <a:buNone/>
+              <a:defRPr sz="1600" kern="1200">
+                <a:solidFill>
+                  <a:schemeClr val="tx1"/>
+                </a:solidFill>
+                <a:latin typeface="+mn-lt"/>
+                <a:ea typeface="+mn-ea"/>
+                <a:cs typeface="+mn-cs"/>
+              </a:defRPr>
+            </a:lvl6pPr>
+            <a:lvl7pPr marL="2743200" indent="0" algn="ctr" defTabSz="914400" rtl="0" eaLnBrk="1" latinLnBrk="0" hangingPunct="1">
+              <a:lnSpc>
+                <a:spcPct val="90000"/>
+              </a:lnSpc>
+              <a:spcBef>
+                <a:spcPts val="500"/>
+              </a:spcBef>
+              <a:buFont typeface="Arial" panose="020B0604020202020204" pitchFamily="34" charset="0"/>
+              <a:buNone/>
+              <a:defRPr sz="1600" kern="1200">
+                <a:solidFill>
+                  <a:schemeClr val="tx1"/>
+                </a:solidFill>
+                <a:latin typeface="+mn-lt"/>
+                <a:ea typeface="+mn-ea"/>
+                <a:cs typeface="+mn-cs"/>
+              </a:defRPr>
+            </a:lvl7pPr>
+            <a:lvl8pPr marL="3200400" indent="0" algn="ctr" defTabSz="914400" rtl="0" eaLnBrk="1" latinLnBrk="0" hangingPunct="1">
+              <a:lnSpc>
+                <a:spcPct val="90000"/>
+              </a:lnSpc>
+              <a:spcBef>
+                <a:spcPts val="500"/>
+              </a:spcBef>
+              <a:buFont typeface="Arial" panose="020B0604020202020204" pitchFamily="34" charset="0"/>
+              <a:buNone/>
+              <a:defRPr sz="1600" kern="1200">
+                <a:solidFill>
+                  <a:schemeClr val="tx1"/>
+                </a:solidFill>
+                <a:latin typeface="+mn-lt"/>
+                <a:ea typeface="+mn-ea"/>
+                <a:cs typeface="+mn-cs"/>
+              </a:defRPr>
+            </a:lvl8pPr>
+            <a:lvl9pPr marL="3657600" indent="0" algn="ctr" defTabSz="914400" rtl="0" eaLnBrk="1" latinLnBrk="0" hangingPunct="1">
+              <a:lnSpc>
+                <a:spcPct val="90000"/>
+              </a:lnSpc>
+              <a:spcBef>
+                <a:spcPts val="500"/>
+              </a:spcBef>
+              <a:buFont typeface="Arial" panose="020B0604020202020204" pitchFamily="34" charset="0"/>
+              <a:buNone/>
+              <a:defRPr sz="1600" kern="1200">
+                <a:solidFill>
+                  <a:schemeClr val="tx1"/>
+                </a:solidFill>
+                <a:latin typeface="+mn-lt"/>
+                <a:ea typeface="+mn-ea"/>
+                <a:cs typeface="+mn-cs"/>
+              </a:defRPr>
+            </a:lvl9pPr>
+          </a:lstStyle>
+          <a:p>
+            <a:pPr>
+              <a:lnSpc>
+                <a:spcPct val="100000"/>
+              </a:lnSpc>
+            </a:pPr>
+            <a:r>
+              <a:rPr lang="de-DE" sz="4000" dirty="0" smtClean="0">
+                <a:latin typeface="Batang"/>
+                <a:ea typeface="Batang"/>
+                <a:cs typeface="Calibri"/>
+              </a:rPr>
+              <a:t>Soluções :</a:t>
+            </a:r>
+          </a:p>
+        </p:txBody>
+      </p:sp>
+    </p:spTree>
+    <p:extLst>
+      <p:ext uri="{BB962C8B-B14F-4D97-AF65-F5344CB8AC3E}">
+        <p14:creationId xmlns:p14="http://schemas.microsoft.com/office/powerpoint/2010/main" val="1428558990"/>
+      </p:ext>
+    </p:extLst>
+  </p:cSld>
+  <p:clrMapOvr>
+    <a:overrideClrMapping bg1="dk1" tx1="lt1" bg2="dk2" tx2="lt2" accent1="accent1" accent2="accent2" accent3="accent3" accent4="accent4" accent5="accent5" accent6="accent6" hlink="hlink" folHlink="folHlink"/>
+  </p:clrMapOvr>
+  <mc:AlternateContent xmlns:mc="http://schemas.openxmlformats.org/markup-compatibility/2006" xmlns:p14="http://schemas.microsoft.com/office/powerpoint/2010/main">
+    <mc:Choice Requires="p14">
+      <p:transition spd="slow" p14:dur="2000"/>
+    </mc:Choice>
+    <mc:Fallback xmlns="">
+      <p:transition spd="slow"/>
+    </mc:Fallback>
+  </mc:AlternateContent>
+  <p:timing>
+    <p:tnLst>
+      <p:par>
+        <p:cTn id="1" dur="indefinite" restart="never" nodeType="tmRoot"/>
+      </p:par>
+    </p:tnLst>
+  </p:timing>
+</p:sld>
+</file>
+
+<file path=ppt/slides/slide5.xml><?xml version="1.0" encoding="utf-8"?>
+<p:sld xmlns:a="http://schemas.openxmlformats.org/drawingml/2006/main" xmlns:r="http://schemas.openxmlformats.org/officeDocument/2006/relationships" xmlns:p="http://schemas.openxmlformats.org/presentationml/2006/main" show="0">
+  <p:cSld>
+    <p:bg>
+      <p:bgPr>
+        <a:solidFill>
+          <a:schemeClr val="bg1"/>
+        </a:solidFill>
+        <a:effectLst/>
+      </p:bgPr>
+    </p:bg>
+    <p:spTree>
+      <p:nvGrpSpPr>
+        <p:cNvPr id="1" name=""/>
+        <p:cNvGrpSpPr/>
+        <p:nvPr/>
+      </p:nvGrpSpPr>
+      <p:grpSpPr>
+        <a:xfrm>
+          <a:off x="0" y="0"/>
+          <a:ext cx="0" cy="0"/>
+          <a:chOff x="0" y="0"/>
+          <a:chExt cx="0" cy="0"/>
+        </a:xfrm>
+      </p:grpSpPr>
+      <p:sp useBgFill="1">
+        <p:nvSpPr>
+          <p:cNvPr id="36" name="Rectangle 27">
+            <a:extLst>
+              <a:ext uri="{FF2B5EF4-FFF2-40B4-BE49-F238E27FC236}">
+                <a16:creationId xmlns:a16="http://schemas.microsoft.com/office/drawing/2014/main" id="{AD35AE2F-5E3A-49D9-8DE1-8A333BA4088E}"/>
+              </a:ext>
+              <a:ext uri="{C183D7F6-B498-43B3-948B-1728B52AA6E4}">
+                <adec:decorative xmlns="" xmlns:adec="http://schemas.microsoft.com/office/drawing/2017/decorative" val="1"/>
               </a:ext>
             </a:extLst>
           </p:cNvPr>
@@ -2563,7 +7734,7 @@
                 <a16:creationId xmlns:a16="http://schemas.microsoft.com/office/drawing/2014/main" id="{04D8AD8F-EF7F-481F-B99A-B8513897050A}"/>
               </a:ext>
               <a:ext uri="{C183D7F6-B498-43B3-948B-1728B52AA6E4}">
-                <adec:decorative xmlns:adec="http://schemas.microsoft.com/office/drawing/2017/decorative" val="1"/>
+                <adec:decorative xmlns="" xmlns:adec="http://schemas.microsoft.com/office/drawing/2017/decorative" val="1"/>
               </a:ext>
             </a:extLst>
           </p:cNvPr>
@@ -2861,7 +8032,7 @@
             <a:round/>
             <a:extLst>
               <a:ext uri="{C807C97D-BFC1-408E-A445-0C87EB9F89A2}">
-                <ask:lineSketchStyleProps xmlns:ask="http://schemas.microsoft.com/office/drawing/2018/sketchyshapes" sd="1219033472">
+                <ask:lineSketchStyleProps xmlns="" xmlns:ask="http://schemas.microsoft.com/office/drawing/2018/sketchyshapes" sd="1219033472">
                   <a:prstGeom prst="rect">
                     <a:avLst/>
                   </a:prstGeom>
@@ -2906,7 +8077,7 @@
                 <a16:creationId xmlns:a16="http://schemas.microsoft.com/office/drawing/2014/main" id="{79EB4626-023C-436D-9F57-9EB46080909D}"/>
               </a:ext>
               <a:ext uri="{C183D7F6-B498-43B3-948B-1728B52AA6E4}">
-                <adec:decorative xmlns:adec="http://schemas.microsoft.com/office/drawing/2017/decorative" val="1"/>
+                <adec:decorative xmlns="" xmlns:adec="http://schemas.microsoft.com/office/drawing/2017/decorative" val="1"/>
               </a:ext>
             </a:extLst>
           </p:cNvPr>
@@ -3396,7 +8567,7 @@
             <a:round/>
             <a:extLst>
               <a:ext uri="{C807C97D-BFC1-408E-A445-0C87EB9F89A2}">
-                <ask:lineSketchStyleProps xmlns:ask="http://schemas.microsoft.com/office/drawing/2018/sketchyshapes" sd="1219033472">
+                <ask:lineSketchStyleProps xmlns="" xmlns:ask="http://schemas.microsoft.com/office/drawing/2018/sketchyshapes" sd="1219033472">
                   <a:prstGeom prst="roundRect">
                     <a:avLst/>
                   </a:prstGeom>
@@ -3443,10 +8614,25 @@
   <p:clrMapOvr>
     <a:overrideClrMapping bg1="dk1" tx1="lt1" bg2="dk2" tx2="lt2" accent1="accent1" accent2="accent2" accent3="accent3" accent4="accent4" accent5="accent5" accent6="accent6" hlink="hlink" folHlink="folHlink"/>
   </p:clrMapOvr>
+  <mc:AlternateContent xmlns:mc="http://schemas.openxmlformats.org/markup-compatibility/2006" xmlns:p14="http://schemas.microsoft.com/office/powerpoint/2010/main">
+    <mc:Choice Requires="p14">
+      <p:transition spd="slow" p14:dur="2000"/>
+    </mc:Choice>
+    <mc:Fallback xmlns="">
+      <p:transition spd="slow"/>
+    </mc:Fallback>
+  </mc:AlternateContent>
+  <p:timing>
+    <p:tnLst>
+      <p:par>
+        <p:cTn id="1" dur="indefinite" restart="never" nodeType="tmRoot"/>
+      </p:par>
+    </p:tnLst>
+  </p:timing>
 </p:sld>
 </file>
 
-<file path=ppt/slides/slide3.xml><?xml version="1.0" encoding="utf-8"?>
+<file path=ppt/slides/slide6.xml><?xml version="1.0" encoding="utf-8"?>
 <p:sld xmlns:a="http://schemas.openxmlformats.org/drawingml/2006/main" xmlns:r="http://schemas.openxmlformats.org/officeDocument/2006/relationships" xmlns:p="http://schemas.openxmlformats.org/presentationml/2006/main" show="0">
   <p:cSld>
     <p:bg>
@@ -3479,7 +8665,7 @@
                 <a16:creationId xmlns:a16="http://schemas.microsoft.com/office/drawing/2014/main" id="{AD35AE2F-5E3A-49D9-8DE1-8A333BA4088E}"/>
               </a:ext>
               <a:ext uri="{C183D7F6-B498-43B3-948B-1728B52AA6E4}">
-                <adec:decorative xmlns:adec="http://schemas.microsoft.com/office/drawing/2017/decorative" val="1"/>
+                <adec:decorative xmlns="" xmlns:adec="http://schemas.microsoft.com/office/drawing/2017/decorative" val="1"/>
               </a:ext>
             </a:extLst>
           </p:cNvPr>
@@ -3624,7 +8810,7 @@
                 <a16:creationId xmlns:a16="http://schemas.microsoft.com/office/drawing/2014/main" id="{04D8AD8F-EF7F-481F-B99A-B8513897050A}"/>
               </a:ext>
               <a:ext uri="{C183D7F6-B498-43B3-948B-1728B52AA6E4}">
-                <adec:decorative xmlns:adec="http://schemas.microsoft.com/office/drawing/2017/decorative" val="1"/>
+                <adec:decorative xmlns="" xmlns:adec="http://schemas.microsoft.com/office/drawing/2017/decorative" val="1"/>
               </a:ext>
             </a:extLst>
           </p:cNvPr>
@@ -3922,7 +9108,7 @@
             <a:round/>
             <a:extLst>
               <a:ext uri="{C807C97D-BFC1-408E-A445-0C87EB9F89A2}">
-                <ask:lineSketchStyleProps xmlns:ask="http://schemas.microsoft.com/office/drawing/2018/sketchyshapes" sd="1219033472">
+                <ask:lineSketchStyleProps xmlns="" xmlns:ask="http://schemas.microsoft.com/office/drawing/2018/sketchyshapes" sd="1219033472">
                   <a:prstGeom prst="rect">
                     <a:avLst/>
                   </a:prstGeom>
@@ -3967,7 +9153,7 @@
                 <a16:creationId xmlns:a16="http://schemas.microsoft.com/office/drawing/2014/main" id="{79EB4626-023C-436D-9F57-9EB46080909D}"/>
               </a:ext>
               <a:ext uri="{C183D7F6-B498-43B3-948B-1728B52AA6E4}">
-                <adec:decorative xmlns:adec="http://schemas.microsoft.com/office/drawing/2017/decorative" val="1"/>
+                <adec:decorative xmlns="" xmlns:adec="http://schemas.microsoft.com/office/drawing/2017/decorative" val="1"/>
               </a:ext>
             </a:extLst>
           </p:cNvPr>
@@ -4457,7 +9643,7 @@
             <a:round/>
             <a:extLst>
               <a:ext uri="{C807C97D-BFC1-408E-A445-0C87EB9F89A2}">
-                <ask:lineSketchStyleProps xmlns:ask="http://schemas.microsoft.com/office/drawing/2018/sketchyshapes" sd="1219033472">
+                <ask:lineSketchStyleProps xmlns="" xmlns:ask="http://schemas.microsoft.com/office/drawing/2018/sketchyshapes" sd="1219033472">
                   <a:prstGeom prst="roundRect">
                     <a:avLst/>
                   </a:prstGeom>
@@ -4504,10 +9690,18 @@
   <p:clrMapOvr>
     <a:overrideClrMapping bg1="dk1" tx1="lt1" bg2="dk2" tx2="lt2" accent1="accent1" accent2="accent2" accent3="accent3" accent4="accent4" accent5="accent5" accent6="accent6" hlink="hlink" folHlink="folHlink"/>
   </p:clrMapOvr>
+  <mc:AlternateContent xmlns:mc="http://schemas.openxmlformats.org/markup-compatibility/2006" xmlns:p14="http://schemas.microsoft.com/office/powerpoint/2010/main">
+    <mc:Choice Requires="p14">
+      <p:transition spd="slow" p14:dur="2000"/>
+    </mc:Choice>
+    <mc:Fallback xmlns="">
+      <p:transition spd="slow"/>
+    </mc:Fallback>
+  </mc:AlternateContent>
 </p:sld>
 </file>
 
-<file path=ppt/slides/slide4.xml><?xml version="1.0" encoding="utf-8"?>
+<file path=ppt/slides/slide7.xml><?xml version="1.0" encoding="utf-8"?>
 <p:sld xmlns:a="http://schemas.openxmlformats.org/drawingml/2006/main" xmlns:r="http://schemas.openxmlformats.org/officeDocument/2006/relationships" xmlns:p="http://schemas.openxmlformats.org/presentationml/2006/main" show="0">
   <p:cSld>
     <p:bg>
@@ -4540,1061 +9734,7 @@
                 <a16:creationId xmlns:a16="http://schemas.microsoft.com/office/drawing/2014/main" id="{AD35AE2F-5E3A-49D9-8DE1-8A333BA4088E}"/>
               </a:ext>
               <a:ext uri="{C183D7F6-B498-43B3-948B-1728B52AA6E4}">
-                <adec:decorative xmlns:adec="http://schemas.microsoft.com/office/drawing/2017/decorative" val="1"/>
-              </a:ext>
-            </a:extLst>
-          </p:cNvPr>
-          <p:cNvSpPr>
-            <a:spLocks noGrp="1" noRot="1" noChangeAspect="1" noMove="1" noResize="1" noEditPoints="1" noAdjustHandles="1" noChangeArrowheads="1" noChangeShapeType="1" noTextEdit="1"/>
-          </p:cNvSpPr>
-          <p:nvPr>
-            <p:extLst>
-              <p:ext uri="{386F3935-93C4-4BCD-93E2-E3B085C9AB24}">
-                <p16:designElem xmlns:p16="http://schemas.microsoft.com/office/powerpoint/2015/main" val="1"/>
-              </p:ext>
-            </p:extLst>
-          </p:nvPr>
-        </p:nvSpPr>
-        <p:spPr>
-          <a:xfrm>
-            <a:off x="0" y="0"/>
-            <a:ext cx="12188952" cy="6858000"/>
-          </a:xfrm>
-          <a:prstGeom prst="rect">
-            <a:avLst/>
-          </a:prstGeom>
-          <a:ln>
-            <a:noFill/>
-          </a:ln>
-        </p:spPr>
-        <p:style>
-          <a:lnRef idx="2">
-            <a:schemeClr val="accent1">
-              <a:shade val="50000"/>
-            </a:schemeClr>
-          </a:lnRef>
-          <a:fillRef idx="1">
-            <a:schemeClr val="accent1"/>
-          </a:fillRef>
-          <a:effectRef idx="0">
-            <a:schemeClr val="accent1"/>
-          </a:effectRef>
-          <a:fontRef idx="minor">
-            <a:schemeClr val="lt1"/>
-          </a:fontRef>
-        </p:style>
-        <p:txBody>
-          <a:bodyPr rtlCol="0" anchor="ctr"/>
-          <a:lstStyle/>
-          <a:p>
-            <a:pPr algn="ctr"/>
-            <a:endParaRPr lang="en-US"/>
-          </a:p>
-        </p:txBody>
-      </p:sp>
-      <p:pic>
-        <p:nvPicPr>
-          <p:cNvPr id="4" name="Imagem 4" descr="Mesa de madeira com flor&#10;&#10;Descrição gerada automaticamente">
-            <a:extLst>
-              <a:ext uri="{FF2B5EF4-FFF2-40B4-BE49-F238E27FC236}">
-                <a16:creationId xmlns:a16="http://schemas.microsoft.com/office/drawing/2014/main" id="{BCDDDE5C-8875-8181-46D1-327F47B007FC}"/>
-              </a:ext>
-            </a:extLst>
-          </p:cNvPr>
-          <p:cNvPicPr>
-            <a:picLocks noChangeAspect="1"/>
-          </p:cNvPicPr>
-          <p:nvPr/>
-        </p:nvPicPr>
-        <p:blipFill rotWithShape="1">
-          <a:blip r:embed="rId2">
-            <a:alphaModFix amt="50000"/>
-          </a:blip>
-          <a:srcRect r="-1" b="15391"/>
-          <a:stretch/>
-        </p:blipFill>
-        <p:spPr>
-          <a:xfrm>
-            <a:off x="-71867" y="10"/>
-            <a:ext cx="12188931" cy="6857990"/>
-          </a:xfrm>
-          <a:prstGeom prst="rect">
-            <a:avLst/>
-          </a:prstGeom>
-        </p:spPr>
-      </p:pic>
-      <p:sp>
-        <p:nvSpPr>
-          <p:cNvPr id="2" name="Título 1"/>
-          <p:cNvSpPr>
-            <a:spLocks noGrp="1"/>
-          </p:cNvSpPr>
-          <p:nvPr>
-            <p:ph type="ctrTitle"/>
-          </p:nvPr>
-        </p:nvSpPr>
-        <p:spPr>
-          <a:xfrm>
-            <a:off x="1524000" y="1122363"/>
-            <a:ext cx="9719094" cy="2660674"/>
-          </a:xfrm>
-        </p:spPr>
-        <p:txBody>
-          <a:bodyPr>
-            <a:normAutofit/>
-          </a:bodyPr>
-          <a:lstStyle/>
-          <a:p>
-            <a:pPr algn="ctr"/>
-            <a:r>
-              <a:rPr lang="de-DE" b="1" dirty="0" err="1">
-                <a:latin typeface="Calibri"/>
-                <a:cs typeface="Calibri Light"/>
-              </a:rPr>
-              <a:t>Consultar</a:t>
-            </a:r>
-            <a:r>
-              <a:rPr lang="de-DE" b="1" dirty="0">
-                <a:latin typeface="Calibri"/>
-                <a:cs typeface="Calibri Light"/>
-              </a:rPr>
-              <a:t> </a:t>
-            </a:r>
-            <a:r>
-              <a:rPr lang="de-DE" b="1" dirty="0" err="1">
-                <a:latin typeface="Calibri"/>
-                <a:cs typeface="Calibri Light"/>
-              </a:rPr>
-              <a:t>mesas</a:t>
-            </a:r>
-          </a:p>
-        </p:txBody>
-      </p:sp>
-      <p:sp>
-        <p:nvSpPr>
-          <p:cNvPr id="37" name="Rectangle 6">
-            <a:extLst>
-              <a:ext uri="{FF2B5EF4-FFF2-40B4-BE49-F238E27FC236}">
-                <a16:creationId xmlns:a16="http://schemas.microsoft.com/office/drawing/2014/main" id="{04D8AD8F-EF7F-481F-B99A-B8513897050A}"/>
-              </a:ext>
-              <a:ext uri="{C183D7F6-B498-43B3-948B-1728B52AA6E4}">
-                <adec:decorative xmlns:adec="http://schemas.microsoft.com/office/drawing/2017/decorative" val="1"/>
-              </a:ext>
-            </a:extLst>
-          </p:cNvPr>
-          <p:cNvSpPr>
-            <a:spLocks noGrp="1" noRot="1" noChangeAspect="1" noMove="1" noResize="1" noEditPoints="1" noAdjustHandles="1" noChangeArrowheads="1" noChangeShapeType="1" noTextEdit="1"/>
-          </p:cNvSpPr>
-          <p:nvPr>
-            <p:extLst>
-              <p:ext uri="{386F3935-93C4-4BCD-93E2-E3B085C9AB24}">
-                <p16:designElem xmlns:p16="http://schemas.microsoft.com/office/powerpoint/2015/main" val="1"/>
-              </p:ext>
-            </p:extLst>
-          </p:nvPr>
-        </p:nvSpPr>
-        <p:spPr>
-          <a:xfrm>
-            <a:off x="3974206" y="4419423"/>
-            <a:ext cx="4243589" cy="27432"/>
-          </a:xfrm>
-          <a:custGeom>
-            <a:avLst/>
-            <a:gdLst>
-              <a:gd name="connsiteX0" fmla="*/ 0 w 4243589"/>
-              <a:gd name="connsiteY0" fmla="*/ 0 h 27432"/>
-              <a:gd name="connsiteX1" fmla="*/ 563791 w 4243589"/>
-              <a:gd name="connsiteY1" fmla="*/ 0 h 27432"/>
-              <a:gd name="connsiteX2" fmla="*/ 1042710 w 4243589"/>
-              <a:gd name="connsiteY2" fmla="*/ 0 h 27432"/>
-              <a:gd name="connsiteX3" fmla="*/ 1564066 w 4243589"/>
-              <a:gd name="connsiteY3" fmla="*/ 0 h 27432"/>
-              <a:gd name="connsiteX4" fmla="*/ 2212729 w 4243589"/>
-              <a:gd name="connsiteY4" fmla="*/ 0 h 27432"/>
-              <a:gd name="connsiteX5" fmla="*/ 2776520 w 4243589"/>
-              <a:gd name="connsiteY5" fmla="*/ 0 h 27432"/>
-              <a:gd name="connsiteX6" fmla="*/ 3297875 w 4243589"/>
-              <a:gd name="connsiteY6" fmla="*/ 0 h 27432"/>
-              <a:gd name="connsiteX7" fmla="*/ 4243589 w 4243589"/>
-              <a:gd name="connsiteY7" fmla="*/ 0 h 27432"/>
-              <a:gd name="connsiteX8" fmla="*/ 4243589 w 4243589"/>
-              <a:gd name="connsiteY8" fmla="*/ 27432 h 27432"/>
-              <a:gd name="connsiteX9" fmla="*/ 3637362 w 4243589"/>
-              <a:gd name="connsiteY9" fmla="*/ 27432 h 27432"/>
-              <a:gd name="connsiteX10" fmla="*/ 3116007 w 4243589"/>
-              <a:gd name="connsiteY10" fmla="*/ 27432 h 27432"/>
-              <a:gd name="connsiteX11" fmla="*/ 2424908 w 4243589"/>
-              <a:gd name="connsiteY11" fmla="*/ 27432 h 27432"/>
-              <a:gd name="connsiteX12" fmla="*/ 1861117 w 4243589"/>
-              <a:gd name="connsiteY12" fmla="*/ 27432 h 27432"/>
-              <a:gd name="connsiteX13" fmla="*/ 1382198 w 4243589"/>
-              <a:gd name="connsiteY13" fmla="*/ 27432 h 27432"/>
-              <a:gd name="connsiteX14" fmla="*/ 733535 w 4243589"/>
-              <a:gd name="connsiteY14" fmla="*/ 27432 h 27432"/>
-              <a:gd name="connsiteX15" fmla="*/ 0 w 4243589"/>
-              <a:gd name="connsiteY15" fmla="*/ 27432 h 27432"/>
-              <a:gd name="connsiteX16" fmla="*/ 0 w 4243589"/>
-              <a:gd name="connsiteY16" fmla="*/ 0 h 27432"/>
-            </a:gdLst>
-            <a:ahLst/>
-            <a:cxnLst>
-              <a:cxn ang="0">
-                <a:pos x="connsiteX0" y="connsiteY0"/>
-              </a:cxn>
-              <a:cxn ang="0">
-                <a:pos x="connsiteX1" y="connsiteY1"/>
-              </a:cxn>
-              <a:cxn ang="0">
-                <a:pos x="connsiteX2" y="connsiteY2"/>
-              </a:cxn>
-              <a:cxn ang="0">
-                <a:pos x="connsiteX3" y="connsiteY3"/>
-              </a:cxn>
-              <a:cxn ang="0">
-                <a:pos x="connsiteX4" y="connsiteY4"/>
-              </a:cxn>
-              <a:cxn ang="0">
-                <a:pos x="connsiteX5" y="connsiteY5"/>
-              </a:cxn>
-              <a:cxn ang="0">
-                <a:pos x="connsiteX6" y="connsiteY6"/>
-              </a:cxn>
-              <a:cxn ang="0">
-                <a:pos x="connsiteX7" y="connsiteY7"/>
-              </a:cxn>
-              <a:cxn ang="0">
-                <a:pos x="connsiteX8" y="connsiteY8"/>
-              </a:cxn>
-              <a:cxn ang="0">
-                <a:pos x="connsiteX9" y="connsiteY9"/>
-              </a:cxn>
-              <a:cxn ang="0">
-                <a:pos x="connsiteX10" y="connsiteY10"/>
-              </a:cxn>
-              <a:cxn ang="0">
-                <a:pos x="connsiteX11" y="connsiteY11"/>
-              </a:cxn>
-              <a:cxn ang="0">
-                <a:pos x="connsiteX12" y="connsiteY12"/>
-              </a:cxn>
-              <a:cxn ang="0">
-                <a:pos x="connsiteX13" y="connsiteY13"/>
-              </a:cxn>
-              <a:cxn ang="0">
-                <a:pos x="connsiteX14" y="connsiteY14"/>
-              </a:cxn>
-              <a:cxn ang="0">
-                <a:pos x="connsiteX15" y="connsiteY15"/>
-              </a:cxn>
-              <a:cxn ang="0">
-                <a:pos x="connsiteX16" y="connsiteY16"/>
-              </a:cxn>
-            </a:cxnLst>
-            <a:rect l="l" t="t" r="r" b="b"/>
-            <a:pathLst>
-              <a:path w="4243589" h="27432" fill="none" extrusionOk="0">
-                <a:moveTo>
-                  <a:pt x="0" y="0"/>
-                </a:moveTo>
-                <a:cubicBezTo>
-                  <a:pt x="157351" y="-15653"/>
-                  <a:pt x="378877" y="-5828"/>
-                  <a:pt x="563791" y="0"/>
-                </a:cubicBezTo>
-                <a:cubicBezTo>
-                  <a:pt x="748705" y="5828"/>
-                  <a:pt x="905659" y="-5525"/>
-                  <a:pt x="1042710" y="0"/>
-                </a:cubicBezTo>
-                <a:cubicBezTo>
-                  <a:pt x="1179761" y="5525"/>
-                  <a:pt x="1356845" y="-21288"/>
-                  <a:pt x="1564066" y="0"/>
-                </a:cubicBezTo>
-                <a:cubicBezTo>
-                  <a:pt x="1771287" y="21288"/>
-                  <a:pt x="1912099" y="25135"/>
-                  <a:pt x="2212729" y="0"/>
-                </a:cubicBezTo>
-                <a:cubicBezTo>
-                  <a:pt x="2513359" y="-25135"/>
-                  <a:pt x="2514918" y="-27119"/>
-                  <a:pt x="2776520" y="0"/>
-                </a:cubicBezTo>
-                <a:cubicBezTo>
-                  <a:pt x="3038122" y="27119"/>
-                  <a:pt x="3178771" y="18116"/>
-                  <a:pt x="3297875" y="0"/>
-                </a:cubicBezTo>
-                <a:cubicBezTo>
-                  <a:pt x="3416980" y="-18116"/>
-                  <a:pt x="4012240" y="-40869"/>
-                  <a:pt x="4243589" y="0"/>
-                </a:cubicBezTo>
-                <a:cubicBezTo>
-                  <a:pt x="4242616" y="8304"/>
-                  <a:pt x="4243111" y="21512"/>
-                  <a:pt x="4243589" y="27432"/>
-                </a:cubicBezTo>
-                <a:cubicBezTo>
-                  <a:pt x="4112949" y="6289"/>
-                  <a:pt x="3928037" y="10975"/>
-                  <a:pt x="3637362" y="27432"/>
-                </a:cubicBezTo>
-                <a:cubicBezTo>
-                  <a:pt x="3346687" y="43889"/>
-                  <a:pt x="3254446" y="35813"/>
-                  <a:pt x="3116007" y="27432"/>
-                </a:cubicBezTo>
-                <a:cubicBezTo>
-                  <a:pt x="2977569" y="19051"/>
-                  <a:pt x="2620228" y="38017"/>
-                  <a:pt x="2424908" y="27432"/>
-                </a:cubicBezTo>
-                <a:cubicBezTo>
-                  <a:pt x="2229588" y="16847"/>
-                  <a:pt x="2088287" y="5290"/>
-                  <a:pt x="1861117" y="27432"/>
-                </a:cubicBezTo>
-                <a:cubicBezTo>
-                  <a:pt x="1633947" y="49574"/>
-                  <a:pt x="1502447" y="8273"/>
-                  <a:pt x="1382198" y="27432"/>
-                </a:cubicBezTo>
-                <a:cubicBezTo>
-                  <a:pt x="1261949" y="46591"/>
-                  <a:pt x="1045440" y="37497"/>
-                  <a:pt x="733535" y="27432"/>
-                </a:cubicBezTo>
-                <a:cubicBezTo>
-                  <a:pt x="421630" y="17367"/>
-                  <a:pt x="341257" y="-9215"/>
-                  <a:pt x="0" y="27432"/>
-                </a:cubicBezTo>
-                <a:cubicBezTo>
-                  <a:pt x="-1048" y="14992"/>
-                  <a:pt x="-1120" y="7447"/>
-                  <a:pt x="0" y="0"/>
-                </a:cubicBezTo>
-                <a:close/>
-              </a:path>
-              <a:path w="4243589" h="27432" stroke="0" extrusionOk="0">
-                <a:moveTo>
-                  <a:pt x="0" y="0"/>
-                </a:moveTo>
-                <a:cubicBezTo>
-                  <a:pt x="128164" y="17204"/>
-                  <a:pt x="312653" y="1129"/>
-                  <a:pt x="563791" y="0"/>
-                </a:cubicBezTo>
-                <a:cubicBezTo>
-                  <a:pt x="814929" y="-1129"/>
-                  <a:pt x="837271" y="8503"/>
-                  <a:pt x="1042710" y="0"/>
-                </a:cubicBezTo>
-                <a:cubicBezTo>
-                  <a:pt x="1248149" y="-8503"/>
-                  <a:pt x="1588432" y="-28862"/>
-                  <a:pt x="1733809" y="0"/>
-                </a:cubicBezTo>
-                <a:cubicBezTo>
-                  <a:pt x="1879186" y="28862"/>
-                  <a:pt x="2052815" y="5974"/>
-                  <a:pt x="2297600" y="0"/>
-                </a:cubicBezTo>
-                <a:cubicBezTo>
-                  <a:pt x="2542385" y="-5974"/>
-                  <a:pt x="2699960" y="-23550"/>
-                  <a:pt x="2861391" y="0"/>
-                </a:cubicBezTo>
-                <a:cubicBezTo>
-                  <a:pt x="3022822" y="23550"/>
-                  <a:pt x="3390411" y="25272"/>
-                  <a:pt x="3552490" y="0"/>
-                </a:cubicBezTo>
-                <a:cubicBezTo>
-                  <a:pt x="3714569" y="-25272"/>
-                  <a:pt x="3950585" y="-31327"/>
-                  <a:pt x="4243589" y="0"/>
-                </a:cubicBezTo>
-                <a:cubicBezTo>
-                  <a:pt x="4244074" y="9333"/>
-                  <a:pt x="4244867" y="19699"/>
-                  <a:pt x="4243589" y="27432"/>
-                </a:cubicBezTo>
-                <a:cubicBezTo>
-                  <a:pt x="4130424" y="7904"/>
-                  <a:pt x="3932803" y="51393"/>
-                  <a:pt x="3722234" y="27432"/>
-                </a:cubicBezTo>
-                <a:cubicBezTo>
-                  <a:pt x="3511665" y="3471"/>
-                  <a:pt x="3269903" y="55138"/>
-                  <a:pt x="3116007" y="27432"/>
-                </a:cubicBezTo>
-                <a:cubicBezTo>
-                  <a:pt x="2962111" y="-274"/>
-                  <a:pt x="2744280" y="32368"/>
-                  <a:pt x="2509780" y="27432"/>
-                </a:cubicBezTo>
-                <a:cubicBezTo>
-                  <a:pt x="2275280" y="22496"/>
-                  <a:pt x="2066059" y="52808"/>
-                  <a:pt x="1945989" y="27432"/>
-                </a:cubicBezTo>
-                <a:cubicBezTo>
-                  <a:pt x="1825919" y="2056"/>
-                  <a:pt x="1407329" y="21760"/>
-                  <a:pt x="1254890" y="27432"/>
-                </a:cubicBezTo>
-                <a:cubicBezTo>
-                  <a:pt x="1102451" y="33104"/>
-                  <a:pt x="837950" y="40817"/>
-                  <a:pt x="563791" y="27432"/>
-                </a:cubicBezTo>
-                <a:cubicBezTo>
-                  <a:pt x="289632" y="14047"/>
-                  <a:pt x="132768" y="16249"/>
-                  <a:pt x="0" y="27432"/>
-                </a:cubicBezTo>
-                <a:cubicBezTo>
-                  <a:pt x="211" y="18145"/>
-                  <a:pt x="120" y="6480"/>
-                  <a:pt x="0" y="0"/>
-                </a:cubicBezTo>
-                <a:close/>
-              </a:path>
-            </a:pathLst>
-          </a:custGeom>
-          <a:solidFill>
-            <a:schemeClr val="tx1"/>
-          </a:solidFill>
-          <a:ln w="38100" cap="rnd">
-            <a:solidFill>
-              <a:schemeClr val="tx1"/>
-            </a:solidFill>
-            <a:round/>
-            <a:extLst>
-              <a:ext uri="{C807C97D-BFC1-408E-A445-0C87EB9F89A2}">
-                <ask:lineSketchStyleProps xmlns:ask="http://schemas.microsoft.com/office/drawing/2018/sketchyshapes" sd="1219033472">
-                  <a:prstGeom prst="rect">
-                    <a:avLst/>
-                  </a:prstGeom>
-                  <ask:type>
-                    <ask:lineSketchFreehand/>
-                  </ask:type>
-                </ask:lineSketchStyleProps>
-              </a:ext>
-            </a:extLst>
-          </a:ln>
-        </p:spPr>
-        <p:style>
-          <a:lnRef idx="2">
-            <a:schemeClr val="accent1">
-              <a:shade val="50000"/>
-            </a:schemeClr>
-          </a:lnRef>
-          <a:fillRef idx="1">
-            <a:schemeClr val="accent1"/>
-          </a:fillRef>
-          <a:effectRef idx="0">
-            <a:schemeClr val="accent1"/>
-          </a:effectRef>
-          <a:fontRef idx="minor">
-            <a:schemeClr val="lt1"/>
-          </a:fontRef>
-        </p:style>
-        <p:txBody>
-          <a:bodyPr rtlCol="0" anchor="ctr"/>
-          <a:lstStyle/>
-          <a:p>
-            <a:pPr algn="ctr"/>
-            <a:endParaRPr lang="en-US"/>
-          </a:p>
-        </p:txBody>
-      </p:sp>
-      <p:sp>
-        <p:nvSpPr>
-          <p:cNvPr id="38" name="Rectangle 6">
-            <a:extLst>
-              <a:ext uri="{FF2B5EF4-FFF2-40B4-BE49-F238E27FC236}">
-                <a16:creationId xmlns:a16="http://schemas.microsoft.com/office/drawing/2014/main" id="{79EB4626-023C-436D-9F57-9EB46080909D}"/>
-              </a:ext>
-              <a:ext uri="{C183D7F6-B498-43B3-948B-1728B52AA6E4}">
-                <adec:decorative xmlns:adec="http://schemas.microsoft.com/office/drawing/2017/decorative" val="1"/>
-              </a:ext>
-            </a:extLst>
-          </p:cNvPr>
-          <p:cNvSpPr>
-            <a:spLocks noGrp="1" noRot="1" noChangeAspect="1" noMove="1" noResize="1" noEditPoints="1" noAdjustHandles="1" noChangeArrowheads="1" noChangeShapeType="1" noTextEdit="1"/>
-          </p:cNvSpPr>
-          <p:nvPr>
-            <p:extLst>
-              <p:ext uri="{386F3935-93C4-4BCD-93E2-E3B085C9AB24}">
-                <p16:designElem xmlns:p16="http://schemas.microsoft.com/office/powerpoint/2015/main" val="1"/>
-              </p:ext>
-            </p:extLst>
-          </p:nvPr>
-        </p:nvSpPr>
-        <p:spPr>
-          <a:xfrm flipV="1">
-            <a:off x="838200" y="720953"/>
-            <a:ext cx="10515600" cy="5416094"/>
-          </a:xfrm>
-          <a:custGeom>
-            <a:avLst/>
-            <a:gdLst>
-              <a:gd name="connsiteX0" fmla="*/ 0 w 10515600"/>
-              <a:gd name="connsiteY0" fmla="*/ 902700 h 5416094"/>
-              <a:gd name="connsiteX1" fmla="*/ 902700 w 10515600"/>
-              <a:gd name="connsiteY1" fmla="*/ 0 h 5416094"/>
-              <a:gd name="connsiteX2" fmla="*/ 1746919 w 10515600"/>
-              <a:gd name="connsiteY2" fmla="*/ 0 h 5416094"/>
-              <a:gd name="connsiteX3" fmla="*/ 2329833 w 10515600"/>
-              <a:gd name="connsiteY3" fmla="*/ 0 h 5416094"/>
-              <a:gd name="connsiteX4" fmla="*/ 2825644 w 10515600"/>
-              <a:gd name="connsiteY4" fmla="*/ 0 h 5416094"/>
-              <a:gd name="connsiteX5" fmla="*/ 3582762 w 10515600"/>
-              <a:gd name="connsiteY5" fmla="*/ 0 h 5416094"/>
-              <a:gd name="connsiteX6" fmla="*/ 4165675 w 10515600"/>
-              <a:gd name="connsiteY6" fmla="*/ 0 h 5416094"/>
-              <a:gd name="connsiteX7" fmla="*/ 5009894 w 10515600"/>
-              <a:gd name="connsiteY7" fmla="*/ 0 h 5416094"/>
-              <a:gd name="connsiteX8" fmla="*/ 5505706 w 10515600"/>
-              <a:gd name="connsiteY8" fmla="*/ 0 h 5416094"/>
-              <a:gd name="connsiteX9" fmla="*/ 6349925 w 10515600"/>
-              <a:gd name="connsiteY9" fmla="*/ 0 h 5416094"/>
-              <a:gd name="connsiteX10" fmla="*/ 6758634 w 10515600"/>
-              <a:gd name="connsiteY10" fmla="*/ 0 h 5416094"/>
-              <a:gd name="connsiteX11" fmla="*/ 7428650 w 10515600"/>
-              <a:gd name="connsiteY11" fmla="*/ 0 h 5416094"/>
-              <a:gd name="connsiteX12" fmla="*/ 8098665 w 10515600"/>
-              <a:gd name="connsiteY12" fmla="*/ 0 h 5416094"/>
-              <a:gd name="connsiteX13" fmla="*/ 8681579 w 10515600"/>
-              <a:gd name="connsiteY13" fmla="*/ 0 h 5416094"/>
-              <a:gd name="connsiteX14" fmla="*/ 9612900 w 10515600"/>
-              <a:gd name="connsiteY14" fmla="*/ 0 h 5416094"/>
-              <a:gd name="connsiteX15" fmla="*/ 10515600 w 10515600"/>
-              <a:gd name="connsiteY15" fmla="*/ 902700 h 5416094"/>
-              <a:gd name="connsiteX16" fmla="*/ 10515600 w 10515600"/>
-              <a:gd name="connsiteY16" fmla="*/ 1504482 h 5416094"/>
-              <a:gd name="connsiteX17" fmla="*/ 10515600 w 10515600"/>
-              <a:gd name="connsiteY17" fmla="*/ 2178479 h 5416094"/>
-              <a:gd name="connsiteX18" fmla="*/ 10515600 w 10515600"/>
-              <a:gd name="connsiteY18" fmla="*/ 2780261 h 5416094"/>
-              <a:gd name="connsiteX19" fmla="*/ 10515600 w 10515600"/>
-              <a:gd name="connsiteY19" fmla="*/ 3273722 h 5416094"/>
-              <a:gd name="connsiteX20" fmla="*/ 10515600 w 10515600"/>
-              <a:gd name="connsiteY20" fmla="*/ 3803291 h 5416094"/>
-              <a:gd name="connsiteX21" fmla="*/ 10515600 w 10515600"/>
-              <a:gd name="connsiteY21" fmla="*/ 4513394 h 5416094"/>
-              <a:gd name="connsiteX22" fmla="*/ 9612900 w 10515600"/>
-              <a:gd name="connsiteY22" fmla="*/ 5416094 h 5416094"/>
-              <a:gd name="connsiteX23" fmla="*/ 9117089 w 10515600"/>
-              <a:gd name="connsiteY23" fmla="*/ 5416094 h 5416094"/>
-              <a:gd name="connsiteX24" fmla="*/ 8708379 w 10515600"/>
-              <a:gd name="connsiteY24" fmla="*/ 5416094 h 5416094"/>
-              <a:gd name="connsiteX25" fmla="*/ 8299670 w 10515600"/>
-              <a:gd name="connsiteY25" fmla="*/ 5416094 h 5416094"/>
-              <a:gd name="connsiteX26" fmla="*/ 7629654 w 10515600"/>
-              <a:gd name="connsiteY26" fmla="*/ 5416094 h 5416094"/>
-              <a:gd name="connsiteX27" fmla="*/ 7133843 w 10515600"/>
-              <a:gd name="connsiteY27" fmla="*/ 5416094 h 5416094"/>
-              <a:gd name="connsiteX28" fmla="*/ 6376726 w 10515600"/>
-              <a:gd name="connsiteY28" fmla="*/ 5416094 h 5416094"/>
-              <a:gd name="connsiteX29" fmla="*/ 5880914 w 10515600"/>
-              <a:gd name="connsiteY29" fmla="*/ 5416094 h 5416094"/>
-              <a:gd name="connsiteX30" fmla="*/ 5123797 w 10515600"/>
-              <a:gd name="connsiteY30" fmla="*/ 5416094 h 5416094"/>
-              <a:gd name="connsiteX31" fmla="*/ 4715088 w 10515600"/>
-              <a:gd name="connsiteY31" fmla="*/ 5416094 h 5416094"/>
-              <a:gd name="connsiteX32" fmla="*/ 3957970 w 10515600"/>
-              <a:gd name="connsiteY32" fmla="*/ 5416094 h 5416094"/>
-              <a:gd name="connsiteX33" fmla="*/ 3462159 w 10515600"/>
-              <a:gd name="connsiteY33" fmla="*/ 5416094 h 5416094"/>
-              <a:gd name="connsiteX34" fmla="*/ 3053449 w 10515600"/>
-              <a:gd name="connsiteY34" fmla="*/ 5416094 h 5416094"/>
-              <a:gd name="connsiteX35" fmla="*/ 2557638 w 10515600"/>
-              <a:gd name="connsiteY35" fmla="*/ 5416094 h 5416094"/>
-              <a:gd name="connsiteX36" fmla="*/ 1800521 w 10515600"/>
-              <a:gd name="connsiteY36" fmla="*/ 5416094 h 5416094"/>
-              <a:gd name="connsiteX37" fmla="*/ 902700 w 10515600"/>
-              <a:gd name="connsiteY37" fmla="*/ 5416094 h 5416094"/>
-              <a:gd name="connsiteX38" fmla="*/ 0 w 10515600"/>
-              <a:gd name="connsiteY38" fmla="*/ 4513394 h 5416094"/>
-              <a:gd name="connsiteX39" fmla="*/ 0 w 10515600"/>
-              <a:gd name="connsiteY39" fmla="*/ 3911612 h 5416094"/>
-              <a:gd name="connsiteX40" fmla="*/ 0 w 10515600"/>
-              <a:gd name="connsiteY40" fmla="*/ 3309829 h 5416094"/>
-              <a:gd name="connsiteX41" fmla="*/ 0 w 10515600"/>
-              <a:gd name="connsiteY41" fmla="*/ 2780261 h 5416094"/>
-              <a:gd name="connsiteX42" fmla="*/ 0 w 10515600"/>
-              <a:gd name="connsiteY42" fmla="*/ 2106265 h 5416094"/>
-              <a:gd name="connsiteX43" fmla="*/ 0 w 10515600"/>
-              <a:gd name="connsiteY43" fmla="*/ 1504482 h 5416094"/>
-              <a:gd name="connsiteX44" fmla="*/ 0 w 10515600"/>
-              <a:gd name="connsiteY44" fmla="*/ 902700 h 5416094"/>
-            </a:gdLst>
-            <a:ahLst/>
-            <a:cxnLst>
-              <a:cxn ang="0">
-                <a:pos x="connsiteX0" y="connsiteY0"/>
-              </a:cxn>
-              <a:cxn ang="0">
-                <a:pos x="connsiteX1" y="connsiteY1"/>
-              </a:cxn>
-              <a:cxn ang="0">
-                <a:pos x="connsiteX2" y="connsiteY2"/>
-              </a:cxn>
-              <a:cxn ang="0">
-                <a:pos x="connsiteX3" y="connsiteY3"/>
-              </a:cxn>
-              <a:cxn ang="0">
-                <a:pos x="connsiteX4" y="connsiteY4"/>
-              </a:cxn>
-              <a:cxn ang="0">
-                <a:pos x="connsiteX5" y="connsiteY5"/>
-              </a:cxn>
-              <a:cxn ang="0">
-                <a:pos x="connsiteX6" y="connsiteY6"/>
-              </a:cxn>
-              <a:cxn ang="0">
-                <a:pos x="connsiteX7" y="connsiteY7"/>
-              </a:cxn>
-              <a:cxn ang="0">
-                <a:pos x="connsiteX8" y="connsiteY8"/>
-              </a:cxn>
-              <a:cxn ang="0">
-                <a:pos x="connsiteX9" y="connsiteY9"/>
-              </a:cxn>
-              <a:cxn ang="0">
-                <a:pos x="connsiteX10" y="connsiteY10"/>
-              </a:cxn>
-              <a:cxn ang="0">
-                <a:pos x="connsiteX11" y="connsiteY11"/>
-              </a:cxn>
-              <a:cxn ang="0">
-                <a:pos x="connsiteX12" y="connsiteY12"/>
-              </a:cxn>
-              <a:cxn ang="0">
-                <a:pos x="connsiteX13" y="connsiteY13"/>
-              </a:cxn>
-              <a:cxn ang="0">
-                <a:pos x="connsiteX14" y="connsiteY14"/>
-              </a:cxn>
-              <a:cxn ang="0">
-                <a:pos x="connsiteX15" y="connsiteY15"/>
-              </a:cxn>
-              <a:cxn ang="0">
-                <a:pos x="connsiteX16" y="connsiteY16"/>
-              </a:cxn>
-              <a:cxn ang="0">
-                <a:pos x="connsiteX17" y="connsiteY17"/>
-              </a:cxn>
-              <a:cxn ang="0">
-                <a:pos x="connsiteX18" y="connsiteY18"/>
-              </a:cxn>
-              <a:cxn ang="0">
-                <a:pos x="connsiteX19" y="connsiteY19"/>
-              </a:cxn>
-              <a:cxn ang="0">
-                <a:pos x="connsiteX20" y="connsiteY20"/>
-              </a:cxn>
-              <a:cxn ang="0">
-                <a:pos x="connsiteX21" y="connsiteY21"/>
-              </a:cxn>
-              <a:cxn ang="0">
-                <a:pos x="connsiteX22" y="connsiteY22"/>
-              </a:cxn>
-              <a:cxn ang="0">
-                <a:pos x="connsiteX23" y="connsiteY23"/>
-              </a:cxn>
-              <a:cxn ang="0">
-                <a:pos x="connsiteX24" y="connsiteY24"/>
-              </a:cxn>
-              <a:cxn ang="0">
-                <a:pos x="connsiteX25" y="connsiteY25"/>
-              </a:cxn>
-              <a:cxn ang="0">
-                <a:pos x="connsiteX26" y="connsiteY26"/>
-              </a:cxn>
-              <a:cxn ang="0">
-                <a:pos x="connsiteX27" y="connsiteY27"/>
-              </a:cxn>
-              <a:cxn ang="0">
-                <a:pos x="connsiteX28" y="connsiteY28"/>
-              </a:cxn>
-              <a:cxn ang="0">
-                <a:pos x="connsiteX29" y="connsiteY29"/>
-              </a:cxn>
-              <a:cxn ang="0">
-                <a:pos x="connsiteX30" y="connsiteY30"/>
-              </a:cxn>
-              <a:cxn ang="0">
-                <a:pos x="connsiteX31" y="connsiteY31"/>
-              </a:cxn>
-              <a:cxn ang="0">
-                <a:pos x="connsiteX32" y="connsiteY32"/>
-              </a:cxn>
-              <a:cxn ang="0">
-                <a:pos x="connsiteX33" y="connsiteY33"/>
-              </a:cxn>
-              <a:cxn ang="0">
-                <a:pos x="connsiteX34" y="connsiteY34"/>
-              </a:cxn>
-              <a:cxn ang="0">
-                <a:pos x="connsiteX35" y="connsiteY35"/>
-              </a:cxn>
-              <a:cxn ang="0">
-                <a:pos x="connsiteX36" y="connsiteY36"/>
-              </a:cxn>
-              <a:cxn ang="0">
-                <a:pos x="connsiteX37" y="connsiteY37"/>
-              </a:cxn>
-              <a:cxn ang="0">
-                <a:pos x="connsiteX38" y="connsiteY38"/>
-              </a:cxn>
-              <a:cxn ang="0">
-                <a:pos x="connsiteX39" y="connsiteY39"/>
-              </a:cxn>
-              <a:cxn ang="0">
-                <a:pos x="connsiteX40" y="connsiteY40"/>
-              </a:cxn>
-              <a:cxn ang="0">
-                <a:pos x="connsiteX41" y="connsiteY41"/>
-              </a:cxn>
-              <a:cxn ang="0">
-                <a:pos x="connsiteX42" y="connsiteY42"/>
-              </a:cxn>
-              <a:cxn ang="0">
-                <a:pos x="connsiteX43" y="connsiteY43"/>
-              </a:cxn>
-              <a:cxn ang="0">
-                <a:pos x="connsiteX44" y="connsiteY44"/>
-              </a:cxn>
-            </a:cxnLst>
-            <a:rect l="l" t="t" r="r" b="b"/>
-            <a:pathLst>
-              <a:path w="10515600" h="5416094" extrusionOk="0">
-                <a:moveTo>
-                  <a:pt x="0" y="902700"/>
-                </a:moveTo>
-                <a:cubicBezTo>
-                  <a:pt x="-57306" y="368805"/>
-                  <a:pt x="305054" y="37193"/>
-                  <a:pt x="902700" y="0"/>
-                </a:cubicBezTo>
-                <a:cubicBezTo>
-                  <a:pt x="1280419" y="-35006"/>
-                  <a:pt x="1407743" y="-35339"/>
-                  <a:pt x="1746919" y="0"/>
-                </a:cubicBezTo>
-                <a:cubicBezTo>
-                  <a:pt x="2086095" y="35339"/>
-                  <a:pt x="2146539" y="-12333"/>
-                  <a:pt x="2329833" y="0"/>
-                </a:cubicBezTo>
-                <a:cubicBezTo>
-                  <a:pt x="2513127" y="12333"/>
-                  <a:pt x="2706706" y="12952"/>
-                  <a:pt x="2825644" y="0"/>
-                </a:cubicBezTo>
-                <a:cubicBezTo>
-                  <a:pt x="2944582" y="-12952"/>
-                  <a:pt x="3420817" y="-27100"/>
-                  <a:pt x="3582762" y="0"/>
-                </a:cubicBezTo>
-                <a:cubicBezTo>
-                  <a:pt x="3744707" y="27100"/>
-                  <a:pt x="4023584" y="-9167"/>
-                  <a:pt x="4165675" y="0"/>
-                </a:cubicBezTo>
-                <a:cubicBezTo>
-                  <a:pt x="4307766" y="9167"/>
-                  <a:pt x="4770188" y="27031"/>
-                  <a:pt x="5009894" y="0"/>
-                </a:cubicBezTo>
-                <a:cubicBezTo>
-                  <a:pt x="5249600" y="-27031"/>
-                  <a:pt x="5349881" y="-194"/>
-                  <a:pt x="5505706" y="0"/>
-                </a:cubicBezTo>
-                <a:cubicBezTo>
-                  <a:pt x="5661531" y="194"/>
-                  <a:pt x="6129254" y="-29363"/>
-                  <a:pt x="6349925" y="0"/>
-                </a:cubicBezTo>
-                <a:cubicBezTo>
-                  <a:pt x="6570596" y="29363"/>
-                  <a:pt x="6581199" y="-14617"/>
-                  <a:pt x="6758634" y="0"/>
-                </a:cubicBezTo>
-                <a:cubicBezTo>
-                  <a:pt x="6936069" y="14617"/>
-                  <a:pt x="7246491" y="25675"/>
-                  <a:pt x="7428650" y="0"/>
-                </a:cubicBezTo>
-                <a:cubicBezTo>
-                  <a:pt x="7610809" y="-25675"/>
-                  <a:pt x="7825190" y="-17078"/>
-                  <a:pt x="8098665" y="0"/>
-                </a:cubicBezTo>
-                <a:cubicBezTo>
-                  <a:pt x="8372141" y="17078"/>
-                  <a:pt x="8559625" y="-21568"/>
-                  <a:pt x="8681579" y="0"/>
-                </a:cubicBezTo>
-                <a:cubicBezTo>
-                  <a:pt x="8803533" y="21568"/>
-                  <a:pt x="9307226" y="-46066"/>
-                  <a:pt x="9612900" y="0"/>
-                </a:cubicBezTo>
-                <a:cubicBezTo>
-                  <a:pt x="10119954" y="-10560"/>
-                  <a:pt x="10418674" y="366684"/>
-                  <a:pt x="10515600" y="902700"/>
-                </a:cubicBezTo>
-                <a:cubicBezTo>
-                  <a:pt x="10494548" y="1140809"/>
-                  <a:pt x="10524881" y="1252168"/>
-                  <a:pt x="10515600" y="1504482"/>
-                </a:cubicBezTo>
-                <a:cubicBezTo>
-                  <a:pt x="10506319" y="1756796"/>
-                  <a:pt x="10494309" y="1995078"/>
-                  <a:pt x="10515600" y="2178479"/>
-                </a:cubicBezTo>
-                <a:cubicBezTo>
-                  <a:pt x="10536891" y="2361880"/>
-                  <a:pt x="10522845" y="2487483"/>
-                  <a:pt x="10515600" y="2780261"/>
-                </a:cubicBezTo>
-                <a:cubicBezTo>
-                  <a:pt x="10508355" y="3073039"/>
-                  <a:pt x="10533694" y="3138252"/>
-                  <a:pt x="10515600" y="3273722"/>
-                </a:cubicBezTo>
-                <a:cubicBezTo>
-                  <a:pt x="10497506" y="3409192"/>
-                  <a:pt x="10514952" y="3569910"/>
-                  <a:pt x="10515600" y="3803291"/>
-                </a:cubicBezTo>
-                <a:cubicBezTo>
-                  <a:pt x="10516248" y="4036672"/>
-                  <a:pt x="10499126" y="4317688"/>
-                  <a:pt x="10515600" y="4513394"/>
-                </a:cubicBezTo>
-                <a:cubicBezTo>
-                  <a:pt x="10585499" y="4997151"/>
-                  <a:pt x="10115437" y="5453981"/>
-                  <a:pt x="9612900" y="5416094"/>
-                </a:cubicBezTo>
-                <a:cubicBezTo>
-                  <a:pt x="9473271" y="5418358"/>
-                  <a:pt x="9316384" y="5423764"/>
-                  <a:pt x="9117089" y="5416094"/>
-                </a:cubicBezTo>
-                <a:cubicBezTo>
-                  <a:pt x="8917794" y="5408424"/>
-                  <a:pt x="8902141" y="5433256"/>
-                  <a:pt x="8708379" y="5416094"/>
-                </a:cubicBezTo>
-                <a:cubicBezTo>
-                  <a:pt x="8514617" y="5398933"/>
-                  <a:pt x="8454700" y="5422387"/>
-                  <a:pt x="8299670" y="5416094"/>
-                </a:cubicBezTo>
-                <a:cubicBezTo>
-                  <a:pt x="8144640" y="5409801"/>
-                  <a:pt x="7907022" y="5398388"/>
-                  <a:pt x="7629654" y="5416094"/>
-                </a:cubicBezTo>
-                <a:cubicBezTo>
-                  <a:pt x="7352286" y="5433800"/>
-                  <a:pt x="7244777" y="5409877"/>
-                  <a:pt x="7133843" y="5416094"/>
-                </a:cubicBezTo>
-                <a:cubicBezTo>
-                  <a:pt x="7022909" y="5422311"/>
-                  <a:pt x="6748865" y="5379753"/>
-                  <a:pt x="6376726" y="5416094"/>
-                </a:cubicBezTo>
-                <a:cubicBezTo>
-                  <a:pt x="6004587" y="5452435"/>
-                  <a:pt x="5991442" y="5438860"/>
-                  <a:pt x="5880914" y="5416094"/>
-                </a:cubicBezTo>
-                <a:cubicBezTo>
-                  <a:pt x="5770386" y="5393328"/>
-                  <a:pt x="5294303" y="5440618"/>
-                  <a:pt x="5123797" y="5416094"/>
-                </a:cubicBezTo>
-                <a:cubicBezTo>
-                  <a:pt x="4953291" y="5391570"/>
-                  <a:pt x="4828705" y="5430421"/>
-                  <a:pt x="4715088" y="5416094"/>
-                </a:cubicBezTo>
-                <a:cubicBezTo>
-                  <a:pt x="4601471" y="5401767"/>
-                  <a:pt x="4227806" y="5381491"/>
-                  <a:pt x="3957970" y="5416094"/>
-                </a:cubicBezTo>
-                <a:cubicBezTo>
-                  <a:pt x="3688134" y="5450697"/>
-                  <a:pt x="3670638" y="5425309"/>
-                  <a:pt x="3462159" y="5416094"/>
-                </a:cubicBezTo>
-                <a:cubicBezTo>
-                  <a:pt x="3253680" y="5406879"/>
-                  <a:pt x="3167443" y="5432031"/>
-                  <a:pt x="3053449" y="5416094"/>
-                </a:cubicBezTo>
-                <a:cubicBezTo>
-                  <a:pt x="2939455" y="5400158"/>
-                  <a:pt x="2701485" y="5433995"/>
-                  <a:pt x="2557638" y="5416094"/>
-                </a:cubicBezTo>
-                <a:cubicBezTo>
-                  <a:pt x="2413791" y="5398193"/>
-                  <a:pt x="2168647" y="5424510"/>
-                  <a:pt x="1800521" y="5416094"/>
-                </a:cubicBezTo>
-                <a:cubicBezTo>
-                  <a:pt x="1432395" y="5407678"/>
-                  <a:pt x="1261364" y="5454497"/>
-                  <a:pt x="902700" y="5416094"/>
-                </a:cubicBezTo>
-                <a:cubicBezTo>
-                  <a:pt x="519468" y="5419760"/>
-                  <a:pt x="63003" y="5077223"/>
-                  <a:pt x="0" y="4513394"/>
-                </a:cubicBezTo>
-                <a:cubicBezTo>
-                  <a:pt x="-20265" y="4243495"/>
-                  <a:pt x="27650" y="4053844"/>
-                  <a:pt x="0" y="3911612"/>
-                </a:cubicBezTo>
-                <a:cubicBezTo>
-                  <a:pt x="-27650" y="3769380"/>
-                  <a:pt x="24988" y="3469350"/>
-                  <a:pt x="0" y="3309829"/>
-                </a:cubicBezTo>
-                <a:cubicBezTo>
-                  <a:pt x="-24988" y="3150308"/>
-                  <a:pt x="-16973" y="2933511"/>
-                  <a:pt x="0" y="2780261"/>
-                </a:cubicBezTo>
-                <a:cubicBezTo>
-                  <a:pt x="16973" y="2627011"/>
-                  <a:pt x="-11552" y="2315258"/>
-                  <a:pt x="0" y="2106265"/>
-                </a:cubicBezTo>
-                <a:cubicBezTo>
-                  <a:pt x="11552" y="1897272"/>
-                  <a:pt x="-9167" y="1726905"/>
-                  <a:pt x="0" y="1504482"/>
-                </a:cubicBezTo>
-                <a:cubicBezTo>
-                  <a:pt x="9167" y="1282059"/>
-                  <a:pt x="10972" y="1160784"/>
-                  <a:pt x="0" y="902700"/>
-                </a:cubicBezTo>
-                <a:close/>
-              </a:path>
-            </a:pathLst>
-          </a:custGeom>
-          <a:noFill/>
-          <a:ln w="60325" cap="rnd">
-            <a:solidFill>
-              <a:schemeClr val="tx1"/>
-            </a:solidFill>
-            <a:round/>
-            <a:extLst>
-              <a:ext uri="{C807C97D-BFC1-408E-A445-0C87EB9F89A2}">
-                <ask:lineSketchStyleProps xmlns:ask="http://schemas.microsoft.com/office/drawing/2018/sketchyshapes" sd="1219033472">
-                  <a:prstGeom prst="roundRect">
-                    <a:avLst/>
-                  </a:prstGeom>
-                  <ask:type>
-                    <ask:lineSketchFreehand/>
-                  </ask:type>
-                </ask:lineSketchStyleProps>
-              </a:ext>
-            </a:extLst>
-          </a:ln>
-        </p:spPr>
-        <p:style>
-          <a:lnRef idx="2">
-            <a:schemeClr val="accent1">
-              <a:shade val="50000"/>
-            </a:schemeClr>
-          </a:lnRef>
-          <a:fillRef idx="1">
-            <a:schemeClr val="accent1"/>
-          </a:fillRef>
-          <a:effectRef idx="0">
-            <a:schemeClr val="accent1"/>
-          </a:effectRef>
-          <a:fontRef idx="minor">
-            <a:schemeClr val="lt1"/>
-          </a:fontRef>
-        </p:style>
-        <p:txBody>
-          <a:bodyPr rtlCol="0" anchor="ctr"/>
-          <a:lstStyle/>
-          <a:p>
-            <a:pPr algn="ctr"/>
-            <a:endParaRPr lang="en-US"/>
-          </a:p>
-        </p:txBody>
-      </p:sp>
-    </p:spTree>
-    <p:extLst>
-      <p:ext uri="{BB962C8B-B14F-4D97-AF65-F5344CB8AC3E}">
-        <p14:creationId xmlns:p14="http://schemas.microsoft.com/office/powerpoint/2010/main" val="3068555938"/>
-      </p:ext>
-    </p:extLst>
-  </p:cSld>
-  <p:clrMapOvr>
-    <a:overrideClrMapping bg1="dk1" tx1="lt1" bg2="dk2" tx2="lt2" accent1="accent1" accent2="accent2" accent3="accent3" accent4="accent4" accent5="accent5" accent6="accent6" hlink="hlink" folHlink="folHlink"/>
-  </p:clrMapOvr>
-</p:sld>
-</file>
-
-<file path=ppt/slides/slide5.xml><?xml version="1.0" encoding="utf-8"?>
-<p:sld xmlns:a="http://schemas.openxmlformats.org/drawingml/2006/main" xmlns:r="http://schemas.openxmlformats.org/officeDocument/2006/relationships" xmlns:p="http://schemas.openxmlformats.org/presentationml/2006/main" show="0">
-  <p:cSld>
-    <p:bg>
-      <p:bgPr>
-        <a:solidFill>
-          <a:schemeClr val="bg1"/>
-        </a:solidFill>
-        <a:effectLst/>
-      </p:bgPr>
-    </p:bg>
-    <p:spTree>
-      <p:nvGrpSpPr>
-        <p:cNvPr id="1" name=""/>
-        <p:cNvGrpSpPr/>
-        <p:nvPr/>
-      </p:nvGrpSpPr>
-      <p:grpSpPr>
-        <a:xfrm>
-          <a:off x="0" y="0"/>
-          <a:ext cx="0" cy="0"/>
-          <a:chOff x="0" y="0"/>
-          <a:chExt cx="0" cy="0"/>
-        </a:xfrm>
-      </p:grpSpPr>
-      <p:sp useBgFill="1">
-        <p:nvSpPr>
-          <p:cNvPr id="36" name="Rectangle 27">
-            <a:extLst>
-              <a:ext uri="{FF2B5EF4-FFF2-40B4-BE49-F238E27FC236}">
-                <a16:creationId xmlns:a16="http://schemas.microsoft.com/office/drawing/2014/main" id="{AD35AE2F-5E3A-49D9-8DE1-8A333BA4088E}"/>
-              </a:ext>
-              <a:ext uri="{C183D7F6-B498-43B3-948B-1728B52AA6E4}">
-                <adec:decorative xmlns:adec="http://schemas.microsoft.com/office/drawing/2017/decorative" val="1"/>
+                <adec:decorative xmlns="" xmlns:adec="http://schemas.microsoft.com/office/drawing/2017/decorative" val="1"/>
               </a:ext>
             </a:extLst>
           </p:cNvPr>
@@ -5746,7 +9886,7 @@
                 <a16:creationId xmlns:a16="http://schemas.microsoft.com/office/drawing/2014/main" id="{04D8AD8F-EF7F-481F-B99A-B8513897050A}"/>
               </a:ext>
               <a:ext uri="{C183D7F6-B498-43B3-948B-1728B52AA6E4}">
-                <adec:decorative xmlns:adec="http://schemas.microsoft.com/office/drawing/2017/decorative" val="1"/>
+                <adec:decorative xmlns="" xmlns:adec="http://schemas.microsoft.com/office/drawing/2017/decorative" val="1"/>
               </a:ext>
             </a:extLst>
           </p:cNvPr>
@@ -6044,7 +10184,7 @@
             <a:round/>
             <a:extLst>
               <a:ext uri="{C807C97D-BFC1-408E-A445-0C87EB9F89A2}">
-                <ask:lineSketchStyleProps xmlns:ask="http://schemas.microsoft.com/office/drawing/2018/sketchyshapes" sd="1219033472">
+                <ask:lineSketchStyleProps xmlns="" xmlns:ask="http://schemas.microsoft.com/office/drawing/2018/sketchyshapes" sd="1219033472">
                   <a:prstGeom prst="rect">
                     <a:avLst/>
                   </a:prstGeom>
@@ -6089,7 +10229,7 @@
                 <a16:creationId xmlns:a16="http://schemas.microsoft.com/office/drawing/2014/main" id="{79EB4626-023C-436D-9F57-9EB46080909D}"/>
               </a:ext>
               <a:ext uri="{C183D7F6-B498-43B3-948B-1728B52AA6E4}">
-                <adec:decorative xmlns:adec="http://schemas.microsoft.com/office/drawing/2017/decorative" val="1"/>
+                <adec:decorative xmlns="" xmlns:adec="http://schemas.microsoft.com/office/drawing/2017/decorative" val="1"/>
               </a:ext>
             </a:extLst>
           </p:cNvPr>
@@ -6579,7 +10719,7 @@
             <a:round/>
             <a:extLst>
               <a:ext uri="{C807C97D-BFC1-408E-A445-0C87EB9F89A2}">
-                <ask:lineSketchStyleProps xmlns:ask="http://schemas.microsoft.com/office/drawing/2018/sketchyshapes" sd="1219033472">
+                <ask:lineSketchStyleProps xmlns="" xmlns:ask="http://schemas.microsoft.com/office/drawing/2018/sketchyshapes" sd="1219033472">
                   <a:prstGeom prst="roundRect">
                     <a:avLst/>
                   </a:prstGeom>
@@ -6626,10 +10766,18 @@
   <p:clrMapOvr>
     <a:overrideClrMapping bg1="dk1" tx1="lt1" bg2="dk2" tx2="lt2" accent1="accent1" accent2="accent2" accent3="accent3" accent4="accent4" accent5="accent5" accent6="accent6" hlink="hlink" folHlink="folHlink"/>
   </p:clrMapOvr>
+  <mc:AlternateContent xmlns:mc="http://schemas.openxmlformats.org/markup-compatibility/2006" xmlns:p14="http://schemas.microsoft.com/office/powerpoint/2010/main">
+    <mc:Choice Requires="p14">
+      <p:transition spd="slow" p14:dur="2000"/>
+    </mc:Choice>
+    <mc:Fallback xmlns="">
+      <p:transition spd="slow"/>
+    </mc:Fallback>
+  </mc:AlternateContent>
 </p:sld>
 </file>
 
-<file path=ppt/slides/slide6.xml><?xml version="1.0" encoding="utf-8"?>
+<file path=ppt/slides/slide8.xml><?xml version="1.0" encoding="utf-8"?>
 <p:sld xmlns:a="http://schemas.openxmlformats.org/drawingml/2006/main" xmlns:r="http://schemas.openxmlformats.org/officeDocument/2006/relationships" xmlns:p="http://schemas.openxmlformats.org/presentationml/2006/main" show="0">
   <p:cSld>
     <p:bg>
@@ -6662,7 +10810,1069 @@
                 <a16:creationId xmlns:a16="http://schemas.microsoft.com/office/drawing/2014/main" id="{AD35AE2F-5E3A-49D9-8DE1-8A333BA4088E}"/>
               </a:ext>
               <a:ext uri="{C183D7F6-B498-43B3-948B-1728B52AA6E4}">
-                <adec:decorative xmlns:adec="http://schemas.microsoft.com/office/drawing/2017/decorative" val="1"/>
+                <adec:decorative xmlns="" xmlns:adec="http://schemas.microsoft.com/office/drawing/2017/decorative" val="1"/>
+              </a:ext>
+            </a:extLst>
+          </p:cNvPr>
+          <p:cNvSpPr>
+            <a:spLocks noGrp="1" noRot="1" noChangeAspect="1" noMove="1" noResize="1" noEditPoints="1" noAdjustHandles="1" noChangeArrowheads="1" noChangeShapeType="1" noTextEdit="1"/>
+          </p:cNvSpPr>
+          <p:nvPr>
+            <p:extLst>
+              <p:ext uri="{386F3935-93C4-4BCD-93E2-E3B085C9AB24}">
+                <p16:designElem xmlns:p16="http://schemas.microsoft.com/office/powerpoint/2015/main" val="1"/>
+              </p:ext>
+            </p:extLst>
+          </p:nvPr>
+        </p:nvSpPr>
+        <p:spPr>
+          <a:xfrm>
+            <a:off x="0" y="0"/>
+            <a:ext cx="12188952" cy="6858000"/>
+          </a:xfrm>
+          <a:prstGeom prst="rect">
+            <a:avLst/>
+          </a:prstGeom>
+          <a:ln>
+            <a:noFill/>
+          </a:ln>
+        </p:spPr>
+        <p:style>
+          <a:lnRef idx="2">
+            <a:schemeClr val="accent1">
+              <a:shade val="50000"/>
+            </a:schemeClr>
+          </a:lnRef>
+          <a:fillRef idx="1">
+            <a:schemeClr val="accent1"/>
+          </a:fillRef>
+          <a:effectRef idx="0">
+            <a:schemeClr val="accent1"/>
+          </a:effectRef>
+          <a:fontRef idx="minor">
+            <a:schemeClr val="lt1"/>
+          </a:fontRef>
+        </p:style>
+        <p:txBody>
+          <a:bodyPr rtlCol="0" anchor="ctr"/>
+          <a:lstStyle/>
+          <a:p>
+            <a:pPr algn="ctr"/>
+            <a:endParaRPr lang="en-US"/>
+          </a:p>
+        </p:txBody>
+      </p:sp>
+      <p:pic>
+        <p:nvPicPr>
+          <p:cNvPr id="4" name="Imagem 4" descr="Mesa de madeira com flor&#10;&#10;Descrição gerada automaticamente">
+            <a:extLst>
+              <a:ext uri="{FF2B5EF4-FFF2-40B4-BE49-F238E27FC236}">
+                <a16:creationId xmlns:a16="http://schemas.microsoft.com/office/drawing/2014/main" id="{BCDDDE5C-8875-8181-46D1-327F47B007FC}"/>
+              </a:ext>
+            </a:extLst>
+          </p:cNvPr>
+          <p:cNvPicPr>
+            <a:picLocks noChangeAspect="1"/>
+          </p:cNvPicPr>
+          <p:nvPr/>
+        </p:nvPicPr>
+        <p:blipFill rotWithShape="1">
+          <a:blip r:embed="rId2">
+            <a:alphaModFix amt="50000"/>
+          </a:blip>
+          <a:srcRect r="-1" b="15391"/>
+          <a:stretch/>
+        </p:blipFill>
+        <p:spPr>
+          <a:xfrm>
+            <a:off x="-71867" y="10"/>
+            <a:ext cx="12188931" cy="6857990"/>
+          </a:xfrm>
+          <a:prstGeom prst="rect">
+            <a:avLst/>
+          </a:prstGeom>
+        </p:spPr>
+      </p:pic>
+      <p:sp>
+        <p:nvSpPr>
+          <p:cNvPr id="2" name="Título 1"/>
+          <p:cNvSpPr>
+            <a:spLocks noGrp="1"/>
+          </p:cNvSpPr>
+          <p:nvPr>
+            <p:ph type="ctrTitle"/>
+          </p:nvPr>
+        </p:nvSpPr>
+        <p:spPr>
+          <a:xfrm>
+            <a:off x="1524000" y="1122363"/>
+            <a:ext cx="9719094" cy="2660674"/>
+          </a:xfrm>
+        </p:spPr>
+        <p:txBody>
+          <a:bodyPr>
+            <a:normAutofit/>
+          </a:bodyPr>
+          <a:lstStyle/>
+          <a:p>
+            <a:pPr algn="ctr"/>
+            <a:r>
+              <a:rPr lang="de-DE" b="1" dirty="0" err="1">
+                <a:latin typeface="Calibri"/>
+                <a:cs typeface="Calibri Light"/>
+              </a:rPr>
+              <a:t>Consultar</a:t>
+            </a:r>
+            <a:r>
+              <a:rPr lang="de-DE" b="1" dirty="0">
+                <a:latin typeface="Calibri"/>
+                <a:cs typeface="Calibri Light"/>
+              </a:rPr>
+              <a:t> </a:t>
+            </a:r>
+            <a:r>
+              <a:rPr lang="de-DE" b="1" dirty="0" err="1">
+                <a:latin typeface="Calibri"/>
+                <a:cs typeface="Calibri Light"/>
+              </a:rPr>
+              <a:t>mesas</a:t>
+            </a:r>
+          </a:p>
+        </p:txBody>
+      </p:sp>
+      <p:sp>
+        <p:nvSpPr>
+          <p:cNvPr id="37" name="Rectangle 6">
+            <a:extLst>
+              <a:ext uri="{FF2B5EF4-FFF2-40B4-BE49-F238E27FC236}">
+                <a16:creationId xmlns:a16="http://schemas.microsoft.com/office/drawing/2014/main" id="{04D8AD8F-EF7F-481F-B99A-B8513897050A}"/>
+              </a:ext>
+              <a:ext uri="{C183D7F6-B498-43B3-948B-1728B52AA6E4}">
+                <adec:decorative xmlns="" xmlns:adec="http://schemas.microsoft.com/office/drawing/2017/decorative" val="1"/>
+              </a:ext>
+            </a:extLst>
+          </p:cNvPr>
+          <p:cNvSpPr>
+            <a:spLocks noGrp="1" noRot="1" noChangeAspect="1" noMove="1" noResize="1" noEditPoints="1" noAdjustHandles="1" noChangeArrowheads="1" noChangeShapeType="1" noTextEdit="1"/>
+          </p:cNvSpPr>
+          <p:nvPr>
+            <p:extLst>
+              <p:ext uri="{386F3935-93C4-4BCD-93E2-E3B085C9AB24}">
+                <p16:designElem xmlns:p16="http://schemas.microsoft.com/office/powerpoint/2015/main" val="1"/>
+              </p:ext>
+            </p:extLst>
+          </p:nvPr>
+        </p:nvSpPr>
+        <p:spPr>
+          <a:xfrm>
+            <a:off x="3974206" y="4419423"/>
+            <a:ext cx="4243589" cy="27432"/>
+          </a:xfrm>
+          <a:custGeom>
+            <a:avLst/>
+            <a:gdLst>
+              <a:gd name="connsiteX0" fmla="*/ 0 w 4243589"/>
+              <a:gd name="connsiteY0" fmla="*/ 0 h 27432"/>
+              <a:gd name="connsiteX1" fmla="*/ 563791 w 4243589"/>
+              <a:gd name="connsiteY1" fmla="*/ 0 h 27432"/>
+              <a:gd name="connsiteX2" fmla="*/ 1042710 w 4243589"/>
+              <a:gd name="connsiteY2" fmla="*/ 0 h 27432"/>
+              <a:gd name="connsiteX3" fmla="*/ 1564066 w 4243589"/>
+              <a:gd name="connsiteY3" fmla="*/ 0 h 27432"/>
+              <a:gd name="connsiteX4" fmla="*/ 2212729 w 4243589"/>
+              <a:gd name="connsiteY4" fmla="*/ 0 h 27432"/>
+              <a:gd name="connsiteX5" fmla="*/ 2776520 w 4243589"/>
+              <a:gd name="connsiteY5" fmla="*/ 0 h 27432"/>
+              <a:gd name="connsiteX6" fmla="*/ 3297875 w 4243589"/>
+              <a:gd name="connsiteY6" fmla="*/ 0 h 27432"/>
+              <a:gd name="connsiteX7" fmla="*/ 4243589 w 4243589"/>
+              <a:gd name="connsiteY7" fmla="*/ 0 h 27432"/>
+              <a:gd name="connsiteX8" fmla="*/ 4243589 w 4243589"/>
+              <a:gd name="connsiteY8" fmla="*/ 27432 h 27432"/>
+              <a:gd name="connsiteX9" fmla="*/ 3637362 w 4243589"/>
+              <a:gd name="connsiteY9" fmla="*/ 27432 h 27432"/>
+              <a:gd name="connsiteX10" fmla="*/ 3116007 w 4243589"/>
+              <a:gd name="connsiteY10" fmla="*/ 27432 h 27432"/>
+              <a:gd name="connsiteX11" fmla="*/ 2424908 w 4243589"/>
+              <a:gd name="connsiteY11" fmla="*/ 27432 h 27432"/>
+              <a:gd name="connsiteX12" fmla="*/ 1861117 w 4243589"/>
+              <a:gd name="connsiteY12" fmla="*/ 27432 h 27432"/>
+              <a:gd name="connsiteX13" fmla="*/ 1382198 w 4243589"/>
+              <a:gd name="connsiteY13" fmla="*/ 27432 h 27432"/>
+              <a:gd name="connsiteX14" fmla="*/ 733535 w 4243589"/>
+              <a:gd name="connsiteY14" fmla="*/ 27432 h 27432"/>
+              <a:gd name="connsiteX15" fmla="*/ 0 w 4243589"/>
+              <a:gd name="connsiteY15" fmla="*/ 27432 h 27432"/>
+              <a:gd name="connsiteX16" fmla="*/ 0 w 4243589"/>
+              <a:gd name="connsiteY16" fmla="*/ 0 h 27432"/>
+            </a:gdLst>
+            <a:ahLst/>
+            <a:cxnLst>
+              <a:cxn ang="0">
+                <a:pos x="connsiteX0" y="connsiteY0"/>
+              </a:cxn>
+              <a:cxn ang="0">
+                <a:pos x="connsiteX1" y="connsiteY1"/>
+              </a:cxn>
+              <a:cxn ang="0">
+                <a:pos x="connsiteX2" y="connsiteY2"/>
+              </a:cxn>
+              <a:cxn ang="0">
+                <a:pos x="connsiteX3" y="connsiteY3"/>
+              </a:cxn>
+              <a:cxn ang="0">
+                <a:pos x="connsiteX4" y="connsiteY4"/>
+              </a:cxn>
+              <a:cxn ang="0">
+                <a:pos x="connsiteX5" y="connsiteY5"/>
+              </a:cxn>
+              <a:cxn ang="0">
+                <a:pos x="connsiteX6" y="connsiteY6"/>
+              </a:cxn>
+              <a:cxn ang="0">
+                <a:pos x="connsiteX7" y="connsiteY7"/>
+              </a:cxn>
+              <a:cxn ang="0">
+                <a:pos x="connsiteX8" y="connsiteY8"/>
+              </a:cxn>
+              <a:cxn ang="0">
+                <a:pos x="connsiteX9" y="connsiteY9"/>
+              </a:cxn>
+              <a:cxn ang="0">
+                <a:pos x="connsiteX10" y="connsiteY10"/>
+              </a:cxn>
+              <a:cxn ang="0">
+                <a:pos x="connsiteX11" y="connsiteY11"/>
+              </a:cxn>
+              <a:cxn ang="0">
+                <a:pos x="connsiteX12" y="connsiteY12"/>
+              </a:cxn>
+              <a:cxn ang="0">
+                <a:pos x="connsiteX13" y="connsiteY13"/>
+              </a:cxn>
+              <a:cxn ang="0">
+                <a:pos x="connsiteX14" y="connsiteY14"/>
+              </a:cxn>
+              <a:cxn ang="0">
+                <a:pos x="connsiteX15" y="connsiteY15"/>
+              </a:cxn>
+              <a:cxn ang="0">
+                <a:pos x="connsiteX16" y="connsiteY16"/>
+              </a:cxn>
+            </a:cxnLst>
+            <a:rect l="l" t="t" r="r" b="b"/>
+            <a:pathLst>
+              <a:path w="4243589" h="27432" fill="none" extrusionOk="0">
+                <a:moveTo>
+                  <a:pt x="0" y="0"/>
+                </a:moveTo>
+                <a:cubicBezTo>
+                  <a:pt x="157351" y="-15653"/>
+                  <a:pt x="378877" y="-5828"/>
+                  <a:pt x="563791" y="0"/>
+                </a:cubicBezTo>
+                <a:cubicBezTo>
+                  <a:pt x="748705" y="5828"/>
+                  <a:pt x="905659" y="-5525"/>
+                  <a:pt x="1042710" y="0"/>
+                </a:cubicBezTo>
+                <a:cubicBezTo>
+                  <a:pt x="1179761" y="5525"/>
+                  <a:pt x="1356845" y="-21288"/>
+                  <a:pt x="1564066" y="0"/>
+                </a:cubicBezTo>
+                <a:cubicBezTo>
+                  <a:pt x="1771287" y="21288"/>
+                  <a:pt x="1912099" y="25135"/>
+                  <a:pt x="2212729" y="0"/>
+                </a:cubicBezTo>
+                <a:cubicBezTo>
+                  <a:pt x="2513359" y="-25135"/>
+                  <a:pt x="2514918" y="-27119"/>
+                  <a:pt x="2776520" y="0"/>
+                </a:cubicBezTo>
+                <a:cubicBezTo>
+                  <a:pt x="3038122" y="27119"/>
+                  <a:pt x="3178771" y="18116"/>
+                  <a:pt x="3297875" y="0"/>
+                </a:cubicBezTo>
+                <a:cubicBezTo>
+                  <a:pt x="3416980" y="-18116"/>
+                  <a:pt x="4012240" y="-40869"/>
+                  <a:pt x="4243589" y="0"/>
+                </a:cubicBezTo>
+                <a:cubicBezTo>
+                  <a:pt x="4242616" y="8304"/>
+                  <a:pt x="4243111" y="21512"/>
+                  <a:pt x="4243589" y="27432"/>
+                </a:cubicBezTo>
+                <a:cubicBezTo>
+                  <a:pt x="4112949" y="6289"/>
+                  <a:pt x="3928037" y="10975"/>
+                  <a:pt x="3637362" y="27432"/>
+                </a:cubicBezTo>
+                <a:cubicBezTo>
+                  <a:pt x="3346687" y="43889"/>
+                  <a:pt x="3254446" y="35813"/>
+                  <a:pt x="3116007" y="27432"/>
+                </a:cubicBezTo>
+                <a:cubicBezTo>
+                  <a:pt x="2977569" y="19051"/>
+                  <a:pt x="2620228" y="38017"/>
+                  <a:pt x="2424908" y="27432"/>
+                </a:cubicBezTo>
+                <a:cubicBezTo>
+                  <a:pt x="2229588" y="16847"/>
+                  <a:pt x="2088287" y="5290"/>
+                  <a:pt x="1861117" y="27432"/>
+                </a:cubicBezTo>
+                <a:cubicBezTo>
+                  <a:pt x="1633947" y="49574"/>
+                  <a:pt x="1502447" y="8273"/>
+                  <a:pt x="1382198" y="27432"/>
+                </a:cubicBezTo>
+                <a:cubicBezTo>
+                  <a:pt x="1261949" y="46591"/>
+                  <a:pt x="1045440" y="37497"/>
+                  <a:pt x="733535" y="27432"/>
+                </a:cubicBezTo>
+                <a:cubicBezTo>
+                  <a:pt x="421630" y="17367"/>
+                  <a:pt x="341257" y="-9215"/>
+                  <a:pt x="0" y="27432"/>
+                </a:cubicBezTo>
+                <a:cubicBezTo>
+                  <a:pt x="-1048" y="14992"/>
+                  <a:pt x="-1120" y="7447"/>
+                  <a:pt x="0" y="0"/>
+                </a:cubicBezTo>
+                <a:close/>
+              </a:path>
+              <a:path w="4243589" h="27432" stroke="0" extrusionOk="0">
+                <a:moveTo>
+                  <a:pt x="0" y="0"/>
+                </a:moveTo>
+                <a:cubicBezTo>
+                  <a:pt x="128164" y="17204"/>
+                  <a:pt x="312653" y="1129"/>
+                  <a:pt x="563791" y="0"/>
+                </a:cubicBezTo>
+                <a:cubicBezTo>
+                  <a:pt x="814929" y="-1129"/>
+                  <a:pt x="837271" y="8503"/>
+                  <a:pt x="1042710" y="0"/>
+                </a:cubicBezTo>
+                <a:cubicBezTo>
+                  <a:pt x="1248149" y="-8503"/>
+                  <a:pt x="1588432" y="-28862"/>
+                  <a:pt x="1733809" y="0"/>
+                </a:cubicBezTo>
+                <a:cubicBezTo>
+                  <a:pt x="1879186" y="28862"/>
+                  <a:pt x="2052815" y="5974"/>
+                  <a:pt x="2297600" y="0"/>
+                </a:cubicBezTo>
+                <a:cubicBezTo>
+                  <a:pt x="2542385" y="-5974"/>
+                  <a:pt x="2699960" y="-23550"/>
+                  <a:pt x="2861391" y="0"/>
+                </a:cubicBezTo>
+                <a:cubicBezTo>
+                  <a:pt x="3022822" y="23550"/>
+                  <a:pt x="3390411" y="25272"/>
+                  <a:pt x="3552490" y="0"/>
+                </a:cubicBezTo>
+                <a:cubicBezTo>
+                  <a:pt x="3714569" y="-25272"/>
+                  <a:pt x="3950585" y="-31327"/>
+                  <a:pt x="4243589" y="0"/>
+                </a:cubicBezTo>
+                <a:cubicBezTo>
+                  <a:pt x="4244074" y="9333"/>
+                  <a:pt x="4244867" y="19699"/>
+                  <a:pt x="4243589" y="27432"/>
+                </a:cubicBezTo>
+                <a:cubicBezTo>
+                  <a:pt x="4130424" y="7904"/>
+                  <a:pt x="3932803" y="51393"/>
+                  <a:pt x="3722234" y="27432"/>
+                </a:cubicBezTo>
+                <a:cubicBezTo>
+                  <a:pt x="3511665" y="3471"/>
+                  <a:pt x="3269903" y="55138"/>
+                  <a:pt x="3116007" y="27432"/>
+                </a:cubicBezTo>
+                <a:cubicBezTo>
+                  <a:pt x="2962111" y="-274"/>
+                  <a:pt x="2744280" y="32368"/>
+                  <a:pt x="2509780" y="27432"/>
+                </a:cubicBezTo>
+                <a:cubicBezTo>
+                  <a:pt x="2275280" y="22496"/>
+                  <a:pt x="2066059" y="52808"/>
+                  <a:pt x="1945989" y="27432"/>
+                </a:cubicBezTo>
+                <a:cubicBezTo>
+                  <a:pt x="1825919" y="2056"/>
+                  <a:pt x="1407329" y="21760"/>
+                  <a:pt x="1254890" y="27432"/>
+                </a:cubicBezTo>
+                <a:cubicBezTo>
+                  <a:pt x="1102451" y="33104"/>
+                  <a:pt x="837950" y="40817"/>
+                  <a:pt x="563791" y="27432"/>
+                </a:cubicBezTo>
+                <a:cubicBezTo>
+                  <a:pt x="289632" y="14047"/>
+                  <a:pt x="132768" y="16249"/>
+                  <a:pt x="0" y="27432"/>
+                </a:cubicBezTo>
+                <a:cubicBezTo>
+                  <a:pt x="211" y="18145"/>
+                  <a:pt x="120" y="6480"/>
+                  <a:pt x="0" y="0"/>
+                </a:cubicBezTo>
+                <a:close/>
+              </a:path>
+            </a:pathLst>
+          </a:custGeom>
+          <a:solidFill>
+            <a:schemeClr val="tx1"/>
+          </a:solidFill>
+          <a:ln w="38100" cap="rnd">
+            <a:solidFill>
+              <a:schemeClr val="tx1"/>
+            </a:solidFill>
+            <a:round/>
+            <a:extLst>
+              <a:ext uri="{C807C97D-BFC1-408E-A445-0C87EB9F89A2}">
+                <ask:lineSketchStyleProps xmlns="" xmlns:ask="http://schemas.microsoft.com/office/drawing/2018/sketchyshapes" sd="1219033472">
+                  <a:prstGeom prst="rect">
+                    <a:avLst/>
+                  </a:prstGeom>
+                  <ask:type>
+                    <ask:lineSketchFreehand/>
+                  </ask:type>
+                </ask:lineSketchStyleProps>
+              </a:ext>
+            </a:extLst>
+          </a:ln>
+        </p:spPr>
+        <p:style>
+          <a:lnRef idx="2">
+            <a:schemeClr val="accent1">
+              <a:shade val="50000"/>
+            </a:schemeClr>
+          </a:lnRef>
+          <a:fillRef idx="1">
+            <a:schemeClr val="accent1"/>
+          </a:fillRef>
+          <a:effectRef idx="0">
+            <a:schemeClr val="accent1"/>
+          </a:effectRef>
+          <a:fontRef idx="minor">
+            <a:schemeClr val="lt1"/>
+          </a:fontRef>
+        </p:style>
+        <p:txBody>
+          <a:bodyPr rtlCol="0" anchor="ctr"/>
+          <a:lstStyle/>
+          <a:p>
+            <a:pPr algn="ctr"/>
+            <a:endParaRPr lang="en-US"/>
+          </a:p>
+        </p:txBody>
+      </p:sp>
+      <p:sp>
+        <p:nvSpPr>
+          <p:cNvPr id="38" name="Rectangle 6">
+            <a:extLst>
+              <a:ext uri="{FF2B5EF4-FFF2-40B4-BE49-F238E27FC236}">
+                <a16:creationId xmlns:a16="http://schemas.microsoft.com/office/drawing/2014/main" id="{79EB4626-023C-436D-9F57-9EB46080909D}"/>
+              </a:ext>
+              <a:ext uri="{C183D7F6-B498-43B3-948B-1728B52AA6E4}">
+                <adec:decorative xmlns="" xmlns:adec="http://schemas.microsoft.com/office/drawing/2017/decorative" val="1"/>
+              </a:ext>
+            </a:extLst>
+          </p:cNvPr>
+          <p:cNvSpPr>
+            <a:spLocks noGrp="1" noRot="1" noChangeAspect="1" noMove="1" noResize="1" noEditPoints="1" noAdjustHandles="1" noChangeArrowheads="1" noChangeShapeType="1" noTextEdit="1"/>
+          </p:cNvSpPr>
+          <p:nvPr>
+            <p:extLst>
+              <p:ext uri="{386F3935-93C4-4BCD-93E2-E3B085C9AB24}">
+                <p16:designElem xmlns:p16="http://schemas.microsoft.com/office/powerpoint/2015/main" val="1"/>
+              </p:ext>
+            </p:extLst>
+          </p:nvPr>
+        </p:nvSpPr>
+        <p:spPr>
+          <a:xfrm flipV="1">
+            <a:off x="838200" y="720953"/>
+            <a:ext cx="10515600" cy="5416094"/>
+          </a:xfrm>
+          <a:custGeom>
+            <a:avLst/>
+            <a:gdLst>
+              <a:gd name="connsiteX0" fmla="*/ 0 w 10515600"/>
+              <a:gd name="connsiteY0" fmla="*/ 902700 h 5416094"/>
+              <a:gd name="connsiteX1" fmla="*/ 902700 w 10515600"/>
+              <a:gd name="connsiteY1" fmla="*/ 0 h 5416094"/>
+              <a:gd name="connsiteX2" fmla="*/ 1746919 w 10515600"/>
+              <a:gd name="connsiteY2" fmla="*/ 0 h 5416094"/>
+              <a:gd name="connsiteX3" fmla="*/ 2329833 w 10515600"/>
+              <a:gd name="connsiteY3" fmla="*/ 0 h 5416094"/>
+              <a:gd name="connsiteX4" fmla="*/ 2825644 w 10515600"/>
+              <a:gd name="connsiteY4" fmla="*/ 0 h 5416094"/>
+              <a:gd name="connsiteX5" fmla="*/ 3582762 w 10515600"/>
+              <a:gd name="connsiteY5" fmla="*/ 0 h 5416094"/>
+              <a:gd name="connsiteX6" fmla="*/ 4165675 w 10515600"/>
+              <a:gd name="connsiteY6" fmla="*/ 0 h 5416094"/>
+              <a:gd name="connsiteX7" fmla="*/ 5009894 w 10515600"/>
+              <a:gd name="connsiteY7" fmla="*/ 0 h 5416094"/>
+              <a:gd name="connsiteX8" fmla="*/ 5505706 w 10515600"/>
+              <a:gd name="connsiteY8" fmla="*/ 0 h 5416094"/>
+              <a:gd name="connsiteX9" fmla="*/ 6349925 w 10515600"/>
+              <a:gd name="connsiteY9" fmla="*/ 0 h 5416094"/>
+              <a:gd name="connsiteX10" fmla="*/ 6758634 w 10515600"/>
+              <a:gd name="connsiteY10" fmla="*/ 0 h 5416094"/>
+              <a:gd name="connsiteX11" fmla="*/ 7428650 w 10515600"/>
+              <a:gd name="connsiteY11" fmla="*/ 0 h 5416094"/>
+              <a:gd name="connsiteX12" fmla="*/ 8098665 w 10515600"/>
+              <a:gd name="connsiteY12" fmla="*/ 0 h 5416094"/>
+              <a:gd name="connsiteX13" fmla="*/ 8681579 w 10515600"/>
+              <a:gd name="connsiteY13" fmla="*/ 0 h 5416094"/>
+              <a:gd name="connsiteX14" fmla="*/ 9612900 w 10515600"/>
+              <a:gd name="connsiteY14" fmla="*/ 0 h 5416094"/>
+              <a:gd name="connsiteX15" fmla="*/ 10515600 w 10515600"/>
+              <a:gd name="connsiteY15" fmla="*/ 902700 h 5416094"/>
+              <a:gd name="connsiteX16" fmla="*/ 10515600 w 10515600"/>
+              <a:gd name="connsiteY16" fmla="*/ 1504482 h 5416094"/>
+              <a:gd name="connsiteX17" fmla="*/ 10515600 w 10515600"/>
+              <a:gd name="connsiteY17" fmla="*/ 2178479 h 5416094"/>
+              <a:gd name="connsiteX18" fmla="*/ 10515600 w 10515600"/>
+              <a:gd name="connsiteY18" fmla="*/ 2780261 h 5416094"/>
+              <a:gd name="connsiteX19" fmla="*/ 10515600 w 10515600"/>
+              <a:gd name="connsiteY19" fmla="*/ 3273722 h 5416094"/>
+              <a:gd name="connsiteX20" fmla="*/ 10515600 w 10515600"/>
+              <a:gd name="connsiteY20" fmla="*/ 3803291 h 5416094"/>
+              <a:gd name="connsiteX21" fmla="*/ 10515600 w 10515600"/>
+              <a:gd name="connsiteY21" fmla="*/ 4513394 h 5416094"/>
+              <a:gd name="connsiteX22" fmla="*/ 9612900 w 10515600"/>
+              <a:gd name="connsiteY22" fmla="*/ 5416094 h 5416094"/>
+              <a:gd name="connsiteX23" fmla="*/ 9117089 w 10515600"/>
+              <a:gd name="connsiteY23" fmla="*/ 5416094 h 5416094"/>
+              <a:gd name="connsiteX24" fmla="*/ 8708379 w 10515600"/>
+              <a:gd name="connsiteY24" fmla="*/ 5416094 h 5416094"/>
+              <a:gd name="connsiteX25" fmla="*/ 8299670 w 10515600"/>
+              <a:gd name="connsiteY25" fmla="*/ 5416094 h 5416094"/>
+              <a:gd name="connsiteX26" fmla="*/ 7629654 w 10515600"/>
+              <a:gd name="connsiteY26" fmla="*/ 5416094 h 5416094"/>
+              <a:gd name="connsiteX27" fmla="*/ 7133843 w 10515600"/>
+              <a:gd name="connsiteY27" fmla="*/ 5416094 h 5416094"/>
+              <a:gd name="connsiteX28" fmla="*/ 6376726 w 10515600"/>
+              <a:gd name="connsiteY28" fmla="*/ 5416094 h 5416094"/>
+              <a:gd name="connsiteX29" fmla="*/ 5880914 w 10515600"/>
+              <a:gd name="connsiteY29" fmla="*/ 5416094 h 5416094"/>
+              <a:gd name="connsiteX30" fmla="*/ 5123797 w 10515600"/>
+              <a:gd name="connsiteY30" fmla="*/ 5416094 h 5416094"/>
+              <a:gd name="connsiteX31" fmla="*/ 4715088 w 10515600"/>
+              <a:gd name="connsiteY31" fmla="*/ 5416094 h 5416094"/>
+              <a:gd name="connsiteX32" fmla="*/ 3957970 w 10515600"/>
+              <a:gd name="connsiteY32" fmla="*/ 5416094 h 5416094"/>
+              <a:gd name="connsiteX33" fmla="*/ 3462159 w 10515600"/>
+              <a:gd name="connsiteY33" fmla="*/ 5416094 h 5416094"/>
+              <a:gd name="connsiteX34" fmla="*/ 3053449 w 10515600"/>
+              <a:gd name="connsiteY34" fmla="*/ 5416094 h 5416094"/>
+              <a:gd name="connsiteX35" fmla="*/ 2557638 w 10515600"/>
+              <a:gd name="connsiteY35" fmla="*/ 5416094 h 5416094"/>
+              <a:gd name="connsiteX36" fmla="*/ 1800521 w 10515600"/>
+              <a:gd name="connsiteY36" fmla="*/ 5416094 h 5416094"/>
+              <a:gd name="connsiteX37" fmla="*/ 902700 w 10515600"/>
+              <a:gd name="connsiteY37" fmla="*/ 5416094 h 5416094"/>
+              <a:gd name="connsiteX38" fmla="*/ 0 w 10515600"/>
+              <a:gd name="connsiteY38" fmla="*/ 4513394 h 5416094"/>
+              <a:gd name="connsiteX39" fmla="*/ 0 w 10515600"/>
+              <a:gd name="connsiteY39" fmla="*/ 3911612 h 5416094"/>
+              <a:gd name="connsiteX40" fmla="*/ 0 w 10515600"/>
+              <a:gd name="connsiteY40" fmla="*/ 3309829 h 5416094"/>
+              <a:gd name="connsiteX41" fmla="*/ 0 w 10515600"/>
+              <a:gd name="connsiteY41" fmla="*/ 2780261 h 5416094"/>
+              <a:gd name="connsiteX42" fmla="*/ 0 w 10515600"/>
+              <a:gd name="connsiteY42" fmla="*/ 2106265 h 5416094"/>
+              <a:gd name="connsiteX43" fmla="*/ 0 w 10515600"/>
+              <a:gd name="connsiteY43" fmla="*/ 1504482 h 5416094"/>
+              <a:gd name="connsiteX44" fmla="*/ 0 w 10515600"/>
+              <a:gd name="connsiteY44" fmla="*/ 902700 h 5416094"/>
+            </a:gdLst>
+            <a:ahLst/>
+            <a:cxnLst>
+              <a:cxn ang="0">
+                <a:pos x="connsiteX0" y="connsiteY0"/>
+              </a:cxn>
+              <a:cxn ang="0">
+                <a:pos x="connsiteX1" y="connsiteY1"/>
+              </a:cxn>
+              <a:cxn ang="0">
+                <a:pos x="connsiteX2" y="connsiteY2"/>
+              </a:cxn>
+              <a:cxn ang="0">
+                <a:pos x="connsiteX3" y="connsiteY3"/>
+              </a:cxn>
+              <a:cxn ang="0">
+                <a:pos x="connsiteX4" y="connsiteY4"/>
+              </a:cxn>
+              <a:cxn ang="0">
+                <a:pos x="connsiteX5" y="connsiteY5"/>
+              </a:cxn>
+              <a:cxn ang="0">
+                <a:pos x="connsiteX6" y="connsiteY6"/>
+              </a:cxn>
+              <a:cxn ang="0">
+                <a:pos x="connsiteX7" y="connsiteY7"/>
+              </a:cxn>
+              <a:cxn ang="0">
+                <a:pos x="connsiteX8" y="connsiteY8"/>
+              </a:cxn>
+              <a:cxn ang="0">
+                <a:pos x="connsiteX9" y="connsiteY9"/>
+              </a:cxn>
+              <a:cxn ang="0">
+                <a:pos x="connsiteX10" y="connsiteY10"/>
+              </a:cxn>
+              <a:cxn ang="0">
+                <a:pos x="connsiteX11" y="connsiteY11"/>
+              </a:cxn>
+              <a:cxn ang="0">
+                <a:pos x="connsiteX12" y="connsiteY12"/>
+              </a:cxn>
+              <a:cxn ang="0">
+                <a:pos x="connsiteX13" y="connsiteY13"/>
+              </a:cxn>
+              <a:cxn ang="0">
+                <a:pos x="connsiteX14" y="connsiteY14"/>
+              </a:cxn>
+              <a:cxn ang="0">
+                <a:pos x="connsiteX15" y="connsiteY15"/>
+              </a:cxn>
+              <a:cxn ang="0">
+                <a:pos x="connsiteX16" y="connsiteY16"/>
+              </a:cxn>
+              <a:cxn ang="0">
+                <a:pos x="connsiteX17" y="connsiteY17"/>
+              </a:cxn>
+              <a:cxn ang="0">
+                <a:pos x="connsiteX18" y="connsiteY18"/>
+              </a:cxn>
+              <a:cxn ang="0">
+                <a:pos x="connsiteX19" y="connsiteY19"/>
+              </a:cxn>
+              <a:cxn ang="0">
+                <a:pos x="connsiteX20" y="connsiteY20"/>
+              </a:cxn>
+              <a:cxn ang="0">
+                <a:pos x="connsiteX21" y="connsiteY21"/>
+              </a:cxn>
+              <a:cxn ang="0">
+                <a:pos x="connsiteX22" y="connsiteY22"/>
+              </a:cxn>
+              <a:cxn ang="0">
+                <a:pos x="connsiteX23" y="connsiteY23"/>
+              </a:cxn>
+              <a:cxn ang="0">
+                <a:pos x="connsiteX24" y="connsiteY24"/>
+              </a:cxn>
+              <a:cxn ang="0">
+                <a:pos x="connsiteX25" y="connsiteY25"/>
+              </a:cxn>
+              <a:cxn ang="0">
+                <a:pos x="connsiteX26" y="connsiteY26"/>
+              </a:cxn>
+              <a:cxn ang="0">
+                <a:pos x="connsiteX27" y="connsiteY27"/>
+              </a:cxn>
+              <a:cxn ang="0">
+                <a:pos x="connsiteX28" y="connsiteY28"/>
+              </a:cxn>
+              <a:cxn ang="0">
+                <a:pos x="connsiteX29" y="connsiteY29"/>
+              </a:cxn>
+              <a:cxn ang="0">
+                <a:pos x="connsiteX30" y="connsiteY30"/>
+              </a:cxn>
+              <a:cxn ang="0">
+                <a:pos x="connsiteX31" y="connsiteY31"/>
+              </a:cxn>
+              <a:cxn ang="0">
+                <a:pos x="connsiteX32" y="connsiteY32"/>
+              </a:cxn>
+              <a:cxn ang="0">
+                <a:pos x="connsiteX33" y="connsiteY33"/>
+              </a:cxn>
+              <a:cxn ang="0">
+                <a:pos x="connsiteX34" y="connsiteY34"/>
+              </a:cxn>
+              <a:cxn ang="0">
+                <a:pos x="connsiteX35" y="connsiteY35"/>
+              </a:cxn>
+              <a:cxn ang="0">
+                <a:pos x="connsiteX36" y="connsiteY36"/>
+              </a:cxn>
+              <a:cxn ang="0">
+                <a:pos x="connsiteX37" y="connsiteY37"/>
+              </a:cxn>
+              <a:cxn ang="0">
+                <a:pos x="connsiteX38" y="connsiteY38"/>
+              </a:cxn>
+              <a:cxn ang="0">
+                <a:pos x="connsiteX39" y="connsiteY39"/>
+              </a:cxn>
+              <a:cxn ang="0">
+                <a:pos x="connsiteX40" y="connsiteY40"/>
+              </a:cxn>
+              <a:cxn ang="0">
+                <a:pos x="connsiteX41" y="connsiteY41"/>
+              </a:cxn>
+              <a:cxn ang="0">
+                <a:pos x="connsiteX42" y="connsiteY42"/>
+              </a:cxn>
+              <a:cxn ang="0">
+                <a:pos x="connsiteX43" y="connsiteY43"/>
+              </a:cxn>
+              <a:cxn ang="0">
+                <a:pos x="connsiteX44" y="connsiteY44"/>
+              </a:cxn>
+            </a:cxnLst>
+            <a:rect l="l" t="t" r="r" b="b"/>
+            <a:pathLst>
+              <a:path w="10515600" h="5416094" extrusionOk="0">
+                <a:moveTo>
+                  <a:pt x="0" y="902700"/>
+                </a:moveTo>
+                <a:cubicBezTo>
+                  <a:pt x="-57306" y="368805"/>
+                  <a:pt x="305054" y="37193"/>
+                  <a:pt x="902700" y="0"/>
+                </a:cubicBezTo>
+                <a:cubicBezTo>
+                  <a:pt x="1280419" y="-35006"/>
+                  <a:pt x="1407743" y="-35339"/>
+                  <a:pt x="1746919" y="0"/>
+                </a:cubicBezTo>
+                <a:cubicBezTo>
+                  <a:pt x="2086095" y="35339"/>
+                  <a:pt x="2146539" y="-12333"/>
+                  <a:pt x="2329833" y="0"/>
+                </a:cubicBezTo>
+                <a:cubicBezTo>
+                  <a:pt x="2513127" y="12333"/>
+                  <a:pt x="2706706" y="12952"/>
+                  <a:pt x="2825644" y="0"/>
+                </a:cubicBezTo>
+                <a:cubicBezTo>
+                  <a:pt x="2944582" y="-12952"/>
+                  <a:pt x="3420817" y="-27100"/>
+                  <a:pt x="3582762" y="0"/>
+                </a:cubicBezTo>
+                <a:cubicBezTo>
+                  <a:pt x="3744707" y="27100"/>
+                  <a:pt x="4023584" y="-9167"/>
+                  <a:pt x="4165675" y="0"/>
+                </a:cubicBezTo>
+                <a:cubicBezTo>
+                  <a:pt x="4307766" y="9167"/>
+                  <a:pt x="4770188" y="27031"/>
+                  <a:pt x="5009894" y="0"/>
+                </a:cubicBezTo>
+                <a:cubicBezTo>
+                  <a:pt x="5249600" y="-27031"/>
+                  <a:pt x="5349881" y="-194"/>
+                  <a:pt x="5505706" y="0"/>
+                </a:cubicBezTo>
+                <a:cubicBezTo>
+                  <a:pt x="5661531" y="194"/>
+                  <a:pt x="6129254" y="-29363"/>
+                  <a:pt x="6349925" y="0"/>
+                </a:cubicBezTo>
+                <a:cubicBezTo>
+                  <a:pt x="6570596" y="29363"/>
+                  <a:pt x="6581199" y="-14617"/>
+                  <a:pt x="6758634" y="0"/>
+                </a:cubicBezTo>
+                <a:cubicBezTo>
+                  <a:pt x="6936069" y="14617"/>
+                  <a:pt x="7246491" y="25675"/>
+                  <a:pt x="7428650" y="0"/>
+                </a:cubicBezTo>
+                <a:cubicBezTo>
+                  <a:pt x="7610809" y="-25675"/>
+                  <a:pt x="7825190" y="-17078"/>
+                  <a:pt x="8098665" y="0"/>
+                </a:cubicBezTo>
+                <a:cubicBezTo>
+                  <a:pt x="8372141" y="17078"/>
+                  <a:pt x="8559625" y="-21568"/>
+                  <a:pt x="8681579" y="0"/>
+                </a:cubicBezTo>
+                <a:cubicBezTo>
+                  <a:pt x="8803533" y="21568"/>
+                  <a:pt x="9307226" y="-46066"/>
+                  <a:pt x="9612900" y="0"/>
+                </a:cubicBezTo>
+                <a:cubicBezTo>
+                  <a:pt x="10119954" y="-10560"/>
+                  <a:pt x="10418674" y="366684"/>
+                  <a:pt x="10515600" y="902700"/>
+                </a:cubicBezTo>
+                <a:cubicBezTo>
+                  <a:pt x="10494548" y="1140809"/>
+                  <a:pt x="10524881" y="1252168"/>
+                  <a:pt x="10515600" y="1504482"/>
+                </a:cubicBezTo>
+                <a:cubicBezTo>
+                  <a:pt x="10506319" y="1756796"/>
+                  <a:pt x="10494309" y="1995078"/>
+                  <a:pt x="10515600" y="2178479"/>
+                </a:cubicBezTo>
+                <a:cubicBezTo>
+                  <a:pt x="10536891" y="2361880"/>
+                  <a:pt x="10522845" y="2487483"/>
+                  <a:pt x="10515600" y="2780261"/>
+                </a:cubicBezTo>
+                <a:cubicBezTo>
+                  <a:pt x="10508355" y="3073039"/>
+                  <a:pt x="10533694" y="3138252"/>
+                  <a:pt x="10515600" y="3273722"/>
+                </a:cubicBezTo>
+                <a:cubicBezTo>
+                  <a:pt x="10497506" y="3409192"/>
+                  <a:pt x="10514952" y="3569910"/>
+                  <a:pt x="10515600" y="3803291"/>
+                </a:cubicBezTo>
+                <a:cubicBezTo>
+                  <a:pt x="10516248" y="4036672"/>
+                  <a:pt x="10499126" y="4317688"/>
+                  <a:pt x="10515600" y="4513394"/>
+                </a:cubicBezTo>
+                <a:cubicBezTo>
+                  <a:pt x="10585499" y="4997151"/>
+                  <a:pt x="10115437" y="5453981"/>
+                  <a:pt x="9612900" y="5416094"/>
+                </a:cubicBezTo>
+                <a:cubicBezTo>
+                  <a:pt x="9473271" y="5418358"/>
+                  <a:pt x="9316384" y="5423764"/>
+                  <a:pt x="9117089" y="5416094"/>
+                </a:cubicBezTo>
+                <a:cubicBezTo>
+                  <a:pt x="8917794" y="5408424"/>
+                  <a:pt x="8902141" y="5433256"/>
+                  <a:pt x="8708379" y="5416094"/>
+                </a:cubicBezTo>
+                <a:cubicBezTo>
+                  <a:pt x="8514617" y="5398933"/>
+                  <a:pt x="8454700" y="5422387"/>
+                  <a:pt x="8299670" y="5416094"/>
+                </a:cubicBezTo>
+                <a:cubicBezTo>
+                  <a:pt x="8144640" y="5409801"/>
+                  <a:pt x="7907022" y="5398388"/>
+                  <a:pt x="7629654" y="5416094"/>
+                </a:cubicBezTo>
+                <a:cubicBezTo>
+                  <a:pt x="7352286" y="5433800"/>
+                  <a:pt x="7244777" y="5409877"/>
+                  <a:pt x="7133843" y="5416094"/>
+                </a:cubicBezTo>
+                <a:cubicBezTo>
+                  <a:pt x="7022909" y="5422311"/>
+                  <a:pt x="6748865" y="5379753"/>
+                  <a:pt x="6376726" y="5416094"/>
+                </a:cubicBezTo>
+                <a:cubicBezTo>
+                  <a:pt x="6004587" y="5452435"/>
+                  <a:pt x="5991442" y="5438860"/>
+                  <a:pt x="5880914" y="5416094"/>
+                </a:cubicBezTo>
+                <a:cubicBezTo>
+                  <a:pt x="5770386" y="5393328"/>
+                  <a:pt x="5294303" y="5440618"/>
+                  <a:pt x="5123797" y="5416094"/>
+                </a:cubicBezTo>
+                <a:cubicBezTo>
+                  <a:pt x="4953291" y="5391570"/>
+                  <a:pt x="4828705" y="5430421"/>
+                  <a:pt x="4715088" y="5416094"/>
+                </a:cubicBezTo>
+                <a:cubicBezTo>
+                  <a:pt x="4601471" y="5401767"/>
+                  <a:pt x="4227806" y="5381491"/>
+                  <a:pt x="3957970" y="5416094"/>
+                </a:cubicBezTo>
+                <a:cubicBezTo>
+                  <a:pt x="3688134" y="5450697"/>
+                  <a:pt x="3670638" y="5425309"/>
+                  <a:pt x="3462159" y="5416094"/>
+                </a:cubicBezTo>
+                <a:cubicBezTo>
+                  <a:pt x="3253680" y="5406879"/>
+                  <a:pt x="3167443" y="5432031"/>
+                  <a:pt x="3053449" y="5416094"/>
+                </a:cubicBezTo>
+                <a:cubicBezTo>
+                  <a:pt x="2939455" y="5400158"/>
+                  <a:pt x="2701485" y="5433995"/>
+                  <a:pt x="2557638" y="5416094"/>
+                </a:cubicBezTo>
+                <a:cubicBezTo>
+                  <a:pt x="2413791" y="5398193"/>
+                  <a:pt x="2168647" y="5424510"/>
+                  <a:pt x="1800521" y="5416094"/>
+                </a:cubicBezTo>
+                <a:cubicBezTo>
+                  <a:pt x="1432395" y="5407678"/>
+                  <a:pt x="1261364" y="5454497"/>
+                  <a:pt x="902700" y="5416094"/>
+                </a:cubicBezTo>
+                <a:cubicBezTo>
+                  <a:pt x="519468" y="5419760"/>
+                  <a:pt x="63003" y="5077223"/>
+                  <a:pt x="0" y="4513394"/>
+                </a:cubicBezTo>
+                <a:cubicBezTo>
+                  <a:pt x="-20265" y="4243495"/>
+                  <a:pt x="27650" y="4053844"/>
+                  <a:pt x="0" y="3911612"/>
+                </a:cubicBezTo>
+                <a:cubicBezTo>
+                  <a:pt x="-27650" y="3769380"/>
+                  <a:pt x="24988" y="3469350"/>
+                  <a:pt x="0" y="3309829"/>
+                </a:cubicBezTo>
+                <a:cubicBezTo>
+                  <a:pt x="-24988" y="3150308"/>
+                  <a:pt x="-16973" y="2933511"/>
+                  <a:pt x="0" y="2780261"/>
+                </a:cubicBezTo>
+                <a:cubicBezTo>
+                  <a:pt x="16973" y="2627011"/>
+                  <a:pt x="-11552" y="2315258"/>
+                  <a:pt x="0" y="2106265"/>
+                </a:cubicBezTo>
+                <a:cubicBezTo>
+                  <a:pt x="11552" y="1897272"/>
+                  <a:pt x="-9167" y="1726905"/>
+                  <a:pt x="0" y="1504482"/>
+                </a:cubicBezTo>
+                <a:cubicBezTo>
+                  <a:pt x="9167" y="1282059"/>
+                  <a:pt x="10972" y="1160784"/>
+                  <a:pt x="0" y="902700"/>
+                </a:cubicBezTo>
+                <a:close/>
+              </a:path>
+            </a:pathLst>
+          </a:custGeom>
+          <a:noFill/>
+          <a:ln w="60325" cap="rnd">
+            <a:solidFill>
+              <a:schemeClr val="tx1"/>
+            </a:solidFill>
+            <a:round/>
+            <a:extLst>
+              <a:ext uri="{C807C97D-BFC1-408E-A445-0C87EB9F89A2}">
+                <ask:lineSketchStyleProps xmlns="" xmlns:ask="http://schemas.microsoft.com/office/drawing/2018/sketchyshapes" sd="1219033472">
+                  <a:prstGeom prst="roundRect">
+                    <a:avLst/>
+                  </a:prstGeom>
+                  <ask:type>
+                    <ask:lineSketchFreehand/>
+                  </ask:type>
+                </ask:lineSketchStyleProps>
+              </a:ext>
+            </a:extLst>
+          </a:ln>
+        </p:spPr>
+        <p:style>
+          <a:lnRef idx="2">
+            <a:schemeClr val="accent1">
+              <a:shade val="50000"/>
+            </a:schemeClr>
+          </a:lnRef>
+          <a:fillRef idx="1">
+            <a:schemeClr val="accent1"/>
+          </a:fillRef>
+          <a:effectRef idx="0">
+            <a:schemeClr val="accent1"/>
+          </a:effectRef>
+          <a:fontRef idx="minor">
+            <a:schemeClr val="lt1"/>
+          </a:fontRef>
+        </p:style>
+        <p:txBody>
+          <a:bodyPr rtlCol="0" anchor="ctr"/>
+          <a:lstStyle/>
+          <a:p>
+            <a:pPr algn="ctr"/>
+            <a:endParaRPr lang="en-US"/>
+          </a:p>
+        </p:txBody>
+      </p:sp>
+    </p:spTree>
+    <p:extLst>
+      <p:ext uri="{BB962C8B-B14F-4D97-AF65-F5344CB8AC3E}">
+        <p14:creationId xmlns:p14="http://schemas.microsoft.com/office/powerpoint/2010/main" val="3068555938"/>
+      </p:ext>
+    </p:extLst>
+  </p:cSld>
+  <p:clrMapOvr>
+    <a:overrideClrMapping bg1="dk1" tx1="lt1" bg2="dk2" tx2="lt2" accent1="accent1" accent2="accent2" accent3="accent3" accent4="accent4" accent5="accent5" accent6="accent6" hlink="hlink" folHlink="folHlink"/>
+  </p:clrMapOvr>
+  <mc:AlternateContent xmlns:mc="http://schemas.openxmlformats.org/markup-compatibility/2006" xmlns:p14="http://schemas.microsoft.com/office/powerpoint/2010/main">
+    <mc:Choice Requires="p14">
+      <p:transition spd="slow" p14:dur="2000"/>
+    </mc:Choice>
+    <mc:Fallback xmlns="">
+      <p:transition spd="slow"/>
+    </mc:Fallback>
+  </mc:AlternateContent>
+</p:sld>
+</file>
+
+<file path=ppt/slides/slide9.xml><?xml version="1.0" encoding="utf-8"?>
+<p:sld xmlns:a="http://schemas.openxmlformats.org/drawingml/2006/main" xmlns:r="http://schemas.openxmlformats.org/officeDocument/2006/relationships" xmlns:p="http://schemas.openxmlformats.org/presentationml/2006/main" show="0">
+  <p:cSld>
+    <p:bg>
+      <p:bgPr>
+        <a:solidFill>
+          <a:schemeClr val="bg1"/>
+        </a:solidFill>
+        <a:effectLst/>
+      </p:bgPr>
+    </p:bg>
+    <p:spTree>
+      <p:nvGrpSpPr>
+        <p:cNvPr id="1" name=""/>
+        <p:cNvGrpSpPr/>
+        <p:nvPr/>
+      </p:nvGrpSpPr>
+      <p:grpSpPr>
+        <a:xfrm>
+          <a:off x="0" y="0"/>
+          <a:ext cx="0" cy="0"/>
+          <a:chOff x="0" y="0"/>
+          <a:chExt cx="0" cy="0"/>
+        </a:xfrm>
+      </p:grpSpPr>
+      <p:sp useBgFill="1">
+        <p:nvSpPr>
+          <p:cNvPr id="36" name="Rectangle 27">
+            <a:extLst>
+              <a:ext uri="{FF2B5EF4-FFF2-40B4-BE49-F238E27FC236}">
+                <a16:creationId xmlns:a16="http://schemas.microsoft.com/office/drawing/2014/main" id="{AD35AE2F-5E3A-49D9-8DE1-8A333BA4088E}"/>
+              </a:ext>
+              <a:ext uri="{C183D7F6-B498-43B3-948B-1728B52AA6E4}">
+                <adec:decorative xmlns="" xmlns:adec="http://schemas.microsoft.com/office/drawing/2017/decorative" val="1"/>
               </a:ext>
             </a:extLst>
           </p:cNvPr>
@@ -6793,7 +12003,7 @@
                 <a16:creationId xmlns:a16="http://schemas.microsoft.com/office/drawing/2014/main" id="{04D8AD8F-EF7F-481F-B99A-B8513897050A}"/>
               </a:ext>
               <a:ext uri="{C183D7F6-B498-43B3-948B-1728B52AA6E4}">
-                <adec:decorative xmlns:adec="http://schemas.microsoft.com/office/drawing/2017/decorative" val="1"/>
+                <adec:decorative xmlns="" xmlns:adec="http://schemas.microsoft.com/office/drawing/2017/decorative" val="1"/>
               </a:ext>
             </a:extLst>
           </p:cNvPr>
@@ -7091,7 +12301,7 @@
             <a:round/>
             <a:extLst>
               <a:ext uri="{C807C97D-BFC1-408E-A445-0C87EB9F89A2}">
-                <ask:lineSketchStyleProps xmlns:ask="http://schemas.microsoft.com/office/drawing/2018/sketchyshapes" sd="1219033472">
+                <ask:lineSketchStyleProps xmlns="" xmlns:ask="http://schemas.microsoft.com/office/drawing/2018/sketchyshapes" sd="1219033472">
                   <a:prstGeom prst="rect">
                     <a:avLst/>
                   </a:prstGeom>
@@ -7136,7 +12346,7 @@
                 <a16:creationId xmlns:a16="http://schemas.microsoft.com/office/drawing/2014/main" id="{79EB4626-023C-436D-9F57-9EB46080909D}"/>
               </a:ext>
               <a:ext uri="{C183D7F6-B498-43B3-948B-1728B52AA6E4}">
-                <adec:decorative xmlns:adec="http://schemas.microsoft.com/office/drawing/2017/decorative" val="1"/>
+                <adec:decorative xmlns="" xmlns:adec="http://schemas.microsoft.com/office/drawing/2017/decorative" val="1"/>
               </a:ext>
             </a:extLst>
           </p:cNvPr>
@@ -7626,7 +12836,7 @@
             <a:round/>
             <a:extLst>
               <a:ext uri="{C807C97D-BFC1-408E-A445-0C87EB9F89A2}">
-                <ask:lineSketchStyleProps xmlns:ask="http://schemas.microsoft.com/office/drawing/2018/sketchyshapes" sd="1219033472">
+                <ask:lineSketchStyleProps xmlns="" xmlns:ask="http://schemas.microsoft.com/office/drawing/2018/sketchyshapes" sd="1219033472">
                   <a:prstGeom prst="roundRect">
                     <a:avLst/>
                   </a:prstGeom>
@@ -7673,1047 +12883,14 @@
   <p:clrMapOvr>
     <a:overrideClrMapping bg1="dk1" tx1="lt1" bg2="dk2" tx2="lt2" accent1="accent1" accent2="accent2" accent3="accent3" accent4="accent4" accent5="accent5" accent6="accent6" hlink="hlink" folHlink="folHlink"/>
   </p:clrMapOvr>
-</p:sld>
-</file>
-
-<file path=ppt/slides/slide7.xml><?xml version="1.0" encoding="utf-8"?>
-<p:sld xmlns:a="http://schemas.openxmlformats.org/drawingml/2006/main" xmlns:r="http://schemas.openxmlformats.org/officeDocument/2006/relationships" xmlns:p="http://schemas.openxmlformats.org/presentationml/2006/main" show="0">
-  <p:cSld>
-    <p:bg>
-      <p:bgPr>
-        <a:solidFill>
-          <a:schemeClr val="bg1"/>
-        </a:solidFill>
-        <a:effectLst/>
-      </p:bgPr>
-    </p:bg>
-    <p:spTree>
-      <p:nvGrpSpPr>
-        <p:cNvPr id="1" name=""/>
-        <p:cNvGrpSpPr/>
-        <p:nvPr/>
-      </p:nvGrpSpPr>
-      <p:grpSpPr>
-        <a:xfrm>
-          <a:off x="0" y="0"/>
-          <a:ext cx="0" cy="0"/>
-          <a:chOff x="0" y="0"/>
-          <a:chExt cx="0" cy="0"/>
-        </a:xfrm>
-      </p:grpSpPr>
-      <p:sp useBgFill="1">
-        <p:nvSpPr>
-          <p:cNvPr id="36" name="Rectangle 27">
-            <a:extLst>
-              <a:ext uri="{FF2B5EF4-FFF2-40B4-BE49-F238E27FC236}">
-                <a16:creationId xmlns:a16="http://schemas.microsoft.com/office/drawing/2014/main" id="{AD35AE2F-5E3A-49D9-8DE1-8A333BA4088E}"/>
-              </a:ext>
-              <a:ext uri="{C183D7F6-B498-43B3-948B-1728B52AA6E4}">
-                <adec:decorative xmlns:adec="http://schemas.microsoft.com/office/drawing/2017/decorative" val="1"/>
-              </a:ext>
-            </a:extLst>
-          </p:cNvPr>
-          <p:cNvSpPr>
-            <a:spLocks noGrp="1" noRot="1" noChangeAspect="1" noMove="1" noResize="1" noEditPoints="1" noAdjustHandles="1" noChangeArrowheads="1" noChangeShapeType="1" noTextEdit="1"/>
-          </p:cNvSpPr>
-          <p:nvPr>
-            <p:extLst>
-              <p:ext uri="{386F3935-93C4-4BCD-93E2-E3B085C9AB24}">
-                <p16:designElem xmlns:p16="http://schemas.microsoft.com/office/powerpoint/2015/main" val="1"/>
-              </p:ext>
-            </p:extLst>
-          </p:nvPr>
-        </p:nvSpPr>
-        <p:spPr>
-          <a:xfrm>
-            <a:off x="0" y="0"/>
-            <a:ext cx="12188952" cy="6858000"/>
-          </a:xfrm>
-          <a:prstGeom prst="rect">
-            <a:avLst/>
-          </a:prstGeom>
-          <a:ln>
-            <a:noFill/>
-          </a:ln>
-        </p:spPr>
-        <p:style>
-          <a:lnRef idx="2">
-            <a:schemeClr val="accent1">
-              <a:shade val="50000"/>
-            </a:schemeClr>
-          </a:lnRef>
-          <a:fillRef idx="1">
-            <a:schemeClr val="accent1"/>
-          </a:fillRef>
-          <a:effectRef idx="0">
-            <a:schemeClr val="accent1"/>
-          </a:effectRef>
-          <a:fontRef idx="minor">
-            <a:schemeClr val="lt1"/>
-          </a:fontRef>
-        </p:style>
-        <p:txBody>
-          <a:bodyPr rtlCol="0" anchor="ctr"/>
-          <a:lstStyle/>
-          <a:p>
-            <a:pPr algn="ctr"/>
-            <a:endParaRPr lang="en-US"/>
-          </a:p>
-        </p:txBody>
-      </p:sp>
-      <p:pic>
-        <p:nvPicPr>
-          <p:cNvPr id="4" name="Imagem 4" descr="Mesa de madeira com flor&#10;&#10;Descrição gerada automaticamente">
-            <a:extLst>
-              <a:ext uri="{FF2B5EF4-FFF2-40B4-BE49-F238E27FC236}">
-                <a16:creationId xmlns:a16="http://schemas.microsoft.com/office/drawing/2014/main" id="{BCDDDE5C-8875-8181-46D1-327F47B007FC}"/>
-              </a:ext>
-            </a:extLst>
-          </p:cNvPr>
-          <p:cNvPicPr>
-            <a:picLocks noChangeAspect="1"/>
-          </p:cNvPicPr>
-          <p:nvPr/>
-        </p:nvPicPr>
-        <p:blipFill rotWithShape="1">
-          <a:blip r:embed="rId2">
-            <a:alphaModFix amt="50000"/>
-          </a:blip>
-          <a:srcRect r="-1" b="15391"/>
-          <a:stretch/>
-        </p:blipFill>
-        <p:spPr>
-          <a:xfrm>
-            <a:off x="-71867" y="10"/>
-            <a:ext cx="12188931" cy="6857990"/>
-          </a:xfrm>
-          <a:prstGeom prst="rect">
-            <a:avLst/>
-          </a:prstGeom>
-        </p:spPr>
-      </p:pic>
-      <p:sp>
-        <p:nvSpPr>
-          <p:cNvPr id="2" name="Título 1"/>
-          <p:cNvSpPr>
-            <a:spLocks noGrp="1"/>
-          </p:cNvSpPr>
-          <p:nvPr>
-            <p:ph type="ctrTitle"/>
-          </p:nvPr>
-        </p:nvSpPr>
-        <p:spPr>
-          <a:xfrm>
-            <a:off x="1524000" y="1122363"/>
-            <a:ext cx="9719094" cy="2660674"/>
-          </a:xfrm>
-        </p:spPr>
-        <p:txBody>
-          <a:bodyPr>
-            <a:normAutofit/>
-          </a:bodyPr>
-          <a:lstStyle/>
-          <a:p>
-            <a:pPr algn="ctr"/>
-            <a:r>
-              <a:rPr lang="de-DE" b="1" dirty="0">
-                <a:latin typeface="Calibri"/>
-                <a:cs typeface="Calibri Light"/>
-              </a:rPr>
-              <a:t>FIM :-)</a:t>
-            </a:r>
-            <a:endParaRPr lang="pt-BR" dirty="0"/>
-          </a:p>
-        </p:txBody>
-      </p:sp>
-      <p:sp>
-        <p:nvSpPr>
-          <p:cNvPr id="37" name="Rectangle 6">
-            <a:extLst>
-              <a:ext uri="{FF2B5EF4-FFF2-40B4-BE49-F238E27FC236}">
-                <a16:creationId xmlns:a16="http://schemas.microsoft.com/office/drawing/2014/main" id="{04D8AD8F-EF7F-481F-B99A-B8513897050A}"/>
-              </a:ext>
-              <a:ext uri="{C183D7F6-B498-43B3-948B-1728B52AA6E4}">
-                <adec:decorative xmlns:adec="http://schemas.microsoft.com/office/drawing/2017/decorative" val="1"/>
-              </a:ext>
-            </a:extLst>
-          </p:cNvPr>
-          <p:cNvSpPr>
-            <a:spLocks noGrp="1" noRot="1" noChangeAspect="1" noMove="1" noResize="1" noEditPoints="1" noAdjustHandles="1" noChangeArrowheads="1" noChangeShapeType="1" noTextEdit="1"/>
-          </p:cNvSpPr>
-          <p:nvPr>
-            <p:extLst>
-              <p:ext uri="{386F3935-93C4-4BCD-93E2-E3B085C9AB24}">
-                <p16:designElem xmlns:p16="http://schemas.microsoft.com/office/powerpoint/2015/main" val="1"/>
-              </p:ext>
-            </p:extLst>
-          </p:nvPr>
-        </p:nvSpPr>
-        <p:spPr>
-          <a:xfrm>
-            <a:off x="3974206" y="4419423"/>
-            <a:ext cx="4243589" cy="27432"/>
-          </a:xfrm>
-          <a:custGeom>
-            <a:avLst/>
-            <a:gdLst>
-              <a:gd name="connsiteX0" fmla="*/ 0 w 4243589"/>
-              <a:gd name="connsiteY0" fmla="*/ 0 h 27432"/>
-              <a:gd name="connsiteX1" fmla="*/ 563791 w 4243589"/>
-              <a:gd name="connsiteY1" fmla="*/ 0 h 27432"/>
-              <a:gd name="connsiteX2" fmla="*/ 1042710 w 4243589"/>
-              <a:gd name="connsiteY2" fmla="*/ 0 h 27432"/>
-              <a:gd name="connsiteX3" fmla="*/ 1564066 w 4243589"/>
-              <a:gd name="connsiteY3" fmla="*/ 0 h 27432"/>
-              <a:gd name="connsiteX4" fmla="*/ 2212729 w 4243589"/>
-              <a:gd name="connsiteY4" fmla="*/ 0 h 27432"/>
-              <a:gd name="connsiteX5" fmla="*/ 2776520 w 4243589"/>
-              <a:gd name="connsiteY5" fmla="*/ 0 h 27432"/>
-              <a:gd name="connsiteX6" fmla="*/ 3297875 w 4243589"/>
-              <a:gd name="connsiteY6" fmla="*/ 0 h 27432"/>
-              <a:gd name="connsiteX7" fmla="*/ 4243589 w 4243589"/>
-              <a:gd name="connsiteY7" fmla="*/ 0 h 27432"/>
-              <a:gd name="connsiteX8" fmla="*/ 4243589 w 4243589"/>
-              <a:gd name="connsiteY8" fmla="*/ 27432 h 27432"/>
-              <a:gd name="connsiteX9" fmla="*/ 3637362 w 4243589"/>
-              <a:gd name="connsiteY9" fmla="*/ 27432 h 27432"/>
-              <a:gd name="connsiteX10" fmla="*/ 3116007 w 4243589"/>
-              <a:gd name="connsiteY10" fmla="*/ 27432 h 27432"/>
-              <a:gd name="connsiteX11" fmla="*/ 2424908 w 4243589"/>
-              <a:gd name="connsiteY11" fmla="*/ 27432 h 27432"/>
-              <a:gd name="connsiteX12" fmla="*/ 1861117 w 4243589"/>
-              <a:gd name="connsiteY12" fmla="*/ 27432 h 27432"/>
-              <a:gd name="connsiteX13" fmla="*/ 1382198 w 4243589"/>
-              <a:gd name="connsiteY13" fmla="*/ 27432 h 27432"/>
-              <a:gd name="connsiteX14" fmla="*/ 733535 w 4243589"/>
-              <a:gd name="connsiteY14" fmla="*/ 27432 h 27432"/>
-              <a:gd name="connsiteX15" fmla="*/ 0 w 4243589"/>
-              <a:gd name="connsiteY15" fmla="*/ 27432 h 27432"/>
-              <a:gd name="connsiteX16" fmla="*/ 0 w 4243589"/>
-              <a:gd name="connsiteY16" fmla="*/ 0 h 27432"/>
-            </a:gdLst>
-            <a:ahLst/>
-            <a:cxnLst>
-              <a:cxn ang="0">
-                <a:pos x="connsiteX0" y="connsiteY0"/>
-              </a:cxn>
-              <a:cxn ang="0">
-                <a:pos x="connsiteX1" y="connsiteY1"/>
-              </a:cxn>
-              <a:cxn ang="0">
-                <a:pos x="connsiteX2" y="connsiteY2"/>
-              </a:cxn>
-              <a:cxn ang="0">
-                <a:pos x="connsiteX3" y="connsiteY3"/>
-              </a:cxn>
-              <a:cxn ang="0">
-                <a:pos x="connsiteX4" y="connsiteY4"/>
-              </a:cxn>
-              <a:cxn ang="0">
-                <a:pos x="connsiteX5" y="connsiteY5"/>
-              </a:cxn>
-              <a:cxn ang="0">
-                <a:pos x="connsiteX6" y="connsiteY6"/>
-              </a:cxn>
-              <a:cxn ang="0">
-                <a:pos x="connsiteX7" y="connsiteY7"/>
-              </a:cxn>
-              <a:cxn ang="0">
-                <a:pos x="connsiteX8" y="connsiteY8"/>
-              </a:cxn>
-              <a:cxn ang="0">
-                <a:pos x="connsiteX9" y="connsiteY9"/>
-              </a:cxn>
-              <a:cxn ang="0">
-                <a:pos x="connsiteX10" y="connsiteY10"/>
-              </a:cxn>
-              <a:cxn ang="0">
-                <a:pos x="connsiteX11" y="connsiteY11"/>
-              </a:cxn>
-              <a:cxn ang="0">
-                <a:pos x="connsiteX12" y="connsiteY12"/>
-              </a:cxn>
-              <a:cxn ang="0">
-                <a:pos x="connsiteX13" y="connsiteY13"/>
-              </a:cxn>
-              <a:cxn ang="0">
-                <a:pos x="connsiteX14" y="connsiteY14"/>
-              </a:cxn>
-              <a:cxn ang="0">
-                <a:pos x="connsiteX15" y="connsiteY15"/>
-              </a:cxn>
-              <a:cxn ang="0">
-                <a:pos x="connsiteX16" y="connsiteY16"/>
-              </a:cxn>
-            </a:cxnLst>
-            <a:rect l="l" t="t" r="r" b="b"/>
-            <a:pathLst>
-              <a:path w="4243589" h="27432" fill="none" extrusionOk="0">
-                <a:moveTo>
-                  <a:pt x="0" y="0"/>
-                </a:moveTo>
-                <a:cubicBezTo>
-                  <a:pt x="157351" y="-15653"/>
-                  <a:pt x="378877" y="-5828"/>
-                  <a:pt x="563791" y="0"/>
-                </a:cubicBezTo>
-                <a:cubicBezTo>
-                  <a:pt x="748705" y="5828"/>
-                  <a:pt x="905659" y="-5525"/>
-                  <a:pt x="1042710" y="0"/>
-                </a:cubicBezTo>
-                <a:cubicBezTo>
-                  <a:pt x="1179761" y="5525"/>
-                  <a:pt x="1356845" y="-21288"/>
-                  <a:pt x="1564066" y="0"/>
-                </a:cubicBezTo>
-                <a:cubicBezTo>
-                  <a:pt x="1771287" y="21288"/>
-                  <a:pt x="1912099" y="25135"/>
-                  <a:pt x="2212729" y="0"/>
-                </a:cubicBezTo>
-                <a:cubicBezTo>
-                  <a:pt x="2513359" y="-25135"/>
-                  <a:pt x="2514918" y="-27119"/>
-                  <a:pt x="2776520" y="0"/>
-                </a:cubicBezTo>
-                <a:cubicBezTo>
-                  <a:pt x="3038122" y="27119"/>
-                  <a:pt x="3178771" y="18116"/>
-                  <a:pt x="3297875" y="0"/>
-                </a:cubicBezTo>
-                <a:cubicBezTo>
-                  <a:pt x="3416980" y="-18116"/>
-                  <a:pt x="4012240" y="-40869"/>
-                  <a:pt x="4243589" y="0"/>
-                </a:cubicBezTo>
-                <a:cubicBezTo>
-                  <a:pt x="4242616" y="8304"/>
-                  <a:pt x="4243111" y="21512"/>
-                  <a:pt x="4243589" y="27432"/>
-                </a:cubicBezTo>
-                <a:cubicBezTo>
-                  <a:pt x="4112949" y="6289"/>
-                  <a:pt x="3928037" y="10975"/>
-                  <a:pt x="3637362" y="27432"/>
-                </a:cubicBezTo>
-                <a:cubicBezTo>
-                  <a:pt x="3346687" y="43889"/>
-                  <a:pt x="3254446" y="35813"/>
-                  <a:pt x="3116007" y="27432"/>
-                </a:cubicBezTo>
-                <a:cubicBezTo>
-                  <a:pt x="2977569" y="19051"/>
-                  <a:pt x="2620228" y="38017"/>
-                  <a:pt x="2424908" y="27432"/>
-                </a:cubicBezTo>
-                <a:cubicBezTo>
-                  <a:pt x="2229588" y="16847"/>
-                  <a:pt x="2088287" y="5290"/>
-                  <a:pt x="1861117" y="27432"/>
-                </a:cubicBezTo>
-                <a:cubicBezTo>
-                  <a:pt x="1633947" y="49574"/>
-                  <a:pt x="1502447" y="8273"/>
-                  <a:pt x="1382198" y="27432"/>
-                </a:cubicBezTo>
-                <a:cubicBezTo>
-                  <a:pt x="1261949" y="46591"/>
-                  <a:pt x="1045440" y="37497"/>
-                  <a:pt x="733535" y="27432"/>
-                </a:cubicBezTo>
-                <a:cubicBezTo>
-                  <a:pt x="421630" y="17367"/>
-                  <a:pt x="341257" y="-9215"/>
-                  <a:pt x="0" y="27432"/>
-                </a:cubicBezTo>
-                <a:cubicBezTo>
-                  <a:pt x="-1048" y="14992"/>
-                  <a:pt x="-1120" y="7447"/>
-                  <a:pt x="0" y="0"/>
-                </a:cubicBezTo>
-                <a:close/>
-              </a:path>
-              <a:path w="4243589" h="27432" stroke="0" extrusionOk="0">
-                <a:moveTo>
-                  <a:pt x="0" y="0"/>
-                </a:moveTo>
-                <a:cubicBezTo>
-                  <a:pt x="128164" y="17204"/>
-                  <a:pt x="312653" y="1129"/>
-                  <a:pt x="563791" y="0"/>
-                </a:cubicBezTo>
-                <a:cubicBezTo>
-                  <a:pt x="814929" y="-1129"/>
-                  <a:pt x="837271" y="8503"/>
-                  <a:pt x="1042710" y="0"/>
-                </a:cubicBezTo>
-                <a:cubicBezTo>
-                  <a:pt x="1248149" y="-8503"/>
-                  <a:pt x="1588432" y="-28862"/>
-                  <a:pt x="1733809" y="0"/>
-                </a:cubicBezTo>
-                <a:cubicBezTo>
-                  <a:pt x="1879186" y="28862"/>
-                  <a:pt x="2052815" y="5974"/>
-                  <a:pt x="2297600" y="0"/>
-                </a:cubicBezTo>
-                <a:cubicBezTo>
-                  <a:pt x="2542385" y="-5974"/>
-                  <a:pt x="2699960" y="-23550"/>
-                  <a:pt x="2861391" y="0"/>
-                </a:cubicBezTo>
-                <a:cubicBezTo>
-                  <a:pt x="3022822" y="23550"/>
-                  <a:pt x="3390411" y="25272"/>
-                  <a:pt x="3552490" y="0"/>
-                </a:cubicBezTo>
-                <a:cubicBezTo>
-                  <a:pt x="3714569" y="-25272"/>
-                  <a:pt x="3950585" y="-31327"/>
-                  <a:pt x="4243589" y="0"/>
-                </a:cubicBezTo>
-                <a:cubicBezTo>
-                  <a:pt x="4244074" y="9333"/>
-                  <a:pt x="4244867" y="19699"/>
-                  <a:pt x="4243589" y="27432"/>
-                </a:cubicBezTo>
-                <a:cubicBezTo>
-                  <a:pt x="4130424" y="7904"/>
-                  <a:pt x="3932803" y="51393"/>
-                  <a:pt x="3722234" y="27432"/>
-                </a:cubicBezTo>
-                <a:cubicBezTo>
-                  <a:pt x="3511665" y="3471"/>
-                  <a:pt x="3269903" y="55138"/>
-                  <a:pt x="3116007" y="27432"/>
-                </a:cubicBezTo>
-                <a:cubicBezTo>
-                  <a:pt x="2962111" y="-274"/>
-                  <a:pt x="2744280" y="32368"/>
-                  <a:pt x="2509780" y="27432"/>
-                </a:cubicBezTo>
-                <a:cubicBezTo>
-                  <a:pt x="2275280" y="22496"/>
-                  <a:pt x="2066059" y="52808"/>
-                  <a:pt x="1945989" y="27432"/>
-                </a:cubicBezTo>
-                <a:cubicBezTo>
-                  <a:pt x="1825919" y="2056"/>
-                  <a:pt x="1407329" y="21760"/>
-                  <a:pt x="1254890" y="27432"/>
-                </a:cubicBezTo>
-                <a:cubicBezTo>
-                  <a:pt x="1102451" y="33104"/>
-                  <a:pt x="837950" y="40817"/>
-                  <a:pt x="563791" y="27432"/>
-                </a:cubicBezTo>
-                <a:cubicBezTo>
-                  <a:pt x="289632" y="14047"/>
-                  <a:pt x="132768" y="16249"/>
-                  <a:pt x="0" y="27432"/>
-                </a:cubicBezTo>
-                <a:cubicBezTo>
-                  <a:pt x="211" y="18145"/>
-                  <a:pt x="120" y="6480"/>
-                  <a:pt x="0" y="0"/>
-                </a:cubicBezTo>
-                <a:close/>
-              </a:path>
-            </a:pathLst>
-          </a:custGeom>
-          <a:solidFill>
-            <a:schemeClr val="tx1"/>
-          </a:solidFill>
-          <a:ln w="38100" cap="rnd">
-            <a:solidFill>
-              <a:schemeClr val="tx1"/>
-            </a:solidFill>
-            <a:round/>
-            <a:extLst>
-              <a:ext uri="{C807C97D-BFC1-408E-A445-0C87EB9F89A2}">
-                <ask:lineSketchStyleProps xmlns:ask="http://schemas.microsoft.com/office/drawing/2018/sketchyshapes" sd="1219033472">
-                  <a:prstGeom prst="rect">
-                    <a:avLst/>
-                  </a:prstGeom>
-                  <ask:type>
-                    <ask:lineSketchFreehand/>
-                  </ask:type>
-                </ask:lineSketchStyleProps>
-              </a:ext>
-            </a:extLst>
-          </a:ln>
-        </p:spPr>
-        <p:style>
-          <a:lnRef idx="2">
-            <a:schemeClr val="accent1">
-              <a:shade val="50000"/>
-            </a:schemeClr>
-          </a:lnRef>
-          <a:fillRef idx="1">
-            <a:schemeClr val="accent1"/>
-          </a:fillRef>
-          <a:effectRef idx="0">
-            <a:schemeClr val="accent1"/>
-          </a:effectRef>
-          <a:fontRef idx="minor">
-            <a:schemeClr val="lt1"/>
-          </a:fontRef>
-        </p:style>
-        <p:txBody>
-          <a:bodyPr rtlCol="0" anchor="ctr"/>
-          <a:lstStyle/>
-          <a:p>
-            <a:pPr algn="ctr"/>
-            <a:endParaRPr lang="en-US"/>
-          </a:p>
-        </p:txBody>
-      </p:sp>
-      <p:sp>
-        <p:nvSpPr>
-          <p:cNvPr id="38" name="Rectangle 6">
-            <a:extLst>
-              <a:ext uri="{FF2B5EF4-FFF2-40B4-BE49-F238E27FC236}">
-                <a16:creationId xmlns:a16="http://schemas.microsoft.com/office/drawing/2014/main" id="{79EB4626-023C-436D-9F57-9EB46080909D}"/>
-              </a:ext>
-              <a:ext uri="{C183D7F6-B498-43B3-948B-1728B52AA6E4}">
-                <adec:decorative xmlns:adec="http://schemas.microsoft.com/office/drawing/2017/decorative" val="1"/>
-              </a:ext>
-            </a:extLst>
-          </p:cNvPr>
-          <p:cNvSpPr>
-            <a:spLocks noGrp="1" noRot="1" noChangeAspect="1" noMove="1" noResize="1" noEditPoints="1" noAdjustHandles="1" noChangeArrowheads="1" noChangeShapeType="1" noTextEdit="1"/>
-          </p:cNvSpPr>
-          <p:nvPr>
-            <p:extLst>
-              <p:ext uri="{386F3935-93C4-4BCD-93E2-E3B085C9AB24}">
-                <p16:designElem xmlns:p16="http://schemas.microsoft.com/office/powerpoint/2015/main" val="1"/>
-              </p:ext>
-            </p:extLst>
-          </p:nvPr>
-        </p:nvSpPr>
-        <p:spPr>
-          <a:xfrm flipV="1">
-            <a:off x="838200" y="720953"/>
-            <a:ext cx="10515600" cy="5416094"/>
-          </a:xfrm>
-          <a:custGeom>
-            <a:avLst/>
-            <a:gdLst>
-              <a:gd name="connsiteX0" fmla="*/ 0 w 10515600"/>
-              <a:gd name="connsiteY0" fmla="*/ 902700 h 5416094"/>
-              <a:gd name="connsiteX1" fmla="*/ 902700 w 10515600"/>
-              <a:gd name="connsiteY1" fmla="*/ 0 h 5416094"/>
-              <a:gd name="connsiteX2" fmla="*/ 1746919 w 10515600"/>
-              <a:gd name="connsiteY2" fmla="*/ 0 h 5416094"/>
-              <a:gd name="connsiteX3" fmla="*/ 2329833 w 10515600"/>
-              <a:gd name="connsiteY3" fmla="*/ 0 h 5416094"/>
-              <a:gd name="connsiteX4" fmla="*/ 2825644 w 10515600"/>
-              <a:gd name="connsiteY4" fmla="*/ 0 h 5416094"/>
-              <a:gd name="connsiteX5" fmla="*/ 3582762 w 10515600"/>
-              <a:gd name="connsiteY5" fmla="*/ 0 h 5416094"/>
-              <a:gd name="connsiteX6" fmla="*/ 4165675 w 10515600"/>
-              <a:gd name="connsiteY6" fmla="*/ 0 h 5416094"/>
-              <a:gd name="connsiteX7" fmla="*/ 5009894 w 10515600"/>
-              <a:gd name="connsiteY7" fmla="*/ 0 h 5416094"/>
-              <a:gd name="connsiteX8" fmla="*/ 5505706 w 10515600"/>
-              <a:gd name="connsiteY8" fmla="*/ 0 h 5416094"/>
-              <a:gd name="connsiteX9" fmla="*/ 6349925 w 10515600"/>
-              <a:gd name="connsiteY9" fmla="*/ 0 h 5416094"/>
-              <a:gd name="connsiteX10" fmla="*/ 6758634 w 10515600"/>
-              <a:gd name="connsiteY10" fmla="*/ 0 h 5416094"/>
-              <a:gd name="connsiteX11" fmla="*/ 7428650 w 10515600"/>
-              <a:gd name="connsiteY11" fmla="*/ 0 h 5416094"/>
-              <a:gd name="connsiteX12" fmla="*/ 8098665 w 10515600"/>
-              <a:gd name="connsiteY12" fmla="*/ 0 h 5416094"/>
-              <a:gd name="connsiteX13" fmla="*/ 8681579 w 10515600"/>
-              <a:gd name="connsiteY13" fmla="*/ 0 h 5416094"/>
-              <a:gd name="connsiteX14" fmla="*/ 9612900 w 10515600"/>
-              <a:gd name="connsiteY14" fmla="*/ 0 h 5416094"/>
-              <a:gd name="connsiteX15" fmla="*/ 10515600 w 10515600"/>
-              <a:gd name="connsiteY15" fmla="*/ 902700 h 5416094"/>
-              <a:gd name="connsiteX16" fmla="*/ 10515600 w 10515600"/>
-              <a:gd name="connsiteY16" fmla="*/ 1504482 h 5416094"/>
-              <a:gd name="connsiteX17" fmla="*/ 10515600 w 10515600"/>
-              <a:gd name="connsiteY17" fmla="*/ 2178479 h 5416094"/>
-              <a:gd name="connsiteX18" fmla="*/ 10515600 w 10515600"/>
-              <a:gd name="connsiteY18" fmla="*/ 2780261 h 5416094"/>
-              <a:gd name="connsiteX19" fmla="*/ 10515600 w 10515600"/>
-              <a:gd name="connsiteY19" fmla="*/ 3273722 h 5416094"/>
-              <a:gd name="connsiteX20" fmla="*/ 10515600 w 10515600"/>
-              <a:gd name="connsiteY20" fmla="*/ 3803291 h 5416094"/>
-              <a:gd name="connsiteX21" fmla="*/ 10515600 w 10515600"/>
-              <a:gd name="connsiteY21" fmla="*/ 4513394 h 5416094"/>
-              <a:gd name="connsiteX22" fmla="*/ 9612900 w 10515600"/>
-              <a:gd name="connsiteY22" fmla="*/ 5416094 h 5416094"/>
-              <a:gd name="connsiteX23" fmla="*/ 9117089 w 10515600"/>
-              <a:gd name="connsiteY23" fmla="*/ 5416094 h 5416094"/>
-              <a:gd name="connsiteX24" fmla="*/ 8708379 w 10515600"/>
-              <a:gd name="connsiteY24" fmla="*/ 5416094 h 5416094"/>
-              <a:gd name="connsiteX25" fmla="*/ 8299670 w 10515600"/>
-              <a:gd name="connsiteY25" fmla="*/ 5416094 h 5416094"/>
-              <a:gd name="connsiteX26" fmla="*/ 7629654 w 10515600"/>
-              <a:gd name="connsiteY26" fmla="*/ 5416094 h 5416094"/>
-              <a:gd name="connsiteX27" fmla="*/ 7133843 w 10515600"/>
-              <a:gd name="connsiteY27" fmla="*/ 5416094 h 5416094"/>
-              <a:gd name="connsiteX28" fmla="*/ 6376726 w 10515600"/>
-              <a:gd name="connsiteY28" fmla="*/ 5416094 h 5416094"/>
-              <a:gd name="connsiteX29" fmla="*/ 5880914 w 10515600"/>
-              <a:gd name="connsiteY29" fmla="*/ 5416094 h 5416094"/>
-              <a:gd name="connsiteX30" fmla="*/ 5123797 w 10515600"/>
-              <a:gd name="connsiteY30" fmla="*/ 5416094 h 5416094"/>
-              <a:gd name="connsiteX31" fmla="*/ 4715088 w 10515600"/>
-              <a:gd name="connsiteY31" fmla="*/ 5416094 h 5416094"/>
-              <a:gd name="connsiteX32" fmla="*/ 3957970 w 10515600"/>
-              <a:gd name="connsiteY32" fmla="*/ 5416094 h 5416094"/>
-              <a:gd name="connsiteX33" fmla="*/ 3462159 w 10515600"/>
-              <a:gd name="connsiteY33" fmla="*/ 5416094 h 5416094"/>
-              <a:gd name="connsiteX34" fmla="*/ 3053449 w 10515600"/>
-              <a:gd name="connsiteY34" fmla="*/ 5416094 h 5416094"/>
-              <a:gd name="connsiteX35" fmla="*/ 2557638 w 10515600"/>
-              <a:gd name="connsiteY35" fmla="*/ 5416094 h 5416094"/>
-              <a:gd name="connsiteX36" fmla="*/ 1800521 w 10515600"/>
-              <a:gd name="connsiteY36" fmla="*/ 5416094 h 5416094"/>
-              <a:gd name="connsiteX37" fmla="*/ 902700 w 10515600"/>
-              <a:gd name="connsiteY37" fmla="*/ 5416094 h 5416094"/>
-              <a:gd name="connsiteX38" fmla="*/ 0 w 10515600"/>
-              <a:gd name="connsiteY38" fmla="*/ 4513394 h 5416094"/>
-              <a:gd name="connsiteX39" fmla="*/ 0 w 10515600"/>
-              <a:gd name="connsiteY39" fmla="*/ 3911612 h 5416094"/>
-              <a:gd name="connsiteX40" fmla="*/ 0 w 10515600"/>
-              <a:gd name="connsiteY40" fmla="*/ 3309829 h 5416094"/>
-              <a:gd name="connsiteX41" fmla="*/ 0 w 10515600"/>
-              <a:gd name="connsiteY41" fmla="*/ 2780261 h 5416094"/>
-              <a:gd name="connsiteX42" fmla="*/ 0 w 10515600"/>
-              <a:gd name="connsiteY42" fmla="*/ 2106265 h 5416094"/>
-              <a:gd name="connsiteX43" fmla="*/ 0 w 10515600"/>
-              <a:gd name="connsiteY43" fmla="*/ 1504482 h 5416094"/>
-              <a:gd name="connsiteX44" fmla="*/ 0 w 10515600"/>
-              <a:gd name="connsiteY44" fmla="*/ 902700 h 5416094"/>
-            </a:gdLst>
-            <a:ahLst/>
-            <a:cxnLst>
-              <a:cxn ang="0">
-                <a:pos x="connsiteX0" y="connsiteY0"/>
-              </a:cxn>
-              <a:cxn ang="0">
-                <a:pos x="connsiteX1" y="connsiteY1"/>
-              </a:cxn>
-              <a:cxn ang="0">
-                <a:pos x="connsiteX2" y="connsiteY2"/>
-              </a:cxn>
-              <a:cxn ang="0">
-                <a:pos x="connsiteX3" y="connsiteY3"/>
-              </a:cxn>
-              <a:cxn ang="0">
-                <a:pos x="connsiteX4" y="connsiteY4"/>
-              </a:cxn>
-              <a:cxn ang="0">
-                <a:pos x="connsiteX5" y="connsiteY5"/>
-              </a:cxn>
-              <a:cxn ang="0">
-                <a:pos x="connsiteX6" y="connsiteY6"/>
-              </a:cxn>
-              <a:cxn ang="0">
-                <a:pos x="connsiteX7" y="connsiteY7"/>
-              </a:cxn>
-              <a:cxn ang="0">
-                <a:pos x="connsiteX8" y="connsiteY8"/>
-              </a:cxn>
-              <a:cxn ang="0">
-                <a:pos x="connsiteX9" y="connsiteY9"/>
-              </a:cxn>
-              <a:cxn ang="0">
-                <a:pos x="connsiteX10" y="connsiteY10"/>
-              </a:cxn>
-              <a:cxn ang="0">
-                <a:pos x="connsiteX11" y="connsiteY11"/>
-              </a:cxn>
-              <a:cxn ang="0">
-                <a:pos x="connsiteX12" y="connsiteY12"/>
-              </a:cxn>
-              <a:cxn ang="0">
-                <a:pos x="connsiteX13" y="connsiteY13"/>
-              </a:cxn>
-              <a:cxn ang="0">
-                <a:pos x="connsiteX14" y="connsiteY14"/>
-              </a:cxn>
-              <a:cxn ang="0">
-                <a:pos x="connsiteX15" y="connsiteY15"/>
-              </a:cxn>
-              <a:cxn ang="0">
-                <a:pos x="connsiteX16" y="connsiteY16"/>
-              </a:cxn>
-              <a:cxn ang="0">
-                <a:pos x="connsiteX17" y="connsiteY17"/>
-              </a:cxn>
-              <a:cxn ang="0">
-                <a:pos x="connsiteX18" y="connsiteY18"/>
-              </a:cxn>
-              <a:cxn ang="0">
-                <a:pos x="connsiteX19" y="connsiteY19"/>
-              </a:cxn>
-              <a:cxn ang="0">
-                <a:pos x="connsiteX20" y="connsiteY20"/>
-              </a:cxn>
-              <a:cxn ang="0">
-                <a:pos x="connsiteX21" y="connsiteY21"/>
-              </a:cxn>
-              <a:cxn ang="0">
-                <a:pos x="connsiteX22" y="connsiteY22"/>
-              </a:cxn>
-              <a:cxn ang="0">
-                <a:pos x="connsiteX23" y="connsiteY23"/>
-              </a:cxn>
-              <a:cxn ang="0">
-                <a:pos x="connsiteX24" y="connsiteY24"/>
-              </a:cxn>
-              <a:cxn ang="0">
-                <a:pos x="connsiteX25" y="connsiteY25"/>
-              </a:cxn>
-              <a:cxn ang="0">
-                <a:pos x="connsiteX26" y="connsiteY26"/>
-              </a:cxn>
-              <a:cxn ang="0">
-                <a:pos x="connsiteX27" y="connsiteY27"/>
-              </a:cxn>
-              <a:cxn ang="0">
-                <a:pos x="connsiteX28" y="connsiteY28"/>
-              </a:cxn>
-              <a:cxn ang="0">
-                <a:pos x="connsiteX29" y="connsiteY29"/>
-              </a:cxn>
-              <a:cxn ang="0">
-                <a:pos x="connsiteX30" y="connsiteY30"/>
-              </a:cxn>
-              <a:cxn ang="0">
-                <a:pos x="connsiteX31" y="connsiteY31"/>
-              </a:cxn>
-              <a:cxn ang="0">
-                <a:pos x="connsiteX32" y="connsiteY32"/>
-              </a:cxn>
-              <a:cxn ang="0">
-                <a:pos x="connsiteX33" y="connsiteY33"/>
-              </a:cxn>
-              <a:cxn ang="0">
-                <a:pos x="connsiteX34" y="connsiteY34"/>
-              </a:cxn>
-              <a:cxn ang="0">
-                <a:pos x="connsiteX35" y="connsiteY35"/>
-              </a:cxn>
-              <a:cxn ang="0">
-                <a:pos x="connsiteX36" y="connsiteY36"/>
-              </a:cxn>
-              <a:cxn ang="0">
-                <a:pos x="connsiteX37" y="connsiteY37"/>
-              </a:cxn>
-              <a:cxn ang="0">
-                <a:pos x="connsiteX38" y="connsiteY38"/>
-              </a:cxn>
-              <a:cxn ang="0">
-                <a:pos x="connsiteX39" y="connsiteY39"/>
-              </a:cxn>
-              <a:cxn ang="0">
-                <a:pos x="connsiteX40" y="connsiteY40"/>
-              </a:cxn>
-              <a:cxn ang="0">
-                <a:pos x="connsiteX41" y="connsiteY41"/>
-              </a:cxn>
-              <a:cxn ang="0">
-                <a:pos x="connsiteX42" y="connsiteY42"/>
-              </a:cxn>
-              <a:cxn ang="0">
-                <a:pos x="connsiteX43" y="connsiteY43"/>
-              </a:cxn>
-              <a:cxn ang="0">
-                <a:pos x="connsiteX44" y="connsiteY44"/>
-              </a:cxn>
-            </a:cxnLst>
-            <a:rect l="l" t="t" r="r" b="b"/>
-            <a:pathLst>
-              <a:path w="10515600" h="5416094" extrusionOk="0">
-                <a:moveTo>
-                  <a:pt x="0" y="902700"/>
-                </a:moveTo>
-                <a:cubicBezTo>
-                  <a:pt x="-57306" y="368805"/>
-                  <a:pt x="305054" y="37193"/>
-                  <a:pt x="902700" y="0"/>
-                </a:cubicBezTo>
-                <a:cubicBezTo>
-                  <a:pt x="1280419" y="-35006"/>
-                  <a:pt x="1407743" y="-35339"/>
-                  <a:pt x="1746919" y="0"/>
-                </a:cubicBezTo>
-                <a:cubicBezTo>
-                  <a:pt x="2086095" y="35339"/>
-                  <a:pt x="2146539" y="-12333"/>
-                  <a:pt x="2329833" y="0"/>
-                </a:cubicBezTo>
-                <a:cubicBezTo>
-                  <a:pt x="2513127" y="12333"/>
-                  <a:pt x="2706706" y="12952"/>
-                  <a:pt x="2825644" y="0"/>
-                </a:cubicBezTo>
-                <a:cubicBezTo>
-                  <a:pt x="2944582" y="-12952"/>
-                  <a:pt x="3420817" y="-27100"/>
-                  <a:pt x="3582762" y="0"/>
-                </a:cubicBezTo>
-                <a:cubicBezTo>
-                  <a:pt x="3744707" y="27100"/>
-                  <a:pt x="4023584" y="-9167"/>
-                  <a:pt x="4165675" y="0"/>
-                </a:cubicBezTo>
-                <a:cubicBezTo>
-                  <a:pt x="4307766" y="9167"/>
-                  <a:pt x="4770188" y="27031"/>
-                  <a:pt x="5009894" y="0"/>
-                </a:cubicBezTo>
-                <a:cubicBezTo>
-                  <a:pt x="5249600" y="-27031"/>
-                  <a:pt x="5349881" y="-194"/>
-                  <a:pt x="5505706" y="0"/>
-                </a:cubicBezTo>
-                <a:cubicBezTo>
-                  <a:pt x="5661531" y="194"/>
-                  <a:pt x="6129254" y="-29363"/>
-                  <a:pt x="6349925" y="0"/>
-                </a:cubicBezTo>
-                <a:cubicBezTo>
-                  <a:pt x="6570596" y="29363"/>
-                  <a:pt x="6581199" y="-14617"/>
-                  <a:pt x="6758634" y="0"/>
-                </a:cubicBezTo>
-                <a:cubicBezTo>
-                  <a:pt x="6936069" y="14617"/>
-                  <a:pt x="7246491" y="25675"/>
-                  <a:pt x="7428650" y="0"/>
-                </a:cubicBezTo>
-                <a:cubicBezTo>
-                  <a:pt x="7610809" y="-25675"/>
-                  <a:pt x="7825190" y="-17078"/>
-                  <a:pt x="8098665" y="0"/>
-                </a:cubicBezTo>
-                <a:cubicBezTo>
-                  <a:pt x="8372141" y="17078"/>
-                  <a:pt x="8559625" y="-21568"/>
-                  <a:pt x="8681579" y="0"/>
-                </a:cubicBezTo>
-                <a:cubicBezTo>
-                  <a:pt x="8803533" y="21568"/>
-                  <a:pt x="9307226" y="-46066"/>
-                  <a:pt x="9612900" y="0"/>
-                </a:cubicBezTo>
-                <a:cubicBezTo>
-                  <a:pt x="10119954" y="-10560"/>
-                  <a:pt x="10418674" y="366684"/>
-                  <a:pt x="10515600" y="902700"/>
-                </a:cubicBezTo>
-                <a:cubicBezTo>
-                  <a:pt x="10494548" y="1140809"/>
-                  <a:pt x="10524881" y="1252168"/>
-                  <a:pt x="10515600" y="1504482"/>
-                </a:cubicBezTo>
-                <a:cubicBezTo>
-                  <a:pt x="10506319" y="1756796"/>
-                  <a:pt x="10494309" y="1995078"/>
-                  <a:pt x="10515600" y="2178479"/>
-                </a:cubicBezTo>
-                <a:cubicBezTo>
-                  <a:pt x="10536891" y="2361880"/>
-                  <a:pt x="10522845" y="2487483"/>
-                  <a:pt x="10515600" y="2780261"/>
-                </a:cubicBezTo>
-                <a:cubicBezTo>
-                  <a:pt x="10508355" y="3073039"/>
-                  <a:pt x="10533694" y="3138252"/>
-                  <a:pt x="10515600" y="3273722"/>
-                </a:cubicBezTo>
-                <a:cubicBezTo>
-                  <a:pt x="10497506" y="3409192"/>
-                  <a:pt x="10514952" y="3569910"/>
-                  <a:pt x="10515600" y="3803291"/>
-                </a:cubicBezTo>
-                <a:cubicBezTo>
-                  <a:pt x="10516248" y="4036672"/>
-                  <a:pt x="10499126" y="4317688"/>
-                  <a:pt x="10515600" y="4513394"/>
-                </a:cubicBezTo>
-                <a:cubicBezTo>
-                  <a:pt x="10585499" y="4997151"/>
-                  <a:pt x="10115437" y="5453981"/>
-                  <a:pt x="9612900" y="5416094"/>
-                </a:cubicBezTo>
-                <a:cubicBezTo>
-                  <a:pt x="9473271" y="5418358"/>
-                  <a:pt x="9316384" y="5423764"/>
-                  <a:pt x="9117089" y="5416094"/>
-                </a:cubicBezTo>
-                <a:cubicBezTo>
-                  <a:pt x="8917794" y="5408424"/>
-                  <a:pt x="8902141" y="5433256"/>
-                  <a:pt x="8708379" y="5416094"/>
-                </a:cubicBezTo>
-                <a:cubicBezTo>
-                  <a:pt x="8514617" y="5398933"/>
-                  <a:pt x="8454700" y="5422387"/>
-                  <a:pt x="8299670" y="5416094"/>
-                </a:cubicBezTo>
-                <a:cubicBezTo>
-                  <a:pt x="8144640" y="5409801"/>
-                  <a:pt x="7907022" y="5398388"/>
-                  <a:pt x="7629654" y="5416094"/>
-                </a:cubicBezTo>
-                <a:cubicBezTo>
-                  <a:pt x="7352286" y="5433800"/>
-                  <a:pt x="7244777" y="5409877"/>
-                  <a:pt x="7133843" y="5416094"/>
-                </a:cubicBezTo>
-                <a:cubicBezTo>
-                  <a:pt x="7022909" y="5422311"/>
-                  <a:pt x="6748865" y="5379753"/>
-                  <a:pt x="6376726" y="5416094"/>
-                </a:cubicBezTo>
-                <a:cubicBezTo>
-                  <a:pt x="6004587" y="5452435"/>
-                  <a:pt x="5991442" y="5438860"/>
-                  <a:pt x="5880914" y="5416094"/>
-                </a:cubicBezTo>
-                <a:cubicBezTo>
-                  <a:pt x="5770386" y="5393328"/>
-                  <a:pt x="5294303" y="5440618"/>
-                  <a:pt x="5123797" y="5416094"/>
-                </a:cubicBezTo>
-                <a:cubicBezTo>
-                  <a:pt x="4953291" y="5391570"/>
-                  <a:pt x="4828705" y="5430421"/>
-                  <a:pt x="4715088" y="5416094"/>
-                </a:cubicBezTo>
-                <a:cubicBezTo>
-                  <a:pt x="4601471" y="5401767"/>
-                  <a:pt x="4227806" y="5381491"/>
-                  <a:pt x="3957970" y="5416094"/>
-                </a:cubicBezTo>
-                <a:cubicBezTo>
-                  <a:pt x="3688134" y="5450697"/>
-                  <a:pt x="3670638" y="5425309"/>
-                  <a:pt x="3462159" y="5416094"/>
-                </a:cubicBezTo>
-                <a:cubicBezTo>
-                  <a:pt x="3253680" y="5406879"/>
-                  <a:pt x="3167443" y="5432031"/>
-                  <a:pt x="3053449" y="5416094"/>
-                </a:cubicBezTo>
-                <a:cubicBezTo>
-                  <a:pt x="2939455" y="5400158"/>
-                  <a:pt x="2701485" y="5433995"/>
-                  <a:pt x="2557638" y="5416094"/>
-                </a:cubicBezTo>
-                <a:cubicBezTo>
-                  <a:pt x="2413791" y="5398193"/>
-                  <a:pt x="2168647" y="5424510"/>
-                  <a:pt x="1800521" y="5416094"/>
-                </a:cubicBezTo>
-                <a:cubicBezTo>
-                  <a:pt x="1432395" y="5407678"/>
-                  <a:pt x="1261364" y="5454497"/>
-                  <a:pt x="902700" y="5416094"/>
-                </a:cubicBezTo>
-                <a:cubicBezTo>
-                  <a:pt x="519468" y="5419760"/>
-                  <a:pt x="63003" y="5077223"/>
-                  <a:pt x="0" y="4513394"/>
-                </a:cubicBezTo>
-                <a:cubicBezTo>
-                  <a:pt x="-20265" y="4243495"/>
-                  <a:pt x="27650" y="4053844"/>
-                  <a:pt x="0" y="3911612"/>
-                </a:cubicBezTo>
-                <a:cubicBezTo>
-                  <a:pt x="-27650" y="3769380"/>
-                  <a:pt x="24988" y="3469350"/>
-                  <a:pt x="0" y="3309829"/>
-                </a:cubicBezTo>
-                <a:cubicBezTo>
-                  <a:pt x="-24988" y="3150308"/>
-                  <a:pt x="-16973" y="2933511"/>
-                  <a:pt x="0" y="2780261"/>
-                </a:cubicBezTo>
-                <a:cubicBezTo>
-                  <a:pt x="16973" y="2627011"/>
-                  <a:pt x="-11552" y="2315258"/>
-                  <a:pt x="0" y="2106265"/>
-                </a:cubicBezTo>
-                <a:cubicBezTo>
-                  <a:pt x="11552" y="1897272"/>
-                  <a:pt x="-9167" y="1726905"/>
-                  <a:pt x="0" y="1504482"/>
-                </a:cubicBezTo>
-                <a:cubicBezTo>
-                  <a:pt x="9167" y="1282059"/>
-                  <a:pt x="10972" y="1160784"/>
-                  <a:pt x="0" y="902700"/>
-                </a:cubicBezTo>
-                <a:close/>
-              </a:path>
-            </a:pathLst>
-          </a:custGeom>
-          <a:noFill/>
-          <a:ln w="60325" cap="rnd">
-            <a:solidFill>
-              <a:schemeClr val="tx1"/>
-            </a:solidFill>
-            <a:round/>
-            <a:extLst>
-              <a:ext uri="{C807C97D-BFC1-408E-A445-0C87EB9F89A2}">
-                <ask:lineSketchStyleProps xmlns:ask="http://schemas.microsoft.com/office/drawing/2018/sketchyshapes" sd="1219033472">
-                  <a:prstGeom prst="roundRect">
-                    <a:avLst/>
-                  </a:prstGeom>
-                  <ask:type>
-                    <ask:lineSketchFreehand/>
-                  </ask:type>
-                </ask:lineSketchStyleProps>
-              </a:ext>
-            </a:extLst>
-          </a:ln>
-        </p:spPr>
-        <p:style>
-          <a:lnRef idx="2">
-            <a:schemeClr val="accent1">
-              <a:shade val="50000"/>
-            </a:schemeClr>
-          </a:lnRef>
-          <a:fillRef idx="1">
-            <a:schemeClr val="accent1"/>
-          </a:fillRef>
-          <a:effectRef idx="0">
-            <a:schemeClr val="accent1"/>
-          </a:effectRef>
-          <a:fontRef idx="minor">
-            <a:schemeClr val="lt1"/>
-          </a:fontRef>
-        </p:style>
-        <p:txBody>
-          <a:bodyPr rtlCol="0" anchor="ctr"/>
-          <a:lstStyle/>
-          <a:p>
-            <a:pPr algn="ctr"/>
-            <a:endParaRPr lang="en-US"/>
-          </a:p>
-        </p:txBody>
-      </p:sp>
-    </p:spTree>
-    <p:extLst>
-      <p:ext uri="{BB962C8B-B14F-4D97-AF65-F5344CB8AC3E}">
-        <p14:creationId xmlns:p14="http://schemas.microsoft.com/office/powerpoint/2010/main" val="3608592324"/>
-      </p:ext>
-    </p:extLst>
-  </p:cSld>
-  <p:clrMapOvr>
-    <a:overrideClrMapping bg1="dk1" tx1="lt1" bg2="dk2" tx2="lt2" accent1="accent1" accent2="accent2" accent3="accent3" accent4="accent4" accent5="accent5" accent6="accent6" hlink="hlink" folHlink="folHlink"/>
-  </p:clrMapOvr>
+  <mc:AlternateContent xmlns:mc="http://schemas.openxmlformats.org/markup-compatibility/2006" xmlns:p14="http://schemas.microsoft.com/office/powerpoint/2010/main">
+    <mc:Choice Requires="p14">
+      <p:transition spd="slow" p14:dur="2000"/>
+    </mc:Choice>
+    <mc:Fallback xmlns="">
+      <p:transition spd="slow"/>
+    </mc:Fallback>
+  </mc:AlternateContent>
 </p:sld>
 </file>
 
